--- a/présentation.pptx
+++ b/présentation.pptx
@@ -5,28 +5,27 @@
     <p:sldMasterId id="2147483648" r:id="rId1"/>
   </p:sldMasterIdLst>
   <p:notesMasterIdLst>
-    <p:notesMasterId r:id="rId21"/>
+    <p:notesMasterId r:id="rId20"/>
   </p:notesMasterIdLst>
   <p:sldIdLst>
     <p:sldId id="256" r:id="rId2"/>
-    <p:sldId id="257" r:id="rId3"/>
-    <p:sldId id="261" r:id="rId4"/>
-    <p:sldId id="262" r:id="rId5"/>
-    <p:sldId id="264" r:id="rId6"/>
-    <p:sldId id="265" r:id="rId7"/>
-    <p:sldId id="258" r:id="rId8"/>
-    <p:sldId id="266" r:id="rId9"/>
-    <p:sldId id="267" r:id="rId10"/>
-    <p:sldId id="259" r:id="rId11"/>
-    <p:sldId id="268" r:id="rId12"/>
-    <p:sldId id="269" r:id="rId13"/>
-    <p:sldId id="274" r:id="rId14"/>
-    <p:sldId id="270" r:id="rId15"/>
-    <p:sldId id="260" r:id="rId16"/>
-    <p:sldId id="263" r:id="rId17"/>
-    <p:sldId id="272" r:id="rId18"/>
-    <p:sldId id="273" r:id="rId19"/>
-    <p:sldId id="271" r:id="rId20"/>
+    <p:sldId id="279" r:id="rId3"/>
+    <p:sldId id="266" r:id="rId4"/>
+    <p:sldId id="259" r:id="rId5"/>
+    <p:sldId id="268" r:id="rId6"/>
+    <p:sldId id="262" r:id="rId7"/>
+    <p:sldId id="282" r:id="rId8"/>
+    <p:sldId id="275" r:id="rId9"/>
+    <p:sldId id="269" r:id="rId10"/>
+    <p:sldId id="274" r:id="rId11"/>
+    <p:sldId id="260" r:id="rId12"/>
+    <p:sldId id="263" r:id="rId13"/>
+    <p:sldId id="272" r:id="rId14"/>
+    <p:sldId id="280" r:id="rId15"/>
+    <p:sldId id="281" r:id="rId16"/>
+    <p:sldId id="283" r:id="rId17"/>
+    <p:sldId id="277" r:id="rId18"/>
+    <p:sldId id="271" r:id="rId19"/>
   </p:sldIdLst>
   <p:sldSz cx="12192000" cy="6858000"/>
   <p:notesSz cx="6858000" cy="9144000"/>
@@ -125,6 +124,11 @@
       </a:defRPr>
     </a:lvl9pPr>
   </p:defaultTextStyle>
+  <p:extLst>
+    <p:ext uri="{EFAFB233-063F-42B5-8137-9DF3F51BA10A}">
+      <p15:sldGuideLst xmlns:p15="http://schemas.microsoft.com/office/powerpoint/2012/main"/>
+    </p:ext>
+  </p:extLst>
 </p:presentation>
 </file>
 
@@ -210,7 +214,7 @@
           <a:p>
             <a:fld id="{56FE5D87-1601-4890-AFDF-A507E492D5C7}" type="datetimeFigureOut">
               <a:rPr lang="fr-FR" smtClean="0"/>
-              <a:t>14/12/2014</a:t>
+              <a:t>17/12/2014</a:t>
             </a:fld>
             <a:endParaRPr lang="fr-FR"/>
           </a:p>
@@ -524,60 +528,12 @@
           <a:p>
             <a:r>
               <a:rPr lang="fr-FR" dirty="0" smtClean="0"/>
-              <a:t>Alice veut envoyer une information à Bob</a:t>
-            </a:r>
-          </a:p>
-          <a:p>
-            <a:endParaRPr lang="fr-FR" dirty="0" smtClean="0"/>
-          </a:p>
-          <a:p>
-            <a:r>
-              <a:rPr lang="fr-FR" dirty="0" smtClean="0"/>
-              <a:t>Alice sélectionne une clé aléatoire K et encrypte la donnée D pour obtenir le chiffré C </a:t>
-            </a:r>
-          </a:p>
-          <a:p>
-            <a:endParaRPr lang="fr-FR" dirty="0" smtClean="0"/>
-          </a:p>
-          <a:p>
-            <a:r>
-              <a:rPr lang="fr-FR" dirty="0" smtClean="0"/>
-              <a:t>Alice divise la clé en n parties K1…</a:t>
-            </a:r>
-            <a:r>
-              <a:rPr lang="fr-FR" dirty="0" err="1" smtClean="0"/>
-              <a:t>Kn</a:t>
-            </a:r>
-            <a:endParaRPr lang="fr-FR" dirty="0" smtClean="0"/>
-          </a:p>
-          <a:p>
-            <a:endParaRPr lang="fr-FR" dirty="0" smtClean="0"/>
-          </a:p>
-          <a:p>
-            <a:r>
-              <a:rPr lang="fr-FR" dirty="0" smtClean="0"/>
-              <a:t>Alice choisit une clé de localisation I et sélectionne un PNG pour obtenir n indices dans la  DHT : I1…In. </a:t>
-            </a:r>
-          </a:p>
-          <a:p>
-            <a:endParaRPr lang="fr-FR" dirty="0" smtClean="0"/>
-          </a:p>
-          <a:p>
-            <a:r>
-              <a:rPr lang="fr-FR" dirty="0" smtClean="0"/>
-              <a:t>Alice envoie les n parts de clé à ces localisations aléatoires dans la DHT</a:t>
-            </a:r>
-          </a:p>
-          <a:p>
-            <a:endParaRPr lang="fr-FR" dirty="0" smtClean="0"/>
-          </a:p>
-          <a:p>
-            <a:r>
-              <a:rPr lang="fr-FR" dirty="0" smtClean="0"/>
-              <a:t>Alice envoie un VDO (L, C, n, seuil)</a:t>
-            </a:r>
-          </a:p>
-          <a:p>
+              <a:t>Dire l’objectif,</a:t>
+            </a:r>
+            <a:r>
+              <a:rPr lang="fr-FR" baseline="0" dirty="0" smtClean="0"/>
+              <a:t> ce que l’on veut prouver directement : </a:t>
+            </a:r>
             <a:endParaRPr lang="fr-FR" dirty="0"/>
           </a:p>
         </p:txBody>
@@ -599,7 +555,7 @@
           <a:p>
             <a:fld id="{B86C6EC0-2587-492D-BA5C-73FFFD801B36}" type="slidenum">
               <a:rPr lang="fr-FR" smtClean="0"/>
-              <a:t>13</a:t>
+              <a:t>1</a:t>
             </a:fld>
             <a:endParaRPr lang="fr-FR"/>
           </a:p>
@@ -608,7 +564,7 @@
     </p:spTree>
     <p:extLst>
       <p:ext uri="{BB962C8B-B14F-4D97-AF65-F5344CB8AC3E}">
-        <p14:creationId xmlns:p14="http://schemas.microsoft.com/office/powerpoint/2010/main" val="965702319"/>
+        <p14:creationId xmlns:p14="http://schemas.microsoft.com/office/powerpoint/2010/main" val="1133219927"/>
       </p:ext>
     </p:extLst>
   </p:cSld>
@@ -662,45 +618,26 @@
           <a:bodyPr/>
           <a:lstStyle/>
           <a:p>
-            <a:r>
-              <a:rPr lang="en-US" dirty="0" smtClean="0"/>
-              <a:t> Lack of defense against Sybil attacks (where one node</a:t>
-            </a:r>
-          </a:p>
-          <a:p>
-            <a:r>
-              <a:rPr lang="en-US" dirty="0" smtClean="0"/>
-              <a:t>tries to join the DHT as many different clients</a:t>
-            </a:r>
-          </a:p>
-          <a:p>
-            <a:endParaRPr lang="en-US" dirty="0" smtClean="0"/>
-          </a:p>
-          <a:p>
-            <a:r>
-              <a:rPr lang="fr-FR" dirty="0" smtClean="0"/>
-              <a:t>Quelques changements</a:t>
-            </a:r>
-          </a:p>
-          <a:p>
             <a:pPr lvl="1"/>
             <a:r>
               <a:rPr lang="fr-FR" dirty="0" smtClean="0"/>
-              <a:t>Keys are spread over multiple key/value </a:t>
+              <a:t>Toutes les copies d’un mail </a:t>
             </a:r>
             <a:r>
               <a:rPr lang="fr-FR" dirty="0" err="1" smtClean="0"/>
-              <a:t>storage</a:t>
-            </a:r>
-            <a:r>
-              <a:rPr lang="fr-FR" dirty="0" smtClean="0"/>
-              <a:t> </a:t>
-            </a:r>
-            <a:r>
-              <a:rPr lang="fr-FR" dirty="0" err="1" smtClean="0"/>
-              <a:t>systems</a:t>
-            </a:r>
-            <a:endParaRPr lang="fr-FR" dirty="0" smtClean="0"/>
+              <a:t>ont-elles</a:t>
+            </a:r>
+            <a:r>
+              <a:rPr lang="fr-FR" dirty="0" smtClean="0"/>
+              <a:t> toutes été effacées ?</a:t>
+            </a:r>
+          </a:p>
+          <a:p>
+            <a:pPr lvl="1"/>
+            <a:r>
+              <a:rPr lang="fr-FR" dirty="0" smtClean="0"/>
+              <a:t>La destruction d’un compte Facebook n’entraîne pas celle des données</a:t>
+            </a:r>
           </a:p>
           <a:p>
             <a:endParaRPr lang="fr-FR" dirty="0"/>
@@ -724,7 +661,7 @@
           <a:p>
             <a:fld id="{B86C6EC0-2587-492D-BA5C-73FFFD801B36}" type="slidenum">
               <a:rPr lang="fr-FR" smtClean="0"/>
-              <a:t>14</a:t>
+              <a:t>3</a:t>
             </a:fld>
             <a:endParaRPr lang="fr-FR"/>
           </a:p>
@@ -733,7 +670,248 @@
     </p:spTree>
     <p:extLst>
       <p:ext uri="{BB962C8B-B14F-4D97-AF65-F5344CB8AC3E}">
-        <p14:creationId xmlns:p14="http://schemas.microsoft.com/office/powerpoint/2010/main" val="3095022413"/>
+        <p14:creationId xmlns:p14="http://schemas.microsoft.com/office/powerpoint/2010/main" val="1570164268"/>
+      </p:ext>
+    </p:extLst>
+  </p:cSld>
+  <p:clrMapOvr>
+    <a:masterClrMapping/>
+  </p:clrMapOvr>
+</p:notes>
+</file>
+
+<file path=ppt/notesSlides/notesSlide3.xml><?xml version="1.0" encoding="utf-8"?>
+<p:notes xmlns:a="http://schemas.openxmlformats.org/drawingml/2006/main" xmlns:r="http://schemas.openxmlformats.org/officeDocument/2006/relationships" xmlns:p="http://schemas.openxmlformats.org/presentationml/2006/main">
+  <p:cSld>
+    <p:spTree>
+      <p:nvGrpSpPr>
+        <p:cNvPr id="1" name=""/>
+        <p:cNvGrpSpPr/>
+        <p:nvPr/>
+      </p:nvGrpSpPr>
+      <p:grpSpPr>
+        <a:xfrm>
+          <a:off x="0" y="0"/>
+          <a:ext cx="0" cy="0"/>
+          <a:chOff x="0" y="0"/>
+          <a:chExt cx="0" cy="0"/>
+        </a:xfrm>
+      </p:grpSpPr>
+      <p:sp>
+        <p:nvSpPr>
+          <p:cNvPr id="2" name="Espace réservé de l'image des diapositives 1"/>
+          <p:cNvSpPr>
+            <a:spLocks noGrp="1" noRot="1" noChangeAspect="1"/>
+          </p:cNvSpPr>
+          <p:nvPr>
+            <p:ph type="sldImg"/>
+          </p:nvPr>
+        </p:nvSpPr>
+        <p:spPr/>
+      </p:sp>
+      <p:sp>
+        <p:nvSpPr>
+          <p:cNvPr id="3" name="Espace réservé des commentaires 2"/>
+          <p:cNvSpPr>
+            <a:spLocks noGrp="1"/>
+          </p:cNvSpPr>
+          <p:nvPr>
+            <p:ph type="body" idx="1"/>
+          </p:nvPr>
+        </p:nvSpPr>
+        <p:spPr/>
+        <p:txBody>
+          <a:bodyPr/>
+          <a:lstStyle/>
+          <a:p>
+            <a:pPr marL="0" marR="0" indent="0" algn="l" defTabSz="914400" rtl="0" eaLnBrk="1" fontAlgn="auto" latinLnBrk="0" hangingPunct="1">
+              <a:lnSpc>
+                <a:spcPct val="100000"/>
+              </a:lnSpc>
+              <a:spcBef>
+                <a:spcPts val="0"/>
+              </a:spcBef>
+              <a:spcAft>
+                <a:spcPts val="0"/>
+              </a:spcAft>
+              <a:buClrTx/>
+              <a:buSzTx/>
+              <a:buFontTx/>
+              <a:buNone/>
+              <a:tabLst/>
+              <a:defRPr/>
+            </a:pPr>
+            <a:endParaRPr lang="fr-FR" dirty="0"/>
+          </a:p>
+        </p:txBody>
+      </p:sp>
+      <p:sp>
+        <p:nvSpPr>
+          <p:cNvPr id="4" name="Espace réservé du numéro de diapositive 3"/>
+          <p:cNvSpPr>
+            <a:spLocks noGrp="1"/>
+          </p:cNvSpPr>
+          <p:nvPr>
+            <p:ph type="sldNum" sz="quarter" idx="10"/>
+          </p:nvPr>
+        </p:nvSpPr>
+        <p:spPr/>
+        <p:txBody>
+          <a:bodyPr/>
+          <a:lstStyle/>
+          <a:p>
+            <a:fld id="{B86C6EC0-2587-492D-BA5C-73FFFD801B36}" type="slidenum">
+              <a:rPr lang="fr-FR" smtClean="0"/>
+              <a:t>7</a:t>
+            </a:fld>
+            <a:endParaRPr lang="fr-FR"/>
+          </a:p>
+        </p:txBody>
+      </p:sp>
+    </p:spTree>
+    <p:extLst>
+      <p:ext uri="{BB962C8B-B14F-4D97-AF65-F5344CB8AC3E}">
+        <p14:creationId xmlns:p14="http://schemas.microsoft.com/office/powerpoint/2010/main" val="214322809"/>
+      </p:ext>
+    </p:extLst>
+  </p:cSld>
+  <p:clrMapOvr>
+    <a:masterClrMapping/>
+  </p:clrMapOvr>
+</p:notes>
+</file>
+
+<file path=ppt/notesSlides/notesSlide4.xml><?xml version="1.0" encoding="utf-8"?>
+<p:notes xmlns:a="http://schemas.openxmlformats.org/drawingml/2006/main" xmlns:r="http://schemas.openxmlformats.org/officeDocument/2006/relationships" xmlns:p="http://schemas.openxmlformats.org/presentationml/2006/main">
+  <p:cSld>
+    <p:spTree>
+      <p:nvGrpSpPr>
+        <p:cNvPr id="1" name=""/>
+        <p:cNvGrpSpPr/>
+        <p:nvPr/>
+      </p:nvGrpSpPr>
+      <p:grpSpPr>
+        <a:xfrm>
+          <a:off x="0" y="0"/>
+          <a:ext cx="0" cy="0"/>
+          <a:chOff x="0" y="0"/>
+          <a:chExt cx="0" cy="0"/>
+        </a:xfrm>
+      </p:grpSpPr>
+      <p:sp>
+        <p:nvSpPr>
+          <p:cNvPr id="2" name="Espace réservé de l'image des diapositives 1"/>
+          <p:cNvSpPr>
+            <a:spLocks noGrp="1" noRot="1" noChangeAspect="1"/>
+          </p:cNvSpPr>
+          <p:nvPr>
+            <p:ph type="sldImg"/>
+          </p:nvPr>
+        </p:nvSpPr>
+        <p:spPr/>
+      </p:sp>
+      <p:sp>
+        <p:nvSpPr>
+          <p:cNvPr id="3" name="Espace réservé des commentaires 2"/>
+          <p:cNvSpPr>
+            <a:spLocks noGrp="1"/>
+          </p:cNvSpPr>
+          <p:nvPr>
+            <p:ph type="body" idx="1"/>
+          </p:nvPr>
+        </p:nvSpPr>
+        <p:spPr/>
+        <p:txBody>
+          <a:bodyPr/>
+          <a:lstStyle/>
+          <a:p>
+            <a:r>
+              <a:rPr lang="fr-FR" dirty="0" smtClean="0"/>
+              <a:t>Alice veut envoyer une information à Bob</a:t>
+            </a:r>
+          </a:p>
+          <a:p>
+            <a:endParaRPr lang="fr-FR" dirty="0" smtClean="0"/>
+          </a:p>
+          <a:p>
+            <a:r>
+              <a:rPr lang="fr-FR" dirty="0" smtClean="0"/>
+              <a:t>Alice sélectionne une clé aléatoire K et encrypte la donnée D pour obtenir le chiffré C </a:t>
+            </a:r>
+          </a:p>
+          <a:p>
+            <a:endParaRPr lang="fr-FR" dirty="0" smtClean="0"/>
+          </a:p>
+          <a:p>
+            <a:r>
+              <a:rPr lang="fr-FR" dirty="0" smtClean="0"/>
+              <a:t>Alice divise la clé en n parties K1…</a:t>
+            </a:r>
+            <a:r>
+              <a:rPr lang="fr-FR" dirty="0" err="1" smtClean="0"/>
+              <a:t>Kn</a:t>
+            </a:r>
+            <a:endParaRPr lang="fr-FR" dirty="0" smtClean="0"/>
+          </a:p>
+          <a:p>
+            <a:endParaRPr lang="fr-FR" dirty="0" smtClean="0"/>
+          </a:p>
+          <a:p>
+            <a:r>
+              <a:rPr lang="fr-FR" dirty="0" smtClean="0"/>
+              <a:t>Alice choisit une clé de localisation I et sélectionne un PNG pour obtenir n indices dans la  DHT : I1…In. </a:t>
+            </a:r>
+          </a:p>
+          <a:p>
+            <a:endParaRPr lang="fr-FR" dirty="0" smtClean="0"/>
+          </a:p>
+          <a:p>
+            <a:r>
+              <a:rPr lang="fr-FR" dirty="0" smtClean="0"/>
+              <a:t>Alice envoie les n parts de clé à ces localisations aléatoires dans la DHT</a:t>
+            </a:r>
+          </a:p>
+          <a:p>
+            <a:endParaRPr lang="fr-FR" dirty="0" smtClean="0"/>
+          </a:p>
+          <a:p>
+            <a:r>
+              <a:rPr lang="fr-FR" dirty="0" smtClean="0"/>
+              <a:t>Alice envoie un VDO (L, C, n, seuil)</a:t>
+            </a:r>
+          </a:p>
+          <a:p>
+            <a:endParaRPr lang="fr-FR" dirty="0"/>
+          </a:p>
+        </p:txBody>
+      </p:sp>
+      <p:sp>
+        <p:nvSpPr>
+          <p:cNvPr id="4" name="Espace réservé du numéro de diapositive 3"/>
+          <p:cNvSpPr>
+            <a:spLocks noGrp="1"/>
+          </p:cNvSpPr>
+          <p:nvPr>
+            <p:ph type="sldNum" sz="quarter" idx="10"/>
+          </p:nvPr>
+        </p:nvSpPr>
+        <p:spPr/>
+        <p:txBody>
+          <a:bodyPr/>
+          <a:lstStyle/>
+          <a:p>
+            <a:fld id="{B86C6EC0-2587-492D-BA5C-73FFFD801B36}" type="slidenum">
+              <a:rPr lang="fr-FR" smtClean="0"/>
+              <a:t>10</a:t>
+            </a:fld>
+            <a:endParaRPr lang="fr-FR"/>
+          </a:p>
+        </p:txBody>
+      </p:sp>
+    </p:spTree>
+    <p:extLst>
+      <p:ext uri="{BB962C8B-B14F-4D97-AF65-F5344CB8AC3E}">
+        <p14:creationId xmlns:p14="http://schemas.microsoft.com/office/powerpoint/2010/main" val="965702319"/>
       </p:ext>
     </p:extLst>
   </p:cSld>
@@ -872,9 +1050,9 @@
           <a:bodyPr/>
           <a:lstStyle/>
           <a:p>
-            <a:fld id="{F4790E31-8FEC-4C78-8147-09C5D28DDF34}" type="datetimeFigureOut">
-              <a:rPr lang="fr-FR" smtClean="0"/>
-              <a:t>14/12/2014</a:t>
+            <a:fld id="{191EAE5F-BFBC-498D-B1F7-6F801FB6A6F9}" type="datetime1">
+              <a:rPr lang="fr-FR" smtClean="0"/>
+              <a:t>17/12/2014</a:t>
             </a:fld>
             <a:endParaRPr lang="fr-FR"/>
           </a:p>
@@ -1042,9 +1220,9 @@
           <a:bodyPr/>
           <a:lstStyle/>
           <a:p>
-            <a:fld id="{F4790E31-8FEC-4C78-8147-09C5D28DDF34}" type="datetimeFigureOut">
-              <a:rPr lang="fr-FR" smtClean="0"/>
-              <a:t>14/12/2014</a:t>
+            <a:fld id="{A79905C4-6FFE-4383-B742-67B16467889D}" type="datetime1">
+              <a:rPr lang="fr-FR" smtClean="0"/>
+              <a:t>17/12/2014</a:t>
             </a:fld>
             <a:endParaRPr lang="fr-FR"/>
           </a:p>
@@ -1222,9 +1400,9 @@
           <a:bodyPr/>
           <a:lstStyle/>
           <a:p>
-            <a:fld id="{F4790E31-8FEC-4C78-8147-09C5D28DDF34}" type="datetimeFigureOut">
-              <a:rPr lang="fr-FR" smtClean="0"/>
-              <a:t>14/12/2014</a:t>
+            <a:fld id="{83755001-BFE9-4EB4-8E7F-AF6980B9CEAD}" type="datetime1">
+              <a:rPr lang="fr-FR" smtClean="0"/>
+              <a:t>17/12/2014</a:t>
             </a:fld>
             <a:endParaRPr lang="fr-FR"/>
           </a:p>
@@ -1392,9 +1570,9 @@
           <a:bodyPr/>
           <a:lstStyle/>
           <a:p>
-            <a:fld id="{F4790E31-8FEC-4C78-8147-09C5D28DDF34}" type="datetimeFigureOut">
-              <a:rPr lang="fr-FR" smtClean="0"/>
-              <a:t>14/12/2014</a:t>
+            <a:fld id="{5F1BA976-03E1-4F46-83F9-7ADA96E30A4C}" type="datetime1">
+              <a:rPr lang="fr-FR" smtClean="0"/>
+              <a:t>17/12/2014</a:t>
             </a:fld>
             <a:endParaRPr lang="fr-FR"/>
           </a:p>
@@ -1638,9 +1816,9 @@
           <a:bodyPr/>
           <a:lstStyle/>
           <a:p>
-            <a:fld id="{F4790E31-8FEC-4C78-8147-09C5D28DDF34}" type="datetimeFigureOut">
-              <a:rPr lang="fr-FR" smtClean="0"/>
-              <a:t>14/12/2014</a:t>
+            <a:fld id="{8C12CDA6-01A6-4124-A5DA-371DC49D7533}" type="datetime1">
+              <a:rPr lang="fr-FR" smtClean="0"/>
+              <a:t>17/12/2014</a:t>
             </a:fld>
             <a:endParaRPr lang="fr-FR"/>
           </a:p>
@@ -1870,9 +2048,9 @@
           <a:bodyPr/>
           <a:lstStyle/>
           <a:p>
-            <a:fld id="{F4790E31-8FEC-4C78-8147-09C5D28DDF34}" type="datetimeFigureOut">
-              <a:rPr lang="fr-FR" smtClean="0"/>
-              <a:t>14/12/2014</a:t>
+            <a:fld id="{729CA445-3FF2-4701-B843-18238C7501C3}" type="datetime1">
+              <a:rPr lang="fr-FR" smtClean="0"/>
+              <a:t>17/12/2014</a:t>
             </a:fld>
             <a:endParaRPr lang="fr-FR"/>
           </a:p>
@@ -2237,9 +2415,9 @@
           <a:bodyPr/>
           <a:lstStyle/>
           <a:p>
-            <a:fld id="{F4790E31-8FEC-4C78-8147-09C5D28DDF34}" type="datetimeFigureOut">
-              <a:rPr lang="fr-FR" smtClean="0"/>
-              <a:t>14/12/2014</a:t>
+            <a:fld id="{F11F099B-2392-46A9-96E8-BEDB097DB0E2}" type="datetime1">
+              <a:rPr lang="fr-FR" smtClean="0"/>
+              <a:t>17/12/2014</a:t>
             </a:fld>
             <a:endParaRPr lang="fr-FR"/>
           </a:p>
@@ -2355,9 +2533,9 @@
           <a:bodyPr/>
           <a:lstStyle/>
           <a:p>
-            <a:fld id="{F4790E31-8FEC-4C78-8147-09C5D28DDF34}" type="datetimeFigureOut">
-              <a:rPr lang="fr-FR" smtClean="0"/>
-              <a:t>14/12/2014</a:t>
+            <a:fld id="{5796C659-1D7D-49BA-82B9-D51F2EBB18C1}" type="datetime1">
+              <a:rPr lang="fr-FR" smtClean="0"/>
+              <a:t>17/12/2014</a:t>
             </a:fld>
             <a:endParaRPr lang="fr-FR"/>
           </a:p>
@@ -2450,9 +2628,9 @@
           <a:bodyPr/>
           <a:lstStyle/>
           <a:p>
-            <a:fld id="{F4790E31-8FEC-4C78-8147-09C5D28DDF34}" type="datetimeFigureOut">
-              <a:rPr lang="fr-FR" smtClean="0"/>
-              <a:t>14/12/2014</a:t>
+            <a:fld id="{B44FCC33-35E5-48B6-85E8-7E8A2E8E544B}" type="datetime1">
+              <a:rPr lang="fr-FR" smtClean="0"/>
+              <a:t>17/12/2014</a:t>
             </a:fld>
             <a:endParaRPr lang="fr-FR"/>
           </a:p>
@@ -2727,9 +2905,9 @@
           <a:bodyPr/>
           <a:lstStyle/>
           <a:p>
-            <a:fld id="{F4790E31-8FEC-4C78-8147-09C5D28DDF34}" type="datetimeFigureOut">
-              <a:rPr lang="fr-FR" smtClean="0"/>
-              <a:t>14/12/2014</a:t>
+            <a:fld id="{A6A9D4EB-FBDF-4A14-B397-6B709D065F61}" type="datetime1">
+              <a:rPr lang="fr-FR" smtClean="0"/>
+              <a:t>17/12/2014</a:t>
             </a:fld>
             <a:endParaRPr lang="fr-FR"/>
           </a:p>
@@ -2980,9 +3158,9 @@
           <a:bodyPr/>
           <a:lstStyle/>
           <a:p>
-            <a:fld id="{F4790E31-8FEC-4C78-8147-09C5D28DDF34}" type="datetimeFigureOut">
-              <a:rPr lang="fr-FR" smtClean="0"/>
-              <a:t>14/12/2014</a:t>
+            <a:fld id="{FBE6395C-7482-494C-B080-7C94E825CE8C}" type="datetime1">
+              <a:rPr lang="fr-FR" smtClean="0"/>
+              <a:t>17/12/2014</a:t>
             </a:fld>
             <a:endParaRPr lang="fr-FR"/>
           </a:p>
@@ -3193,9 +3371,9 @@
             </a:lvl1pPr>
           </a:lstStyle>
           <a:p>
-            <a:fld id="{F4790E31-8FEC-4C78-8147-09C5D28DDF34}" type="datetimeFigureOut">
-              <a:rPr lang="fr-FR" smtClean="0"/>
-              <a:t>14/12/2014</a:t>
+            <a:fld id="{CFD5C1AC-1A75-4908-9C55-B73054550F06}" type="datetime1">
+              <a:rPr lang="fr-FR" smtClean="0"/>
+              <a:t>17/12/2014</a:t>
             </a:fld>
             <a:endParaRPr lang="fr-FR"/>
           </a:p>
@@ -3300,6 +3478,7 @@
     <p:sldLayoutId id="2147483658" r:id="rId10"/>
     <p:sldLayoutId id="2147483659" r:id="rId11"/>
   </p:sldLayoutIdLst>
+  <p:hf hdr="0" ftr="0" dt="0"/>
   <p:txStyles>
     <p:titleStyle>
       <a:lvl1pPr algn="l" defTabSz="914400" rtl="0" eaLnBrk="1" latinLnBrk="0" hangingPunct="1">
@@ -3612,11 +3791,54 @@
         </p:nvSpPr>
         <p:spPr/>
         <p:txBody>
-          <a:bodyPr/>
-          <a:lstStyle/>
-          <a:p>
-            <a:r>
-              <a:rPr lang="fr-FR" dirty="0" smtClean="0"/>
+          <a:bodyPr>
+            <a:normAutofit fontScale="90000"/>
+          </a:bodyPr>
+          <a:lstStyle/>
+          <a:p>
+            <a:r>
+              <a:rPr lang="fr-FR" dirty="0" smtClean="0"/>
+              <a:t>Implémentation</a:t>
+            </a:r>
+            <a:br>
+              <a:rPr lang="fr-FR" dirty="0" smtClean="0"/>
+            </a:br>
+            <a:r>
+              <a:rPr lang="fr-FR" sz="4900" dirty="0" smtClean="0"/>
+              <a:t>du </a:t>
+            </a:r>
+            <a:r>
+              <a:rPr lang="fr-FR" dirty="0" smtClean="0"/>
+              <a:t/>
+            </a:r>
+            <a:br>
+              <a:rPr lang="fr-FR" dirty="0" smtClean="0"/>
+            </a:br>
+            <a:r>
+              <a:rPr lang="fr-FR" dirty="0" smtClean="0"/>
+              <a:t>Droit à l’Oubli</a:t>
+            </a:r>
+            <a:endParaRPr lang="fr-FR" dirty="0"/>
+          </a:p>
+        </p:txBody>
+      </p:sp>
+      <p:sp>
+        <p:nvSpPr>
+          <p:cNvPr id="3" name="Sous-titre 2"/>
+          <p:cNvSpPr>
+            <a:spLocks noGrp="1"/>
+          </p:cNvSpPr>
+          <p:nvPr>
+            <p:ph type="subTitle" idx="1"/>
+          </p:nvPr>
+        </p:nvSpPr>
+        <p:spPr/>
+        <p:txBody>
+          <a:bodyPr/>
+          <a:lstStyle/>
+          <a:p>
+            <a:r>
+              <a:rPr lang="fr-FR" dirty="0"/>
               <a:t>Publication éphémère et dégradation de données</a:t>
             </a:r>
             <a:endParaRPr lang="fr-FR" dirty="0"/>
@@ -3625,24 +3847,24 @@
       </p:sp>
       <p:sp>
         <p:nvSpPr>
-          <p:cNvPr id="3" name="Sous-titre 2"/>
-          <p:cNvSpPr>
-            <a:spLocks noGrp="1"/>
-          </p:cNvSpPr>
-          <p:nvPr>
-            <p:ph type="subTitle" idx="1"/>
-          </p:nvPr>
-        </p:nvSpPr>
-        <p:spPr/>
-        <p:txBody>
-          <a:bodyPr/>
-          <a:lstStyle/>
-          <a:p>
-            <a:r>
-              <a:rPr lang="fr-FR" dirty="0" smtClean="0"/>
-              <a:t>Application à la géolocalisation</a:t>
-            </a:r>
-            <a:endParaRPr lang="fr-FR" dirty="0"/>
+          <p:cNvPr id="5" name="Espace réservé du numéro de diapositive 4"/>
+          <p:cNvSpPr>
+            <a:spLocks noGrp="1"/>
+          </p:cNvSpPr>
+          <p:nvPr>
+            <p:ph type="sldNum" sz="quarter" idx="12"/>
+          </p:nvPr>
+        </p:nvSpPr>
+        <p:spPr/>
+        <p:txBody>
+          <a:bodyPr/>
+          <a:lstStyle/>
+          <a:p>
+            <a:fld id="{36A212DA-347D-4853-A3E5-DB8AA592974E}" type="slidenum">
+              <a:rPr lang="fr-FR" smtClean="0"/>
+              <a:t>1</a:t>
+            </a:fld>
+            <a:endParaRPr lang="fr-FR"/>
           </a:p>
         </p:txBody>
       </p:sp>
@@ -3693,27 +3915,95 @@
           <a:p>
             <a:r>
               <a:rPr lang="fr-FR" dirty="0" smtClean="0"/>
-              <a:t>Une solution : la publication éphémère</a:t>
+              <a:t>Illustration</a:t>
             </a:r>
             <a:endParaRPr lang="fr-FR" dirty="0"/>
           </a:p>
         </p:txBody>
       </p:sp>
-      <p:sp>
-        <p:nvSpPr>
-          <p:cNvPr id="3" name="Espace réservé du texte 2"/>
-          <p:cNvSpPr>
-            <a:spLocks noGrp="1"/>
-          </p:cNvSpPr>
-          <p:nvPr>
-            <p:ph type="body" idx="1"/>
-          </p:nvPr>
-        </p:nvSpPr>
-        <p:spPr/>
-        <p:txBody>
-          <a:bodyPr/>
-          <a:lstStyle/>
-          <a:p>
+      <p:pic>
+        <p:nvPicPr>
+          <p:cNvPr id="4" name="Espace réservé du contenu 3"/>
+          <p:cNvPicPr>
+            <a:picLocks noGrp="1" noChangeAspect="1"/>
+          </p:cNvPicPr>
+          <p:nvPr>
+            <p:ph idx="1"/>
+          </p:nvPr>
+        </p:nvPicPr>
+        <p:blipFill>
+          <a:blip r:embed="rId3"/>
+          <a:stretch>
+            <a:fillRect/>
+          </a:stretch>
+        </p:blipFill>
+        <p:spPr>
+          <a:xfrm>
+            <a:off x="1151568" y="1690688"/>
+            <a:ext cx="9888864" cy="3543070"/>
+          </a:xfrm>
+          <a:prstGeom prst="rect">
+            <a:avLst/>
+          </a:prstGeom>
+        </p:spPr>
+      </p:pic>
+      <p:sp>
+        <p:nvSpPr>
+          <p:cNvPr id="5" name="ZoneTexte 4"/>
+          <p:cNvSpPr txBox="1"/>
+          <p:nvPr/>
+        </p:nvSpPr>
+        <p:spPr>
+          <a:xfrm>
+            <a:off x="0" y="0"/>
+            <a:ext cx="4944752" cy="369332"/>
+          </a:xfrm>
+          <a:prstGeom prst="rect">
+            <a:avLst/>
+          </a:prstGeom>
+          <a:noFill/>
+        </p:spPr>
+        <p:txBody>
+          <a:bodyPr wrap="none" rtlCol="0">
+            <a:spAutoFit/>
+          </a:bodyPr>
+          <a:lstStyle/>
+          <a:p>
+            <a:r>
+              <a:rPr lang="fr-FR" dirty="0" smtClean="0"/>
+              <a:t>Exposé du problème -&gt; </a:t>
+            </a:r>
+            <a:r>
+              <a:rPr lang="fr-FR" b="1" dirty="0" smtClean="0"/>
+              <a:t>Solution</a:t>
+            </a:r>
+            <a:r>
+              <a:rPr lang="fr-FR" dirty="0" smtClean="0"/>
+              <a:t> -&gt; Notre approche</a:t>
+            </a:r>
+            <a:endParaRPr lang="fr-FR" dirty="0"/>
+          </a:p>
+        </p:txBody>
+      </p:sp>
+      <p:sp>
+        <p:nvSpPr>
+          <p:cNvPr id="6" name="Espace réservé du numéro de diapositive 5"/>
+          <p:cNvSpPr>
+            <a:spLocks noGrp="1"/>
+          </p:cNvSpPr>
+          <p:nvPr>
+            <p:ph type="sldNum" sz="quarter" idx="12"/>
+          </p:nvPr>
+        </p:nvSpPr>
+        <p:spPr/>
+        <p:txBody>
+          <a:bodyPr/>
+          <a:lstStyle/>
+          <a:p>
+            <a:fld id="{36A212DA-347D-4853-A3E5-DB8AA592974E}" type="slidenum">
+              <a:rPr lang="fr-FR" smtClean="0"/>
+              <a:t>10</a:t>
+            </a:fld>
             <a:endParaRPr lang="fr-FR"/>
           </a:p>
         </p:txBody>
@@ -3721,7 +4011,7 @@
     </p:spTree>
     <p:extLst>
       <p:ext uri="{BB962C8B-B14F-4D97-AF65-F5344CB8AC3E}">
-        <p14:creationId xmlns:p14="http://schemas.microsoft.com/office/powerpoint/2010/main" val="338398204"/>
+        <p14:creationId xmlns:p14="http://schemas.microsoft.com/office/powerpoint/2010/main" val="1116215067"/>
       </p:ext>
     </p:extLst>
   </p:cSld>
@@ -3765,7 +4055,7 @@
           <a:p>
             <a:r>
               <a:rPr lang="fr-FR" dirty="0" smtClean="0"/>
-              <a:t>Objectif</a:t>
+              <a:t>Notre approche : application à la dégradation de données de géolocalisation</a:t>
             </a:r>
             <a:endParaRPr lang="fr-FR" dirty="0"/>
           </a:p>
@@ -3773,74 +4063,50 @@
       </p:sp>
       <p:sp>
         <p:nvSpPr>
-          <p:cNvPr id="3" name="Espace réservé du contenu 2"/>
-          <p:cNvSpPr>
-            <a:spLocks noGrp="1"/>
-          </p:cNvSpPr>
-          <p:nvPr>
-            <p:ph idx="1"/>
-          </p:nvPr>
-        </p:nvSpPr>
-        <p:spPr/>
-        <p:txBody>
-          <a:bodyPr>
-            <a:normAutofit/>
-          </a:bodyPr>
-          <a:lstStyle/>
-          <a:p>
-            <a:r>
-              <a:rPr lang="fr-FR" dirty="0" smtClean="0"/>
-              <a:t>Donner à l’utilisateur le contrôle sur la durée de vie de ses données</a:t>
-            </a:r>
-          </a:p>
-          <a:p>
-            <a:pPr lvl="1"/>
-            <a:endParaRPr lang="fr-FR" dirty="0" smtClean="0"/>
-          </a:p>
-          <a:p>
-            <a:r>
-              <a:rPr lang="fr-FR" dirty="0" smtClean="0"/>
-              <a:t>Après un laps de temps, toutes les copies de la données dont illisibles</a:t>
-            </a:r>
-          </a:p>
-          <a:p>
-            <a:pPr lvl="1"/>
-            <a:r>
-              <a:rPr lang="fr-FR" dirty="0" smtClean="0"/>
-              <a:t>Copies en ligne ou téléchargées</a:t>
-            </a:r>
-          </a:p>
-          <a:p>
-            <a:pPr lvl="1"/>
-            <a:r>
-              <a:rPr lang="fr-FR" dirty="0" smtClean="0"/>
-              <a:t>Aucune action explicite de l’utilisateur</a:t>
-            </a:r>
-          </a:p>
-          <a:p>
-            <a:pPr lvl="1"/>
-            <a:r>
-              <a:rPr lang="fr-FR" dirty="0" smtClean="0"/>
-              <a:t>Aucun contrôle centralisé</a:t>
-            </a:r>
-          </a:p>
-          <a:p>
-            <a:pPr lvl="1"/>
-            <a:r>
-              <a:rPr lang="fr-FR" dirty="0" smtClean="0">
-                <a:solidFill>
-                  <a:srgbClr val="FF0000"/>
-                </a:solidFill>
-              </a:rPr>
-              <a:t>Même pour un attaquant qui obtiendrait une copie chiffrée et la clé correspondante</a:t>
-            </a:r>
+          <p:cNvPr id="3" name="Espace réservé du texte 2"/>
+          <p:cNvSpPr>
+            <a:spLocks noGrp="1"/>
+          </p:cNvSpPr>
+          <p:nvPr>
+            <p:ph type="body" idx="1"/>
+          </p:nvPr>
+        </p:nvSpPr>
+        <p:spPr/>
+        <p:txBody>
+          <a:bodyPr/>
+          <a:lstStyle/>
+          <a:p>
+            <a:endParaRPr lang="fr-FR"/>
+          </a:p>
+        </p:txBody>
+      </p:sp>
+      <p:sp>
+        <p:nvSpPr>
+          <p:cNvPr id="5" name="Espace réservé du numéro de diapositive 4"/>
+          <p:cNvSpPr>
+            <a:spLocks noGrp="1"/>
+          </p:cNvSpPr>
+          <p:nvPr>
+            <p:ph type="sldNum" sz="quarter" idx="12"/>
+          </p:nvPr>
+        </p:nvSpPr>
+        <p:spPr/>
+        <p:txBody>
+          <a:bodyPr/>
+          <a:lstStyle/>
+          <a:p>
+            <a:fld id="{36A212DA-347D-4853-A3E5-DB8AA592974E}" type="slidenum">
+              <a:rPr lang="fr-FR" smtClean="0"/>
+              <a:t>11</a:t>
+            </a:fld>
+            <a:endParaRPr lang="fr-FR"/>
           </a:p>
         </p:txBody>
       </p:sp>
     </p:spTree>
     <p:extLst>
       <p:ext uri="{BB962C8B-B14F-4D97-AF65-F5344CB8AC3E}">
-        <p14:creationId xmlns:p14="http://schemas.microsoft.com/office/powerpoint/2010/main" val="2882096277"/>
+        <p14:creationId xmlns:p14="http://schemas.microsoft.com/office/powerpoint/2010/main" val="2936282269"/>
       </p:ext>
     </p:extLst>
   </p:cSld>
@@ -3884,7 +4150,7 @@
           <a:p>
             <a:r>
               <a:rPr lang="fr-FR" dirty="0" smtClean="0"/>
-              <a:t>Moyen : DHT</a:t>
+              <a:t>Objectifs</a:t>
             </a:r>
             <a:endParaRPr lang="fr-FR" dirty="0"/>
           </a:p>
@@ -3903,60 +4169,147 @@
         <p:spPr/>
         <p:txBody>
           <a:bodyPr>
-            <a:normAutofit/>
+            <a:normAutofit fontScale="92500" lnSpcReduction="10000"/>
           </a:bodyPr>
           <a:lstStyle/>
           <a:p>
-            <a:r>
-              <a:rPr lang="fr-FR" dirty="0" smtClean="0"/>
-              <a:t>Les morceaux de clé sont envoyés sur la DHT</a:t>
-            </a:r>
-          </a:p>
-          <a:p>
-            <a:r>
-              <a:rPr lang="fr-FR" dirty="0" smtClean="0"/>
-              <a:t>Les données chiffrées et une clé de localisation sont transmises aux utilisateurs légitimes</a:t>
-            </a:r>
-          </a:p>
-          <a:p>
+            <a:endParaRPr lang="fr-FR" dirty="0" smtClean="0"/>
+          </a:p>
+          <a:p>
+            <a:r>
+              <a:rPr lang="fr-FR" dirty="0" smtClean="0"/>
+              <a:t>Comme précédemment : disparition des données mais… progressive !</a:t>
+            </a:r>
+          </a:p>
+          <a:p>
+            <a:endParaRPr lang="fr-FR" dirty="0" smtClean="0"/>
+          </a:p>
+          <a:p>
+            <a:r>
+              <a:rPr lang="fr-FR" dirty="0" smtClean="0"/>
+              <a:t>Un nouveau principe : la dégradation de données</a:t>
+            </a:r>
+          </a:p>
+          <a:p>
+            <a:pPr lvl="1"/>
+            <a:r>
+              <a:rPr lang="fr-FR" dirty="0" smtClean="0"/>
+              <a:t>Plusieurs états de la données, de moins en moins précis</a:t>
+            </a:r>
+          </a:p>
+          <a:p>
+            <a:pPr lvl="1"/>
+            <a:r>
+              <a:rPr lang="fr-FR" dirty="0" smtClean="0"/>
+              <a:t>Découle d’un nouveau modèle </a:t>
+            </a:r>
+            <a:r>
+              <a:rPr lang="fr-FR" dirty="0"/>
+              <a:t>économique de la valeur d’une </a:t>
+            </a:r>
+            <a:r>
+              <a:rPr lang="fr-FR" dirty="0" smtClean="0"/>
+              <a:t>donnée (2009)</a:t>
+            </a:r>
             <a:endParaRPr lang="fr-FR" dirty="0"/>
           </a:p>
           <a:p>
-            <a:r>
-              <a:rPr lang="fr-FR" dirty="0" smtClean="0"/>
-              <a:t>La DHT oublie les clés avec le temps</a:t>
+            <a:endParaRPr lang="fr-FR" dirty="0" smtClean="0"/>
+          </a:p>
+          <a:p>
+            <a:r>
+              <a:rPr lang="fr-FR" dirty="0" smtClean="0"/>
+              <a:t>Exemples</a:t>
             </a:r>
           </a:p>
           <a:p>
             <a:pPr lvl="1"/>
             <a:r>
               <a:rPr lang="fr-FR" dirty="0" smtClean="0"/>
-              <a:t>Attrition naturelle: les nœuds crashent ou quittent la DHT</a:t>
+              <a:t>Point GPS -&gt; rectangle</a:t>
             </a:r>
           </a:p>
           <a:p>
             <a:pPr lvl="1"/>
             <a:r>
               <a:rPr lang="fr-FR" dirty="0" smtClean="0"/>
-              <a:t>Timeout : les nœuds purgent leurs données périodiquement</a:t>
+              <a:t>Minute -&gt; semaine</a:t>
+            </a:r>
+          </a:p>
+          <a:p>
+            <a:pPr lvl="1"/>
+            <a:r>
+              <a:rPr lang="fr-FR" dirty="0" smtClean="0"/>
+              <a:t>Le dragon du bonheur -&gt; restaurant chinois</a:t>
             </a:r>
           </a:p>
           <a:p>
             <a:pPr lvl="1"/>
             <a:endParaRPr lang="fr-FR" dirty="0"/>
           </a:p>
-          <a:p>
-            <a:r>
-              <a:rPr lang="fr-FR" dirty="0" smtClean="0"/>
-              <a:t>Conclusion : impossible de récupérer la donnée initiale</a:t>
-            </a:r>
+        </p:txBody>
+      </p:sp>
+      <p:sp>
+        <p:nvSpPr>
+          <p:cNvPr id="4" name="ZoneTexte 3"/>
+          <p:cNvSpPr txBox="1"/>
+          <p:nvPr/>
+        </p:nvSpPr>
+        <p:spPr>
+          <a:xfrm>
+            <a:off x="0" y="0"/>
+            <a:ext cx="4944752" cy="369332"/>
+          </a:xfrm>
+          <a:prstGeom prst="rect">
+            <a:avLst/>
+          </a:prstGeom>
+          <a:noFill/>
+        </p:spPr>
+        <p:txBody>
+          <a:bodyPr wrap="none" rtlCol="0">
+            <a:spAutoFit/>
+          </a:bodyPr>
+          <a:lstStyle/>
+          <a:p>
+            <a:r>
+              <a:rPr lang="fr-FR" dirty="0" smtClean="0"/>
+              <a:t>Exposé du problème -&gt; Solution -&gt; </a:t>
+            </a:r>
+            <a:r>
+              <a:rPr lang="fr-FR" b="1" dirty="0" smtClean="0"/>
+              <a:t>Notre approche</a:t>
+            </a:r>
+            <a:endParaRPr lang="fr-FR" b="1" dirty="0"/>
+          </a:p>
+        </p:txBody>
+      </p:sp>
+      <p:sp>
+        <p:nvSpPr>
+          <p:cNvPr id="6" name="Espace réservé du numéro de diapositive 5"/>
+          <p:cNvSpPr>
+            <a:spLocks noGrp="1"/>
+          </p:cNvSpPr>
+          <p:nvPr>
+            <p:ph type="sldNum" sz="quarter" idx="12"/>
+          </p:nvPr>
+        </p:nvSpPr>
+        <p:spPr/>
+        <p:txBody>
+          <a:bodyPr/>
+          <a:lstStyle/>
+          <a:p>
+            <a:fld id="{36A212DA-347D-4853-A3E5-DB8AA592974E}" type="slidenum">
+              <a:rPr lang="fr-FR" smtClean="0"/>
+              <a:t>12</a:t>
+            </a:fld>
+            <a:endParaRPr lang="fr-FR"/>
           </a:p>
         </p:txBody>
       </p:sp>
     </p:spTree>
     <p:extLst>
       <p:ext uri="{BB962C8B-B14F-4D97-AF65-F5344CB8AC3E}">
-        <p14:creationId xmlns:p14="http://schemas.microsoft.com/office/powerpoint/2010/main" val="1410180187"/>
+        <p14:creationId xmlns:p14="http://schemas.microsoft.com/office/powerpoint/2010/main" val="859945632"/>
       </p:ext>
     </p:extLst>
   </p:cSld>
@@ -4000,42 +4353,808 @@
           <a:p>
             <a:r>
               <a:rPr lang="fr-FR" dirty="0" smtClean="0"/>
-              <a:t>Illustration</a:t>
+              <a:t>Travail a exécuter</a:t>
             </a:r>
             <a:endParaRPr lang="fr-FR" dirty="0"/>
           </a:p>
         </p:txBody>
       </p:sp>
-      <p:pic>
-        <p:nvPicPr>
-          <p:cNvPr id="4" name="Espace réservé du contenu 3"/>
-          <p:cNvPicPr>
-            <a:picLocks noGrp="1" noChangeAspect="1"/>
-          </p:cNvPicPr>
-          <p:nvPr>
-            <p:ph idx="1"/>
-          </p:nvPr>
-        </p:nvPicPr>
-        <p:blipFill>
-          <a:blip r:embed="rId3"/>
-          <a:stretch>
-            <a:fillRect/>
-          </a:stretch>
-        </p:blipFill>
+      <p:sp>
+        <p:nvSpPr>
+          <p:cNvPr id="4" name="Rectangle 3"/>
+          <p:cNvSpPr/>
+          <p:nvPr/>
+        </p:nvSpPr>
         <p:spPr>
           <a:xfrm>
-            <a:off x="1151568" y="1690688"/>
-            <a:ext cx="9888864" cy="3543070"/>
+            <a:off x="1488138" y="1895525"/>
+            <a:ext cx="2097743" cy="1096869"/>
           </a:xfrm>
           <a:prstGeom prst="rect">
             <a:avLst/>
           </a:prstGeom>
         </p:spPr>
-      </p:pic>
+        <p:style>
+          <a:lnRef idx="2">
+            <a:schemeClr val="accent1">
+              <a:shade val="50000"/>
+            </a:schemeClr>
+          </a:lnRef>
+          <a:fillRef idx="1">
+            <a:schemeClr val="accent1"/>
+          </a:fillRef>
+          <a:effectRef idx="0">
+            <a:schemeClr val="accent1"/>
+          </a:effectRef>
+          <a:fontRef idx="minor">
+            <a:schemeClr val="lt1"/>
+          </a:fontRef>
+        </p:style>
+        <p:txBody>
+          <a:bodyPr rtlCol="0" anchor="ctr"/>
+          <a:lstStyle/>
+          <a:p>
+            <a:pPr algn="ctr"/>
+            <a:r>
+              <a:rPr lang="fr-FR" dirty="0" smtClean="0"/>
+              <a:t>Bloc 1 : Dégradation des données</a:t>
+            </a:r>
+            <a:endParaRPr lang="fr-FR" dirty="0"/>
+          </a:p>
+        </p:txBody>
+      </p:sp>
+      <p:sp>
+        <p:nvSpPr>
+          <p:cNvPr id="6" name="Rectangle 5"/>
+          <p:cNvSpPr/>
+          <p:nvPr/>
+        </p:nvSpPr>
+        <p:spPr>
+          <a:xfrm>
+            <a:off x="1488139" y="3448237"/>
+            <a:ext cx="2097743" cy="1087904"/>
+          </a:xfrm>
+          <a:prstGeom prst="rect">
+            <a:avLst/>
+          </a:prstGeom>
+        </p:spPr>
+        <p:style>
+          <a:lnRef idx="2">
+            <a:schemeClr val="accent1">
+              <a:shade val="50000"/>
+            </a:schemeClr>
+          </a:lnRef>
+          <a:fillRef idx="1">
+            <a:schemeClr val="accent1"/>
+          </a:fillRef>
+          <a:effectRef idx="0">
+            <a:schemeClr val="accent1"/>
+          </a:effectRef>
+          <a:fontRef idx="minor">
+            <a:schemeClr val="lt1"/>
+          </a:fontRef>
+        </p:style>
+        <p:txBody>
+          <a:bodyPr rtlCol="0" anchor="ctr"/>
+          <a:lstStyle/>
+          <a:p>
+            <a:pPr algn="ctr"/>
+            <a:r>
+              <a:rPr lang="fr-FR" dirty="0" smtClean="0"/>
+              <a:t>Bloc 2 : Chiffrement de chaque niveau de granularité</a:t>
+            </a:r>
+            <a:endParaRPr lang="fr-FR" dirty="0"/>
+          </a:p>
+        </p:txBody>
+      </p:sp>
+      <p:sp>
+        <p:nvSpPr>
+          <p:cNvPr id="7" name="Rectangle 6"/>
+          <p:cNvSpPr/>
+          <p:nvPr/>
+        </p:nvSpPr>
+        <p:spPr>
+          <a:xfrm>
+            <a:off x="5764304" y="3448237"/>
+            <a:ext cx="2097743" cy="1087904"/>
+          </a:xfrm>
+          <a:prstGeom prst="rect">
+            <a:avLst/>
+          </a:prstGeom>
+        </p:spPr>
+        <p:style>
+          <a:lnRef idx="2">
+            <a:schemeClr val="accent1">
+              <a:shade val="50000"/>
+            </a:schemeClr>
+          </a:lnRef>
+          <a:fillRef idx="1">
+            <a:schemeClr val="accent1"/>
+          </a:fillRef>
+          <a:effectRef idx="0">
+            <a:schemeClr val="accent1"/>
+          </a:effectRef>
+          <a:fontRef idx="minor">
+            <a:schemeClr val="lt1"/>
+          </a:fontRef>
+        </p:style>
+        <p:txBody>
+          <a:bodyPr rtlCol="0" anchor="ctr"/>
+          <a:lstStyle/>
+          <a:p>
+            <a:pPr algn="ctr"/>
+            <a:r>
+              <a:rPr lang="fr-FR" dirty="0" smtClean="0"/>
+              <a:t>Bloc 3 : Découpe des clés</a:t>
+            </a:r>
+            <a:endParaRPr lang="fr-FR" dirty="0"/>
+          </a:p>
+        </p:txBody>
+      </p:sp>
+      <p:sp>
+        <p:nvSpPr>
+          <p:cNvPr id="8" name="Rectangle 7"/>
+          <p:cNvSpPr/>
+          <p:nvPr/>
+        </p:nvSpPr>
+        <p:spPr>
+          <a:xfrm>
+            <a:off x="1488138" y="4947162"/>
+            <a:ext cx="2097743" cy="1087904"/>
+          </a:xfrm>
+          <a:prstGeom prst="rect">
+            <a:avLst/>
+          </a:prstGeom>
+        </p:spPr>
+        <p:style>
+          <a:lnRef idx="2">
+            <a:schemeClr val="accent1">
+              <a:shade val="50000"/>
+            </a:schemeClr>
+          </a:lnRef>
+          <a:fillRef idx="1">
+            <a:schemeClr val="accent1"/>
+          </a:fillRef>
+          <a:effectRef idx="0">
+            <a:schemeClr val="accent1"/>
+          </a:effectRef>
+          <a:fontRef idx="minor">
+            <a:schemeClr val="lt1"/>
+          </a:fontRef>
+        </p:style>
+        <p:txBody>
+          <a:bodyPr rtlCol="0" anchor="ctr"/>
+          <a:lstStyle/>
+          <a:p>
+            <a:pPr algn="ctr"/>
+            <a:r>
+              <a:rPr lang="fr-FR" dirty="0" smtClean="0"/>
+              <a:t>Bloc 4 : Hébergement des données</a:t>
+            </a:r>
+            <a:endParaRPr lang="fr-FR" dirty="0"/>
+          </a:p>
+        </p:txBody>
+      </p:sp>
+      <p:sp>
+        <p:nvSpPr>
+          <p:cNvPr id="10" name="Ellipse 9"/>
+          <p:cNvSpPr/>
+          <p:nvPr/>
+        </p:nvSpPr>
+        <p:spPr>
+          <a:xfrm>
+            <a:off x="5800163" y="4969805"/>
+            <a:ext cx="2026024" cy="1087904"/>
+          </a:xfrm>
+          <a:prstGeom prst="ellipse">
+            <a:avLst/>
+          </a:prstGeom>
+        </p:spPr>
+        <p:style>
+          <a:lnRef idx="2">
+            <a:schemeClr val="accent1">
+              <a:shade val="50000"/>
+            </a:schemeClr>
+          </a:lnRef>
+          <a:fillRef idx="1">
+            <a:schemeClr val="accent1"/>
+          </a:fillRef>
+          <a:effectRef idx="0">
+            <a:schemeClr val="accent1"/>
+          </a:effectRef>
+          <a:fontRef idx="minor">
+            <a:schemeClr val="lt1"/>
+          </a:fontRef>
+        </p:style>
+        <p:txBody>
+          <a:bodyPr rtlCol="0" anchor="ctr"/>
+          <a:lstStyle/>
+          <a:p>
+            <a:pPr algn="ctr"/>
+            <a:r>
+              <a:rPr lang="fr-FR" dirty="0" smtClean="0"/>
+              <a:t>DHT</a:t>
+            </a:r>
+            <a:endParaRPr lang="fr-FR" dirty="0"/>
+          </a:p>
+        </p:txBody>
+      </p:sp>
+      <p:cxnSp>
+        <p:nvCxnSpPr>
+          <p:cNvPr id="12" name="Connecteur droit avec flèche 11"/>
+          <p:cNvCxnSpPr>
+            <a:stCxn id="4" idx="2"/>
+            <a:endCxn id="6" idx="0"/>
+          </p:cNvCxnSpPr>
+          <p:nvPr/>
+        </p:nvCxnSpPr>
+        <p:spPr>
+          <a:xfrm>
+            <a:off x="2537010" y="2992394"/>
+            <a:ext cx="1" cy="455843"/>
+          </a:xfrm>
+          <a:prstGeom prst="straightConnector1">
+            <a:avLst/>
+          </a:prstGeom>
+          <a:ln>
+            <a:tailEnd type="triangle"/>
+          </a:ln>
+        </p:spPr>
+        <p:style>
+          <a:lnRef idx="1">
+            <a:schemeClr val="accent1"/>
+          </a:lnRef>
+          <a:fillRef idx="0">
+            <a:schemeClr val="accent1"/>
+          </a:fillRef>
+          <a:effectRef idx="0">
+            <a:schemeClr val="accent1"/>
+          </a:effectRef>
+          <a:fontRef idx="minor">
+            <a:schemeClr val="tx1"/>
+          </a:fontRef>
+        </p:style>
+      </p:cxnSp>
+      <p:cxnSp>
+        <p:nvCxnSpPr>
+          <p:cNvPr id="14" name="Connecteur droit avec flèche 13"/>
+          <p:cNvCxnSpPr>
+            <a:stCxn id="6" idx="2"/>
+            <a:endCxn id="8" idx="0"/>
+          </p:cNvCxnSpPr>
+          <p:nvPr/>
+        </p:nvCxnSpPr>
+        <p:spPr>
+          <a:xfrm flipH="1">
+            <a:off x="2537010" y="4536141"/>
+            <a:ext cx="1" cy="411021"/>
+          </a:xfrm>
+          <a:prstGeom prst="straightConnector1">
+            <a:avLst/>
+          </a:prstGeom>
+          <a:ln>
+            <a:tailEnd type="triangle"/>
+          </a:ln>
+        </p:spPr>
+        <p:style>
+          <a:lnRef idx="1">
+            <a:schemeClr val="accent1"/>
+          </a:lnRef>
+          <a:fillRef idx="0">
+            <a:schemeClr val="accent1"/>
+          </a:fillRef>
+          <a:effectRef idx="0">
+            <a:schemeClr val="accent1"/>
+          </a:effectRef>
+          <a:fontRef idx="minor">
+            <a:schemeClr val="tx1"/>
+          </a:fontRef>
+        </p:style>
+      </p:cxnSp>
+      <p:cxnSp>
+        <p:nvCxnSpPr>
+          <p:cNvPr id="16" name="Connecteur droit avec flèche 15"/>
+          <p:cNvCxnSpPr>
+            <a:stCxn id="6" idx="3"/>
+            <a:endCxn id="7" idx="1"/>
+          </p:cNvCxnSpPr>
+          <p:nvPr/>
+        </p:nvCxnSpPr>
+        <p:spPr>
+          <a:xfrm>
+            <a:off x="3585882" y="3992189"/>
+            <a:ext cx="2178422" cy="0"/>
+          </a:xfrm>
+          <a:prstGeom prst="straightConnector1">
+            <a:avLst/>
+          </a:prstGeom>
+          <a:ln>
+            <a:tailEnd type="triangle"/>
+          </a:ln>
+        </p:spPr>
+        <p:style>
+          <a:lnRef idx="1">
+            <a:schemeClr val="accent1"/>
+          </a:lnRef>
+          <a:fillRef idx="0">
+            <a:schemeClr val="accent1"/>
+          </a:fillRef>
+          <a:effectRef idx="0">
+            <a:schemeClr val="accent1"/>
+          </a:effectRef>
+          <a:fontRef idx="minor">
+            <a:schemeClr val="tx1"/>
+          </a:fontRef>
+        </p:style>
+      </p:cxnSp>
+      <p:cxnSp>
+        <p:nvCxnSpPr>
+          <p:cNvPr id="18" name="Connecteur droit avec flèche 17"/>
+          <p:cNvCxnSpPr>
+            <a:stCxn id="7" idx="2"/>
+            <a:endCxn id="10" idx="0"/>
+          </p:cNvCxnSpPr>
+          <p:nvPr/>
+        </p:nvCxnSpPr>
+        <p:spPr>
+          <a:xfrm flipH="1">
+            <a:off x="6813175" y="4536141"/>
+            <a:ext cx="1" cy="433664"/>
+          </a:xfrm>
+          <a:prstGeom prst="straightConnector1">
+            <a:avLst/>
+          </a:prstGeom>
+          <a:ln>
+            <a:tailEnd type="triangle"/>
+          </a:ln>
+        </p:spPr>
+        <p:style>
+          <a:lnRef idx="1">
+            <a:schemeClr val="accent1"/>
+          </a:lnRef>
+          <a:fillRef idx="0">
+            <a:schemeClr val="accent1"/>
+          </a:fillRef>
+          <a:effectRef idx="0">
+            <a:schemeClr val="accent1"/>
+          </a:effectRef>
+          <a:fontRef idx="minor">
+            <a:schemeClr val="tx1"/>
+          </a:fontRef>
+        </p:style>
+      </p:cxnSp>
+      <p:sp>
+        <p:nvSpPr>
+          <p:cNvPr id="19" name="Émoticône 18"/>
+          <p:cNvSpPr/>
+          <p:nvPr/>
+        </p:nvSpPr>
+        <p:spPr>
+          <a:xfrm>
+            <a:off x="8301318" y="995245"/>
+            <a:ext cx="914400" cy="914400"/>
+          </a:xfrm>
+          <a:prstGeom prst="smileyFace">
+            <a:avLst/>
+          </a:prstGeom>
+        </p:spPr>
+        <p:style>
+          <a:lnRef idx="2">
+            <a:schemeClr val="accent1">
+              <a:shade val="50000"/>
+            </a:schemeClr>
+          </a:lnRef>
+          <a:fillRef idx="1">
+            <a:schemeClr val="accent1"/>
+          </a:fillRef>
+          <a:effectRef idx="0">
+            <a:schemeClr val="accent1"/>
+          </a:effectRef>
+          <a:fontRef idx="minor">
+            <a:schemeClr val="lt1"/>
+          </a:fontRef>
+        </p:style>
+        <p:txBody>
+          <a:bodyPr rtlCol="0" anchor="ctr"/>
+          <a:lstStyle/>
+          <a:p>
+            <a:pPr algn="ctr"/>
+            <a:endParaRPr lang="fr-FR"/>
+          </a:p>
+        </p:txBody>
+      </p:sp>
+      <p:cxnSp>
+        <p:nvCxnSpPr>
+          <p:cNvPr id="21" name="Connecteur en angle 20"/>
+          <p:cNvCxnSpPr>
+            <a:stCxn id="10" idx="6"/>
+            <a:endCxn id="19" idx="6"/>
+          </p:cNvCxnSpPr>
+          <p:nvPr/>
+        </p:nvCxnSpPr>
+        <p:spPr>
+          <a:xfrm flipV="1">
+            <a:off x="7826187" y="1452445"/>
+            <a:ext cx="1389531" cy="4061312"/>
+          </a:xfrm>
+          <a:prstGeom prst="bentConnector3">
+            <a:avLst>
+              <a:gd name="adj1" fmla="val 175807"/>
+            </a:avLst>
+          </a:prstGeom>
+          <a:ln>
+            <a:tailEnd type="triangle"/>
+          </a:ln>
+        </p:spPr>
+        <p:style>
+          <a:lnRef idx="1">
+            <a:schemeClr val="accent1"/>
+          </a:lnRef>
+          <a:fillRef idx="0">
+            <a:schemeClr val="accent1"/>
+          </a:fillRef>
+          <a:effectRef idx="0">
+            <a:schemeClr val="accent1"/>
+          </a:effectRef>
+          <a:fontRef idx="minor">
+            <a:schemeClr val="tx1"/>
+          </a:fontRef>
+        </p:style>
+      </p:cxnSp>
+      <p:cxnSp>
+        <p:nvCxnSpPr>
+          <p:cNvPr id="24" name="Connecteur en angle 23"/>
+          <p:cNvCxnSpPr>
+            <a:stCxn id="8" idx="2"/>
+            <a:endCxn id="19" idx="6"/>
+          </p:cNvCxnSpPr>
+          <p:nvPr/>
+        </p:nvCxnSpPr>
+        <p:spPr>
+          <a:xfrm rot="5400000" flipH="1" flipV="1">
+            <a:off x="3585053" y="404402"/>
+            <a:ext cx="4582621" cy="6678708"/>
+          </a:xfrm>
+          <a:prstGeom prst="bentConnector4">
+            <a:avLst>
+              <a:gd name="adj1" fmla="val -4988"/>
+              <a:gd name="adj2" fmla="val 115772"/>
+            </a:avLst>
+          </a:prstGeom>
+          <a:ln>
+            <a:tailEnd type="triangle"/>
+          </a:ln>
+        </p:spPr>
+        <p:style>
+          <a:lnRef idx="1">
+            <a:schemeClr val="accent1"/>
+          </a:lnRef>
+          <a:fillRef idx="0">
+            <a:schemeClr val="accent1"/>
+          </a:fillRef>
+          <a:effectRef idx="0">
+            <a:schemeClr val="accent1"/>
+          </a:effectRef>
+          <a:fontRef idx="minor">
+            <a:schemeClr val="tx1"/>
+          </a:fontRef>
+        </p:style>
+      </p:cxnSp>
+      <p:cxnSp>
+        <p:nvCxnSpPr>
+          <p:cNvPr id="27" name="Connecteur en angle 26"/>
+          <p:cNvCxnSpPr>
+            <a:stCxn id="19" idx="2"/>
+            <a:endCxn id="4" idx="0"/>
+          </p:cNvCxnSpPr>
+          <p:nvPr/>
+        </p:nvCxnSpPr>
+        <p:spPr>
+          <a:xfrm rot="10800000" flipV="1">
+            <a:off x="2537010" y="1452445"/>
+            <a:ext cx="5764308" cy="443080"/>
+          </a:xfrm>
+          <a:prstGeom prst="bentConnector2">
+            <a:avLst/>
+          </a:prstGeom>
+          <a:ln>
+            <a:tailEnd type="triangle"/>
+          </a:ln>
+        </p:spPr>
+        <p:style>
+          <a:lnRef idx="1">
+            <a:schemeClr val="accent1"/>
+          </a:lnRef>
+          <a:fillRef idx="0">
+            <a:schemeClr val="accent1"/>
+          </a:fillRef>
+          <a:effectRef idx="0">
+            <a:schemeClr val="accent1"/>
+          </a:effectRef>
+          <a:fontRef idx="minor">
+            <a:schemeClr val="tx1"/>
+          </a:fontRef>
+        </p:style>
+      </p:cxnSp>
+      <p:sp>
+        <p:nvSpPr>
+          <p:cNvPr id="43" name="ZoneTexte 42"/>
+          <p:cNvSpPr txBox="1"/>
+          <p:nvPr/>
+        </p:nvSpPr>
+        <p:spPr>
+          <a:xfrm>
+            <a:off x="2835566" y="4555188"/>
+            <a:ext cx="1875385" cy="369332"/>
+          </a:xfrm>
+          <a:prstGeom prst="rect">
+            <a:avLst/>
+          </a:prstGeom>
+          <a:noFill/>
+        </p:spPr>
+        <p:txBody>
+          <a:bodyPr wrap="none" rtlCol="0">
+            <a:spAutoFit/>
+          </a:bodyPr>
+          <a:lstStyle/>
+          <a:p>
+            <a:r>
+              <a:rPr lang="fr-FR" dirty="0" smtClean="0"/>
+              <a:t>Données chiffrées</a:t>
+            </a:r>
+            <a:endParaRPr lang="fr-FR" dirty="0"/>
+          </a:p>
+        </p:txBody>
+      </p:sp>
+      <p:sp>
+        <p:nvSpPr>
+          <p:cNvPr id="44" name="ZoneTexte 43"/>
+          <p:cNvSpPr txBox="1"/>
+          <p:nvPr/>
+        </p:nvSpPr>
+        <p:spPr>
+          <a:xfrm>
+            <a:off x="2537008" y="3040457"/>
+            <a:ext cx="2303964" cy="369332"/>
+          </a:xfrm>
+          <a:prstGeom prst="rect">
+            <a:avLst/>
+          </a:prstGeom>
+          <a:noFill/>
+        </p:spPr>
+        <p:txBody>
+          <a:bodyPr wrap="none" rtlCol="0">
+            <a:spAutoFit/>
+          </a:bodyPr>
+          <a:lstStyle/>
+          <a:p>
+            <a:r>
+              <a:rPr lang="fr-FR" dirty="0" smtClean="0"/>
+              <a:t>Niveaux de granularité</a:t>
+            </a:r>
+            <a:endParaRPr lang="fr-FR" dirty="0"/>
+          </a:p>
+        </p:txBody>
+      </p:sp>
+      <p:sp>
+        <p:nvSpPr>
+          <p:cNvPr id="45" name="ZoneTexte 44"/>
+          <p:cNvSpPr txBox="1"/>
+          <p:nvPr/>
+        </p:nvSpPr>
+        <p:spPr>
+          <a:xfrm>
+            <a:off x="3737400" y="3613586"/>
+            <a:ext cx="1028167" cy="369332"/>
+          </a:xfrm>
+          <a:prstGeom prst="rect">
+            <a:avLst/>
+          </a:prstGeom>
+          <a:noFill/>
+        </p:spPr>
+        <p:txBody>
+          <a:bodyPr wrap="none" rtlCol="0">
+            <a:spAutoFit/>
+          </a:bodyPr>
+          <a:lstStyle/>
+          <a:p>
+            <a:r>
+              <a:rPr lang="fr-FR" dirty="0" smtClean="0"/>
+              <a:t>1 clé/</a:t>
+            </a:r>
+            <a:r>
+              <a:rPr lang="fr-FR" dirty="0" err="1" smtClean="0"/>
+              <a:t>niv</a:t>
+            </a:r>
+            <a:r>
+              <a:rPr lang="fr-FR" dirty="0" smtClean="0"/>
+              <a:t>.</a:t>
+            </a:r>
+            <a:endParaRPr lang="fr-FR" dirty="0"/>
+          </a:p>
+        </p:txBody>
+      </p:sp>
+      <p:sp>
+        <p:nvSpPr>
+          <p:cNvPr id="46" name="ZoneTexte 45"/>
+          <p:cNvSpPr txBox="1"/>
+          <p:nvPr/>
+        </p:nvSpPr>
+        <p:spPr>
+          <a:xfrm>
+            <a:off x="7071388" y="4577830"/>
+            <a:ext cx="1638269" cy="369332"/>
+          </a:xfrm>
+          <a:prstGeom prst="rect">
+            <a:avLst/>
+          </a:prstGeom>
+          <a:noFill/>
+        </p:spPr>
+        <p:txBody>
+          <a:bodyPr wrap="none" rtlCol="0">
+            <a:spAutoFit/>
+          </a:bodyPr>
+          <a:lstStyle/>
+          <a:p>
+            <a:r>
+              <a:rPr lang="fr-FR" dirty="0" smtClean="0"/>
+              <a:t>Clés découpées</a:t>
+            </a:r>
+            <a:endParaRPr lang="fr-FR" dirty="0"/>
+          </a:p>
+        </p:txBody>
+      </p:sp>
+      <p:sp>
+        <p:nvSpPr>
+          <p:cNvPr id="47" name="ZoneTexte 46"/>
+          <p:cNvSpPr txBox="1"/>
+          <p:nvPr/>
+        </p:nvSpPr>
+        <p:spPr>
+          <a:xfrm>
+            <a:off x="7976826" y="5524463"/>
+            <a:ext cx="1878206" cy="369332"/>
+          </a:xfrm>
+          <a:prstGeom prst="rect">
+            <a:avLst/>
+          </a:prstGeom>
+          <a:noFill/>
+        </p:spPr>
+        <p:txBody>
+          <a:bodyPr wrap="none" rtlCol="0">
+            <a:spAutoFit/>
+          </a:bodyPr>
+          <a:lstStyle/>
+          <a:p>
+            <a:r>
+              <a:rPr lang="fr-FR" dirty="0" smtClean="0"/>
+              <a:t>Clé de localisation</a:t>
+            </a:r>
+            <a:endParaRPr lang="fr-FR" dirty="0"/>
+          </a:p>
+        </p:txBody>
+      </p:sp>
+      <p:sp>
+        <p:nvSpPr>
+          <p:cNvPr id="48" name="ZoneTexte 47"/>
+          <p:cNvSpPr txBox="1"/>
+          <p:nvPr/>
+        </p:nvSpPr>
+        <p:spPr>
+          <a:xfrm>
+            <a:off x="2852613" y="6272132"/>
+            <a:ext cx="1891865" cy="369332"/>
+          </a:xfrm>
+          <a:prstGeom prst="rect">
+            <a:avLst/>
+          </a:prstGeom>
+          <a:noFill/>
+        </p:spPr>
+        <p:txBody>
+          <a:bodyPr wrap="none" rtlCol="0">
+            <a:spAutoFit/>
+          </a:bodyPr>
+          <a:lstStyle/>
+          <a:p>
+            <a:r>
+              <a:rPr lang="fr-FR" dirty="0" smtClean="0"/>
+              <a:t>Hash des données</a:t>
+            </a:r>
+            <a:endParaRPr lang="fr-FR" dirty="0"/>
+          </a:p>
+        </p:txBody>
+      </p:sp>
+      <p:sp>
+        <p:nvSpPr>
+          <p:cNvPr id="49" name="ZoneTexte 48"/>
+          <p:cNvSpPr txBox="1"/>
+          <p:nvPr/>
+        </p:nvSpPr>
+        <p:spPr>
+          <a:xfrm>
+            <a:off x="5158307" y="1030713"/>
+            <a:ext cx="2567306" cy="369332"/>
+          </a:xfrm>
+          <a:prstGeom prst="rect">
+            <a:avLst/>
+          </a:prstGeom>
+          <a:noFill/>
+        </p:spPr>
+        <p:txBody>
+          <a:bodyPr wrap="none" rtlCol="0">
+            <a:spAutoFit/>
+          </a:bodyPr>
+          <a:lstStyle/>
+          <a:p>
+            <a:r>
+              <a:rPr lang="fr-FR" dirty="0" smtClean="0"/>
+              <a:t>Données et durées de vie</a:t>
+            </a:r>
+            <a:endParaRPr lang="fr-FR" dirty="0"/>
+          </a:p>
+        </p:txBody>
+      </p:sp>
+      <p:sp>
+        <p:nvSpPr>
+          <p:cNvPr id="50" name="ZoneTexte 49"/>
+          <p:cNvSpPr txBox="1"/>
+          <p:nvPr/>
+        </p:nvSpPr>
+        <p:spPr>
+          <a:xfrm>
+            <a:off x="0" y="0"/>
+            <a:ext cx="4944752" cy="369332"/>
+          </a:xfrm>
+          <a:prstGeom prst="rect">
+            <a:avLst/>
+          </a:prstGeom>
+          <a:noFill/>
+        </p:spPr>
+        <p:txBody>
+          <a:bodyPr wrap="none" rtlCol="0">
+            <a:spAutoFit/>
+          </a:bodyPr>
+          <a:lstStyle/>
+          <a:p>
+            <a:r>
+              <a:rPr lang="fr-FR" dirty="0" smtClean="0"/>
+              <a:t>Exposé du problème -&gt; Solution -&gt; </a:t>
+            </a:r>
+            <a:r>
+              <a:rPr lang="fr-FR" b="1" dirty="0" smtClean="0"/>
+              <a:t>Notre approche</a:t>
+            </a:r>
+            <a:endParaRPr lang="fr-FR" b="1" dirty="0"/>
+          </a:p>
+        </p:txBody>
+      </p:sp>
+      <p:sp>
+        <p:nvSpPr>
+          <p:cNvPr id="5" name="Espace réservé du numéro de diapositive 4"/>
+          <p:cNvSpPr>
+            <a:spLocks noGrp="1"/>
+          </p:cNvSpPr>
+          <p:nvPr>
+            <p:ph type="sldNum" sz="quarter" idx="12"/>
+          </p:nvPr>
+        </p:nvSpPr>
+        <p:spPr/>
+        <p:txBody>
+          <a:bodyPr/>
+          <a:lstStyle/>
+          <a:p>
+            <a:fld id="{36A212DA-347D-4853-A3E5-DB8AA592974E}" type="slidenum">
+              <a:rPr lang="fr-FR" smtClean="0"/>
+              <a:t>13</a:t>
+            </a:fld>
+            <a:endParaRPr lang="fr-FR"/>
+          </a:p>
+        </p:txBody>
+      </p:sp>
     </p:spTree>
     <p:extLst>
       <p:ext uri="{BB962C8B-B14F-4D97-AF65-F5344CB8AC3E}">
-        <p14:creationId xmlns:p14="http://schemas.microsoft.com/office/powerpoint/2010/main" val="1116215067"/>
+        <p14:creationId xmlns:p14="http://schemas.microsoft.com/office/powerpoint/2010/main" val="463361665"/>
       </p:ext>
     </p:extLst>
   </p:cSld>
@@ -4079,11 +5198,7 @@
           <a:p>
             <a:r>
               <a:rPr lang="fr-FR" dirty="0" smtClean="0"/>
-              <a:t>Une implémentation : </a:t>
-            </a:r>
-            <a:r>
-              <a:rPr lang="fr-FR" dirty="0" err="1" smtClean="0"/>
-              <a:t>Vanish</a:t>
+              <a:t>Chiffrement RSA</a:t>
             </a:r>
             <a:endParaRPr lang="fr-FR" dirty="0"/>
           </a:p>
@@ -4106,56 +5221,116 @@
           </a:bodyPr>
           <a:lstStyle/>
           <a:p>
+            <a:r>
+              <a:rPr lang="fr-FR" dirty="0" smtClean="0"/>
+              <a:t>Données importantes : n (= p*q, premiers), e (choisi à la création de la clé), d (tel que e*d+k*(p-1)(q-1) = 1).</a:t>
+            </a:r>
+          </a:p>
+          <a:p>
+            <a:r>
+              <a:rPr lang="fr-FR" dirty="0" smtClean="0"/>
+              <a:t>C = M</a:t>
+            </a:r>
+            <a:r>
+              <a:rPr lang="fr-FR" baseline="30000" dirty="0" smtClean="0"/>
+              <a:t>e</a:t>
+            </a:r>
+            <a:r>
+              <a:rPr lang="fr-FR" dirty="0" smtClean="0"/>
+              <a:t>[n]</a:t>
+            </a:r>
+          </a:p>
+          <a:p>
+            <a:r>
+              <a:rPr lang="fr-FR" dirty="0" smtClean="0"/>
+              <a:t>M = M </a:t>
+            </a:r>
+            <a:r>
+              <a:rPr lang="fr-FR" baseline="30000" dirty="0" smtClean="0"/>
+              <a:t>e*d</a:t>
+            </a:r>
+            <a:r>
+              <a:rPr lang="fr-FR" dirty="0" smtClean="0"/>
+              <a:t> [n]</a:t>
+            </a:r>
+          </a:p>
+          <a:p>
             <a:endParaRPr lang="fr-FR" dirty="0" smtClean="0"/>
           </a:p>
           <a:p>
             <a:r>
               <a:rPr lang="fr-FR" dirty="0" smtClean="0"/>
-              <a:t>Construite sur </a:t>
-            </a:r>
-            <a:r>
-              <a:rPr lang="fr-FR" dirty="0" err="1" smtClean="0"/>
-              <a:t>Vuze</a:t>
-            </a:r>
-            <a:r>
-              <a:rPr lang="fr-FR" dirty="0" smtClean="0"/>
-              <a:t>, une DHT commerciale avec 1.5M de nœuds connectés simultanément </a:t>
-            </a:r>
-          </a:p>
-          <a:p>
+              <a:t>Il suffit de transmettre n et d </a:t>
+            </a:r>
+            <a:r>
+              <a:rPr lang="fr-FR" smtClean="0"/>
+              <a:t>pour déchiffrer un message.</a:t>
+            </a:r>
             <a:endParaRPr lang="fr-FR" dirty="0" smtClean="0"/>
           </a:p>
-          <a:p>
-            <a:r>
-              <a:rPr lang="fr-FR" dirty="0" smtClean="0"/>
-              <a:t>Ca marche !!</a:t>
-            </a:r>
-          </a:p>
-          <a:p>
-            <a:pPr lvl="1"/>
-            <a:r>
-              <a:rPr lang="fr-FR" dirty="0" smtClean="0"/>
-              <a:t>Firefox et Thunderbird plugins</a:t>
-            </a:r>
-          </a:p>
-          <a:p>
-            <a:endParaRPr lang="fr-FR" dirty="0"/>
-          </a:p>
-          <a:p>
-            <a:r>
-              <a:rPr lang="fr-FR" dirty="0" smtClean="0"/>
-              <a:t>Mais vulnérabilité aux attaques par Sybille</a:t>
-            </a:r>
-          </a:p>
-          <a:p>
-            <a:endParaRPr lang="fr-FR" dirty="0" smtClean="0"/>
+        </p:txBody>
+      </p:sp>
+      <p:sp>
+        <p:nvSpPr>
+          <p:cNvPr id="4" name="ZoneTexte 3"/>
+          <p:cNvSpPr txBox="1"/>
+          <p:nvPr/>
+        </p:nvSpPr>
+        <p:spPr>
+          <a:xfrm>
+            <a:off x="0" y="0"/>
+            <a:ext cx="4944752" cy="369332"/>
+          </a:xfrm>
+          <a:prstGeom prst="rect">
+            <a:avLst/>
+          </a:prstGeom>
+          <a:noFill/>
+        </p:spPr>
+        <p:txBody>
+          <a:bodyPr wrap="none" rtlCol="0">
+            <a:spAutoFit/>
+          </a:bodyPr>
+          <a:lstStyle/>
+          <a:p>
+            <a:r>
+              <a:rPr lang="fr-FR" dirty="0" smtClean="0"/>
+              <a:t>Exposé du problème -&gt; Solution -&gt; </a:t>
+            </a:r>
+            <a:r>
+              <a:rPr lang="fr-FR" b="1" dirty="0" smtClean="0"/>
+              <a:t>Notre approche</a:t>
+            </a:r>
+            <a:endParaRPr lang="fr-FR" b="1" dirty="0"/>
+          </a:p>
+        </p:txBody>
+      </p:sp>
+      <p:sp>
+        <p:nvSpPr>
+          <p:cNvPr id="6" name="Espace réservé du numéro de diapositive 5"/>
+          <p:cNvSpPr>
+            <a:spLocks noGrp="1"/>
+          </p:cNvSpPr>
+          <p:nvPr>
+            <p:ph type="sldNum" sz="quarter" idx="12"/>
+          </p:nvPr>
+        </p:nvSpPr>
+        <p:spPr/>
+        <p:txBody>
+          <a:bodyPr/>
+          <a:lstStyle/>
+          <a:p>
+            <a:fld id="{36A212DA-347D-4853-A3E5-DB8AA592974E}" type="slidenum">
+              <a:rPr lang="fr-FR" smtClean="0"/>
+              <a:t>14</a:t>
+            </a:fld>
+            <a:endParaRPr lang="fr-FR"/>
           </a:p>
         </p:txBody>
       </p:sp>
     </p:spTree>
     <p:extLst>
       <p:ext uri="{BB962C8B-B14F-4D97-AF65-F5344CB8AC3E}">
-        <p14:creationId xmlns:p14="http://schemas.microsoft.com/office/powerpoint/2010/main" val="1512558587"/>
+        <p14:creationId xmlns:p14="http://schemas.microsoft.com/office/powerpoint/2010/main" val="2771328304"/>
       </p:ext>
     </p:extLst>
   </p:cSld>
@@ -4199,7 +5374,7 @@
           <a:p>
             <a:r>
               <a:rPr lang="fr-FR" dirty="0" smtClean="0"/>
-              <a:t>Notre approche : application à la dégradation de données de géolocalisation</a:t>
+              <a:t>Interpolation polynomiale</a:t>
             </a:r>
             <a:endParaRPr lang="fr-FR" dirty="0"/>
           </a:p>
@@ -4207,27 +5382,106 @@
       </p:sp>
       <p:sp>
         <p:nvSpPr>
-          <p:cNvPr id="3" name="Espace réservé du texte 2"/>
-          <p:cNvSpPr>
-            <a:spLocks noGrp="1"/>
-          </p:cNvSpPr>
-          <p:nvPr>
-            <p:ph type="body" idx="1"/>
-          </p:nvPr>
-        </p:nvSpPr>
-        <p:spPr/>
-        <p:txBody>
-          <a:bodyPr/>
-          <a:lstStyle/>
-          <a:p>
-            <a:endParaRPr lang="fr-FR"/>
-          </a:p>
-        </p:txBody>
-      </p:sp>
+          <p:cNvPr id="4" name="ZoneTexte 3"/>
+          <p:cNvSpPr txBox="1"/>
+          <p:nvPr/>
+        </p:nvSpPr>
+        <p:spPr>
+          <a:xfrm>
+            <a:off x="0" y="0"/>
+            <a:ext cx="4944752" cy="369332"/>
+          </a:xfrm>
+          <a:prstGeom prst="rect">
+            <a:avLst/>
+          </a:prstGeom>
+          <a:noFill/>
+        </p:spPr>
+        <p:txBody>
+          <a:bodyPr wrap="none" rtlCol="0">
+            <a:spAutoFit/>
+          </a:bodyPr>
+          <a:lstStyle/>
+          <a:p>
+            <a:r>
+              <a:rPr lang="fr-FR" dirty="0" smtClean="0"/>
+              <a:t>Exposé du problème -&gt; Solution -&gt; </a:t>
+            </a:r>
+            <a:r>
+              <a:rPr lang="fr-FR" b="1" dirty="0" smtClean="0"/>
+              <a:t>Notre approche</a:t>
+            </a:r>
+            <a:endParaRPr lang="fr-FR" b="1" dirty="0"/>
+          </a:p>
+        </p:txBody>
+      </p:sp>
+      <p:sp>
+        <p:nvSpPr>
+          <p:cNvPr id="6" name="Espace réservé du numéro de diapositive 5"/>
+          <p:cNvSpPr>
+            <a:spLocks noGrp="1"/>
+          </p:cNvSpPr>
+          <p:nvPr>
+            <p:ph type="sldNum" sz="quarter" idx="12"/>
+          </p:nvPr>
+        </p:nvSpPr>
+        <p:spPr/>
+        <p:txBody>
+          <a:bodyPr/>
+          <a:lstStyle/>
+          <a:p>
+            <a:fld id="{36A212DA-347D-4853-A3E5-DB8AA592974E}" type="slidenum">
+              <a:rPr lang="fr-FR" smtClean="0"/>
+              <a:t>15</a:t>
+            </a:fld>
+            <a:endParaRPr lang="fr-FR"/>
+          </a:p>
+        </p:txBody>
+      </p:sp>
+      <p:pic>
+        <p:nvPicPr>
+          <p:cNvPr id="2050" name="Picture 2" descr="http://upload.wikimedia.org/wikipedia/commons/6/6b/Interpolation_runge_funktion_10_stuetzstellen.png"/>
+          <p:cNvPicPr>
+            <a:picLocks noChangeAspect="1" noChangeArrowheads="1"/>
+          </p:cNvPicPr>
+          <p:nvPr/>
+        </p:nvPicPr>
+        <p:blipFill>
+          <a:blip r:embed="rId2">
+            <a:extLst>
+              <a:ext uri="{28A0092B-C50C-407E-A947-70E740481C1C}">
+                <a14:useLocalDpi xmlns:a14="http://schemas.microsoft.com/office/drawing/2010/main" val="0"/>
+              </a:ext>
+            </a:extLst>
+          </a:blip>
+          <a:srcRect/>
+          <a:stretch>
+            <a:fillRect/>
+          </a:stretch>
+        </p:blipFill>
+        <p:spPr bwMode="auto">
+          <a:xfrm>
+            <a:off x="2692400" y="1444147"/>
+            <a:ext cx="6807200" cy="5094765"/>
+          </a:xfrm>
+          <a:prstGeom prst="rect">
+            <a:avLst/>
+          </a:prstGeom>
+          <a:noFill/>
+          <a:extLst>
+            <a:ext uri="{909E8E84-426E-40DD-AFC4-6F175D3DCCD1}">
+              <a14:hiddenFill xmlns:a14="http://schemas.microsoft.com/office/drawing/2010/main">
+                <a:solidFill>
+                  <a:srgbClr val="FFFFFF"/>
+                </a:solidFill>
+              </a14:hiddenFill>
+            </a:ext>
+          </a:extLst>
+        </p:spPr>
+      </p:pic>
     </p:spTree>
     <p:extLst>
       <p:ext uri="{BB962C8B-B14F-4D97-AF65-F5344CB8AC3E}">
-        <p14:creationId xmlns:p14="http://schemas.microsoft.com/office/powerpoint/2010/main" val="2936282269"/>
+        <p14:creationId xmlns:p14="http://schemas.microsoft.com/office/powerpoint/2010/main" val="3386361244"/>
       </p:ext>
     </p:extLst>
   </p:cSld>
@@ -4270,57 +5524,202 @@
           <a:lstStyle/>
           <a:p>
             <a:r>
-              <a:rPr lang="fr-FR" dirty="0" smtClean="0"/>
-              <a:t>Objectifs</a:t>
+              <a:rPr lang="fr-FR" dirty="0"/>
+              <a:t>Choix de la DHT</a:t>
+            </a:r>
+          </a:p>
+        </p:txBody>
+      </p:sp>
+      <p:sp>
+        <p:nvSpPr>
+          <p:cNvPr id="3" name="Espace réservé du contenu 2"/>
+          <p:cNvSpPr>
+            <a:spLocks noGrp="1"/>
+          </p:cNvSpPr>
+          <p:nvPr>
+            <p:ph sz="half" idx="1"/>
+          </p:nvPr>
+        </p:nvSpPr>
+        <p:spPr>
+          <a:xfrm>
+            <a:off x="838199" y="1825625"/>
+            <a:ext cx="5901267" cy="4351338"/>
+          </a:xfrm>
+        </p:spPr>
+        <p:txBody>
+          <a:bodyPr>
+            <a:normAutofit fontScale="92500" lnSpcReduction="20000"/>
+          </a:bodyPr>
+          <a:lstStyle/>
+          <a:p>
+            <a:r>
+              <a:rPr lang="fr-FR" dirty="0"/>
+              <a:t>Plusieurs implémentations </a:t>
+            </a:r>
+            <a:r>
+              <a:rPr lang="fr-FR" dirty="0" smtClean="0"/>
+              <a:t>:</a:t>
             </a:r>
             <a:endParaRPr lang="fr-FR" dirty="0"/>
           </a:p>
-        </p:txBody>
-      </p:sp>
-      <p:sp>
-        <p:nvSpPr>
-          <p:cNvPr id="3" name="Espace réservé du contenu 2"/>
-          <p:cNvSpPr>
-            <a:spLocks noGrp="1"/>
-          </p:cNvSpPr>
-          <p:nvPr>
-            <p:ph idx="1"/>
-          </p:nvPr>
-        </p:nvSpPr>
-        <p:spPr/>
-        <p:txBody>
-          <a:bodyPr>
-            <a:normAutofit/>
-          </a:bodyPr>
-          <a:lstStyle/>
+          <a:p>
+            <a:endParaRPr lang="fr-FR" dirty="0"/>
+          </a:p>
           <a:p>
             <a:endParaRPr lang="fr-FR" dirty="0" smtClean="0"/>
           </a:p>
           <a:p>
-            <a:r>
-              <a:rPr lang="fr-FR" dirty="0" smtClean="0"/>
-              <a:t>Comme précédemment : disparition des données mais… progressive !</a:t>
-            </a:r>
-          </a:p>
-          <a:p>
             <a:endParaRPr lang="fr-FR" dirty="0"/>
           </a:p>
           <a:p>
-            <a:r>
-              <a:rPr lang="fr-FR" dirty="0" smtClean="0"/>
-              <a:t>Application à la géolocalisation : diminuer la précision des données stockées au fil du temps</a:t>
-            </a:r>
+            <a:endParaRPr lang="fr-FR" dirty="0" smtClean="0"/>
+          </a:p>
+          <a:p>
+            <a:endParaRPr lang="fr-FR" dirty="0" smtClean="0"/>
+          </a:p>
+          <a:p>
+            <a:endParaRPr lang="fr-FR" dirty="0"/>
+          </a:p>
+          <a:p>
+            <a:r>
+              <a:rPr lang="fr-FR" dirty="0" smtClean="0"/>
+              <a:t>Choix restants :</a:t>
+            </a:r>
+          </a:p>
+          <a:p>
+            <a:pPr lvl="1"/>
+            <a:r>
+              <a:rPr lang="fr-FR" dirty="0" smtClean="0"/>
+              <a:t>vampiriser </a:t>
+            </a:r>
+            <a:r>
+              <a:rPr lang="fr-FR" dirty="0"/>
+              <a:t>une DHT existante ou </a:t>
+            </a:r>
+            <a:r>
+              <a:rPr lang="fr-FR" dirty="0" smtClean="0"/>
+              <a:t>simuler</a:t>
+            </a:r>
+            <a:endParaRPr lang="fr-FR" dirty="0"/>
+          </a:p>
+          <a:p>
+            <a:pPr lvl="1"/>
+            <a:r>
+              <a:rPr lang="fr-FR" dirty="0"/>
+              <a:t>Compensation du risque</a:t>
+            </a:r>
+          </a:p>
+          <a:p>
+            <a:pPr lvl="2"/>
+            <a:r>
+              <a:rPr lang="fr-FR" dirty="0" smtClean="0"/>
+              <a:t>Magicien d’oz comme solution </a:t>
+            </a:r>
+            <a:r>
+              <a:rPr lang="fr-FR" dirty="0"/>
+              <a:t>de repli </a:t>
+            </a:r>
+          </a:p>
+          <a:p>
+            <a:endParaRPr lang="fr-FR" dirty="0"/>
+          </a:p>
+          <a:p>
+            <a:endParaRPr lang="fr-FR" dirty="0"/>
           </a:p>
           <a:p>
             <a:pPr lvl="1"/>
             <a:endParaRPr lang="fr-FR" dirty="0"/>
           </a:p>
-        </p:txBody>
-      </p:sp>
+          <a:p>
+            <a:endParaRPr lang="fr-FR" dirty="0"/>
+          </a:p>
+        </p:txBody>
+      </p:sp>
+      <p:sp>
+        <p:nvSpPr>
+          <p:cNvPr id="5" name="Espace réservé du numéro de diapositive 4"/>
+          <p:cNvSpPr>
+            <a:spLocks noGrp="1"/>
+          </p:cNvSpPr>
+          <p:nvPr>
+            <p:ph type="sldNum" sz="quarter" idx="12"/>
+          </p:nvPr>
+        </p:nvSpPr>
+        <p:spPr/>
+        <p:txBody>
+          <a:bodyPr/>
+          <a:lstStyle/>
+          <a:p>
+            <a:fld id="{36A212DA-347D-4853-A3E5-DB8AA592974E}" type="slidenum">
+              <a:rPr lang="fr-FR" smtClean="0"/>
+              <a:t>16</a:t>
+            </a:fld>
+            <a:endParaRPr lang="fr-FR"/>
+          </a:p>
+        </p:txBody>
+      </p:sp>
+      <p:sp>
+        <p:nvSpPr>
+          <p:cNvPr id="6" name="ZoneTexte 5"/>
+          <p:cNvSpPr txBox="1"/>
+          <p:nvPr/>
+        </p:nvSpPr>
+        <p:spPr>
+          <a:xfrm>
+            <a:off x="0" y="0"/>
+            <a:ext cx="4944752" cy="369332"/>
+          </a:xfrm>
+          <a:prstGeom prst="rect">
+            <a:avLst/>
+          </a:prstGeom>
+          <a:noFill/>
+        </p:spPr>
+        <p:txBody>
+          <a:bodyPr wrap="none" rtlCol="0">
+            <a:spAutoFit/>
+          </a:bodyPr>
+          <a:lstStyle/>
+          <a:p>
+            <a:r>
+              <a:rPr lang="fr-FR" dirty="0" smtClean="0"/>
+              <a:t>Exposé du problème -&gt; Solution -&gt; </a:t>
+            </a:r>
+            <a:r>
+              <a:rPr lang="fr-FR" b="1" dirty="0" smtClean="0"/>
+              <a:t>Notre approche</a:t>
+            </a:r>
+            <a:endParaRPr lang="fr-FR" b="1" dirty="0"/>
+          </a:p>
+        </p:txBody>
+      </p:sp>
+      <p:pic>
+        <p:nvPicPr>
+          <p:cNvPr id="7" name="Image 6"/>
+          <p:cNvPicPr>
+            <a:picLocks noChangeAspect="1"/>
+          </p:cNvPicPr>
+          <p:nvPr/>
+        </p:nvPicPr>
+        <p:blipFill>
+          <a:blip r:embed="rId2"/>
+          <a:stretch>
+            <a:fillRect/>
+          </a:stretch>
+        </p:blipFill>
+        <p:spPr>
+          <a:xfrm>
+            <a:off x="3454620" y="2197162"/>
+            <a:ext cx="7425318" cy="2594971"/>
+          </a:xfrm>
+          <a:prstGeom prst="rect">
+            <a:avLst/>
+          </a:prstGeom>
+        </p:spPr>
+      </p:pic>
     </p:spTree>
     <p:extLst>
       <p:ext uri="{BB962C8B-B14F-4D97-AF65-F5344CB8AC3E}">
-        <p14:creationId xmlns:p14="http://schemas.microsoft.com/office/powerpoint/2010/main" val="859945632"/>
+        <p14:creationId xmlns:p14="http://schemas.microsoft.com/office/powerpoint/2010/main" val="2327660550"/>
       </p:ext>
     </p:extLst>
   </p:cSld>
@@ -4364,7 +5763,7 @@
           <a:p>
             <a:r>
               <a:rPr lang="fr-FR" dirty="0" smtClean="0"/>
-              <a:t>Travail a exécuter</a:t>
+              <a:t>Limitations</a:t>
             </a:r>
             <a:endParaRPr lang="fr-FR" dirty="0"/>
           </a:p>
@@ -4387,19 +5786,129 @@
           </a:bodyPr>
           <a:lstStyle/>
           <a:p>
+            <a:r>
+              <a:rPr lang="fr-FR" dirty="0" smtClean="0"/>
+              <a:t>De l’idée</a:t>
+            </a:r>
+          </a:p>
+          <a:p>
             <a:pPr lvl="1"/>
             <a:r>
               <a:rPr lang="fr-FR" dirty="0" smtClean="0"/>
-              <a:t>Schéma cahier à reproduire</a:t>
-            </a:r>
+              <a:t>Modèle “honnête mais curieux”</a:t>
+            </a:r>
+          </a:p>
+          <a:p>
+            <a:pPr lvl="1"/>
+            <a:r>
+              <a:rPr lang="fr-FR" dirty="0" smtClean="0"/>
+              <a:t>Borne inf. à la durée de vie des données</a:t>
+            </a:r>
+          </a:p>
+          <a:p>
+            <a:pPr lvl="1"/>
+            <a:r>
+              <a:rPr lang="fr-FR" dirty="0" smtClean="0"/>
+              <a:t>Ne s’applique pas rétroactivement aux données déjà publiées</a:t>
+            </a:r>
+          </a:p>
+          <a:p>
+            <a:pPr lvl="1"/>
+            <a:r>
+              <a:rPr lang="fr-FR" dirty="0" smtClean="0"/>
+              <a:t>Difficulté de proposer un modèle de dégradation général</a:t>
+            </a:r>
+          </a:p>
+          <a:p>
+            <a:endParaRPr lang="fr-FR" dirty="0" smtClean="0"/>
+          </a:p>
+          <a:p>
+            <a:r>
+              <a:rPr lang="fr-FR" dirty="0" smtClean="0"/>
+              <a:t>De notre approche</a:t>
+            </a:r>
+          </a:p>
+          <a:p>
+            <a:pPr lvl="1"/>
+            <a:r>
+              <a:rPr lang="fr-FR" dirty="0" smtClean="0"/>
+              <a:t>Reste un risque : la mesure du </a:t>
+            </a:r>
+            <a:r>
+              <a:rPr lang="fr-FR" dirty="0" err="1" smtClean="0"/>
+              <a:t>churn</a:t>
+            </a:r>
+            <a:endParaRPr lang="fr-FR" dirty="0" smtClean="0"/>
+          </a:p>
+          <a:p>
+            <a:pPr marL="457200" lvl="1" indent="0">
+              <a:buNone/>
+            </a:pPr>
             <a:endParaRPr lang="fr-FR" dirty="0"/>
+          </a:p>
+        </p:txBody>
+      </p:sp>
+      <p:sp>
+        <p:nvSpPr>
+          <p:cNvPr id="4" name="ZoneTexte 3"/>
+          <p:cNvSpPr txBox="1"/>
+          <p:nvPr/>
+        </p:nvSpPr>
+        <p:spPr>
+          <a:xfrm>
+            <a:off x="0" y="0"/>
+            <a:ext cx="4944752" cy="369332"/>
+          </a:xfrm>
+          <a:prstGeom prst="rect">
+            <a:avLst/>
+          </a:prstGeom>
+          <a:noFill/>
+        </p:spPr>
+        <p:txBody>
+          <a:bodyPr wrap="none" rtlCol="0">
+            <a:spAutoFit/>
+          </a:bodyPr>
+          <a:lstStyle/>
+          <a:p>
+            <a:r>
+              <a:rPr lang="fr-FR" dirty="0" smtClean="0"/>
+              <a:t>Exposé du problème -&gt; Solution -&gt; </a:t>
+            </a:r>
+            <a:r>
+              <a:rPr lang="fr-FR" b="1" dirty="0" smtClean="0"/>
+              <a:t>Notre approche</a:t>
+            </a:r>
+            <a:endParaRPr lang="fr-FR" b="1" dirty="0"/>
+          </a:p>
+        </p:txBody>
+      </p:sp>
+      <p:sp>
+        <p:nvSpPr>
+          <p:cNvPr id="6" name="Espace réservé du numéro de diapositive 5"/>
+          <p:cNvSpPr>
+            <a:spLocks noGrp="1"/>
+          </p:cNvSpPr>
+          <p:nvPr>
+            <p:ph type="sldNum" sz="quarter" idx="12"/>
+          </p:nvPr>
+        </p:nvSpPr>
+        <p:spPr/>
+        <p:txBody>
+          <a:bodyPr/>
+          <a:lstStyle/>
+          <a:p>
+            <a:fld id="{36A212DA-347D-4853-A3E5-DB8AA592974E}" type="slidenum">
+              <a:rPr lang="fr-FR" smtClean="0"/>
+              <a:t>17</a:t>
+            </a:fld>
+            <a:endParaRPr lang="fr-FR"/>
           </a:p>
         </p:txBody>
       </p:sp>
     </p:spTree>
     <p:extLst>
       <p:ext uri="{BB962C8B-B14F-4D97-AF65-F5344CB8AC3E}">
-        <p14:creationId xmlns:p14="http://schemas.microsoft.com/office/powerpoint/2010/main" val="463361665"/>
+        <p14:creationId xmlns:p14="http://schemas.microsoft.com/office/powerpoint/2010/main" val="2324293040"/>
       </p:ext>
     </p:extLst>
   </p:cSld>
@@ -4443,7 +5952,7 @@
           <a:p>
             <a:r>
               <a:rPr lang="fr-FR" dirty="0" smtClean="0"/>
-              <a:t>Choix de la DHT</a:t>
+              <a:t>Des questions ?</a:t>
             </a:r>
             <a:endParaRPr lang="fr-FR" dirty="0"/>
           </a:p>
@@ -4466,117 +5975,36 @@
           </a:bodyPr>
           <a:lstStyle/>
           <a:p>
-            <a:pPr lvl="1"/>
             <a:r>
               <a:rPr lang="fr-FR" dirty="0" smtClean="0">
-                <a:solidFill>
-                  <a:srgbClr val="FF0000"/>
-                </a:solidFill>
+                <a:sym typeface="Wingdings" panose="05000000000000000000" pitchFamily="2" charset="2"/>
               </a:rPr>
-              <a:t>OU plutôt, du système P2P basé sur une DHT !</a:t>
-            </a:r>
-          </a:p>
-          <a:p>
-            <a:pPr lvl="1"/>
-            <a:endParaRPr lang="fr-FR" dirty="0"/>
-          </a:p>
-          <a:p>
-            <a:pPr lvl="1"/>
-            <a:r>
-              <a:rPr lang="en-US" dirty="0" smtClean="0"/>
-              <a:t>For </a:t>
-            </a:r>
-            <a:r>
-              <a:rPr lang="en-US" dirty="0" err="1" smtClean="0"/>
-              <a:t>Vuze</a:t>
-            </a:r>
-            <a:r>
-              <a:rPr lang="en-US" dirty="0" smtClean="0"/>
-              <a:t> architecture, the timeout is 8 hours and for </a:t>
-            </a:r>
-            <a:r>
-              <a:rPr lang="en-US" dirty="0" err="1" smtClean="0"/>
-              <a:t>OpenDHT</a:t>
-            </a:r>
-            <a:r>
-              <a:rPr lang="en-US" dirty="0" smtClean="0"/>
-              <a:t> [16]it is about a week.</a:t>
-            </a:r>
-            <a:endParaRPr lang="fr-FR" dirty="0"/>
-          </a:p>
-        </p:txBody>
-      </p:sp>
-    </p:spTree>
-    <p:extLst>
-      <p:ext uri="{BB962C8B-B14F-4D97-AF65-F5344CB8AC3E}">
-        <p14:creationId xmlns:p14="http://schemas.microsoft.com/office/powerpoint/2010/main" val="819210308"/>
-      </p:ext>
-    </p:extLst>
-  </p:cSld>
-  <p:clrMapOvr>
-    <a:masterClrMapping/>
-  </p:clrMapOvr>
-</p:sld>
-</file>
-
-<file path=ppt/slides/slide19.xml><?xml version="1.0" encoding="utf-8"?>
-<p:sld xmlns:a="http://schemas.openxmlformats.org/drawingml/2006/main" xmlns:r="http://schemas.openxmlformats.org/officeDocument/2006/relationships" xmlns:p="http://schemas.openxmlformats.org/presentationml/2006/main">
-  <p:cSld>
-    <p:spTree>
-      <p:nvGrpSpPr>
-        <p:cNvPr id="1" name=""/>
-        <p:cNvGrpSpPr/>
-        <p:nvPr/>
-      </p:nvGrpSpPr>
-      <p:grpSpPr>
-        <a:xfrm>
-          <a:off x="0" y="0"/>
-          <a:ext cx="0" cy="0"/>
-          <a:chOff x="0" y="0"/>
-          <a:chExt cx="0" cy="0"/>
-        </a:xfrm>
-      </p:grpSpPr>
-      <p:sp>
-        <p:nvSpPr>
-          <p:cNvPr id="2" name="Titre 1"/>
-          <p:cNvSpPr>
-            <a:spLocks noGrp="1"/>
-          </p:cNvSpPr>
-          <p:nvPr>
-            <p:ph type="title"/>
-          </p:nvPr>
-        </p:nvSpPr>
-        <p:spPr/>
-        <p:txBody>
-          <a:bodyPr/>
-          <a:lstStyle/>
-          <a:p>
-            <a:r>
-              <a:rPr lang="fr-FR" dirty="0" smtClean="0"/>
-              <a:t>Des questions ?</a:t>
-            </a:r>
-            <a:endParaRPr lang="fr-FR" dirty="0"/>
-          </a:p>
-        </p:txBody>
-      </p:sp>
-      <p:sp>
-        <p:nvSpPr>
-          <p:cNvPr id="3" name="Espace réservé du contenu 2"/>
-          <p:cNvSpPr>
-            <a:spLocks noGrp="1"/>
-          </p:cNvSpPr>
-          <p:nvPr>
-            <p:ph idx="1"/>
-          </p:nvPr>
-        </p:nvSpPr>
-        <p:spPr/>
-        <p:txBody>
-          <a:bodyPr>
-            <a:normAutofit/>
-          </a:bodyPr>
-          <a:lstStyle/>
-          <a:p>
+              <a:t> </a:t>
+            </a:r>
             <a:endParaRPr lang="fr-FR" dirty="0" smtClean="0"/>
+          </a:p>
+        </p:txBody>
+      </p:sp>
+      <p:sp>
+        <p:nvSpPr>
+          <p:cNvPr id="5" name="Espace réservé du numéro de diapositive 4"/>
+          <p:cNvSpPr>
+            <a:spLocks noGrp="1"/>
+          </p:cNvSpPr>
+          <p:nvPr>
+            <p:ph type="sldNum" sz="quarter" idx="12"/>
+          </p:nvPr>
+        </p:nvSpPr>
+        <p:spPr/>
+        <p:txBody>
+          <a:bodyPr/>
+          <a:lstStyle/>
+          <a:p>
+            <a:fld id="{36A212DA-347D-4853-A3E5-DB8AA592974E}" type="slidenum">
+              <a:rPr lang="fr-FR" smtClean="0"/>
+              <a:t>18</a:t>
+            </a:fld>
+            <a:endParaRPr lang="fr-FR"/>
           </a:p>
         </p:txBody>
       </p:sp>
@@ -4627,7 +6055,7 @@
           <a:p>
             <a:r>
               <a:rPr lang="fr-FR" dirty="0" smtClean="0"/>
-              <a:t>Introduction au partage de données</a:t>
+              <a:t>Plan de la présentation</a:t>
             </a:r>
             <a:endParaRPr lang="fr-FR" dirty="0"/>
           </a:p>
@@ -4635,31 +6063,126 @@
       </p:sp>
       <p:sp>
         <p:nvSpPr>
-          <p:cNvPr id="3" name="Espace réservé du texte 2"/>
-          <p:cNvSpPr>
-            <a:spLocks noGrp="1"/>
-          </p:cNvSpPr>
-          <p:nvPr>
-            <p:ph type="body" idx="1"/>
-          </p:nvPr>
-        </p:nvSpPr>
-        <p:spPr/>
-        <p:txBody>
-          <a:bodyPr/>
-          <a:lstStyle/>
-          <a:p>
-            <a:r>
-              <a:rPr lang="fr-FR" dirty="0" smtClean="0"/>
-              <a:t>Quelques connaissances techniques</a:t>
-            </a:r>
+          <p:cNvPr id="3" name="Espace réservé du contenu 2"/>
+          <p:cNvSpPr>
+            <a:spLocks noGrp="1"/>
+          </p:cNvSpPr>
+          <p:nvPr>
+            <p:ph idx="1"/>
+          </p:nvPr>
+        </p:nvSpPr>
+        <p:spPr/>
+        <p:txBody>
+          <a:bodyPr>
+            <a:normAutofit/>
+          </a:bodyPr>
+          <a:lstStyle/>
+          <a:p>
+            <a:r>
+              <a:rPr lang="fr-FR" dirty="0"/>
+              <a:t>Exposé du p</a:t>
+            </a:r>
+            <a:r>
+              <a:rPr lang="fr-FR" dirty="0" smtClean="0"/>
+              <a:t>roblème</a:t>
+            </a:r>
+          </a:p>
+          <a:p>
+            <a:pPr lvl="1"/>
+            <a:r>
+              <a:rPr lang="fr-FR" dirty="0" smtClean="0"/>
+              <a:t>les </a:t>
+            </a:r>
+            <a:r>
+              <a:rPr lang="fr-FR" dirty="0"/>
+              <a:t>données existent </a:t>
+            </a:r>
+            <a:r>
+              <a:rPr lang="fr-FR" dirty="0" smtClean="0"/>
+              <a:t>indéfiniment</a:t>
+            </a:r>
+          </a:p>
+          <a:p>
             <a:endParaRPr lang="fr-FR" dirty="0"/>
+          </a:p>
+          <a:p>
+            <a:r>
+              <a:rPr lang="fr-FR" dirty="0"/>
+              <a:t>Une </a:t>
+            </a:r>
+            <a:r>
+              <a:rPr lang="fr-FR" dirty="0" smtClean="0"/>
+              <a:t>solution</a:t>
+            </a:r>
+          </a:p>
+          <a:p>
+            <a:pPr lvl="1"/>
+            <a:r>
+              <a:rPr lang="fr-FR" dirty="0" smtClean="0"/>
+              <a:t>la </a:t>
+            </a:r>
+            <a:r>
+              <a:rPr lang="fr-FR" dirty="0"/>
+              <a:t>publication </a:t>
+            </a:r>
+            <a:r>
+              <a:rPr lang="fr-FR" dirty="0" smtClean="0"/>
+              <a:t>éphémère</a:t>
+            </a:r>
+          </a:p>
+          <a:p>
+            <a:endParaRPr lang="fr-FR" dirty="0"/>
+          </a:p>
+          <a:p>
+            <a:r>
+              <a:rPr lang="fr-FR" dirty="0"/>
+              <a:t>Notre </a:t>
+            </a:r>
+            <a:r>
+              <a:rPr lang="fr-FR" dirty="0" smtClean="0"/>
+              <a:t>approche</a:t>
+            </a:r>
+          </a:p>
+          <a:p>
+            <a:pPr lvl="1"/>
+            <a:r>
+              <a:rPr lang="fr-FR" dirty="0" smtClean="0"/>
+              <a:t>application </a:t>
+            </a:r>
+            <a:r>
+              <a:rPr lang="fr-FR" dirty="0"/>
+              <a:t>à la dégradation de données de géolocalisation</a:t>
+            </a:r>
+          </a:p>
+        </p:txBody>
+      </p:sp>
+      <p:sp>
+        <p:nvSpPr>
+          <p:cNvPr id="5" name="Espace réservé du numéro de diapositive 4"/>
+          <p:cNvSpPr>
+            <a:spLocks noGrp="1"/>
+          </p:cNvSpPr>
+          <p:nvPr>
+            <p:ph type="sldNum" sz="quarter" idx="12"/>
+          </p:nvPr>
+        </p:nvSpPr>
+        <p:spPr/>
+        <p:txBody>
+          <a:bodyPr/>
+          <a:lstStyle/>
+          <a:p>
+            <a:fld id="{36A212DA-347D-4853-A3E5-DB8AA592974E}" type="slidenum">
+              <a:rPr lang="fr-FR" smtClean="0"/>
+              <a:t>2</a:t>
+            </a:fld>
+            <a:endParaRPr lang="fr-FR"/>
           </a:p>
         </p:txBody>
       </p:sp>
     </p:spTree>
     <p:extLst>
       <p:ext uri="{BB962C8B-B14F-4D97-AF65-F5344CB8AC3E}">
-        <p14:creationId xmlns:p14="http://schemas.microsoft.com/office/powerpoint/2010/main" val="425077358"/>
+        <p14:creationId xmlns:p14="http://schemas.microsoft.com/office/powerpoint/2010/main" val="2801839511"/>
       </p:ext>
     </p:extLst>
   </p:cSld>
@@ -4703,7 +6226,11 @@
           <a:p>
             <a:r>
               <a:rPr lang="fr-FR" dirty="0" smtClean="0"/>
-              <a:t>Introduction</a:t>
+              <a:t>Les </a:t>
+            </a:r>
+            <a:r>
+              <a:rPr lang="fr-FR" dirty="0"/>
+              <a:t>données existent indéfiniment</a:t>
             </a:r>
             <a:endParaRPr lang="fr-FR" dirty="0"/>
           </a:p>
@@ -4721,33 +6248,174 @@
         </p:nvSpPr>
         <p:spPr/>
         <p:txBody>
-          <a:bodyPr/>
-          <a:lstStyle/>
-          <a:p>
+          <a:bodyPr>
+            <a:normAutofit fontScale="92500" lnSpcReduction="10000"/>
+          </a:bodyPr>
+          <a:lstStyle/>
+          <a:p>
+            <a:r>
+              <a:rPr lang="fr-FR" dirty="0" smtClean="0"/>
+              <a:t>Aucune </a:t>
+            </a:r>
+            <a:r>
+              <a:rPr lang="fr-FR" dirty="0" smtClean="0"/>
+              <a:t>incitation pour l’hébergeur</a:t>
+            </a:r>
             <a:endParaRPr lang="fr-FR" dirty="0" smtClean="0"/>
           </a:p>
           <a:p>
-            <a:r>
-              <a:rPr lang="fr-FR" dirty="0" smtClean="0"/>
-              <a:t>Actualité : évolution en direction de systèmes de données distribués et de partage de données</a:t>
-            </a:r>
-          </a:p>
-          <a:p>
+            <a:pPr lvl="1"/>
+            <a:r>
+              <a:rPr lang="fr-FR" dirty="0" smtClean="0"/>
+              <a:t>La capacité de stockage disponible est illimitée</a:t>
+            </a:r>
+          </a:p>
+          <a:p>
+            <a:pPr lvl="1"/>
+            <a:r>
+              <a:rPr lang="fr-FR" dirty="0" smtClean="0"/>
+              <a:t>De nombreux « services » veulent </a:t>
+            </a:r>
+            <a:r>
+              <a:rPr lang="fr-FR" dirty="0" smtClean="0"/>
+              <a:t>valoriser les données qu’ils collectent</a:t>
+            </a:r>
+            <a:endParaRPr lang="fr-FR" dirty="0" smtClean="0"/>
+          </a:p>
+          <a:p>
+            <a:pPr lvl="1"/>
             <a:endParaRPr lang="fr-FR" dirty="0"/>
           </a:p>
           <a:p>
             <a:r>
               <a:rPr lang="fr-FR" dirty="0" smtClean="0"/>
-              <a:t>Au cœur de ces systèmes : les tables de hachage distribuées (DHT)</a:t>
-            </a:r>
+              <a:t>Aucune </a:t>
+            </a:r>
+            <a:r>
+              <a:rPr lang="fr-FR" dirty="0" smtClean="0"/>
+              <a:t>responsabilité de l’utilisateur</a:t>
+            </a:r>
+            <a:endParaRPr lang="fr-FR" dirty="0" smtClean="0"/>
+          </a:p>
+          <a:p>
+            <a:pPr lvl="1"/>
+            <a:r>
+              <a:rPr lang="fr-FR" dirty="0" smtClean="0"/>
+              <a:t>Les utilisateurs ont abandonné le contrôle sur leur données</a:t>
+            </a:r>
+          </a:p>
+          <a:p>
+            <a:pPr lvl="1"/>
             <a:endParaRPr lang="fr-FR" dirty="0"/>
+          </a:p>
+          <a:p>
+            <a:r>
+              <a:rPr lang="fr-FR" dirty="0" smtClean="0"/>
+              <a:t>Absence d’une relation de confiance </a:t>
+            </a:r>
+            <a:r>
+              <a:rPr lang="fr-FR" dirty="0" smtClean="0"/>
+              <a:t>entre </a:t>
+            </a:r>
+            <a:r>
+              <a:rPr lang="fr-FR" dirty="0" smtClean="0"/>
+              <a:t>ces deux acteurs</a:t>
+            </a:r>
+          </a:p>
+          <a:p>
+            <a:endParaRPr lang="fr-FR" dirty="0"/>
+          </a:p>
+          <a:p>
+            <a:r>
+              <a:rPr lang="fr-FR" dirty="0" smtClean="0"/>
+              <a:t>Attaque rétroactive</a:t>
+            </a:r>
+          </a:p>
+          <a:p>
+            <a:pPr lvl="1"/>
+            <a:r>
+              <a:rPr lang="fr-FR" dirty="0"/>
+              <a:t>Des données peuvent ressurgir après leur supposé effacement</a:t>
+            </a:r>
+          </a:p>
+          <a:p>
+            <a:pPr lvl="1"/>
+            <a:endParaRPr lang="fr-FR" dirty="0" smtClean="0"/>
+          </a:p>
+          <a:p>
+            <a:pPr lvl="1"/>
+            <a:endParaRPr lang="fr-FR" dirty="0" smtClean="0"/>
+          </a:p>
+          <a:p>
+            <a:endParaRPr lang="fr-FR" dirty="0" smtClean="0"/>
+          </a:p>
+          <a:p>
+            <a:pPr lvl="1"/>
+            <a:endParaRPr lang="fr-FR" dirty="0"/>
+          </a:p>
+        </p:txBody>
+      </p:sp>
+      <p:sp>
+        <p:nvSpPr>
+          <p:cNvPr id="4" name="ZoneTexte 3"/>
+          <p:cNvSpPr txBox="1"/>
+          <p:nvPr/>
+        </p:nvSpPr>
+        <p:spPr>
+          <a:xfrm>
+            <a:off x="0" y="0"/>
+            <a:ext cx="4944752" cy="369332"/>
+          </a:xfrm>
+          <a:prstGeom prst="rect">
+            <a:avLst/>
+          </a:prstGeom>
+          <a:noFill/>
+        </p:spPr>
+        <p:txBody>
+          <a:bodyPr wrap="none" rtlCol="0">
+            <a:spAutoFit/>
+          </a:bodyPr>
+          <a:lstStyle/>
+          <a:p>
+            <a:r>
+              <a:rPr lang="fr-FR" b="1" dirty="0" smtClean="0"/>
+              <a:t>Exposé du problème </a:t>
+            </a:r>
+            <a:r>
+              <a:rPr lang="fr-FR" dirty="0" smtClean="0"/>
+              <a:t>-&gt; Solution -&gt; Notre approche</a:t>
+            </a:r>
+            <a:endParaRPr lang="fr-FR" dirty="0"/>
+          </a:p>
+        </p:txBody>
+      </p:sp>
+      <p:sp>
+        <p:nvSpPr>
+          <p:cNvPr id="6" name="Espace réservé du numéro de diapositive 5"/>
+          <p:cNvSpPr>
+            <a:spLocks noGrp="1"/>
+          </p:cNvSpPr>
+          <p:nvPr>
+            <p:ph type="sldNum" sz="quarter" idx="12"/>
+          </p:nvPr>
+        </p:nvSpPr>
+        <p:spPr/>
+        <p:txBody>
+          <a:bodyPr/>
+          <a:lstStyle/>
+          <a:p>
+            <a:fld id="{36A212DA-347D-4853-A3E5-DB8AA592974E}" type="slidenum">
+              <a:rPr lang="fr-FR" smtClean="0"/>
+              <a:t>3</a:t>
+            </a:fld>
+            <a:endParaRPr lang="fr-FR"/>
           </a:p>
         </p:txBody>
       </p:sp>
     </p:spTree>
     <p:extLst>
       <p:ext uri="{BB962C8B-B14F-4D97-AF65-F5344CB8AC3E}">
-        <p14:creationId xmlns:p14="http://schemas.microsoft.com/office/powerpoint/2010/main" val="3824602052"/>
+        <p14:creationId xmlns:p14="http://schemas.microsoft.com/office/powerpoint/2010/main" val="1677475312"/>
       </p:ext>
     </p:extLst>
   </p:cSld>
@@ -4791,7 +6459,7 @@
           <a:p>
             <a:r>
               <a:rPr lang="fr-FR" dirty="0" smtClean="0"/>
-              <a:t>Introduction aux DHT</a:t>
+              <a:t>Une solution : la publication éphémère</a:t>
             </a:r>
             <a:endParaRPr lang="fr-FR" dirty="0"/>
           </a:p>
@@ -4799,115 +6467,50 @@
       </p:sp>
       <p:sp>
         <p:nvSpPr>
-          <p:cNvPr id="3" name="Espace réservé du contenu 2"/>
-          <p:cNvSpPr>
-            <a:spLocks noGrp="1"/>
-          </p:cNvSpPr>
-          <p:nvPr>
-            <p:ph idx="1"/>
-          </p:nvPr>
-        </p:nvSpPr>
-        <p:spPr/>
-        <p:txBody>
-          <a:bodyPr>
-            <a:normAutofit/>
-          </a:bodyPr>
-          <a:lstStyle/>
-          <a:p>
-            <a:r>
-              <a:rPr lang="fr-FR" dirty="0" smtClean="0"/>
-              <a:t>Table de hachage</a:t>
-            </a:r>
-          </a:p>
-          <a:p>
-            <a:pPr lvl="1"/>
-            <a:r>
-              <a:rPr lang="fr-FR" dirty="0" smtClean="0"/>
-              <a:t>Structure de données qui associe des clés à des valeurs</a:t>
-            </a:r>
-          </a:p>
-          <a:p>
-            <a:pPr lvl="1"/>
-            <a:r>
-              <a:rPr lang="fr-FR" dirty="0" smtClean="0"/>
-              <a:t>Interface très simple : put(key, value), value = </a:t>
-            </a:r>
-            <a:r>
-              <a:rPr lang="fr-FR" dirty="0" err="1" smtClean="0"/>
-              <a:t>get</a:t>
-            </a:r>
-            <a:r>
-              <a:rPr lang="fr-FR" dirty="0" smtClean="0"/>
-              <a:t>(key)</a:t>
-            </a:r>
-          </a:p>
-          <a:p>
-            <a:pPr lvl="2"/>
-            <a:endParaRPr lang="fr-FR" dirty="0"/>
-          </a:p>
-          <a:p>
-            <a:r>
-              <a:rPr lang="fr-FR" dirty="0" smtClean="0"/>
-              <a:t>DHT</a:t>
-            </a:r>
-          </a:p>
-          <a:p>
-            <a:pPr lvl="1"/>
-            <a:r>
-              <a:rPr lang="fr-FR" dirty="0" smtClean="0"/>
-              <a:t>Même chose, la table étant distribuée entre de nombreux hôtes</a:t>
-            </a:r>
-          </a:p>
-          <a:p>
-            <a:pPr lvl="1"/>
-            <a:r>
-              <a:rPr lang="fr-FR" dirty="0" smtClean="0"/>
-              <a:t>Principe</a:t>
-            </a:r>
-          </a:p>
-          <a:p>
-            <a:pPr lvl="2"/>
-            <a:r>
-              <a:rPr lang="fr-FR" dirty="0" smtClean="0"/>
-              <a:t>Chaque nœud s’occupe de segments contigus de l’espace de clés</a:t>
-            </a:r>
-          </a:p>
-          <a:p>
-            <a:pPr lvl="2"/>
-            <a:r>
-              <a:rPr lang="fr-FR" dirty="0" smtClean="0"/>
-              <a:t>Tout nœud peut diriger les messages au nœud responsable de la clé recherchée</a:t>
-            </a:r>
-          </a:p>
-          <a:p>
-            <a:pPr lvl="1"/>
-            <a:r>
-              <a:rPr lang="fr-FR" dirty="0" smtClean="0"/>
-              <a:t>Une myriade d’algorithmes: </a:t>
-            </a:r>
-            <a:r>
-              <a:rPr lang="fr-FR" dirty="0" err="1" smtClean="0"/>
-              <a:t>Kademlia</a:t>
-            </a:r>
-            <a:r>
-              <a:rPr lang="fr-FR" dirty="0" smtClean="0"/>
-              <a:t>, </a:t>
-            </a:r>
-            <a:r>
-              <a:rPr lang="fr-FR" dirty="0" err="1" smtClean="0"/>
-              <a:t>Chord</a:t>
-            </a:r>
-            <a:r>
-              <a:rPr lang="fr-FR" dirty="0" smtClean="0"/>
-              <a:t>, GIMP, etc.</a:t>
-            </a:r>
+          <p:cNvPr id="3" name="Espace réservé du texte 2"/>
+          <p:cNvSpPr>
+            <a:spLocks noGrp="1"/>
+          </p:cNvSpPr>
+          <p:nvPr>
+            <p:ph type="body" idx="1"/>
+          </p:nvPr>
+        </p:nvSpPr>
+        <p:spPr/>
+        <p:txBody>
+          <a:bodyPr/>
+          <a:lstStyle/>
+          <a:p>
+            <a:endParaRPr lang="fr-FR"/>
+          </a:p>
+        </p:txBody>
+      </p:sp>
+      <p:sp>
+        <p:nvSpPr>
+          <p:cNvPr id="5" name="Espace réservé du numéro de diapositive 4"/>
+          <p:cNvSpPr>
+            <a:spLocks noGrp="1"/>
+          </p:cNvSpPr>
+          <p:nvPr>
+            <p:ph type="sldNum" sz="quarter" idx="12"/>
+          </p:nvPr>
+        </p:nvSpPr>
+        <p:spPr/>
+        <p:txBody>
+          <a:bodyPr/>
+          <a:lstStyle/>
+          <a:p>
+            <a:fld id="{36A212DA-347D-4853-A3E5-DB8AA592974E}" type="slidenum">
+              <a:rPr lang="fr-FR" smtClean="0"/>
+              <a:t>4</a:t>
+            </a:fld>
+            <a:endParaRPr lang="fr-FR"/>
           </a:p>
         </p:txBody>
       </p:sp>
     </p:spTree>
     <p:extLst>
       <p:ext uri="{BB962C8B-B14F-4D97-AF65-F5344CB8AC3E}">
-        <p14:creationId xmlns:p14="http://schemas.microsoft.com/office/powerpoint/2010/main" val="1223733745"/>
+        <p14:creationId xmlns:p14="http://schemas.microsoft.com/office/powerpoint/2010/main" val="338398204"/>
       </p:ext>
     </p:extLst>
   </p:cSld>
@@ -4951,7 +6554,7 @@
           <a:p>
             <a:r>
               <a:rPr lang="fr-FR" dirty="0" smtClean="0"/>
-              <a:t>Intérêt des DHT</a:t>
+              <a:t>Objectif</a:t>
             </a:r>
             <a:endParaRPr lang="fr-FR" dirty="0"/>
           </a:p>
@@ -4970,28 +6573,27 @@
         <p:spPr/>
         <p:txBody>
           <a:bodyPr>
-            <a:normAutofit fontScale="92500" lnSpcReduction="10000"/>
+            <a:normAutofit/>
           </a:bodyPr>
           <a:lstStyle/>
           <a:p>
-            <a:r>
-              <a:rPr lang="fr-FR" dirty="0" smtClean="0"/>
-              <a:t>Efficaces</a:t>
+            <a:endParaRPr lang="fr-FR" dirty="0" smtClean="0"/>
+          </a:p>
+          <a:p>
+            <a:r>
+              <a:rPr lang="fr-FR" dirty="0" smtClean="0"/>
+              <a:t>Donner </a:t>
+            </a:r>
+            <a:r>
+              <a:rPr lang="fr-FR" dirty="0" smtClean="0"/>
+              <a:t>à l’utilisateur le contrôle sur la durée de vie de ses données</a:t>
             </a:r>
           </a:p>
           <a:p>
             <a:pPr lvl="1"/>
             <a:r>
               <a:rPr lang="fr-FR" dirty="0" smtClean="0"/>
-              <a:t>Recherche en O(</a:t>
-            </a:r>
-            <a:r>
-              <a:rPr lang="fr-FR" dirty="0" err="1" smtClean="0"/>
-              <a:t>logN</a:t>
-            </a:r>
-            <a:r>
-              <a:rPr lang="fr-FR" dirty="0" smtClean="0"/>
-              <a:t>)</a:t>
+              <a:t>Après un laps de temps, toutes les copies de la données doivent être illisibles</a:t>
             </a:r>
           </a:p>
           <a:p>
@@ -4999,58 +6601,114 @@
             <a:endParaRPr lang="fr-FR" dirty="0"/>
           </a:p>
           <a:p>
-            <a:r>
-              <a:rPr lang="fr-FR" dirty="0" smtClean="0"/>
-              <a:t>Passage à l’échelle</a:t>
+            <a:endParaRPr lang="fr-FR" dirty="0" smtClean="0"/>
+          </a:p>
+          <a:p>
+            <a:r>
+              <a:rPr lang="fr-FR" dirty="0" smtClean="0"/>
+              <a:t>Une solution : les DHT</a:t>
             </a:r>
           </a:p>
           <a:p>
             <a:pPr lvl="1"/>
             <a:r>
               <a:rPr lang="fr-FR" dirty="0" smtClean="0"/>
-              <a:t>Très robuste par rapport à la disparition des nœuds</a:t>
+              <a:t>Au cœur des systèmes de partage de données</a:t>
             </a:r>
           </a:p>
           <a:p>
             <a:pPr lvl="1"/>
             <a:r>
-              <a:rPr lang="fr-FR" dirty="0" smtClean="0"/>
-              <a:t>Réplication des données</a:t>
-            </a:r>
+              <a:rPr lang="fr-FR" dirty="0"/>
+              <a:t>Table de </a:t>
+            </a:r>
+            <a:r>
+              <a:rPr lang="fr-FR" dirty="0" smtClean="0"/>
+              <a:t>hachage = Dictionnaire</a:t>
+            </a:r>
+            <a:endParaRPr lang="fr-FR" dirty="0"/>
           </a:p>
           <a:p>
             <a:pPr lvl="1"/>
+            <a:endParaRPr lang="fr-FR" dirty="0" smtClean="0"/>
+          </a:p>
+          <a:p>
+            <a:pPr lvl="1"/>
+            <a:endParaRPr lang="fr-FR" dirty="0" smtClean="0"/>
+          </a:p>
+          <a:p>
+            <a:pPr marL="457200" lvl="1" indent="0">
+              <a:buNone/>
+            </a:pPr>
+            <a:endParaRPr lang="fr-FR" dirty="0" smtClean="0"/>
+          </a:p>
+        </p:txBody>
+      </p:sp>
+      <p:sp>
+        <p:nvSpPr>
+          <p:cNvPr id="4" name="ZoneTexte 3"/>
+          <p:cNvSpPr txBox="1"/>
+          <p:nvPr/>
+        </p:nvSpPr>
+        <p:spPr>
+          <a:xfrm>
+            <a:off x="0" y="0"/>
+            <a:ext cx="4944752" cy="369332"/>
+          </a:xfrm>
+          <a:prstGeom prst="rect">
+            <a:avLst/>
+          </a:prstGeom>
+          <a:noFill/>
+        </p:spPr>
+        <p:txBody>
+          <a:bodyPr wrap="none" rtlCol="0">
+            <a:spAutoFit/>
+          </a:bodyPr>
+          <a:lstStyle/>
+          <a:p>
+            <a:r>
+              <a:rPr lang="fr-FR" dirty="0" smtClean="0"/>
+              <a:t>Exposé du problème -&gt; </a:t>
+            </a:r>
+            <a:r>
+              <a:rPr lang="fr-FR" b="1" dirty="0" smtClean="0"/>
+              <a:t>Solution</a:t>
+            </a:r>
+            <a:r>
+              <a:rPr lang="fr-FR" dirty="0" smtClean="0"/>
+              <a:t> -&gt; Notre approche</a:t>
+            </a:r>
             <a:endParaRPr lang="fr-FR" dirty="0"/>
           </a:p>
-          <a:p>
-            <a:r>
-              <a:rPr lang="fr-FR" dirty="0" smtClean="0"/>
-              <a:t>Aucun point central de contrôle</a:t>
-            </a:r>
-          </a:p>
-          <a:p>
-            <a:endParaRPr lang="fr-FR" dirty="0"/>
-          </a:p>
-          <a:p>
-            <a:r>
-              <a:rPr lang="fr-FR" dirty="0" smtClean="0"/>
-              <a:t>Équilibre de charge</a:t>
-            </a:r>
-          </a:p>
-          <a:p>
-            <a:pPr lvl="1"/>
-            <a:r>
-              <a:rPr lang="fr-FR" dirty="0" smtClean="0"/>
-              <a:t>Tous les nœuds naissent libres et égaux</a:t>
-            </a:r>
-            <a:endParaRPr lang="fr-FR" dirty="0"/>
+        </p:txBody>
+      </p:sp>
+      <p:sp>
+        <p:nvSpPr>
+          <p:cNvPr id="6" name="Espace réservé du numéro de diapositive 5"/>
+          <p:cNvSpPr>
+            <a:spLocks noGrp="1"/>
+          </p:cNvSpPr>
+          <p:nvPr>
+            <p:ph type="sldNum" sz="quarter" idx="12"/>
+          </p:nvPr>
+        </p:nvSpPr>
+        <p:spPr/>
+        <p:txBody>
+          <a:bodyPr/>
+          <a:lstStyle/>
+          <a:p>
+            <a:fld id="{36A212DA-347D-4853-A3E5-DB8AA592974E}" type="slidenum">
+              <a:rPr lang="fr-FR" smtClean="0"/>
+              <a:t>5</a:t>
+            </a:fld>
+            <a:endParaRPr lang="fr-FR"/>
           </a:p>
         </p:txBody>
       </p:sp>
     </p:spTree>
     <p:extLst>
       <p:ext uri="{BB962C8B-B14F-4D97-AF65-F5344CB8AC3E}">
-        <p14:creationId xmlns:p14="http://schemas.microsoft.com/office/powerpoint/2010/main" val="3863875811"/>
+        <p14:creationId xmlns:p14="http://schemas.microsoft.com/office/powerpoint/2010/main" val="2882096277"/>
       </p:ext>
     </p:extLst>
   </p:cSld>
@@ -5094,7 +6752,11 @@
           <a:p>
             <a:r>
               <a:rPr lang="fr-FR" dirty="0" smtClean="0"/>
-              <a:t>DHT et P2P</a:t>
+              <a:t>Introduction aux </a:t>
+            </a:r>
+            <a:r>
+              <a:rPr lang="fr-FR" dirty="0" smtClean="0"/>
+              <a:t>DHT (1/2)</a:t>
             </a:r>
             <a:endParaRPr lang="fr-FR" dirty="0"/>
           </a:p>
@@ -5113,23 +6775,72 @@
         <p:spPr/>
         <p:txBody>
           <a:bodyPr>
-            <a:normAutofit/>
+            <a:normAutofit lnSpcReduction="10000"/>
           </a:bodyPr>
           <a:lstStyle/>
           <a:p>
-            <a:endParaRPr lang="fr-FR" dirty="0" smtClean="0"/>
-          </a:p>
-          <a:p>
-            <a:r>
-              <a:rPr lang="fr-FR" dirty="0" smtClean="0"/>
-              <a:t>P2P</a:t>
+            <a:r>
+              <a:rPr lang="fr-FR" dirty="0" smtClean="0"/>
+              <a:t>DHT</a:t>
             </a:r>
           </a:p>
           <a:p>
             <a:pPr lvl="1"/>
             <a:r>
               <a:rPr lang="fr-FR" dirty="0" smtClean="0"/>
-              <a:t>Système d’ordinateurs partageant une partie de leurs ressources sans intermédiaire</a:t>
+              <a:t>Table </a:t>
+            </a:r>
+            <a:r>
+              <a:rPr lang="fr-FR" dirty="0" smtClean="0"/>
+              <a:t>de hachage distribuée entre de nombreux hôtes</a:t>
+            </a:r>
+          </a:p>
+          <a:p>
+            <a:pPr lvl="1"/>
+            <a:r>
+              <a:rPr lang="fr-FR" dirty="0" smtClean="0"/>
+              <a:t>Principe</a:t>
+            </a:r>
+          </a:p>
+          <a:p>
+            <a:pPr lvl="2"/>
+            <a:r>
+              <a:rPr lang="fr-FR" dirty="0" smtClean="0"/>
+              <a:t>Chaque nœud s’occupe de segments contigus de l’espace de clés</a:t>
+            </a:r>
+          </a:p>
+          <a:p>
+            <a:pPr lvl="2"/>
+            <a:r>
+              <a:rPr lang="fr-FR" dirty="0" smtClean="0"/>
+              <a:t>Tout nœud tente de diriger les messages vers le nœud responsable de la clé recherchée</a:t>
+            </a:r>
+          </a:p>
+          <a:p>
+            <a:pPr lvl="1"/>
+            <a:r>
+              <a:rPr lang="fr-FR" dirty="0" smtClean="0"/>
+              <a:t>Une myriade d’algorithmes: </a:t>
+            </a:r>
+            <a:r>
+              <a:rPr lang="fr-FR" dirty="0" err="1" smtClean="0"/>
+              <a:t>Kademlia</a:t>
+            </a:r>
+            <a:r>
+              <a:rPr lang="fr-FR" dirty="0" smtClean="0"/>
+              <a:t>, </a:t>
+            </a:r>
+            <a:r>
+              <a:rPr lang="fr-FR" dirty="0" err="1" smtClean="0"/>
+              <a:t>Chord</a:t>
+            </a:r>
+            <a:r>
+              <a:rPr lang="fr-FR" dirty="0" smtClean="0"/>
+              <a:t>, GIMP, etc</a:t>
+            </a:r>
+            <a:r>
+              <a:rPr lang="fr-FR" dirty="0" smtClean="0"/>
+              <a:t>.</a:t>
             </a:r>
           </a:p>
           <a:p>
@@ -5139,16 +6850,125 @@
           <a:p>
             <a:r>
               <a:rPr lang="fr-FR" dirty="0" smtClean="0"/>
-              <a:t>Beaucoup de systèmes P2P sont organisés en DHT</a:t>
-            </a:r>
+              <a:t>Intérêt</a:t>
+            </a:r>
+          </a:p>
+          <a:p>
+            <a:pPr lvl="1"/>
+            <a:r>
+              <a:rPr lang="fr-FR" dirty="0"/>
+              <a:t>Pas de contrôle </a:t>
+            </a:r>
+            <a:r>
+              <a:rPr lang="fr-FR" dirty="0" smtClean="0"/>
+              <a:t>centralisé</a:t>
+            </a:r>
+          </a:p>
+          <a:p>
+            <a:pPr lvl="1"/>
+            <a:r>
+              <a:rPr lang="fr-FR" dirty="0" smtClean="0"/>
+              <a:t>Efficaces : Recherche </a:t>
+            </a:r>
+            <a:r>
+              <a:rPr lang="fr-FR" dirty="0"/>
+              <a:t>en O(</a:t>
+            </a:r>
+            <a:r>
+              <a:rPr lang="fr-FR" dirty="0" err="1"/>
+              <a:t>logN</a:t>
+            </a:r>
+            <a:r>
+              <a:rPr lang="fr-FR" dirty="0" smtClean="0"/>
+              <a:t>)</a:t>
+            </a:r>
+          </a:p>
+          <a:p>
+            <a:pPr lvl="1"/>
+            <a:r>
+              <a:rPr lang="fr-FR" dirty="0"/>
+              <a:t>Nombreuses implémentations et facilité d’interface</a:t>
+            </a:r>
+          </a:p>
+          <a:p>
+            <a:pPr lvl="1"/>
             <a:endParaRPr lang="fr-FR" dirty="0"/>
+          </a:p>
+          <a:p>
+            <a:pPr lvl="1"/>
+            <a:endParaRPr lang="fr-FR" dirty="0"/>
+          </a:p>
+          <a:p>
+            <a:pPr lvl="1"/>
+            <a:endParaRPr lang="fr-FR" dirty="0" smtClean="0"/>
+          </a:p>
+        </p:txBody>
+      </p:sp>
+      <p:sp>
+        <p:nvSpPr>
+          <p:cNvPr id="4" name="ZoneTexte 3"/>
+          <p:cNvSpPr txBox="1"/>
+          <p:nvPr/>
+        </p:nvSpPr>
+        <p:spPr>
+          <a:xfrm>
+            <a:off x="0" y="0"/>
+            <a:ext cx="4944752" cy="369332"/>
+          </a:xfrm>
+          <a:prstGeom prst="rect">
+            <a:avLst/>
+          </a:prstGeom>
+          <a:noFill/>
+        </p:spPr>
+        <p:txBody>
+          <a:bodyPr wrap="none" rtlCol="0">
+            <a:spAutoFit/>
+          </a:bodyPr>
+          <a:lstStyle/>
+          <a:p>
+            <a:r>
+              <a:rPr lang="fr-FR" dirty="0" smtClean="0"/>
+              <a:t>Exposé du problème -&gt; </a:t>
+            </a:r>
+            <a:r>
+              <a:rPr lang="fr-FR" b="1" dirty="0" smtClean="0"/>
+              <a:t>Solution</a:t>
+            </a:r>
+            <a:r>
+              <a:rPr lang="fr-FR" dirty="0" smtClean="0"/>
+              <a:t> -&gt; Notre approche</a:t>
+            </a:r>
+            <a:endParaRPr lang="fr-FR" dirty="0"/>
+          </a:p>
+        </p:txBody>
+      </p:sp>
+      <p:sp>
+        <p:nvSpPr>
+          <p:cNvPr id="6" name="Espace réservé du numéro de diapositive 5"/>
+          <p:cNvSpPr>
+            <a:spLocks noGrp="1"/>
+          </p:cNvSpPr>
+          <p:nvPr>
+            <p:ph type="sldNum" sz="quarter" idx="12"/>
+          </p:nvPr>
+        </p:nvSpPr>
+        <p:spPr/>
+        <p:txBody>
+          <a:bodyPr/>
+          <a:lstStyle/>
+          <a:p>
+            <a:fld id="{36A212DA-347D-4853-A3E5-DB8AA592974E}" type="slidenum">
+              <a:rPr lang="fr-FR" smtClean="0"/>
+              <a:t>6</a:t>
+            </a:fld>
+            <a:endParaRPr lang="fr-FR"/>
           </a:p>
         </p:txBody>
       </p:sp>
     </p:spTree>
     <p:extLst>
       <p:ext uri="{BB962C8B-B14F-4D97-AF65-F5344CB8AC3E}">
-        <p14:creationId xmlns:p14="http://schemas.microsoft.com/office/powerpoint/2010/main" val="2463252761"/>
+        <p14:creationId xmlns:p14="http://schemas.microsoft.com/office/powerpoint/2010/main" val="1223733745"/>
       </p:ext>
     </p:extLst>
   </p:cSld>
@@ -5191,8 +7011,16 @@
           <a:lstStyle/>
           <a:p>
             <a:r>
-              <a:rPr lang="fr-FR" dirty="0" smtClean="0"/>
-              <a:t>Exposé du Problème : les données existent indéfiniment</a:t>
+              <a:rPr lang="fr-FR" dirty="0"/>
+              <a:t>Introduction aux DHT </a:t>
+            </a:r>
+            <a:r>
+              <a:rPr lang="fr-FR" dirty="0" smtClean="0"/>
+              <a:t>(2/2</a:t>
+            </a:r>
+            <a:r>
+              <a:rPr lang="fr-FR" dirty="0"/>
+              <a:t>)</a:t>
             </a:r>
             <a:endParaRPr lang="fr-FR" dirty="0"/>
           </a:p>
@@ -5200,27 +7028,213 @@
       </p:sp>
       <p:sp>
         <p:nvSpPr>
-          <p:cNvPr id="3" name="Espace réservé du texte 2"/>
-          <p:cNvSpPr>
-            <a:spLocks noGrp="1"/>
-          </p:cNvSpPr>
-          <p:nvPr>
-            <p:ph type="body" idx="1"/>
-          </p:nvPr>
-        </p:nvSpPr>
-        <p:spPr/>
-        <p:txBody>
-          <a:bodyPr/>
-          <a:lstStyle/>
-          <a:p>
+          <p:cNvPr id="3" name="Espace réservé du contenu 2"/>
+          <p:cNvSpPr>
+            <a:spLocks noGrp="1"/>
+          </p:cNvSpPr>
+          <p:nvPr>
+            <p:ph idx="1"/>
+          </p:nvPr>
+        </p:nvSpPr>
+        <p:spPr/>
+        <p:txBody>
+          <a:bodyPr>
+            <a:normAutofit/>
+          </a:bodyPr>
+          <a:lstStyle/>
+          <a:p>
+            <a:r>
+              <a:rPr lang="fr-FR" dirty="0"/>
+              <a:t>R</a:t>
+            </a:r>
+            <a:r>
+              <a:rPr lang="fr-FR" dirty="0" smtClean="0"/>
+              <a:t>éplication des données</a:t>
+            </a:r>
+          </a:p>
+          <a:p>
+            <a:pPr lvl="1"/>
+            <a:r>
+              <a:rPr lang="fr-FR" dirty="0" smtClean="0"/>
+              <a:t>Très </a:t>
+            </a:r>
+            <a:r>
+              <a:rPr lang="fr-FR" dirty="0" smtClean="0"/>
+              <a:t>robuste par rapport à la disparition des </a:t>
+            </a:r>
+            <a:r>
+              <a:rPr lang="fr-FR" dirty="0" smtClean="0"/>
+              <a:t>nœuds</a:t>
+            </a:r>
+          </a:p>
+          <a:p>
+            <a:pPr lvl="1"/>
+            <a:r>
+              <a:rPr lang="fr-FR" dirty="0" smtClean="0"/>
+              <a:t>La donnée reste disponible le temps ou elle doit l’être</a:t>
+            </a:r>
+            <a:endParaRPr lang="fr-FR" dirty="0" smtClean="0"/>
+          </a:p>
+          <a:p>
+            <a:pPr marL="457200" lvl="1" indent="0">
+              <a:buNone/>
+            </a:pPr>
             <a:endParaRPr lang="fr-FR" dirty="0"/>
           </a:p>
-        </p:txBody>
-      </p:sp>
+          <a:p>
+            <a:r>
+              <a:rPr lang="fr-FR" dirty="0" err="1" smtClean="0"/>
+              <a:t>Churn</a:t>
+            </a:r>
+            <a:endParaRPr lang="fr-FR" dirty="0"/>
+          </a:p>
+          <a:p>
+            <a:pPr lvl="1"/>
+            <a:r>
+              <a:rPr lang="fr-FR" dirty="0" smtClean="0"/>
+              <a:t>Propriété antagoniste</a:t>
+            </a:r>
+          </a:p>
+          <a:p>
+            <a:pPr lvl="1"/>
+            <a:r>
+              <a:rPr lang="fr-FR" dirty="0" smtClean="0"/>
+              <a:t>Les nœuds va-et-viennent sur le réseau</a:t>
+            </a:r>
+          </a:p>
+          <a:p>
+            <a:pPr lvl="1"/>
+            <a:r>
+              <a:rPr lang="fr-FR" dirty="0" smtClean="0"/>
+              <a:t>Inéluctable disparition de données</a:t>
+            </a:r>
+            <a:endParaRPr lang="fr-FR" dirty="0" smtClean="0"/>
+          </a:p>
+          <a:p>
+            <a:pPr lvl="1"/>
+            <a:endParaRPr lang="fr-FR" dirty="0"/>
+          </a:p>
+        </p:txBody>
+      </p:sp>
+      <p:sp>
+        <p:nvSpPr>
+          <p:cNvPr id="4" name="ZoneTexte 3"/>
+          <p:cNvSpPr txBox="1"/>
+          <p:nvPr/>
+        </p:nvSpPr>
+        <p:spPr>
+          <a:xfrm>
+            <a:off x="0" y="0"/>
+            <a:ext cx="4944752" cy="369332"/>
+          </a:xfrm>
+          <a:prstGeom prst="rect">
+            <a:avLst/>
+          </a:prstGeom>
+          <a:noFill/>
+        </p:spPr>
+        <p:txBody>
+          <a:bodyPr wrap="none" rtlCol="0">
+            <a:spAutoFit/>
+          </a:bodyPr>
+          <a:lstStyle/>
+          <a:p>
+            <a:r>
+              <a:rPr lang="fr-FR" dirty="0" smtClean="0"/>
+              <a:t>Exposé du problème -&gt; </a:t>
+            </a:r>
+            <a:r>
+              <a:rPr lang="fr-FR" b="1" dirty="0" smtClean="0"/>
+              <a:t>Solution</a:t>
+            </a:r>
+            <a:r>
+              <a:rPr lang="fr-FR" dirty="0" smtClean="0"/>
+              <a:t> -&gt; Notre approche</a:t>
+            </a:r>
+            <a:endParaRPr lang="fr-FR" dirty="0"/>
+          </a:p>
+        </p:txBody>
+      </p:sp>
+      <p:sp>
+        <p:nvSpPr>
+          <p:cNvPr id="6" name="Espace réservé du numéro de diapositive 5"/>
+          <p:cNvSpPr>
+            <a:spLocks noGrp="1"/>
+          </p:cNvSpPr>
+          <p:nvPr>
+            <p:ph type="sldNum" sz="quarter" idx="12"/>
+          </p:nvPr>
+        </p:nvSpPr>
+        <p:spPr/>
+        <p:txBody>
+          <a:bodyPr/>
+          <a:lstStyle/>
+          <a:p>
+            <a:fld id="{36A212DA-347D-4853-A3E5-DB8AA592974E}" type="slidenum">
+              <a:rPr lang="fr-FR" smtClean="0"/>
+              <a:t>7</a:t>
+            </a:fld>
+            <a:endParaRPr lang="fr-FR"/>
+          </a:p>
+        </p:txBody>
+      </p:sp>
+      <p:pic>
+        <p:nvPicPr>
+          <p:cNvPr id="1026" name="Picture 2" descr="http://i.ytimg.com/vi/b7fzkB-Om3k/mqdefault.jpg"/>
+          <p:cNvPicPr>
+            <a:picLocks noChangeAspect="1" noChangeArrowheads="1"/>
+          </p:cNvPicPr>
+          <p:nvPr/>
+        </p:nvPicPr>
+        <p:blipFill>
+          <a:blip r:embed="rId3">
+            <a:extLst>
+              <a:ext uri="{28A0092B-C50C-407E-A947-70E740481C1C}">
+                <a14:useLocalDpi xmlns:a14="http://schemas.microsoft.com/office/drawing/2010/main" val="0"/>
+              </a:ext>
+            </a:extLst>
+          </a:blip>
+          <a:srcRect/>
+          <a:stretch>
+            <a:fillRect/>
+          </a:stretch>
+        </p:blipFill>
+        <p:spPr bwMode="auto">
+          <a:xfrm>
+            <a:off x="7165152" y="3820848"/>
+            <a:ext cx="4188648" cy="2356115"/>
+          </a:xfrm>
+          <a:prstGeom prst="rect">
+            <a:avLst/>
+          </a:prstGeom>
+          <a:ln w="38100" cap="sq">
+            <a:solidFill>
+              <a:srgbClr val="000000"/>
+            </a:solidFill>
+            <a:prstDash val="solid"/>
+            <a:miter lim="800000"/>
+          </a:ln>
+          <a:effectLst>
+            <a:outerShdw blurRad="50800" dist="38100" dir="2700000" algn="tl" rotWithShape="0">
+              <a:srgbClr val="000000">
+                <a:alpha val="43000"/>
+              </a:srgbClr>
+            </a:outerShdw>
+          </a:effectLst>
+          <a:extLst>
+            <a:ext uri="{909E8E84-426E-40DD-AFC4-6F175D3DCCD1}">
+              <a14:hiddenFill xmlns:a14="http://schemas.microsoft.com/office/drawing/2010/main">
+                <a:solidFill>
+                  <a:srgbClr val="FFFFFF"/>
+                </a:solidFill>
+              </a14:hiddenFill>
+            </a:ext>
+          </a:extLst>
+        </p:spPr>
+      </p:pic>
     </p:spTree>
     <p:extLst>
       <p:ext uri="{BB962C8B-B14F-4D97-AF65-F5344CB8AC3E}">
-        <p14:creationId xmlns:p14="http://schemas.microsoft.com/office/powerpoint/2010/main" val="3856150891"/>
+        <p14:creationId xmlns:p14="http://schemas.microsoft.com/office/powerpoint/2010/main" val="124277756"/>
       </p:ext>
     </p:extLst>
   </p:cSld>
@@ -5264,7 +7278,7 @@
           <a:p>
             <a:r>
               <a:rPr lang="fr-FR" dirty="0" smtClean="0"/>
-              <a:t>Impossible de détruire des données</a:t>
+              <a:t>Quelques exemples</a:t>
             </a:r>
             <a:endParaRPr lang="fr-FR" dirty="0"/>
           </a:p>
@@ -5288,51 +7302,173 @@
           <a:lstStyle/>
           <a:p>
             <a:r>
-              <a:rPr lang="fr-FR" dirty="0" smtClean="0"/>
-              <a:t>Aucune incitation</a:t>
-            </a:r>
+              <a:rPr lang="fr-FR" dirty="0" err="1" smtClean="0">
+                <a:solidFill>
+                  <a:srgbClr val="FF0000"/>
+                </a:solidFill>
+              </a:rPr>
+              <a:t>Chord</a:t>
+            </a:r>
+            <a:endParaRPr lang="fr-FR" dirty="0" smtClean="0">
+              <a:solidFill>
+                <a:srgbClr val="FF0000"/>
+              </a:solidFill>
+            </a:endParaRPr>
           </a:p>
           <a:p>
             <a:pPr lvl="1"/>
             <a:r>
-              <a:rPr lang="fr-FR" dirty="0" smtClean="0"/>
-              <a:t>La capacité de stockage disponible est illimitée</a:t>
+              <a:rPr lang="fr-FR" dirty="0" smtClean="0">
+                <a:solidFill>
+                  <a:srgbClr val="FF0000"/>
+                </a:solidFill>
+              </a:rPr>
+              <a:t>L’espace de clés est un cercle</a:t>
             </a:r>
           </a:p>
           <a:p>
             <a:pPr lvl="1"/>
             <a:r>
-              <a:rPr lang="fr-FR" dirty="0" smtClean="0"/>
-              <a:t>De nombreux « services » veulent miner la valeur contenue dans les données</a:t>
-            </a:r>
-          </a:p>
-          <a:p>
-            <a:pPr lvl="1"/>
+              <a:rPr lang="fr-FR" dirty="0" smtClean="0">
+                <a:solidFill>
+                  <a:srgbClr val="FF0000"/>
+                </a:solidFill>
+              </a:rPr>
+              <a:t>Chaque nœud connaît n </a:t>
+            </a:r>
+            <a:r>
+              <a:rPr lang="fr-FR" smtClean="0">
+                <a:solidFill>
+                  <a:srgbClr val="FF0000"/>
+                </a:solidFill>
+              </a:rPr>
+              <a:t>autre nœuds </a:t>
+            </a:r>
+            <a:endParaRPr lang="fr-FR" dirty="0" smtClean="0">
+              <a:solidFill>
+                <a:srgbClr val="FF0000"/>
+              </a:solidFill>
+            </a:endParaRPr>
+          </a:p>
+          <a:p>
+            <a:endParaRPr lang="fr-FR" dirty="0" smtClean="0">
+              <a:solidFill>
+                <a:srgbClr val="FF0000"/>
+              </a:solidFill>
+            </a:endParaRPr>
+          </a:p>
+          <a:p>
+            <a:endParaRPr lang="fr-FR" dirty="0">
+              <a:solidFill>
+                <a:srgbClr val="FF0000"/>
+              </a:solidFill>
+            </a:endParaRPr>
+          </a:p>
+          <a:p>
+            <a:endParaRPr lang="fr-FR" dirty="0" smtClean="0">
+              <a:solidFill>
+                <a:srgbClr val="FF0000"/>
+              </a:solidFill>
+            </a:endParaRPr>
+          </a:p>
+          <a:p>
+            <a:r>
+              <a:rPr lang="fr-FR" dirty="0" smtClean="0">
+                <a:solidFill>
+                  <a:srgbClr val="FF0000"/>
+                </a:solidFill>
+              </a:rPr>
+              <a:t>Intuition </a:t>
+            </a:r>
+            <a:r>
+              <a:rPr lang="fr-FR" dirty="0" smtClean="0">
+                <a:solidFill>
+                  <a:srgbClr val="FF0000"/>
+                </a:solidFill>
+              </a:rPr>
+              <a:t>sur d’autres </a:t>
+            </a:r>
+            <a:r>
+              <a:rPr lang="fr-FR" dirty="0" smtClean="0">
+                <a:solidFill>
+                  <a:srgbClr val="FF0000"/>
+                </a:solidFill>
+              </a:rPr>
+              <a:t>principes (distances, etc.)</a:t>
+            </a:r>
+            <a:endParaRPr lang="fr-FR" dirty="0" smtClean="0">
+              <a:solidFill>
+                <a:srgbClr val="FF0000"/>
+              </a:solidFill>
+            </a:endParaRPr>
+          </a:p>
+        </p:txBody>
+      </p:sp>
+      <p:sp>
+        <p:nvSpPr>
+          <p:cNvPr id="4" name="ZoneTexte 3"/>
+          <p:cNvSpPr txBox="1"/>
+          <p:nvPr/>
+        </p:nvSpPr>
+        <p:spPr>
+          <a:xfrm>
+            <a:off x="0" y="0"/>
+            <a:ext cx="4944752" cy="369332"/>
+          </a:xfrm>
+          <a:prstGeom prst="rect">
+            <a:avLst/>
+          </a:prstGeom>
+          <a:noFill/>
+        </p:spPr>
+        <p:txBody>
+          <a:bodyPr wrap="none" rtlCol="0">
+            <a:spAutoFit/>
+          </a:bodyPr>
+          <a:lstStyle/>
+          <a:p>
+            <a:r>
+              <a:rPr lang="fr-FR" dirty="0" smtClean="0"/>
+              <a:t>Exposé du problème -&gt; </a:t>
+            </a:r>
+            <a:r>
+              <a:rPr lang="fr-FR" b="1" dirty="0" smtClean="0"/>
+              <a:t>Solution</a:t>
+            </a:r>
+            <a:r>
+              <a:rPr lang="fr-FR" dirty="0" smtClean="0"/>
+              <a:t> -&gt; Notre approche</a:t>
+            </a:r>
             <a:endParaRPr lang="fr-FR" dirty="0"/>
           </a:p>
-          <a:p>
-            <a:r>
-              <a:rPr lang="fr-FR" dirty="0" smtClean="0"/>
-              <a:t>Aucune responsabilité</a:t>
-            </a:r>
-          </a:p>
-          <a:p>
-            <a:pPr lvl="1"/>
-            <a:r>
-              <a:rPr lang="fr-FR" dirty="0" smtClean="0"/>
-              <a:t>Les utilisateurs ont abandonné le contrôle sur leur données</a:t>
-            </a:r>
-          </a:p>
-          <a:p>
-            <a:pPr lvl="1"/>
-            <a:endParaRPr lang="fr-FR" dirty="0"/>
+        </p:txBody>
+      </p:sp>
+      <p:sp>
+        <p:nvSpPr>
+          <p:cNvPr id="6" name="Espace réservé du numéro de diapositive 5"/>
+          <p:cNvSpPr>
+            <a:spLocks noGrp="1"/>
+          </p:cNvSpPr>
+          <p:nvPr>
+            <p:ph type="sldNum" sz="quarter" idx="12"/>
+          </p:nvPr>
+        </p:nvSpPr>
+        <p:spPr/>
+        <p:txBody>
+          <a:bodyPr/>
+          <a:lstStyle/>
+          <a:p>
+            <a:fld id="{36A212DA-347D-4853-A3E5-DB8AA592974E}" type="slidenum">
+              <a:rPr lang="fr-FR" smtClean="0"/>
+              <a:t>8</a:t>
+            </a:fld>
+            <a:endParaRPr lang="fr-FR"/>
           </a:p>
         </p:txBody>
       </p:sp>
     </p:spTree>
     <p:extLst>
       <p:ext uri="{BB962C8B-B14F-4D97-AF65-F5344CB8AC3E}">
-        <p14:creationId xmlns:p14="http://schemas.microsoft.com/office/powerpoint/2010/main" val="1677475312"/>
+        <p14:creationId xmlns:p14="http://schemas.microsoft.com/office/powerpoint/2010/main" val="2517551255"/>
       </p:ext>
     </p:extLst>
   </p:cSld>
@@ -5376,7 +7512,11 @@
           <a:p>
             <a:r>
               <a:rPr lang="fr-FR" dirty="0" smtClean="0"/>
-              <a:t>Attaque rétroactive</a:t>
+              <a:t>DHT : Application à la </a:t>
+            </a:r>
+            <a:r>
+              <a:rPr lang="fr-FR" dirty="0" smtClean="0"/>
+              <a:t>publication éphémère</a:t>
             </a:r>
             <a:endParaRPr lang="fr-FR" dirty="0"/>
           </a:p>
@@ -5395,67 +7535,154 @@
         <p:spPr/>
         <p:txBody>
           <a:bodyPr>
-            <a:normAutofit/>
+            <a:normAutofit lnSpcReduction="10000"/>
           </a:bodyPr>
           <a:lstStyle/>
           <a:p>
             <a:r>
               <a:rPr lang="fr-FR" dirty="0" smtClean="0"/>
-              <a:t>Des données peuvent ressurgir des mois voir des années après leur supposé effacement</a:t>
-            </a:r>
+              <a:t>Principe</a:t>
+            </a:r>
+            <a:endParaRPr lang="fr-FR" dirty="0" smtClean="0"/>
           </a:p>
           <a:p>
             <a:pPr lvl="1"/>
             <a:r>
               <a:rPr lang="fr-FR" dirty="0" smtClean="0"/>
-              <a:t>Où sont les copies d’un mail ? </a:t>
+              <a:t>Fragmentation et dissémination : l</a:t>
+            </a:r>
+            <a:r>
+              <a:rPr lang="fr-FR" dirty="0" smtClean="0"/>
+              <a:t>es </a:t>
+            </a:r>
+            <a:r>
+              <a:rPr lang="fr-FR" dirty="0" smtClean="0"/>
+              <a:t>morceaux de clé sont envoyés sur la DHT</a:t>
+            </a:r>
+          </a:p>
+          <a:p>
+            <a:pPr lvl="1"/>
+            <a:r>
+              <a:rPr lang="fr-FR" dirty="0" smtClean="0"/>
+              <a:t>Sont transmis aux utilisateurs légitimes :</a:t>
+            </a:r>
+          </a:p>
+          <a:p>
+            <a:pPr lvl="2"/>
+            <a:r>
+              <a:rPr lang="fr-FR" dirty="0" smtClean="0"/>
+              <a:t>Une clé de localisation pour retrouver ces morceaux</a:t>
+            </a:r>
+          </a:p>
+          <a:p>
+            <a:pPr lvl="2"/>
+            <a:r>
+              <a:rPr lang="fr-FR" dirty="0" smtClean="0"/>
+              <a:t>Les données chiffrées</a:t>
+            </a:r>
+          </a:p>
+          <a:p>
+            <a:endParaRPr lang="fr-FR" dirty="0"/>
+          </a:p>
+          <a:p>
+            <a:r>
+              <a:rPr lang="fr-FR" dirty="0" smtClean="0"/>
+              <a:t>Conclusion : avec le </a:t>
             </a:r>
             <a:r>
               <a:rPr lang="fr-FR" dirty="0" err="1" smtClean="0"/>
-              <a:t>Ont-elles</a:t>
-            </a:r>
-            <a:r>
-              <a:rPr lang="fr-FR" dirty="0" smtClean="0"/>
-              <a:t> toutes été effacées ?</a:t>
-            </a:r>
-          </a:p>
-          <a:p>
-            <a:pPr lvl="1"/>
-            <a:r>
-              <a:rPr lang="fr-FR" dirty="0" smtClean="0"/>
-              <a:t>La destruction d’un compte Facebook n’entraîne pas celle des données</a:t>
+              <a:t>churn</a:t>
+            </a:r>
+            <a:r>
+              <a:rPr lang="fr-FR" dirty="0" smtClean="0"/>
+              <a:t>, impossible de récupérer la donnée initiale après un certain temps</a:t>
+            </a:r>
+            <a:r>
+              <a:rPr lang="fr-FR" dirty="0" smtClean="0"/>
+              <a:t>.</a:t>
+            </a:r>
+          </a:p>
+          <a:p>
+            <a:endParaRPr lang="fr-FR" dirty="0"/>
+          </a:p>
+          <a:p>
+            <a:r>
+              <a:rPr lang="fr-FR" dirty="0" smtClean="0"/>
+              <a:t>Une implémentation : </a:t>
+            </a:r>
+            <a:r>
+              <a:rPr lang="fr-FR" dirty="0" err="1" smtClean="0"/>
+              <a:t>Vanish</a:t>
             </a:r>
             <a:endParaRPr lang="fr-FR" dirty="0" smtClean="0"/>
           </a:p>
-          <a:p>
+        </p:txBody>
+      </p:sp>
+      <p:sp>
+        <p:nvSpPr>
+          <p:cNvPr id="4" name="ZoneTexte 3"/>
+          <p:cNvSpPr txBox="1"/>
+          <p:nvPr/>
+        </p:nvSpPr>
+        <p:spPr>
+          <a:xfrm>
+            <a:off x="0" y="0"/>
+            <a:ext cx="4944752" cy="369332"/>
+          </a:xfrm>
+          <a:prstGeom prst="rect">
+            <a:avLst/>
+          </a:prstGeom>
+          <a:noFill/>
+        </p:spPr>
+        <p:txBody>
+          <a:bodyPr wrap="none" rtlCol="0">
+            <a:spAutoFit/>
+          </a:bodyPr>
+          <a:lstStyle/>
+          <a:p>
+            <a:r>
+              <a:rPr lang="fr-FR" dirty="0" smtClean="0"/>
+              <a:t>Exposé du problème -&gt; </a:t>
+            </a:r>
+            <a:r>
+              <a:rPr lang="fr-FR" b="1" dirty="0" smtClean="0"/>
+              <a:t>Solution</a:t>
+            </a:r>
+            <a:r>
+              <a:rPr lang="fr-FR" dirty="0" smtClean="0"/>
+              <a:t> -&gt; Notre approche</a:t>
+            </a:r>
             <a:endParaRPr lang="fr-FR" dirty="0"/>
           </a:p>
-          <a:p>
-            <a:r>
-              <a:rPr lang="fr-FR" dirty="0" smtClean="0"/>
-              <a:t>Comment faire ?</a:t>
-            </a:r>
-          </a:p>
-          <a:p>
-            <a:pPr lvl="1"/>
-            <a:r>
-              <a:rPr lang="fr-FR" dirty="0" smtClean="0"/>
-              <a:t>Pas de service centralisé</a:t>
-            </a:r>
-          </a:p>
-          <a:p>
-            <a:pPr lvl="1"/>
-            <a:r>
-              <a:rPr lang="fr-FR" dirty="0" smtClean="0"/>
-              <a:t>Pas de chiffrement : la justice peut demander les clés</a:t>
-            </a:r>
+        </p:txBody>
+      </p:sp>
+      <p:sp>
+        <p:nvSpPr>
+          <p:cNvPr id="6" name="Espace réservé du numéro de diapositive 5"/>
+          <p:cNvSpPr>
+            <a:spLocks noGrp="1"/>
+          </p:cNvSpPr>
+          <p:nvPr>
+            <p:ph type="sldNum" sz="quarter" idx="12"/>
+          </p:nvPr>
+        </p:nvSpPr>
+        <p:spPr/>
+        <p:txBody>
+          <a:bodyPr/>
+          <a:lstStyle/>
+          <a:p>
+            <a:fld id="{36A212DA-347D-4853-A3E5-DB8AA592974E}" type="slidenum">
+              <a:rPr lang="fr-FR" smtClean="0"/>
+              <a:t>9</a:t>
+            </a:fld>
+            <a:endParaRPr lang="fr-FR"/>
           </a:p>
         </p:txBody>
       </p:sp>
     </p:spTree>
     <p:extLst>
       <p:ext uri="{BB962C8B-B14F-4D97-AF65-F5344CB8AC3E}">
-        <p14:creationId xmlns:p14="http://schemas.microsoft.com/office/powerpoint/2010/main" val="1723849266"/>
+        <p14:creationId xmlns:p14="http://schemas.microsoft.com/office/powerpoint/2010/main" val="1410180187"/>
       </p:ext>
     </p:extLst>
   </p:cSld>

--- a/présentation.pptx
+++ b/présentation.pptx
@@ -126,7 +126,7 @@
   </p:defaultTextStyle>
   <p:extLst>
     <p:ext uri="{EFAFB233-063F-42B5-8137-9DF3F51BA10A}">
-      <p15:sldGuideLst xmlns:p15="http://schemas.microsoft.com/office/powerpoint/2012/main"/>
+      <p15:sldGuideLst xmlns:p15="http://schemas.microsoft.com/office/powerpoint/2012/main" xmlns=""/>
     </p:ext>
   </p:extLst>
 </p:presentation>
@@ -214,7 +214,8 @@
           <a:p>
             <a:fld id="{56FE5D87-1601-4890-AFDF-A507E492D5C7}" type="datetimeFigureOut">
               <a:rPr lang="fr-FR" smtClean="0"/>
-              <a:t>17/12/2014</a:t>
+              <a:pPr/>
+              <a:t>18/12/2014</a:t>
             </a:fld>
             <a:endParaRPr lang="fr-FR"/>
           </a:p>
@@ -373,6 +374,7 @@
           <a:p>
             <a:fld id="{B86C6EC0-2587-492D-BA5C-73FFFD801B36}" type="slidenum">
               <a:rPr lang="fr-FR" smtClean="0"/>
+              <a:pPr/>
               <a:t>‹N°›</a:t>
             </a:fld>
             <a:endParaRPr lang="fr-FR"/>
@@ -382,7 +384,7 @@
     </p:spTree>
     <p:extLst>
       <p:ext uri="{BB962C8B-B14F-4D97-AF65-F5344CB8AC3E}">
-        <p14:creationId xmlns:p14="http://schemas.microsoft.com/office/powerpoint/2010/main" val="1090462513"/>
+        <p14:creationId xmlns:p14="http://schemas.microsoft.com/office/powerpoint/2010/main" xmlns="" val="1090462513"/>
       </p:ext>
     </p:extLst>
   </p:cSld>
@@ -555,6 +557,7 @@
           <a:p>
             <a:fld id="{B86C6EC0-2587-492D-BA5C-73FFFD801B36}" type="slidenum">
               <a:rPr lang="fr-FR" smtClean="0"/>
+              <a:pPr/>
               <a:t>1</a:t>
             </a:fld>
             <a:endParaRPr lang="fr-FR"/>
@@ -564,7 +567,7 @@
     </p:spTree>
     <p:extLst>
       <p:ext uri="{BB962C8B-B14F-4D97-AF65-F5344CB8AC3E}">
-        <p14:creationId xmlns:p14="http://schemas.microsoft.com/office/powerpoint/2010/main" val="1133219927"/>
+        <p14:creationId xmlns:p14="http://schemas.microsoft.com/office/powerpoint/2010/main" xmlns="" val="1133219927"/>
       </p:ext>
     </p:extLst>
   </p:cSld>
@@ -661,6 +664,7 @@
           <a:p>
             <a:fld id="{B86C6EC0-2587-492D-BA5C-73FFFD801B36}" type="slidenum">
               <a:rPr lang="fr-FR" smtClean="0"/>
+              <a:pPr/>
               <a:t>3</a:t>
             </a:fld>
             <a:endParaRPr lang="fr-FR"/>
@@ -670,7 +674,7 @@
     </p:spTree>
     <p:extLst>
       <p:ext uri="{BB962C8B-B14F-4D97-AF65-F5344CB8AC3E}">
-        <p14:creationId xmlns:p14="http://schemas.microsoft.com/office/powerpoint/2010/main" val="1570164268"/>
+        <p14:creationId xmlns:p14="http://schemas.microsoft.com/office/powerpoint/2010/main" xmlns="" val="1570164268"/>
       </p:ext>
     </p:extLst>
   </p:cSld>
@@ -762,6 +766,7 @@
           <a:p>
             <a:fld id="{B86C6EC0-2587-492D-BA5C-73FFFD801B36}" type="slidenum">
               <a:rPr lang="fr-FR" smtClean="0"/>
+              <a:pPr/>
               <a:t>7</a:t>
             </a:fld>
             <a:endParaRPr lang="fr-FR"/>
@@ -771,7 +776,7 @@
     </p:spTree>
     <p:extLst>
       <p:ext uri="{BB962C8B-B14F-4D97-AF65-F5344CB8AC3E}">
-        <p14:creationId xmlns:p14="http://schemas.microsoft.com/office/powerpoint/2010/main" val="214322809"/>
+        <p14:creationId xmlns:p14="http://schemas.microsoft.com/office/powerpoint/2010/main" xmlns="" val="214322809"/>
       </p:ext>
     </p:extLst>
   </p:cSld>
@@ -902,6 +907,7 @@
           <a:p>
             <a:fld id="{B86C6EC0-2587-492D-BA5C-73FFFD801B36}" type="slidenum">
               <a:rPr lang="fr-FR" smtClean="0"/>
+              <a:pPr/>
               <a:t>10</a:t>
             </a:fld>
             <a:endParaRPr lang="fr-FR"/>
@@ -911,7 +917,7 @@
     </p:spTree>
     <p:extLst>
       <p:ext uri="{BB962C8B-B14F-4D97-AF65-F5344CB8AC3E}">
-        <p14:creationId xmlns:p14="http://schemas.microsoft.com/office/powerpoint/2010/main" val="965702319"/>
+        <p14:creationId xmlns:p14="http://schemas.microsoft.com/office/powerpoint/2010/main" xmlns="" val="965702319"/>
       </p:ext>
     </p:extLst>
   </p:cSld>
@@ -1050,9 +1056,9 @@
           <a:bodyPr/>
           <a:lstStyle/>
           <a:p>
-            <a:fld id="{191EAE5F-BFBC-498D-B1F7-6F801FB6A6F9}" type="datetime1">
+            <a:fld id="{F43B295C-2117-4A3B-ADCB-16A0EC4C0D2D}" type="datetime1">
               <a:rPr lang="fr-FR" smtClean="0"/>
-              <a:t>17/12/2014</a:t>
+              <a:t>18/12/2014</a:t>
             </a:fld>
             <a:endParaRPr lang="fr-FR"/>
           </a:p>
@@ -1094,6 +1100,7 @@
           <a:p>
             <a:fld id="{36A212DA-347D-4853-A3E5-DB8AA592974E}" type="slidenum">
               <a:rPr lang="fr-FR" smtClean="0"/>
+              <a:pPr/>
               <a:t>‹N°›</a:t>
             </a:fld>
             <a:endParaRPr lang="fr-FR"/>
@@ -1103,7 +1110,7 @@
     </p:spTree>
     <p:extLst>
       <p:ext uri="{BB962C8B-B14F-4D97-AF65-F5344CB8AC3E}">
-        <p14:creationId xmlns:p14="http://schemas.microsoft.com/office/powerpoint/2010/main" val="2528983824"/>
+        <p14:creationId xmlns:p14="http://schemas.microsoft.com/office/powerpoint/2010/main" xmlns="" val="2528983824"/>
       </p:ext>
     </p:extLst>
   </p:cSld>
@@ -1220,9 +1227,9 @@
           <a:bodyPr/>
           <a:lstStyle/>
           <a:p>
-            <a:fld id="{A79905C4-6FFE-4383-B742-67B16467889D}" type="datetime1">
+            <a:fld id="{B37E0099-09ED-42E9-9A45-C8F66AEBB391}" type="datetime1">
               <a:rPr lang="fr-FR" smtClean="0"/>
-              <a:t>17/12/2014</a:t>
+              <a:t>18/12/2014</a:t>
             </a:fld>
             <a:endParaRPr lang="fr-FR"/>
           </a:p>
@@ -1264,6 +1271,7 @@
           <a:p>
             <a:fld id="{36A212DA-347D-4853-A3E5-DB8AA592974E}" type="slidenum">
               <a:rPr lang="fr-FR" smtClean="0"/>
+              <a:pPr/>
               <a:t>‹N°›</a:t>
             </a:fld>
             <a:endParaRPr lang="fr-FR"/>
@@ -1273,7 +1281,7 @@
     </p:spTree>
     <p:extLst>
       <p:ext uri="{BB962C8B-B14F-4D97-AF65-F5344CB8AC3E}">
-        <p14:creationId xmlns:p14="http://schemas.microsoft.com/office/powerpoint/2010/main" val="2637447174"/>
+        <p14:creationId xmlns:p14="http://schemas.microsoft.com/office/powerpoint/2010/main" xmlns="" val="2637447174"/>
       </p:ext>
     </p:extLst>
   </p:cSld>
@@ -1400,9 +1408,9 @@
           <a:bodyPr/>
           <a:lstStyle/>
           <a:p>
-            <a:fld id="{83755001-BFE9-4EB4-8E7F-AF6980B9CEAD}" type="datetime1">
+            <a:fld id="{EB10D6CE-3799-4B25-9E03-ED7897AC46F6}" type="datetime1">
               <a:rPr lang="fr-FR" smtClean="0"/>
-              <a:t>17/12/2014</a:t>
+              <a:t>18/12/2014</a:t>
             </a:fld>
             <a:endParaRPr lang="fr-FR"/>
           </a:p>
@@ -1444,6 +1452,7 @@
           <a:p>
             <a:fld id="{36A212DA-347D-4853-A3E5-DB8AA592974E}" type="slidenum">
               <a:rPr lang="fr-FR" smtClean="0"/>
+              <a:pPr/>
               <a:t>‹N°›</a:t>
             </a:fld>
             <a:endParaRPr lang="fr-FR"/>
@@ -1453,7 +1462,7 @@
     </p:spTree>
     <p:extLst>
       <p:ext uri="{BB962C8B-B14F-4D97-AF65-F5344CB8AC3E}">
-        <p14:creationId xmlns:p14="http://schemas.microsoft.com/office/powerpoint/2010/main" val="2257285068"/>
+        <p14:creationId xmlns:p14="http://schemas.microsoft.com/office/powerpoint/2010/main" xmlns="" val="2257285068"/>
       </p:ext>
     </p:extLst>
   </p:cSld>
@@ -1570,9 +1579,9 @@
           <a:bodyPr/>
           <a:lstStyle/>
           <a:p>
-            <a:fld id="{5F1BA976-03E1-4F46-83F9-7ADA96E30A4C}" type="datetime1">
+            <a:fld id="{10452928-6572-4762-9237-3F7386C27F39}" type="datetime1">
               <a:rPr lang="fr-FR" smtClean="0"/>
-              <a:t>17/12/2014</a:t>
+              <a:t>18/12/2014</a:t>
             </a:fld>
             <a:endParaRPr lang="fr-FR"/>
           </a:p>
@@ -1614,6 +1623,7 @@
           <a:p>
             <a:fld id="{36A212DA-347D-4853-A3E5-DB8AA592974E}" type="slidenum">
               <a:rPr lang="fr-FR" smtClean="0"/>
+              <a:pPr/>
               <a:t>‹N°›</a:t>
             </a:fld>
             <a:endParaRPr lang="fr-FR"/>
@@ -1623,7 +1633,7 @@
     </p:spTree>
     <p:extLst>
       <p:ext uri="{BB962C8B-B14F-4D97-AF65-F5344CB8AC3E}">
-        <p14:creationId xmlns:p14="http://schemas.microsoft.com/office/powerpoint/2010/main" val="1915949998"/>
+        <p14:creationId xmlns:p14="http://schemas.microsoft.com/office/powerpoint/2010/main" xmlns="" val="1915949998"/>
       </p:ext>
     </p:extLst>
   </p:cSld>
@@ -1816,9 +1826,9 @@
           <a:bodyPr/>
           <a:lstStyle/>
           <a:p>
-            <a:fld id="{8C12CDA6-01A6-4124-A5DA-371DC49D7533}" type="datetime1">
+            <a:fld id="{B90D865F-CAA3-48B6-B6CA-BA015A2D96F5}" type="datetime1">
               <a:rPr lang="fr-FR" smtClean="0"/>
-              <a:t>17/12/2014</a:t>
+              <a:t>18/12/2014</a:t>
             </a:fld>
             <a:endParaRPr lang="fr-FR"/>
           </a:p>
@@ -1860,6 +1870,7 @@
           <a:p>
             <a:fld id="{36A212DA-347D-4853-A3E5-DB8AA592974E}" type="slidenum">
               <a:rPr lang="fr-FR" smtClean="0"/>
+              <a:pPr/>
               <a:t>‹N°›</a:t>
             </a:fld>
             <a:endParaRPr lang="fr-FR"/>
@@ -1869,7 +1880,7 @@
     </p:spTree>
     <p:extLst>
       <p:ext uri="{BB962C8B-B14F-4D97-AF65-F5344CB8AC3E}">
-        <p14:creationId xmlns:p14="http://schemas.microsoft.com/office/powerpoint/2010/main" val="4206111759"/>
+        <p14:creationId xmlns:p14="http://schemas.microsoft.com/office/powerpoint/2010/main" xmlns="" val="4206111759"/>
       </p:ext>
     </p:extLst>
   </p:cSld>
@@ -2048,9 +2059,9 @@
           <a:bodyPr/>
           <a:lstStyle/>
           <a:p>
-            <a:fld id="{729CA445-3FF2-4701-B843-18238C7501C3}" type="datetime1">
+            <a:fld id="{527E8541-7182-42B1-9D8B-9D6033CA56C0}" type="datetime1">
               <a:rPr lang="fr-FR" smtClean="0"/>
-              <a:t>17/12/2014</a:t>
+              <a:t>18/12/2014</a:t>
             </a:fld>
             <a:endParaRPr lang="fr-FR"/>
           </a:p>
@@ -2092,6 +2103,7 @@
           <a:p>
             <a:fld id="{36A212DA-347D-4853-A3E5-DB8AA592974E}" type="slidenum">
               <a:rPr lang="fr-FR" smtClean="0"/>
+              <a:pPr/>
               <a:t>‹N°›</a:t>
             </a:fld>
             <a:endParaRPr lang="fr-FR"/>
@@ -2101,7 +2113,7 @@
     </p:spTree>
     <p:extLst>
       <p:ext uri="{BB962C8B-B14F-4D97-AF65-F5344CB8AC3E}">
-        <p14:creationId xmlns:p14="http://schemas.microsoft.com/office/powerpoint/2010/main" val="4183815157"/>
+        <p14:creationId xmlns:p14="http://schemas.microsoft.com/office/powerpoint/2010/main" xmlns="" val="4183815157"/>
       </p:ext>
     </p:extLst>
   </p:cSld>
@@ -2415,9 +2427,9 @@
           <a:bodyPr/>
           <a:lstStyle/>
           <a:p>
-            <a:fld id="{F11F099B-2392-46A9-96E8-BEDB097DB0E2}" type="datetime1">
+            <a:fld id="{C238692D-E5FA-42A2-ABB8-DFED4D2C27E9}" type="datetime1">
               <a:rPr lang="fr-FR" smtClean="0"/>
-              <a:t>17/12/2014</a:t>
+              <a:t>18/12/2014</a:t>
             </a:fld>
             <a:endParaRPr lang="fr-FR"/>
           </a:p>
@@ -2459,6 +2471,7 @@
           <a:p>
             <a:fld id="{36A212DA-347D-4853-A3E5-DB8AA592974E}" type="slidenum">
               <a:rPr lang="fr-FR" smtClean="0"/>
+              <a:pPr/>
               <a:t>‹N°›</a:t>
             </a:fld>
             <a:endParaRPr lang="fr-FR"/>
@@ -2468,7 +2481,7 @@
     </p:spTree>
     <p:extLst>
       <p:ext uri="{BB962C8B-B14F-4D97-AF65-F5344CB8AC3E}">
-        <p14:creationId xmlns:p14="http://schemas.microsoft.com/office/powerpoint/2010/main" val="3593390445"/>
+        <p14:creationId xmlns:p14="http://schemas.microsoft.com/office/powerpoint/2010/main" xmlns="" val="3593390445"/>
       </p:ext>
     </p:extLst>
   </p:cSld>
@@ -2533,9 +2546,9 @@
           <a:bodyPr/>
           <a:lstStyle/>
           <a:p>
-            <a:fld id="{5796C659-1D7D-49BA-82B9-D51F2EBB18C1}" type="datetime1">
+            <a:fld id="{A17067F4-B6D4-42EA-BBB7-E66D6D962493}" type="datetime1">
               <a:rPr lang="fr-FR" smtClean="0"/>
-              <a:t>17/12/2014</a:t>
+              <a:t>18/12/2014</a:t>
             </a:fld>
             <a:endParaRPr lang="fr-FR"/>
           </a:p>
@@ -2577,6 +2590,7 @@
           <a:p>
             <a:fld id="{36A212DA-347D-4853-A3E5-DB8AA592974E}" type="slidenum">
               <a:rPr lang="fr-FR" smtClean="0"/>
+              <a:pPr/>
               <a:t>‹N°›</a:t>
             </a:fld>
             <a:endParaRPr lang="fr-FR"/>
@@ -2586,7 +2600,7 @@
     </p:spTree>
     <p:extLst>
       <p:ext uri="{BB962C8B-B14F-4D97-AF65-F5344CB8AC3E}">
-        <p14:creationId xmlns:p14="http://schemas.microsoft.com/office/powerpoint/2010/main" val="393437150"/>
+        <p14:creationId xmlns:p14="http://schemas.microsoft.com/office/powerpoint/2010/main" xmlns="" val="393437150"/>
       </p:ext>
     </p:extLst>
   </p:cSld>
@@ -2628,9 +2642,9 @@
           <a:bodyPr/>
           <a:lstStyle/>
           <a:p>
-            <a:fld id="{B44FCC33-35E5-48B6-85E8-7E8A2E8E544B}" type="datetime1">
+            <a:fld id="{0E147812-1C73-4CFE-86A7-504C91E63FA8}" type="datetime1">
               <a:rPr lang="fr-FR" smtClean="0"/>
-              <a:t>17/12/2014</a:t>
+              <a:t>18/12/2014</a:t>
             </a:fld>
             <a:endParaRPr lang="fr-FR"/>
           </a:p>
@@ -2672,6 +2686,7 @@
           <a:p>
             <a:fld id="{36A212DA-347D-4853-A3E5-DB8AA592974E}" type="slidenum">
               <a:rPr lang="fr-FR" smtClean="0"/>
+              <a:pPr/>
               <a:t>‹N°›</a:t>
             </a:fld>
             <a:endParaRPr lang="fr-FR"/>
@@ -2681,7 +2696,7 @@
     </p:spTree>
     <p:extLst>
       <p:ext uri="{BB962C8B-B14F-4D97-AF65-F5344CB8AC3E}">
-        <p14:creationId xmlns:p14="http://schemas.microsoft.com/office/powerpoint/2010/main" val="1050396235"/>
+        <p14:creationId xmlns:p14="http://schemas.microsoft.com/office/powerpoint/2010/main" xmlns="" val="1050396235"/>
       </p:ext>
     </p:extLst>
   </p:cSld>
@@ -2905,9 +2920,9 @@
           <a:bodyPr/>
           <a:lstStyle/>
           <a:p>
-            <a:fld id="{A6A9D4EB-FBDF-4A14-B397-6B709D065F61}" type="datetime1">
+            <a:fld id="{B1DB5F3B-BE95-4CAC-8294-0DFF6AE6D132}" type="datetime1">
               <a:rPr lang="fr-FR" smtClean="0"/>
-              <a:t>17/12/2014</a:t>
+              <a:t>18/12/2014</a:t>
             </a:fld>
             <a:endParaRPr lang="fr-FR"/>
           </a:p>
@@ -2949,6 +2964,7 @@
           <a:p>
             <a:fld id="{36A212DA-347D-4853-A3E5-DB8AA592974E}" type="slidenum">
               <a:rPr lang="fr-FR" smtClean="0"/>
+              <a:pPr/>
               <a:t>‹N°›</a:t>
             </a:fld>
             <a:endParaRPr lang="fr-FR"/>
@@ -2958,7 +2974,7 @@
     </p:spTree>
     <p:extLst>
       <p:ext uri="{BB962C8B-B14F-4D97-AF65-F5344CB8AC3E}">
-        <p14:creationId xmlns:p14="http://schemas.microsoft.com/office/powerpoint/2010/main" val="3592825873"/>
+        <p14:creationId xmlns:p14="http://schemas.microsoft.com/office/powerpoint/2010/main" xmlns="" val="3592825873"/>
       </p:ext>
     </p:extLst>
   </p:cSld>
@@ -3158,9 +3174,9 @@
           <a:bodyPr/>
           <a:lstStyle/>
           <a:p>
-            <a:fld id="{FBE6395C-7482-494C-B080-7C94E825CE8C}" type="datetime1">
+            <a:fld id="{C6D59815-2BCA-4F3B-B450-63C11599A471}" type="datetime1">
               <a:rPr lang="fr-FR" smtClean="0"/>
-              <a:t>17/12/2014</a:t>
+              <a:t>18/12/2014</a:t>
             </a:fld>
             <a:endParaRPr lang="fr-FR"/>
           </a:p>
@@ -3202,6 +3218,7 @@
           <a:p>
             <a:fld id="{36A212DA-347D-4853-A3E5-DB8AA592974E}" type="slidenum">
               <a:rPr lang="fr-FR" smtClean="0"/>
+              <a:pPr/>
               <a:t>‹N°›</a:t>
             </a:fld>
             <a:endParaRPr lang="fr-FR"/>
@@ -3211,7 +3228,7 @@
     </p:spTree>
     <p:extLst>
       <p:ext uri="{BB962C8B-B14F-4D97-AF65-F5344CB8AC3E}">
-        <p14:creationId xmlns:p14="http://schemas.microsoft.com/office/powerpoint/2010/main" val="2888419866"/>
+        <p14:creationId xmlns:p14="http://schemas.microsoft.com/office/powerpoint/2010/main" xmlns="" val="2888419866"/>
       </p:ext>
     </p:extLst>
   </p:cSld>
@@ -3371,9 +3388,9 @@
             </a:lvl1pPr>
           </a:lstStyle>
           <a:p>
-            <a:fld id="{CFD5C1AC-1A75-4908-9C55-B73054550F06}" type="datetime1">
+            <a:fld id="{0E124EAE-0F6F-4BE3-8C0F-EC8476FA8211}" type="datetime1">
               <a:rPr lang="fr-FR" smtClean="0"/>
-              <a:t>17/12/2014</a:t>
+              <a:t>18/12/2014</a:t>
             </a:fld>
             <a:endParaRPr lang="fr-FR"/>
           </a:p>
@@ -3451,6 +3468,7 @@
           <a:p>
             <a:fld id="{36A212DA-347D-4853-A3E5-DB8AA592974E}" type="slidenum">
               <a:rPr lang="fr-FR" smtClean="0"/>
+              <a:pPr/>
               <a:t>‹N°›</a:t>
             </a:fld>
             <a:endParaRPr lang="fr-FR"/>
@@ -3460,7 +3478,7 @@
     </p:spTree>
     <p:extLst>
       <p:ext uri="{BB962C8B-B14F-4D97-AF65-F5344CB8AC3E}">
-        <p14:creationId xmlns:p14="http://schemas.microsoft.com/office/powerpoint/2010/main" val="3873460095"/>
+        <p14:creationId xmlns:p14="http://schemas.microsoft.com/office/powerpoint/2010/main" xmlns="" val="3873460095"/>
       </p:ext>
     </p:extLst>
   </p:cSld>
@@ -3841,13 +3859,115 @@
               <a:rPr lang="fr-FR" dirty="0"/>
               <a:t>Publication éphémère et dégradation de données</a:t>
             </a:r>
+          </a:p>
+        </p:txBody>
+      </p:sp>
+      <p:sp>
+        <p:nvSpPr>
+          <p:cNvPr id="6" name="ZoneTexte 5"/>
+          <p:cNvSpPr txBox="1"/>
+          <p:nvPr/>
+        </p:nvSpPr>
+        <p:spPr>
+          <a:xfrm>
+            <a:off x="8142514" y="4891315"/>
+            <a:ext cx="3410857" cy="923330"/>
+          </a:xfrm>
+          <a:prstGeom prst="rect">
+            <a:avLst/>
+          </a:prstGeom>
+          <a:noFill/>
+        </p:spPr>
+        <p:txBody>
+          <a:bodyPr wrap="square" rtlCol="0">
+            <a:spAutoFit/>
+          </a:bodyPr>
+          <a:lstStyle/>
+          <a:p>
+            <a:r>
+              <a:rPr lang="fr-FR" dirty="0" smtClean="0"/>
+              <a:t>A.EL HADJ AMOR &amp; I.NOBLINS      </a:t>
+            </a:r>
+          </a:p>
+          <a:p>
+            <a:endParaRPr lang="fr-FR" dirty="0" smtClean="0"/>
+          </a:p>
+          <a:p>
+            <a:r>
+              <a:rPr lang="fr-FR" dirty="0" err="1" smtClean="0"/>
+              <a:t>Encadrants</a:t>
+            </a:r>
+            <a:r>
+              <a:rPr lang="fr-FR" dirty="0" smtClean="0"/>
+              <a:t> :  S.GAMBS &amp; G.PIOLLE</a:t>
+            </a:r>
             <a:endParaRPr lang="fr-FR" dirty="0"/>
           </a:p>
         </p:txBody>
       </p:sp>
       <p:sp>
         <p:nvSpPr>
-          <p:cNvPr id="5" name="Espace réservé du numéro de diapositive 4"/>
+          <p:cNvPr id="7" name="ZoneTexte 6"/>
+          <p:cNvSpPr txBox="1"/>
+          <p:nvPr/>
+        </p:nvSpPr>
+        <p:spPr>
+          <a:xfrm>
+            <a:off x="0" y="0"/>
+            <a:ext cx="12192000" cy="369332"/>
+          </a:xfrm>
+          <a:prstGeom prst="rect">
+            <a:avLst/>
+          </a:prstGeom>
+          <a:solidFill>
+            <a:schemeClr val="accent5">
+              <a:lumMod val="75000"/>
+            </a:schemeClr>
+          </a:solidFill>
+        </p:spPr>
+        <p:txBody>
+          <a:bodyPr wrap="square" rtlCol="0">
+            <a:spAutoFit/>
+          </a:bodyPr>
+          <a:lstStyle/>
+          <a:p>
+            <a:endParaRPr lang="fr-FR" dirty="0"/>
+          </a:p>
+        </p:txBody>
+      </p:sp>
+      <p:sp>
+        <p:nvSpPr>
+          <p:cNvPr id="8" name="ZoneTexte 7"/>
+          <p:cNvSpPr txBox="1"/>
+          <p:nvPr/>
+        </p:nvSpPr>
+        <p:spPr>
+          <a:xfrm>
+            <a:off x="-24680" y="6488668"/>
+            <a:ext cx="12216680" cy="369332"/>
+          </a:xfrm>
+          <a:prstGeom prst="rect">
+            <a:avLst/>
+          </a:prstGeom>
+          <a:solidFill>
+            <a:schemeClr val="accent5">
+              <a:lumMod val="75000"/>
+            </a:schemeClr>
+          </a:solidFill>
+        </p:spPr>
+        <p:txBody>
+          <a:bodyPr wrap="square" rtlCol="0">
+            <a:spAutoFit/>
+          </a:bodyPr>
+          <a:lstStyle/>
+          <a:p>
+            <a:endParaRPr lang="fr-FR" dirty="0"/>
+          </a:p>
+        </p:txBody>
+      </p:sp>
+      <p:sp>
+        <p:nvSpPr>
+          <p:cNvPr id="9" name="Espace réservé du numéro de diapositive 4"/>
           <p:cNvSpPr>
             <a:spLocks noGrp="1"/>
           </p:cNvSpPr>
@@ -3855,29 +3975,67 @@
             <p:ph type="sldNum" sz="quarter" idx="12"/>
           </p:nvPr>
         </p:nvSpPr>
-        <p:spPr/>
+        <p:spPr>
+          <a:xfrm>
+            <a:off x="0" y="6492875"/>
+            <a:ext cx="12192000" cy="365125"/>
+          </a:xfrm>
+        </p:spPr>
         <p:txBody>
           <a:bodyPr/>
           <a:lstStyle/>
           <a:p>
+            <a:pPr algn="l"/>
+            <a:r>
+              <a:rPr lang="fr-FR" sz="1400" b="1" dirty="0" smtClean="0">
+                <a:solidFill>
+                  <a:schemeClr val="bg1"/>
+                </a:solidFill>
+              </a:rPr>
+              <a:t>         												</a:t>
+            </a:r>
             <a:fld id="{36A212DA-347D-4853-A3E5-DB8AA592974E}" type="slidenum">
-              <a:rPr lang="fr-FR" smtClean="0"/>
+              <a:rPr lang="fr-FR" sz="1400" b="1" smtClean="0">
+                <a:solidFill>
+                  <a:schemeClr val="bg1"/>
+                </a:solidFill>
+              </a:rPr>
+              <a:pPr algn="l"/>
               <a:t>1</a:t>
             </a:fld>
-            <a:endParaRPr lang="fr-FR"/>
+            <a:r>
+              <a:rPr lang="fr-FR" sz="1400" b="1" dirty="0" smtClean="0">
+                <a:solidFill>
+                  <a:schemeClr val="bg1"/>
+                </a:solidFill>
+              </a:rPr>
+              <a:t> </a:t>
+            </a:r>
+            <a:endParaRPr lang="fr-FR" sz="1400" b="1" dirty="0">
+              <a:solidFill>
+                <a:schemeClr val="bg1"/>
+              </a:solidFill>
+            </a:endParaRPr>
           </a:p>
         </p:txBody>
       </p:sp>
     </p:spTree>
     <p:extLst>
       <p:ext uri="{BB962C8B-B14F-4D97-AF65-F5344CB8AC3E}">
-        <p14:creationId xmlns:p14="http://schemas.microsoft.com/office/powerpoint/2010/main" val="3827174663"/>
+        <p14:creationId xmlns:p14="http://schemas.microsoft.com/office/powerpoint/2010/main" xmlns="" val="3827174663"/>
       </p:ext>
     </p:extLst>
   </p:cSld>
   <p:clrMapOvr>
     <a:masterClrMapping/>
   </p:clrMapOvr>
+  <p:timing>
+    <p:tnLst>
+      <p:par>
+        <p:cTn id="1" dur="indefinite" restart="never" nodeType="tmRoot"/>
+      </p:par>
+    </p:tnLst>
+  </p:timing>
 </p:sld>
 </file>
 
@@ -3900,6 +4058,66 @@
       </p:grpSpPr>
       <p:sp>
         <p:nvSpPr>
+          <p:cNvPr id="8" name="ZoneTexte 7"/>
+          <p:cNvSpPr txBox="1"/>
+          <p:nvPr/>
+        </p:nvSpPr>
+        <p:spPr>
+          <a:xfrm>
+            <a:off x="-24680" y="6488668"/>
+            <a:ext cx="12216680" cy="369332"/>
+          </a:xfrm>
+          <a:prstGeom prst="rect">
+            <a:avLst/>
+          </a:prstGeom>
+          <a:solidFill>
+            <a:schemeClr val="accent5">
+              <a:lumMod val="75000"/>
+            </a:schemeClr>
+          </a:solidFill>
+        </p:spPr>
+        <p:txBody>
+          <a:bodyPr wrap="square" rtlCol="0">
+            <a:spAutoFit/>
+          </a:bodyPr>
+          <a:lstStyle/>
+          <a:p>
+            <a:endParaRPr lang="fr-FR" dirty="0"/>
+          </a:p>
+        </p:txBody>
+      </p:sp>
+      <p:sp>
+        <p:nvSpPr>
+          <p:cNvPr id="7" name="ZoneTexte 6"/>
+          <p:cNvSpPr txBox="1"/>
+          <p:nvPr/>
+        </p:nvSpPr>
+        <p:spPr>
+          <a:xfrm>
+            <a:off x="0" y="0"/>
+            <a:ext cx="12192000" cy="369332"/>
+          </a:xfrm>
+          <a:prstGeom prst="rect">
+            <a:avLst/>
+          </a:prstGeom>
+          <a:solidFill>
+            <a:schemeClr val="accent5">
+              <a:lumMod val="75000"/>
+            </a:schemeClr>
+          </a:solidFill>
+        </p:spPr>
+        <p:txBody>
+          <a:bodyPr wrap="square" rtlCol="0">
+            <a:spAutoFit/>
+          </a:bodyPr>
+          <a:lstStyle/>
+          <a:p>
+            <a:endParaRPr lang="fr-FR" dirty="0"/>
+          </a:p>
+        </p:txBody>
+      </p:sp>
+      <p:sp>
+        <p:nvSpPr>
           <p:cNvPr id="2" name="Titre 1"/>
           <p:cNvSpPr>
             <a:spLocks noGrp="1"/>
@@ -3932,7 +4150,7 @@
           </p:nvPr>
         </p:nvPicPr>
         <p:blipFill>
-          <a:blip r:embed="rId3"/>
+          <a:blip r:embed="rId3" cstate="print"/>
           <a:stretch>
             <a:fillRect/>
           </a:stretch>
@@ -3970,24 +4188,40 @@
           <a:lstStyle/>
           <a:p>
             <a:r>
-              <a:rPr lang="fr-FR" dirty="0" smtClean="0"/>
+              <a:rPr lang="fr-FR" dirty="0" smtClean="0">
+                <a:solidFill>
+                  <a:schemeClr val="bg1"/>
+                </a:solidFill>
+              </a:rPr>
               <a:t>Exposé du problème -&gt; </a:t>
             </a:r>
             <a:r>
-              <a:rPr lang="fr-FR" b="1" dirty="0" smtClean="0"/>
+              <a:rPr lang="fr-FR" b="1" dirty="0" smtClean="0">
+                <a:solidFill>
+                  <a:schemeClr val="bg1"/>
+                </a:solidFill>
+              </a:rPr>
               <a:t>Solution</a:t>
             </a:r>
             <a:r>
-              <a:rPr lang="fr-FR" dirty="0" smtClean="0"/>
+              <a:rPr lang="fr-FR" dirty="0" smtClean="0">
+                <a:solidFill>
+                  <a:schemeClr val="bg1"/>
+                </a:solidFill>
+              </a:rPr>
               <a:t> -&gt; Notre approche</a:t>
             </a:r>
-            <a:endParaRPr lang="fr-FR" dirty="0"/>
-          </a:p>
-        </p:txBody>
-      </p:sp>
-      <p:sp>
-        <p:nvSpPr>
-          <p:cNvPr id="6" name="Espace réservé du numéro de diapositive 5"/>
+            <a:endParaRPr lang="fr-FR" dirty="0">
+              <a:solidFill>
+                <a:schemeClr val="bg1"/>
+              </a:solidFill>
+            </a:endParaRPr>
+          </a:p>
+        </p:txBody>
+      </p:sp>
+      <p:sp>
+        <p:nvSpPr>
+          <p:cNvPr id="9" name="Espace réservé du numéro de diapositive 4"/>
           <p:cNvSpPr>
             <a:spLocks noGrp="1"/>
           </p:cNvSpPr>
@@ -3995,29 +4229,67 @@
             <p:ph type="sldNum" sz="quarter" idx="12"/>
           </p:nvPr>
         </p:nvSpPr>
-        <p:spPr/>
+        <p:spPr>
+          <a:xfrm>
+            <a:off x="0" y="6492875"/>
+            <a:ext cx="12192000" cy="365125"/>
+          </a:xfrm>
+        </p:spPr>
         <p:txBody>
           <a:bodyPr/>
           <a:lstStyle/>
           <a:p>
+            <a:pPr algn="l"/>
+            <a:r>
+              <a:rPr lang="fr-FR" sz="1400" b="1" dirty="0" smtClean="0">
+                <a:solidFill>
+                  <a:schemeClr val="bg1"/>
+                </a:solidFill>
+              </a:rPr>
+              <a:t>         												</a:t>
+            </a:r>
             <a:fld id="{36A212DA-347D-4853-A3E5-DB8AA592974E}" type="slidenum">
-              <a:rPr lang="fr-FR" smtClean="0"/>
+              <a:rPr lang="fr-FR" sz="1400" b="1" smtClean="0">
+                <a:solidFill>
+                  <a:schemeClr val="bg1"/>
+                </a:solidFill>
+              </a:rPr>
+              <a:pPr algn="l"/>
               <a:t>10</a:t>
             </a:fld>
-            <a:endParaRPr lang="fr-FR"/>
+            <a:r>
+              <a:rPr lang="fr-FR" sz="1400" b="1" dirty="0" smtClean="0">
+                <a:solidFill>
+                  <a:schemeClr val="bg1"/>
+                </a:solidFill>
+              </a:rPr>
+              <a:t> </a:t>
+            </a:r>
+            <a:endParaRPr lang="fr-FR" sz="1400" b="1" dirty="0">
+              <a:solidFill>
+                <a:schemeClr val="bg1"/>
+              </a:solidFill>
+            </a:endParaRPr>
           </a:p>
         </p:txBody>
       </p:sp>
     </p:spTree>
     <p:extLst>
       <p:ext uri="{BB962C8B-B14F-4D97-AF65-F5344CB8AC3E}">
-        <p14:creationId xmlns:p14="http://schemas.microsoft.com/office/powerpoint/2010/main" val="1116215067"/>
+        <p14:creationId xmlns:p14="http://schemas.microsoft.com/office/powerpoint/2010/main" xmlns="" val="1116215067"/>
       </p:ext>
     </p:extLst>
   </p:cSld>
   <p:clrMapOvr>
     <a:masterClrMapping/>
   </p:clrMapOvr>
+  <p:timing>
+    <p:tnLst>
+      <p:par>
+        <p:cTn id="1" dur="indefinite" restart="never" nodeType="tmRoot"/>
+      </p:par>
+    </p:tnLst>
+  </p:timing>
 </p:sld>
 </file>
 
@@ -4040,6 +4312,66 @@
       </p:grpSpPr>
       <p:sp>
         <p:nvSpPr>
+          <p:cNvPr id="7" name="ZoneTexte 6"/>
+          <p:cNvSpPr txBox="1"/>
+          <p:nvPr/>
+        </p:nvSpPr>
+        <p:spPr>
+          <a:xfrm>
+            <a:off x="-24680" y="6488668"/>
+            <a:ext cx="12216680" cy="369332"/>
+          </a:xfrm>
+          <a:prstGeom prst="rect">
+            <a:avLst/>
+          </a:prstGeom>
+          <a:solidFill>
+            <a:schemeClr val="accent5">
+              <a:lumMod val="75000"/>
+            </a:schemeClr>
+          </a:solidFill>
+        </p:spPr>
+        <p:txBody>
+          <a:bodyPr wrap="square" rtlCol="0">
+            <a:spAutoFit/>
+          </a:bodyPr>
+          <a:lstStyle/>
+          <a:p>
+            <a:endParaRPr lang="fr-FR" dirty="0"/>
+          </a:p>
+        </p:txBody>
+      </p:sp>
+      <p:sp>
+        <p:nvSpPr>
+          <p:cNvPr id="6" name="ZoneTexte 5"/>
+          <p:cNvSpPr txBox="1"/>
+          <p:nvPr/>
+        </p:nvSpPr>
+        <p:spPr>
+          <a:xfrm>
+            <a:off x="0" y="0"/>
+            <a:ext cx="12192000" cy="369332"/>
+          </a:xfrm>
+          <a:prstGeom prst="rect">
+            <a:avLst/>
+          </a:prstGeom>
+          <a:solidFill>
+            <a:schemeClr val="accent5">
+              <a:lumMod val="75000"/>
+            </a:schemeClr>
+          </a:solidFill>
+        </p:spPr>
+        <p:txBody>
+          <a:bodyPr wrap="square" rtlCol="0">
+            <a:spAutoFit/>
+          </a:bodyPr>
+          <a:lstStyle/>
+          <a:p>
+            <a:endParaRPr lang="fr-FR" dirty="0"/>
+          </a:p>
+        </p:txBody>
+      </p:sp>
+      <p:sp>
+        <p:nvSpPr>
           <p:cNvPr id="2" name="Titre 1"/>
           <p:cNvSpPr>
             <a:spLocks noGrp="1"/>
@@ -4055,7 +4387,46 @@
           <a:p>
             <a:r>
               <a:rPr lang="fr-FR" dirty="0" smtClean="0"/>
-              <a:t>Notre approche : application à la dégradation de données de géolocalisation</a:t>
+              <a:t>Une</a:t>
+            </a:r>
+            <a:r>
+              <a:rPr lang="fr-FR" dirty="0" smtClean="0"/>
+              <a:t> </a:t>
+            </a:r>
+            <a:r>
+              <a:rPr lang="fr-FR" dirty="0" smtClean="0"/>
+              <a:t>approche : </a:t>
+            </a:r>
+            <a:r>
+              <a:rPr lang="fr-FR" dirty="0" smtClean="0"/>
+              <a:t/>
+            </a:r>
+            <a:br>
+              <a:rPr lang="fr-FR" dirty="0" smtClean="0"/>
+            </a:br>
+            <a:r>
+              <a:rPr lang="fr-FR" dirty="0" smtClean="0"/>
+              <a:t>	</a:t>
+            </a:r>
+            <a:r>
+              <a:rPr lang="fr-FR" dirty="0" smtClean="0"/>
+              <a:t>A</a:t>
+            </a:r>
+            <a:r>
+              <a:rPr lang="fr-FR" dirty="0" smtClean="0"/>
+              <a:t>pplication </a:t>
+            </a:r>
+            <a:r>
+              <a:rPr lang="fr-FR" dirty="0" smtClean="0"/>
+              <a:t>à la dégradation </a:t>
+            </a:r>
+            <a:r>
+              <a:rPr lang="fr-FR" dirty="0" smtClean="0"/>
+              <a:t>	de </a:t>
+            </a:r>
+            <a:r>
+              <a:rPr lang="fr-FR" dirty="0" smtClean="0"/>
+              <a:t>données de géolocalisation</a:t>
             </a:r>
             <a:endParaRPr lang="fr-FR" dirty="0"/>
           </a:p>
@@ -4063,56 +4434,75 @@
       </p:sp>
       <p:sp>
         <p:nvSpPr>
-          <p:cNvPr id="3" name="Espace réservé du texte 2"/>
-          <p:cNvSpPr>
-            <a:spLocks noGrp="1"/>
-          </p:cNvSpPr>
-          <p:nvPr>
-            <p:ph type="body" idx="1"/>
-          </p:nvPr>
-        </p:nvSpPr>
-        <p:spPr/>
+          <p:cNvPr id="8" name="Espace réservé du numéro de diapositive 4"/>
+          <p:cNvSpPr>
+            <a:spLocks noGrp="1"/>
+          </p:cNvSpPr>
+          <p:nvPr>
+            <p:ph type="sldNum" sz="quarter" idx="12"/>
+          </p:nvPr>
+        </p:nvSpPr>
+        <p:spPr>
+          <a:xfrm>
+            <a:off x="0" y="6492875"/>
+            <a:ext cx="12192000" cy="365125"/>
+          </a:xfrm>
+        </p:spPr>
         <p:txBody>
           <a:bodyPr/>
           <a:lstStyle/>
           <a:p>
-            <a:endParaRPr lang="fr-FR"/>
-          </a:p>
-        </p:txBody>
-      </p:sp>
-      <p:sp>
-        <p:nvSpPr>
-          <p:cNvPr id="5" name="Espace réservé du numéro de diapositive 4"/>
-          <p:cNvSpPr>
-            <a:spLocks noGrp="1"/>
-          </p:cNvSpPr>
-          <p:nvPr>
-            <p:ph type="sldNum" sz="quarter" idx="12"/>
-          </p:nvPr>
-        </p:nvSpPr>
-        <p:spPr/>
-        <p:txBody>
-          <a:bodyPr/>
-          <a:lstStyle/>
-          <a:p>
+            <a:pPr algn="l"/>
+            <a:r>
+              <a:rPr lang="fr-FR" sz="1400" b="1" dirty="0" smtClean="0">
+                <a:solidFill>
+                  <a:schemeClr val="bg1"/>
+                </a:solidFill>
+              </a:rPr>
+              <a:t>         												</a:t>
+            </a:r>
             <a:fld id="{36A212DA-347D-4853-A3E5-DB8AA592974E}" type="slidenum">
-              <a:rPr lang="fr-FR" smtClean="0"/>
+              <a:rPr lang="fr-FR" sz="1400" b="1" smtClean="0">
+                <a:solidFill>
+                  <a:schemeClr val="bg1"/>
+                </a:solidFill>
+              </a:rPr>
+              <a:pPr algn="l"/>
               <a:t>11</a:t>
             </a:fld>
-            <a:endParaRPr lang="fr-FR"/>
+            <a:r>
+              <a:rPr lang="fr-FR" sz="1400" b="1" dirty="0" smtClean="0">
+                <a:solidFill>
+                  <a:schemeClr val="bg1"/>
+                </a:solidFill>
+              </a:rPr>
+              <a:t> </a:t>
+            </a:r>
+            <a:endParaRPr lang="fr-FR" sz="1400" b="1" dirty="0">
+              <a:solidFill>
+                <a:schemeClr val="bg1"/>
+              </a:solidFill>
+            </a:endParaRPr>
           </a:p>
         </p:txBody>
       </p:sp>
     </p:spTree>
     <p:extLst>
       <p:ext uri="{BB962C8B-B14F-4D97-AF65-F5344CB8AC3E}">
-        <p14:creationId xmlns:p14="http://schemas.microsoft.com/office/powerpoint/2010/main" val="2936282269"/>
+        <p14:creationId xmlns:p14="http://schemas.microsoft.com/office/powerpoint/2010/main" xmlns="" val="2936282269"/>
       </p:ext>
     </p:extLst>
   </p:cSld>
   <p:clrMapOvr>
     <a:masterClrMapping/>
   </p:clrMapOvr>
+  <p:timing>
+    <p:tnLst>
+      <p:par>
+        <p:cTn id="1" dur="indefinite" restart="never" nodeType="tmRoot"/>
+      </p:par>
+    </p:tnLst>
+  </p:timing>
 </p:sld>
 </file>
 
@@ -4135,6 +4525,66 @@
       </p:grpSpPr>
       <p:sp>
         <p:nvSpPr>
+          <p:cNvPr id="8" name="ZoneTexte 7"/>
+          <p:cNvSpPr txBox="1"/>
+          <p:nvPr/>
+        </p:nvSpPr>
+        <p:spPr>
+          <a:xfrm>
+            <a:off x="-24680" y="6488668"/>
+            <a:ext cx="12216680" cy="369332"/>
+          </a:xfrm>
+          <a:prstGeom prst="rect">
+            <a:avLst/>
+          </a:prstGeom>
+          <a:solidFill>
+            <a:schemeClr val="accent5">
+              <a:lumMod val="75000"/>
+            </a:schemeClr>
+          </a:solidFill>
+        </p:spPr>
+        <p:txBody>
+          <a:bodyPr wrap="square" rtlCol="0">
+            <a:spAutoFit/>
+          </a:bodyPr>
+          <a:lstStyle/>
+          <a:p>
+            <a:endParaRPr lang="fr-FR" dirty="0"/>
+          </a:p>
+        </p:txBody>
+      </p:sp>
+      <p:sp>
+        <p:nvSpPr>
+          <p:cNvPr id="7" name="ZoneTexte 6"/>
+          <p:cNvSpPr txBox="1"/>
+          <p:nvPr/>
+        </p:nvSpPr>
+        <p:spPr>
+          <a:xfrm>
+            <a:off x="0" y="0"/>
+            <a:ext cx="12192000" cy="369332"/>
+          </a:xfrm>
+          <a:prstGeom prst="rect">
+            <a:avLst/>
+          </a:prstGeom>
+          <a:solidFill>
+            <a:schemeClr val="accent5">
+              <a:lumMod val="75000"/>
+            </a:schemeClr>
+          </a:solidFill>
+        </p:spPr>
+        <p:txBody>
+          <a:bodyPr wrap="square" rtlCol="0">
+            <a:spAutoFit/>
+          </a:bodyPr>
+          <a:lstStyle/>
+          <a:p>
+            <a:endParaRPr lang="fr-FR" dirty="0"/>
+          </a:p>
+        </p:txBody>
+      </p:sp>
+      <p:sp>
+        <p:nvSpPr>
           <p:cNvPr id="2" name="Titre 1"/>
           <p:cNvSpPr>
             <a:spLocks noGrp="1"/>
@@ -4169,16 +4619,17 @@
         <p:spPr/>
         <p:txBody>
           <a:bodyPr>
-            <a:normAutofit fontScale="92500" lnSpcReduction="10000"/>
+            <a:normAutofit lnSpcReduction="10000"/>
           </a:bodyPr>
           <a:lstStyle/>
           <a:p>
-            <a:endParaRPr lang="fr-FR" dirty="0" smtClean="0"/>
-          </a:p>
-          <a:p>
-            <a:r>
-              <a:rPr lang="fr-FR" dirty="0" smtClean="0"/>
-              <a:t>Comme précédemment : disparition des données mais… progressive !</a:t>
+            <a:r>
+              <a:rPr lang="fr-FR" dirty="0" smtClean="0"/>
+              <a:t>Comme </a:t>
+            </a:r>
+            <a:r>
+              <a:rPr lang="fr-FR" dirty="0" smtClean="0"/>
+              <a:t>précédemment : disparition des données mais… progressive !</a:t>
             </a:r>
           </a:p>
           <a:p>
@@ -4258,7 +4709,7 @@
         <p:spPr>
           <a:xfrm>
             <a:off x="0" y="0"/>
-            <a:ext cx="4944752" cy="369332"/>
+            <a:ext cx="4804392" cy="369332"/>
           </a:xfrm>
           <a:prstGeom prst="rect">
             <a:avLst/>
@@ -4272,20 +4723,40 @@
           <a:lstStyle/>
           <a:p>
             <a:r>
-              <a:rPr lang="fr-FR" dirty="0" smtClean="0"/>
+              <a:rPr lang="fr-FR" dirty="0" smtClean="0">
+                <a:solidFill>
+                  <a:schemeClr val="bg1"/>
+                </a:solidFill>
+              </a:rPr>
               <a:t>Exposé du problème -&gt; Solution -&gt; </a:t>
             </a:r>
             <a:r>
-              <a:rPr lang="fr-FR" b="1" dirty="0" smtClean="0"/>
-              <a:t>Notre approche</a:t>
-            </a:r>
-            <a:endParaRPr lang="fr-FR" b="1" dirty="0"/>
-          </a:p>
-        </p:txBody>
-      </p:sp>
-      <p:sp>
-        <p:nvSpPr>
-          <p:cNvPr id="6" name="Espace réservé du numéro de diapositive 5"/>
+              <a:rPr lang="fr-FR" b="1" dirty="0" smtClean="0">
+                <a:solidFill>
+                  <a:schemeClr val="bg1"/>
+                </a:solidFill>
+              </a:rPr>
+              <a:t>Une </a:t>
+            </a:r>
+            <a:r>
+              <a:rPr lang="fr-FR" b="1" dirty="0" smtClean="0">
+                <a:solidFill>
+                  <a:schemeClr val="bg1"/>
+                </a:solidFill>
+              </a:rPr>
+              <a:t>approche</a:t>
+            </a:r>
+            <a:endParaRPr lang="fr-FR" b="1" dirty="0">
+              <a:solidFill>
+                <a:schemeClr val="bg1"/>
+              </a:solidFill>
+            </a:endParaRPr>
+          </a:p>
+        </p:txBody>
+      </p:sp>
+      <p:sp>
+        <p:nvSpPr>
+          <p:cNvPr id="9" name="Espace réservé du numéro de diapositive 4"/>
           <p:cNvSpPr>
             <a:spLocks noGrp="1"/>
           </p:cNvSpPr>
@@ -4293,29 +4764,67 @@
             <p:ph type="sldNum" sz="quarter" idx="12"/>
           </p:nvPr>
         </p:nvSpPr>
-        <p:spPr/>
+        <p:spPr>
+          <a:xfrm>
+            <a:off x="0" y="6492875"/>
+            <a:ext cx="12192000" cy="365125"/>
+          </a:xfrm>
+        </p:spPr>
         <p:txBody>
           <a:bodyPr/>
           <a:lstStyle/>
           <a:p>
+            <a:pPr algn="l"/>
+            <a:r>
+              <a:rPr lang="fr-FR" sz="1400" b="1" dirty="0" smtClean="0">
+                <a:solidFill>
+                  <a:schemeClr val="bg1"/>
+                </a:solidFill>
+              </a:rPr>
+              <a:t>         												</a:t>
+            </a:r>
             <a:fld id="{36A212DA-347D-4853-A3E5-DB8AA592974E}" type="slidenum">
-              <a:rPr lang="fr-FR" smtClean="0"/>
+              <a:rPr lang="fr-FR" sz="1400" b="1" smtClean="0">
+                <a:solidFill>
+                  <a:schemeClr val="bg1"/>
+                </a:solidFill>
+              </a:rPr>
+              <a:pPr algn="l"/>
               <a:t>12</a:t>
             </a:fld>
-            <a:endParaRPr lang="fr-FR"/>
+            <a:r>
+              <a:rPr lang="fr-FR" sz="1400" b="1" dirty="0" smtClean="0">
+                <a:solidFill>
+                  <a:schemeClr val="bg1"/>
+                </a:solidFill>
+              </a:rPr>
+              <a:t> </a:t>
+            </a:r>
+            <a:endParaRPr lang="fr-FR" sz="1400" b="1" dirty="0">
+              <a:solidFill>
+                <a:schemeClr val="bg1"/>
+              </a:solidFill>
+            </a:endParaRPr>
           </a:p>
         </p:txBody>
       </p:sp>
     </p:spTree>
     <p:extLst>
       <p:ext uri="{BB962C8B-B14F-4D97-AF65-F5344CB8AC3E}">
-        <p14:creationId xmlns:p14="http://schemas.microsoft.com/office/powerpoint/2010/main" val="859945632"/>
+        <p14:creationId xmlns:p14="http://schemas.microsoft.com/office/powerpoint/2010/main" xmlns="" val="859945632"/>
       </p:ext>
     </p:extLst>
   </p:cSld>
   <p:clrMapOvr>
     <a:masterClrMapping/>
   </p:clrMapOvr>
+  <p:timing>
+    <p:tnLst>
+      <p:par>
+        <p:cTn id="1" dur="indefinite" restart="never" nodeType="tmRoot"/>
+      </p:par>
+    </p:tnLst>
+  </p:timing>
 </p:sld>
 </file>
 
@@ -4338,6 +4847,66 @@
       </p:grpSpPr>
       <p:sp>
         <p:nvSpPr>
+          <p:cNvPr id="26" name="ZoneTexte 25"/>
+          <p:cNvSpPr txBox="1"/>
+          <p:nvPr/>
+        </p:nvSpPr>
+        <p:spPr>
+          <a:xfrm>
+            <a:off x="-24680" y="6488668"/>
+            <a:ext cx="12216680" cy="369332"/>
+          </a:xfrm>
+          <a:prstGeom prst="rect">
+            <a:avLst/>
+          </a:prstGeom>
+          <a:solidFill>
+            <a:schemeClr val="accent5">
+              <a:lumMod val="75000"/>
+            </a:schemeClr>
+          </a:solidFill>
+        </p:spPr>
+        <p:txBody>
+          <a:bodyPr wrap="square" rtlCol="0">
+            <a:spAutoFit/>
+          </a:bodyPr>
+          <a:lstStyle/>
+          <a:p>
+            <a:endParaRPr lang="fr-FR" dirty="0"/>
+          </a:p>
+        </p:txBody>
+      </p:sp>
+      <p:sp>
+        <p:nvSpPr>
+          <p:cNvPr id="25" name="ZoneTexte 24"/>
+          <p:cNvSpPr txBox="1"/>
+          <p:nvPr/>
+        </p:nvSpPr>
+        <p:spPr>
+          <a:xfrm>
+            <a:off x="0" y="0"/>
+            <a:ext cx="12192000" cy="369332"/>
+          </a:xfrm>
+          <a:prstGeom prst="rect">
+            <a:avLst/>
+          </a:prstGeom>
+          <a:solidFill>
+            <a:schemeClr val="accent5">
+              <a:lumMod val="75000"/>
+            </a:schemeClr>
+          </a:solidFill>
+        </p:spPr>
+        <p:txBody>
+          <a:bodyPr wrap="square" rtlCol="0">
+            <a:spAutoFit/>
+          </a:bodyPr>
+          <a:lstStyle/>
+          <a:p>
+            <a:endParaRPr lang="fr-FR" dirty="0"/>
+          </a:p>
+        </p:txBody>
+      </p:sp>
+      <p:sp>
+        <p:nvSpPr>
           <p:cNvPr id="2" name="Titre 1"/>
           <p:cNvSpPr>
             <a:spLocks noGrp="1"/>
@@ -4500,7 +5069,7 @@
         <p:spPr>
           <a:xfrm>
             <a:off x="1488138" y="4947162"/>
-            <a:ext cx="2097743" cy="1087904"/>
+            <a:ext cx="2097743" cy="960152"/>
           </a:xfrm>
           <a:prstGeom prst="rect">
             <a:avLst/>
@@ -4804,20 +5373,17 @@
       <p:cxnSp>
         <p:nvCxnSpPr>
           <p:cNvPr id="24" name="Connecteur en angle 23"/>
-          <p:cNvCxnSpPr>
-            <a:stCxn id="8" idx="2"/>
-            <a:endCxn id="19" idx="6"/>
-          </p:cNvCxnSpPr>
+          <p:cNvCxnSpPr/>
           <p:nvPr/>
         </p:nvCxnSpPr>
         <p:spPr>
           <a:xfrm rot="5400000" flipH="1" flipV="1">
-            <a:off x="3585053" y="404402"/>
+            <a:off x="3730197" y="404402"/>
             <a:ext cx="4582621" cy="6678708"/>
           </a:xfrm>
           <a:prstGeom prst="bentConnector4">
             <a:avLst>
-              <a:gd name="adj1" fmla="val -4988"/>
+              <a:gd name="adj1" fmla="val -1821"/>
               <a:gd name="adj2" fmla="val 115772"/>
             </a:avLst>
           </a:prstGeom>
@@ -5042,7 +5608,7 @@
         </p:nvSpPr>
         <p:spPr>
           <a:xfrm>
-            <a:off x="2852613" y="6272132"/>
+            <a:off x="3375127" y="6083446"/>
             <a:ext cx="1891865" cy="369332"/>
           </a:xfrm>
           <a:prstGeom prst="rect">
@@ -5103,7 +5669,7 @@
         <p:spPr>
           <a:xfrm>
             <a:off x="0" y="0"/>
-            <a:ext cx="4944752" cy="369332"/>
+            <a:ext cx="4804392" cy="369332"/>
           </a:xfrm>
           <a:prstGeom prst="rect">
             <a:avLst/>
@@ -5117,20 +5683,48 @@
           <a:lstStyle/>
           <a:p>
             <a:r>
-              <a:rPr lang="fr-FR" dirty="0" smtClean="0"/>
+              <a:rPr lang="fr-FR" dirty="0" smtClean="0">
+                <a:solidFill>
+                  <a:schemeClr val="bg1"/>
+                </a:solidFill>
+              </a:rPr>
               <a:t>Exposé du problème -&gt; Solution -&gt; </a:t>
             </a:r>
             <a:r>
-              <a:rPr lang="fr-FR" b="1" dirty="0" smtClean="0"/>
-              <a:t>Notre approche</a:t>
-            </a:r>
-            <a:endParaRPr lang="fr-FR" b="1" dirty="0"/>
-          </a:p>
-        </p:txBody>
-      </p:sp>
-      <p:sp>
-        <p:nvSpPr>
-          <p:cNvPr id="5" name="Espace réservé du numéro de diapositive 4"/>
+              <a:rPr lang="fr-FR" b="1" dirty="0" smtClean="0">
+                <a:solidFill>
+                  <a:schemeClr val="bg1"/>
+                </a:solidFill>
+              </a:rPr>
+              <a:t>Un</a:t>
+            </a:r>
+            <a:r>
+              <a:rPr lang="fr-FR" b="1" dirty="0" smtClean="0">
+                <a:solidFill>
+                  <a:schemeClr val="bg1"/>
+                </a:solidFill>
+              </a:rPr>
+              <a:t>e </a:t>
+            </a:r>
+            <a:r>
+              <a:rPr lang="fr-FR" b="1" dirty="0" smtClean="0">
+                <a:solidFill>
+                  <a:schemeClr val="bg1"/>
+                </a:solidFill>
+              </a:rPr>
+              <a:t>approche</a:t>
+            </a:r>
+            <a:endParaRPr lang="fr-FR" b="1" dirty="0">
+              <a:solidFill>
+                <a:schemeClr val="bg1"/>
+              </a:solidFill>
+            </a:endParaRPr>
+          </a:p>
+        </p:txBody>
+      </p:sp>
+      <p:sp>
+        <p:nvSpPr>
+          <p:cNvPr id="28" name="Espace réservé du numéro de diapositive 4"/>
           <p:cNvSpPr>
             <a:spLocks noGrp="1"/>
           </p:cNvSpPr>
@@ -5138,29 +5732,67 @@
             <p:ph type="sldNum" sz="quarter" idx="12"/>
           </p:nvPr>
         </p:nvSpPr>
-        <p:spPr/>
+        <p:spPr>
+          <a:xfrm>
+            <a:off x="0" y="6492875"/>
+            <a:ext cx="12192000" cy="365125"/>
+          </a:xfrm>
+        </p:spPr>
         <p:txBody>
           <a:bodyPr/>
           <a:lstStyle/>
           <a:p>
+            <a:pPr algn="l"/>
+            <a:r>
+              <a:rPr lang="fr-FR" sz="1400" b="1" dirty="0" smtClean="0">
+                <a:solidFill>
+                  <a:schemeClr val="bg1"/>
+                </a:solidFill>
+              </a:rPr>
+              <a:t>         												</a:t>
+            </a:r>
             <a:fld id="{36A212DA-347D-4853-A3E5-DB8AA592974E}" type="slidenum">
-              <a:rPr lang="fr-FR" smtClean="0"/>
+              <a:rPr lang="fr-FR" sz="1400" b="1" smtClean="0">
+                <a:solidFill>
+                  <a:schemeClr val="bg1"/>
+                </a:solidFill>
+              </a:rPr>
+              <a:pPr algn="l"/>
               <a:t>13</a:t>
             </a:fld>
-            <a:endParaRPr lang="fr-FR"/>
+            <a:r>
+              <a:rPr lang="fr-FR" sz="1400" b="1" dirty="0" smtClean="0">
+                <a:solidFill>
+                  <a:schemeClr val="bg1"/>
+                </a:solidFill>
+              </a:rPr>
+              <a:t> </a:t>
+            </a:r>
+            <a:endParaRPr lang="fr-FR" sz="1400" b="1" dirty="0">
+              <a:solidFill>
+                <a:schemeClr val="bg1"/>
+              </a:solidFill>
+            </a:endParaRPr>
           </a:p>
         </p:txBody>
       </p:sp>
     </p:spTree>
     <p:extLst>
       <p:ext uri="{BB962C8B-B14F-4D97-AF65-F5344CB8AC3E}">
-        <p14:creationId xmlns:p14="http://schemas.microsoft.com/office/powerpoint/2010/main" val="463361665"/>
+        <p14:creationId xmlns:p14="http://schemas.microsoft.com/office/powerpoint/2010/main" xmlns="" val="463361665"/>
       </p:ext>
     </p:extLst>
   </p:cSld>
   <p:clrMapOvr>
     <a:masterClrMapping/>
   </p:clrMapOvr>
+  <p:timing>
+    <p:tnLst>
+      <p:par>
+        <p:cTn id="1" dur="indefinite" restart="never" nodeType="tmRoot"/>
+      </p:par>
+    </p:tnLst>
+  </p:timing>
 </p:sld>
 </file>
 
@@ -5183,6 +5815,66 @@
       </p:grpSpPr>
       <p:sp>
         <p:nvSpPr>
+          <p:cNvPr id="8" name="ZoneTexte 7"/>
+          <p:cNvSpPr txBox="1"/>
+          <p:nvPr/>
+        </p:nvSpPr>
+        <p:spPr>
+          <a:xfrm>
+            <a:off x="-24680" y="6488668"/>
+            <a:ext cx="12216680" cy="369332"/>
+          </a:xfrm>
+          <a:prstGeom prst="rect">
+            <a:avLst/>
+          </a:prstGeom>
+          <a:solidFill>
+            <a:schemeClr val="accent5">
+              <a:lumMod val="75000"/>
+            </a:schemeClr>
+          </a:solidFill>
+        </p:spPr>
+        <p:txBody>
+          <a:bodyPr wrap="square" rtlCol="0">
+            <a:spAutoFit/>
+          </a:bodyPr>
+          <a:lstStyle/>
+          <a:p>
+            <a:endParaRPr lang="fr-FR" dirty="0"/>
+          </a:p>
+        </p:txBody>
+      </p:sp>
+      <p:sp>
+        <p:nvSpPr>
+          <p:cNvPr id="7" name="ZoneTexte 6"/>
+          <p:cNvSpPr txBox="1"/>
+          <p:nvPr/>
+        </p:nvSpPr>
+        <p:spPr>
+          <a:xfrm>
+            <a:off x="0" y="0"/>
+            <a:ext cx="12192000" cy="369332"/>
+          </a:xfrm>
+          <a:prstGeom prst="rect">
+            <a:avLst/>
+          </a:prstGeom>
+          <a:solidFill>
+            <a:schemeClr val="accent5">
+              <a:lumMod val="75000"/>
+            </a:schemeClr>
+          </a:solidFill>
+        </p:spPr>
+        <p:txBody>
+          <a:bodyPr wrap="square" rtlCol="0">
+            <a:spAutoFit/>
+          </a:bodyPr>
+          <a:lstStyle/>
+          <a:p>
+            <a:endParaRPr lang="fr-FR" dirty="0"/>
+          </a:p>
+        </p:txBody>
+      </p:sp>
+      <p:sp>
+        <p:nvSpPr>
           <p:cNvPr id="2" name="Titre 1"/>
           <p:cNvSpPr>
             <a:spLocks noGrp="1"/>
@@ -5279,7 +5971,7 @@
         <p:spPr>
           <a:xfrm>
             <a:off x="0" y="0"/>
-            <a:ext cx="4944752" cy="369332"/>
+            <a:ext cx="4804392" cy="369332"/>
           </a:xfrm>
           <a:prstGeom prst="rect">
             <a:avLst/>
@@ -5293,20 +5985,48 @@
           <a:lstStyle/>
           <a:p>
             <a:r>
-              <a:rPr lang="fr-FR" dirty="0" smtClean="0"/>
+              <a:rPr lang="fr-FR" dirty="0" smtClean="0">
+                <a:solidFill>
+                  <a:schemeClr val="bg1"/>
+                </a:solidFill>
+              </a:rPr>
               <a:t>Exposé du problème -&gt; Solution -&gt; </a:t>
             </a:r>
             <a:r>
-              <a:rPr lang="fr-FR" b="1" dirty="0" smtClean="0"/>
-              <a:t>Notre approche</a:t>
-            </a:r>
-            <a:endParaRPr lang="fr-FR" b="1" dirty="0"/>
-          </a:p>
-        </p:txBody>
-      </p:sp>
-      <p:sp>
-        <p:nvSpPr>
-          <p:cNvPr id="6" name="Espace réservé du numéro de diapositive 5"/>
+              <a:rPr lang="fr-FR" b="1" dirty="0" smtClean="0">
+                <a:solidFill>
+                  <a:schemeClr val="bg1"/>
+                </a:solidFill>
+              </a:rPr>
+              <a:t>Un</a:t>
+            </a:r>
+            <a:r>
+              <a:rPr lang="fr-FR" b="1" dirty="0" smtClean="0">
+                <a:solidFill>
+                  <a:schemeClr val="bg1"/>
+                </a:solidFill>
+              </a:rPr>
+              <a:t>e </a:t>
+            </a:r>
+            <a:r>
+              <a:rPr lang="fr-FR" b="1" dirty="0" smtClean="0">
+                <a:solidFill>
+                  <a:schemeClr val="bg1"/>
+                </a:solidFill>
+              </a:rPr>
+              <a:t>approche</a:t>
+            </a:r>
+            <a:endParaRPr lang="fr-FR" b="1" dirty="0">
+              <a:solidFill>
+                <a:schemeClr val="bg1"/>
+              </a:solidFill>
+            </a:endParaRPr>
+          </a:p>
+        </p:txBody>
+      </p:sp>
+      <p:sp>
+        <p:nvSpPr>
+          <p:cNvPr id="9" name="Espace réservé du numéro de diapositive 4"/>
           <p:cNvSpPr>
             <a:spLocks noGrp="1"/>
           </p:cNvSpPr>
@@ -5314,29 +6034,67 @@
             <p:ph type="sldNum" sz="quarter" idx="12"/>
           </p:nvPr>
         </p:nvSpPr>
-        <p:spPr/>
+        <p:spPr>
+          <a:xfrm>
+            <a:off x="0" y="6492875"/>
+            <a:ext cx="12192000" cy="365125"/>
+          </a:xfrm>
+        </p:spPr>
         <p:txBody>
           <a:bodyPr/>
           <a:lstStyle/>
           <a:p>
+            <a:pPr algn="l"/>
+            <a:r>
+              <a:rPr lang="fr-FR" sz="1400" b="1" dirty="0" smtClean="0">
+                <a:solidFill>
+                  <a:schemeClr val="bg1"/>
+                </a:solidFill>
+              </a:rPr>
+              <a:t>         												</a:t>
+            </a:r>
             <a:fld id="{36A212DA-347D-4853-A3E5-DB8AA592974E}" type="slidenum">
-              <a:rPr lang="fr-FR" smtClean="0"/>
+              <a:rPr lang="fr-FR" sz="1400" b="1" smtClean="0">
+                <a:solidFill>
+                  <a:schemeClr val="bg1"/>
+                </a:solidFill>
+              </a:rPr>
+              <a:pPr algn="l"/>
               <a:t>14</a:t>
             </a:fld>
-            <a:endParaRPr lang="fr-FR"/>
+            <a:r>
+              <a:rPr lang="fr-FR" sz="1400" b="1" dirty="0" smtClean="0">
+                <a:solidFill>
+                  <a:schemeClr val="bg1"/>
+                </a:solidFill>
+              </a:rPr>
+              <a:t> </a:t>
+            </a:r>
+            <a:endParaRPr lang="fr-FR" sz="1400" b="1" dirty="0">
+              <a:solidFill>
+                <a:schemeClr val="bg1"/>
+              </a:solidFill>
+            </a:endParaRPr>
           </a:p>
         </p:txBody>
       </p:sp>
     </p:spTree>
     <p:extLst>
       <p:ext uri="{BB962C8B-B14F-4D97-AF65-F5344CB8AC3E}">
-        <p14:creationId xmlns:p14="http://schemas.microsoft.com/office/powerpoint/2010/main" val="2771328304"/>
+        <p14:creationId xmlns:p14="http://schemas.microsoft.com/office/powerpoint/2010/main" xmlns="" val="2771328304"/>
       </p:ext>
     </p:extLst>
   </p:cSld>
   <p:clrMapOvr>
     <a:masterClrMapping/>
   </p:clrMapOvr>
+  <p:timing>
+    <p:tnLst>
+      <p:par>
+        <p:cTn id="1" dur="indefinite" restart="never" nodeType="tmRoot"/>
+      </p:par>
+    </p:tnLst>
+  </p:timing>
 </p:sld>
 </file>
 
@@ -5357,86 +6115,6 @@
           <a:chExt cx="0" cy="0"/>
         </a:xfrm>
       </p:grpSpPr>
-      <p:sp>
-        <p:nvSpPr>
-          <p:cNvPr id="2" name="Titre 1"/>
-          <p:cNvSpPr>
-            <a:spLocks noGrp="1"/>
-          </p:cNvSpPr>
-          <p:nvPr>
-            <p:ph type="title"/>
-          </p:nvPr>
-        </p:nvSpPr>
-        <p:spPr/>
-        <p:txBody>
-          <a:bodyPr/>
-          <a:lstStyle/>
-          <a:p>
-            <a:r>
-              <a:rPr lang="fr-FR" dirty="0" smtClean="0"/>
-              <a:t>Interpolation polynomiale</a:t>
-            </a:r>
-            <a:endParaRPr lang="fr-FR" dirty="0"/>
-          </a:p>
-        </p:txBody>
-      </p:sp>
-      <p:sp>
-        <p:nvSpPr>
-          <p:cNvPr id="4" name="ZoneTexte 3"/>
-          <p:cNvSpPr txBox="1"/>
-          <p:nvPr/>
-        </p:nvSpPr>
-        <p:spPr>
-          <a:xfrm>
-            <a:off x="0" y="0"/>
-            <a:ext cx="4944752" cy="369332"/>
-          </a:xfrm>
-          <a:prstGeom prst="rect">
-            <a:avLst/>
-          </a:prstGeom>
-          <a:noFill/>
-        </p:spPr>
-        <p:txBody>
-          <a:bodyPr wrap="none" rtlCol="0">
-            <a:spAutoFit/>
-          </a:bodyPr>
-          <a:lstStyle/>
-          <a:p>
-            <a:r>
-              <a:rPr lang="fr-FR" dirty="0" smtClean="0"/>
-              <a:t>Exposé du problème -&gt; Solution -&gt; </a:t>
-            </a:r>
-            <a:r>
-              <a:rPr lang="fr-FR" b="1" dirty="0" smtClean="0"/>
-              <a:t>Notre approche</a:t>
-            </a:r>
-            <a:endParaRPr lang="fr-FR" b="1" dirty="0"/>
-          </a:p>
-        </p:txBody>
-      </p:sp>
-      <p:sp>
-        <p:nvSpPr>
-          <p:cNvPr id="6" name="Espace réservé du numéro de diapositive 5"/>
-          <p:cNvSpPr>
-            <a:spLocks noGrp="1"/>
-          </p:cNvSpPr>
-          <p:nvPr>
-            <p:ph type="sldNum" sz="quarter" idx="12"/>
-          </p:nvPr>
-        </p:nvSpPr>
-        <p:spPr/>
-        <p:txBody>
-          <a:bodyPr/>
-          <a:lstStyle/>
-          <a:p>
-            <a:fld id="{36A212DA-347D-4853-A3E5-DB8AA592974E}" type="slidenum">
-              <a:rPr lang="fr-FR" smtClean="0"/>
-              <a:t>15</a:t>
-            </a:fld>
-            <a:endParaRPr lang="fr-FR"/>
-          </a:p>
-        </p:txBody>
-      </p:sp>
       <p:pic>
         <p:nvPicPr>
           <p:cNvPr id="2050" name="Picture 2" descr="http://upload.wikimedia.org/wikipedia/commons/6/6b/Interpolation_runge_funktion_10_stuetzstellen.png"/>
@@ -5446,10 +6124,10 @@
           <p:nvPr/>
         </p:nvPicPr>
         <p:blipFill>
-          <a:blip r:embed="rId2">
+          <a:blip r:embed="rId2" cstate="print">
             <a:extLst>
               <a:ext uri="{28A0092B-C50C-407E-A947-70E740481C1C}">
-                <a14:useLocalDpi xmlns:a14="http://schemas.microsoft.com/office/drawing/2010/main" val="0"/>
+                <a14:useLocalDpi xmlns:a14="http://schemas.microsoft.com/office/drawing/2010/main" xmlns="" val="0"/>
               </a:ext>
             </a:extLst>
           </a:blip>
@@ -5460,7 +6138,7 @@
         </p:blipFill>
         <p:spPr bwMode="auto">
           <a:xfrm>
-            <a:off x="2692400" y="1444147"/>
+            <a:off x="2605314" y="1371575"/>
             <a:ext cx="6807200" cy="5094765"/>
           </a:xfrm>
           <a:prstGeom prst="rect">
@@ -5469,7 +6147,7 @@
           <a:noFill/>
           <a:extLst>
             <a:ext uri="{909E8E84-426E-40DD-AFC4-6F175D3DCCD1}">
-              <a14:hiddenFill xmlns:a14="http://schemas.microsoft.com/office/drawing/2010/main">
+              <a14:hiddenFill xmlns:a14="http://schemas.microsoft.com/office/drawing/2010/main" xmlns="">
                 <a:solidFill>
                   <a:srgbClr val="FFFFFF"/>
                 </a:solidFill>
@@ -5478,16 +6156,222 @@
           </a:extLst>
         </p:spPr>
       </p:pic>
+      <p:sp>
+        <p:nvSpPr>
+          <p:cNvPr id="8" name="ZoneTexte 7"/>
+          <p:cNvSpPr txBox="1"/>
+          <p:nvPr/>
+        </p:nvSpPr>
+        <p:spPr>
+          <a:xfrm>
+            <a:off x="-24680" y="6488668"/>
+            <a:ext cx="12216680" cy="369332"/>
+          </a:xfrm>
+          <a:prstGeom prst="rect">
+            <a:avLst/>
+          </a:prstGeom>
+          <a:solidFill>
+            <a:schemeClr val="accent5">
+              <a:lumMod val="75000"/>
+            </a:schemeClr>
+          </a:solidFill>
+        </p:spPr>
+        <p:txBody>
+          <a:bodyPr wrap="square" rtlCol="0">
+            <a:spAutoFit/>
+          </a:bodyPr>
+          <a:lstStyle/>
+          <a:p>
+            <a:endParaRPr lang="fr-FR" dirty="0"/>
+          </a:p>
+        </p:txBody>
+      </p:sp>
+      <p:sp>
+        <p:nvSpPr>
+          <p:cNvPr id="7" name="ZoneTexte 6"/>
+          <p:cNvSpPr txBox="1"/>
+          <p:nvPr/>
+        </p:nvSpPr>
+        <p:spPr>
+          <a:xfrm>
+            <a:off x="0" y="0"/>
+            <a:ext cx="12192000" cy="369332"/>
+          </a:xfrm>
+          <a:prstGeom prst="rect">
+            <a:avLst/>
+          </a:prstGeom>
+          <a:solidFill>
+            <a:schemeClr val="accent5">
+              <a:lumMod val="75000"/>
+            </a:schemeClr>
+          </a:solidFill>
+        </p:spPr>
+        <p:txBody>
+          <a:bodyPr wrap="square" rtlCol="0">
+            <a:spAutoFit/>
+          </a:bodyPr>
+          <a:lstStyle/>
+          <a:p>
+            <a:endParaRPr lang="fr-FR" dirty="0"/>
+          </a:p>
+        </p:txBody>
+      </p:sp>
+      <p:sp>
+        <p:nvSpPr>
+          <p:cNvPr id="2" name="Titre 1"/>
+          <p:cNvSpPr>
+            <a:spLocks noGrp="1"/>
+          </p:cNvSpPr>
+          <p:nvPr>
+            <p:ph type="title"/>
+          </p:nvPr>
+        </p:nvSpPr>
+        <p:spPr/>
+        <p:txBody>
+          <a:bodyPr/>
+          <a:lstStyle/>
+          <a:p>
+            <a:r>
+              <a:rPr lang="fr-FR" dirty="0" smtClean="0"/>
+              <a:t>Interpolation polynomiale</a:t>
+            </a:r>
+            <a:endParaRPr lang="fr-FR" dirty="0"/>
+          </a:p>
+        </p:txBody>
+      </p:sp>
+      <p:sp>
+        <p:nvSpPr>
+          <p:cNvPr id="4" name="ZoneTexte 3"/>
+          <p:cNvSpPr txBox="1"/>
+          <p:nvPr/>
+        </p:nvSpPr>
+        <p:spPr>
+          <a:xfrm>
+            <a:off x="0" y="0"/>
+            <a:ext cx="4804392" cy="369332"/>
+          </a:xfrm>
+          <a:prstGeom prst="rect">
+            <a:avLst/>
+          </a:prstGeom>
+          <a:noFill/>
+        </p:spPr>
+        <p:txBody>
+          <a:bodyPr wrap="none" rtlCol="0">
+            <a:spAutoFit/>
+          </a:bodyPr>
+          <a:lstStyle/>
+          <a:p>
+            <a:r>
+              <a:rPr lang="fr-FR" dirty="0" smtClean="0">
+                <a:solidFill>
+                  <a:schemeClr val="bg1"/>
+                </a:solidFill>
+              </a:rPr>
+              <a:t>Exposé du problème -&gt; Solution -&gt; </a:t>
+            </a:r>
+            <a:r>
+              <a:rPr lang="fr-FR" b="1" dirty="0" smtClean="0">
+                <a:solidFill>
+                  <a:schemeClr val="bg1"/>
+                </a:solidFill>
+              </a:rPr>
+              <a:t>Un</a:t>
+            </a:r>
+            <a:r>
+              <a:rPr lang="fr-FR" b="1" dirty="0" smtClean="0">
+                <a:solidFill>
+                  <a:schemeClr val="bg1"/>
+                </a:solidFill>
+              </a:rPr>
+              <a:t>e </a:t>
+            </a:r>
+            <a:r>
+              <a:rPr lang="fr-FR" b="1" dirty="0" smtClean="0">
+                <a:solidFill>
+                  <a:schemeClr val="bg1"/>
+                </a:solidFill>
+              </a:rPr>
+              <a:t>approche</a:t>
+            </a:r>
+            <a:endParaRPr lang="fr-FR" b="1" dirty="0">
+              <a:solidFill>
+                <a:schemeClr val="bg1"/>
+              </a:solidFill>
+            </a:endParaRPr>
+          </a:p>
+        </p:txBody>
+      </p:sp>
+      <p:sp>
+        <p:nvSpPr>
+          <p:cNvPr id="9" name="Espace réservé du numéro de diapositive 4"/>
+          <p:cNvSpPr>
+            <a:spLocks noGrp="1"/>
+          </p:cNvSpPr>
+          <p:nvPr>
+            <p:ph type="sldNum" sz="quarter" idx="12"/>
+          </p:nvPr>
+        </p:nvSpPr>
+        <p:spPr>
+          <a:xfrm>
+            <a:off x="0" y="6492875"/>
+            <a:ext cx="12192000" cy="365125"/>
+          </a:xfrm>
+        </p:spPr>
+        <p:txBody>
+          <a:bodyPr/>
+          <a:lstStyle/>
+          <a:p>
+            <a:pPr algn="l"/>
+            <a:r>
+              <a:rPr lang="fr-FR" sz="1400" b="1" dirty="0" smtClean="0">
+                <a:solidFill>
+                  <a:schemeClr val="bg1"/>
+                </a:solidFill>
+              </a:rPr>
+              <a:t>         												</a:t>
+            </a:r>
+            <a:fld id="{36A212DA-347D-4853-A3E5-DB8AA592974E}" type="slidenum">
+              <a:rPr lang="fr-FR" sz="1400" b="1" smtClean="0">
+                <a:solidFill>
+                  <a:schemeClr val="bg1"/>
+                </a:solidFill>
+              </a:rPr>
+              <a:pPr algn="l"/>
+              <a:t>15</a:t>
+            </a:fld>
+            <a:r>
+              <a:rPr lang="fr-FR" sz="1400" b="1" dirty="0" smtClean="0">
+                <a:solidFill>
+                  <a:schemeClr val="bg1"/>
+                </a:solidFill>
+              </a:rPr>
+              <a:t> </a:t>
+            </a:r>
+            <a:endParaRPr lang="fr-FR" sz="1400" b="1" dirty="0">
+              <a:solidFill>
+                <a:schemeClr val="bg1"/>
+              </a:solidFill>
+            </a:endParaRPr>
+          </a:p>
+        </p:txBody>
+      </p:sp>
     </p:spTree>
     <p:extLst>
       <p:ext uri="{BB962C8B-B14F-4D97-AF65-F5344CB8AC3E}">
-        <p14:creationId xmlns:p14="http://schemas.microsoft.com/office/powerpoint/2010/main" val="3386361244"/>
+        <p14:creationId xmlns:p14="http://schemas.microsoft.com/office/powerpoint/2010/main" xmlns="" val="3386361244"/>
       </p:ext>
     </p:extLst>
   </p:cSld>
   <p:clrMapOvr>
     <a:masterClrMapping/>
   </p:clrMapOvr>
+  <p:timing>
+    <p:tnLst>
+      <p:par>
+        <p:cTn id="1" dur="indefinite" restart="never" nodeType="tmRoot"/>
+      </p:par>
+    </p:tnLst>
+  </p:timing>
 </p:sld>
 </file>
 
@@ -5510,6 +6394,66 @@
       </p:grpSpPr>
       <p:sp>
         <p:nvSpPr>
+          <p:cNvPr id="9" name="ZoneTexte 8"/>
+          <p:cNvSpPr txBox="1"/>
+          <p:nvPr/>
+        </p:nvSpPr>
+        <p:spPr>
+          <a:xfrm>
+            <a:off x="-24680" y="6488668"/>
+            <a:ext cx="12216680" cy="369332"/>
+          </a:xfrm>
+          <a:prstGeom prst="rect">
+            <a:avLst/>
+          </a:prstGeom>
+          <a:solidFill>
+            <a:schemeClr val="accent5">
+              <a:lumMod val="75000"/>
+            </a:schemeClr>
+          </a:solidFill>
+        </p:spPr>
+        <p:txBody>
+          <a:bodyPr wrap="square" rtlCol="0">
+            <a:spAutoFit/>
+          </a:bodyPr>
+          <a:lstStyle/>
+          <a:p>
+            <a:endParaRPr lang="fr-FR" dirty="0"/>
+          </a:p>
+        </p:txBody>
+      </p:sp>
+      <p:sp>
+        <p:nvSpPr>
+          <p:cNvPr id="8" name="ZoneTexte 7"/>
+          <p:cNvSpPr txBox="1"/>
+          <p:nvPr/>
+        </p:nvSpPr>
+        <p:spPr>
+          <a:xfrm>
+            <a:off x="0" y="0"/>
+            <a:ext cx="12192000" cy="369332"/>
+          </a:xfrm>
+          <a:prstGeom prst="rect">
+            <a:avLst/>
+          </a:prstGeom>
+          <a:solidFill>
+            <a:schemeClr val="accent5">
+              <a:lumMod val="75000"/>
+            </a:schemeClr>
+          </a:solidFill>
+        </p:spPr>
+        <p:txBody>
+          <a:bodyPr wrap="square" rtlCol="0">
+            <a:spAutoFit/>
+          </a:bodyPr>
+          <a:lstStyle/>
+          <a:p>
+            <a:endParaRPr lang="fr-FR" dirty="0"/>
+          </a:p>
+        </p:txBody>
+      </p:sp>
+      <p:sp>
+        <p:nvSpPr>
           <p:cNvPr id="2" name="Titre 1"/>
           <p:cNvSpPr>
             <a:spLocks noGrp="1"/>
@@ -5590,7 +6534,7 @@
             <a:pPr lvl="1"/>
             <a:r>
               <a:rPr lang="fr-FR" dirty="0" smtClean="0"/>
-              <a:t>vampiriser </a:t>
+              <a:t>« vampiriser » </a:t>
             </a:r>
             <a:r>
               <a:rPr lang="fr-FR" dirty="0"/>
@@ -5632,29 +6576,6 @@
           </a:p>
           <a:p>
             <a:endParaRPr lang="fr-FR" dirty="0"/>
-          </a:p>
-        </p:txBody>
-      </p:sp>
-      <p:sp>
-        <p:nvSpPr>
-          <p:cNvPr id="5" name="Espace réservé du numéro de diapositive 4"/>
-          <p:cNvSpPr>
-            <a:spLocks noGrp="1"/>
-          </p:cNvSpPr>
-          <p:nvPr>
-            <p:ph type="sldNum" sz="quarter" idx="12"/>
-          </p:nvPr>
-        </p:nvSpPr>
-        <p:spPr/>
-        <p:txBody>
-          <a:bodyPr/>
-          <a:lstStyle/>
-          <a:p>
-            <a:fld id="{36A212DA-347D-4853-A3E5-DB8AA592974E}" type="slidenum">
-              <a:rPr lang="fr-FR" smtClean="0"/>
-              <a:t>16</a:t>
-            </a:fld>
-            <a:endParaRPr lang="fr-FR"/>
           </a:p>
         </p:txBody>
       </p:sp>
@@ -5667,7 +6588,7 @@
         <p:spPr>
           <a:xfrm>
             <a:off x="0" y="0"/>
-            <a:ext cx="4944752" cy="369332"/>
+            <a:ext cx="4804392" cy="369332"/>
           </a:xfrm>
           <a:prstGeom prst="rect">
             <a:avLst/>
@@ -5681,14 +6602,42 @@
           <a:lstStyle/>
           <a:p>
             <a:r>
-              <a:rPr lang="fr-FR" dirty="0" smtClean="0"/>
+              <a:rPr lang="fr-FR" dirty="0" smtClean="0">
+                <a:solidFill>
+                  <a:schemeClr val="bg1"/>
+                </a:solidFill>
+              </a:rPr>
               <a:t>Exposé du problème -&gt; Solution -&gt; </a:t>
             </a:r>
             <a:r>
-              <a:rPr lang="fr-FR" b="1" dirty="0" smtClean="0"/>
-              <a:t>Notre approche</a:t>
-            </a:r>
-            <a:endParaRPr lang="fr-FR" b="1" dirty="0"/>
+              <a:rPr lang="fr-FR" b="1" dirty="0" smtClean="0">
+                <a:solidFill>
+                  <a:schemeClr val="bg1"/>
+                </a:solidFill>
+              </a:rPr>
+              <a:t>Un</a:t>
+            </a:r>
+            <a:r>
+              <a:rPr lang="fr-FR" b="1" dirty="0" smtClean="0">
+                <a:solidFill>
+                  <a:schemeClr val="bg1"/>
+                </a:solidFill>
+              </a:rPr>
+              <a:t>e </a:t>
+            </a:r>
+            <a:r>
+              <a:rPr lang="fr-FR" b="1" dirty="0" smtClean="0">
+                <a:solidFill>
+                  <a:schemeClr val="bg1"/>
+                </a:solidFill>
+              </a:rPr>
+              <a:t>approche</a:t>
+            </a:r>
+            <a:endParaRPr lang="fr-FR" b="1" dirty="0">
+              <a:solidFill>
+                <a:schemeClr val="bg1"/>
+              </a:solidFill>
+            </a:endParaRPr>
           </a:p>
         </p:txBody>
       </p:sp>
@@ -5701,7 +6650,7 @@
           <p:nvPr/>
         </p:nvPicPr>
         <p:blipFill>
-          <a:blip r:embed="rId2"/>
+          <a:blip r:embed="rId2" cstate="print"/>
           <a:stretch>
             <a:fillRect/>
           </a:stretch>
@@ -5716,16 +6665,77 @@
           </a:prstGeom>
         </p:spPr>
       </p:pic>
+      <p:sp>
+        <p:nvSpPr>
+          <p:cNvPr id="10" name="Espace réservé du numéro de diapositive 4"/>
+          <p:cNvSpPr>
+            <a:spLocks noGrp="1"/>
+          </p:cNvSpPr>
+          <p:nvPr>
+            <p:ph type="sldNum" sz="quarter" idx="12"/>
+          </p:nvPr>
+        </p:nvSpPr>
+        <p:spPr>
+          <a:xfrm>
+            <a:off x="0" y="6492875"/>
+            <a:ext cx="12192000" cy="365125"/>
+          </a:xfrm>
+        </p:spPr>
+        <p:txBody>
+          <a:bodyPr/>
+          <a:lstStyle/>
+          <a:p>
+            <a:pPr algn="l"/>
+            <a:r>
+              <a:rPr lang="fr-FR" sz="1400" b="1" dirty="0" smtClean="0">
+                <a:solidFill>
+                  <a:schemeClr val="bg1"/>
+                </a:solidFill>
+              </a:rPr>
+              <a:t>         												</a:t>
+            </a:r>
+            <a:fld id="{36A212DA-347D-4853-A3E5-DB8AA592974E}" type="slidenum">
+              <a:rPr lang="fr-FR" sz="1400" b="1" smtClean="0">
+                <a:solidFill>
+                  <a:schemeClr val="bg1"/>
+                </a:solidFill>
+              </a:rPr>
+              <a:pPr algn="l"/>
+              <a:t>16</a:t>
+            </a:fld>
+            <a:r>
+              <a:rPr lang="fr-FR" sz="1400" b="1" dirty="0" smtClean="0">
+                <a:solidFill>
+                  <a:schemeClr val="bg1"/>
+                </a:solidFill>
+              </a:rPr>
+              <a:t> </a:t>
+            </a:r>
+            <a:endParaRPr lang="fr-FR" sz="1400" b="1" dirty="0">
+              <a:solidFill>
+                <a:schemeClr val="bg1"/>
+              </a:solidFill>
+            </a:endParaRPr>
+          </a:p>
+        </p:txBody>
+      </p:sp>
     </p:spTree>
     <p:extLst>
       <p:ext uri="{BB962C8B-B14F-4D97-AF65-F5344CB8AC3E}">
-        <p14:creationId xmlns:p14="http://schemas.microsoft.com/office/powerpoint/2010/main" val="2327660550"/>
+        <p14:creationId xmlns:p14="http://schemas.microsoft.com/office/powerpoint/2010/main" xmlns="" val="2327660550"/>
       </p:ext>
     </p:extLst>
   </p:cSld>
   <p:clrMapOvr>
     <a:masterClrMapping/>
   </p:clrMapOvr>
+  <p:timing>
+    <p:tnLst>
+      <p:par>
+        <p:cTn id="1" dur="indefinite" restart="never" nodeType="tmRoot"/>
+      </p:par>
+    </p:tnLst>
+  </p:timing>
 </p:sld>
 </file>
 
@@ -5748,6 +6758,66 @@
       </p:grpSpPr>
       <p:sp>
         <p:nvSpPr>
+          <p:cNvPr id="8" name="ZoneTexte 7"/>
+          <p:cNvSpPr txBox="1"/>
+          <p:nvPr/>
+        </p:nvSpPr>
+        <p:spPr>
+          <a:xfrm>
+            <a:off x="-24680" y="6488668"/>
+            <a:ext cx="12216680" cy="369332"/>
+          </a:xfrm>
+          <a:prstGeom prst="rect">
+            <a:avLst/>
+          </a:prstGeom>
+          <a:solidFill>
+            <a:schemeClr val="accent5">
+              <a:lumMod val="75000"/>
+            </a:schemeClr>
+          </a:solidFill>
+        </p:spPr>
+        <p:txBody>
+          <a:bodyPr wrap="square" rtlCol="0">
+            <a:spAutoFit/>
+          </a:bodyPr>
+          <a:lstStyle/>
+          <a:p>
+            <a:endParaRPr lang="fr-FR" dirty="0"/>
+          </a:p>
+        </p:txBody>
+      </p:sp>
+      <p:sp>
+        <p:nvSpPr>
+          <p:cNvPr id="7" name="ZoneTexte 6"/>
+          <p:cNvSpPr txBox="1"/>
+          <p:nvPr/>
+        </p:nvSpPr>
+        <p:spPr>
+          <a:xfrm>
+            <a:off x="0" y="0"/>
+            <a:ext cx="12192000" cy="369332"/>
+          </a:xfrm>
+          <a:prstGeom prst="rect">
+            <a:avLst/>
+          </a:prstGeom>
+          <a:solidFill>
+            <a:schemeClr val="accent5">
+              <a:lumMod val="75000"/>
+            </a:schemeClr>
+          </a:solidFill>
+        </p:spPr>
+        <p:txBody>
+          <a:bodyPr wrap="square" rtlCol="0">
+            <a:spAutoFit/>
+          </a:bodyPr>
+          <a:lstStyle/>
+          <a:p>
+            <a:endParaRPr lang="fr-FR" dirty="0"/>
+          </a:p>
+        </p:txBody>
+      </p:sp>
+      <p:sp>
+        <p:nvSpPr>
           <p:cNvPr id="2" name="Titre 1"/>
           <p:cNvSpPr>
             <a:spLocks noGrp="1"/>
@@ -5763,7 +6833,7 @@
           <a:p>
             <a:r>
               <a:rPr lang="fr-FR" dirty="0" smtClean="0"/>
-              <a:t>Limitations</a:t>
+              <a:t>Limites</a:t>
             </a:r>
             <a:endParaRPr lang="fr-FR" dirty="0"/>
           </a:p>
@@ -5857,7 +6927,7 @@
         <p:spPr>
           <a:xfrm>
             <a:off x="0" y="0"/>
-            <a:ext cx="4944752" cy="369332"/>
+            <a:ext cx="4804392" cy="369332"/>
           </a:xfrm>
           <a:prstGeom prst="rect">
             <a:avLst/>
@@ -5871,20 +6941,48 @@
           <a:lstStyle/>
           <a:p>
             <a:r>
-              <a:rPr lang="fr-FR" dirty="0" smtClean="0"/>
+              <a:rPr lang="fr-FR" dirty="0" smtClean="0">
+                <a:solidFill>
+                  <a:schemeClr val="bg1"/>
+                </a:solidFill>
+              </a:rPr>
               <a:t>Exposé du problème -&gt; Solution -&gt; </a:t>
             </a:r>
             <a:r>
-              <a:rPr lang="fr-FR" b="1" dirty="0" smtClean="0"/>
-              <a:t>Notre approche</a:t>
-            </a:r>
-            <a:endParaRPr lang="fr-FR" b="1" dirty="0"/>
-          </a:p>
-        </p:txBody>
-      </p:sp>
-      <p:sp>
-        <p:nvSpPr>
-          <p:cNvPr id="6" name="Espace réservé du numéro de diapositive 5"/>
+              <a:rPr lang="fr-FR" b="1" dirty="0" smtClean="0">
+                <a:solidFill>
+                  <a:schemeClr val="bg1"/>
+                </a:solidFill>
+              </a:rPr>
+              <a:t>Un</a:t>
+            </a:r>
+            <a:r>
+              <a:rPr lang="fr-FR" b="1" dirty="0" smtClean="0">
+                <a:solidFill>
+                  <a:schemeClr val="bg1"/>
+                </a:solidFill>
+              </a:rPr>
+              <a:t>e </a:t>
+            </a:r>
+            <a:r>
+              <a:rPr lang="fr-FR" b="1" dirty="0" smtClean="0">
+                <a:solidFill>
+                  <a:schemeClr val="bg1"/>
+                </a:solidFill>
+              </a:rPr>
+              <a:t>approche</a:t>
+            </a:r>
+            <a:endParaRPr lang="fr-FR" b="1" dirty="0">
+              <a:solidFill>
+                <a:schemeClr val="bg1"/>
+              </a:solidFill>
+            </a:endParaRPr>
+          </a:p>
+        </p:txBody>
+      </p:sp>
+      <p:sp>
+        <p:nvSpPr>
+          <p:cNvPr id="10" name="Espace réservé du numéro de diapositive 4"/>
           <p:cNvSpPr>
             <a:spLocks noGrp="1"/>
           </p:cNvSpPr>
@@ -5892,29 +6990,67 @@
             <p:ph type="sldNum" sz="quarter" idx="12"/>
           </p:nvPr>
         </p:nvSpPr>
-        <p:spPr/>
+        <p:spPr>
+          <a:xfrm>
+            <a:off x="0" y="6492875"/>
+            <a:ext cx="12192000" cy="365125"/>
+          </a:xfrm>
+        </p:spPr>
         <p:txBody>
           <a:bodyPr/>
           <a:lstStyle/>
           <a:p>
+            <a:pPr algn="l"/>
+            <a:r>
+              <a:rPr lang="fr-FR" sz="1400" b="1" dirty="0" smtClean="0">
+                <a:solidFill>
+                  <a:schemeClr val="bg1"/>
+                </a:solidFill>
+              </a:rPr>
+              <a:t>         												</a:t>
+            </a:r>
             <a:fld id="{36A212DA-347D-4853-A3E5-DB8AA592974E}" type="slidenum">
-              <a:rPr lang="fr-FR" smtClean="0"/>
+              <a:rPr lang="fr-FR" sz="1400" b="1" smtClean="0">
+                <a:solidFill>
+                  <a:schemeClr val="bg1"/>
+                </a:solidFill>
+              </a:rPr>
+              <a:pPr algn="l"/>
               <a:t>17</a:t>
             </a:fld>
-            <a:endParaRPr lang="fr-FR"/>
+            <a:r>
+              <a:rPr lang="fr-FR" sz="1400" b="1" dirty="0" smtClean="0">
+                <a:solidFill>
+                  <a:schemeClr val="bg1"/>
+                </a:solidFill>
+              </a:rPr>
+              <a:t> </a:t>
+            </a:r>
+            <a:endParaRPr lang="fr-FR" sz="1400" b="1" dirty="0">
+              <a:solidFill>
+                <a:schemeClr val="bg1"/>
+              </a:solidFill>
+            </a:endParaRPr>
           </a:p>
         </p:txBody>
       </p:sp>
     </p:spTree>
     <p:extLst>
       <p:ext uri="{BB962C8B-B14F-4D97-AF65-F5344CB8AC3E}">
-        <p14:creationId xmlns:p14="http://schemas.microsoft.com/office/powerpoint/2010/main" val="2324293040"/>
+        <p14:creationId xmlns:p14="http://schemas.microsoft.com/office/powerpoint/2010/main" xmlns="" val="2324293040"/>
       </p:ext>
     </p:extLst>
   </p:cSld>
   <p:clrMapOvr>
     <a:masterClrMapping/>
   </p:clrMapOvr>
+  <p:timing>
+    <p:tnLst>
+      <p:par>
+        <p:cTn id="1" dur="indefinite" restart="never" nodeType="tmRoot"/>
+      </p:par>
+    </p:tnLst>
+  </p:timing>
 </p:sld>
 </file>
 
@@ -5937,6 +7073,66 @@
       </p:grpSpPr>
       <p:sp>
         <p:nvSpPr>
+          <p:cNvPr id="7" name="ZoneTexte 6"/>
+          <p:cNvSpPr txBox="1"/>
+          <p:nvPr/>
+        </p:nvSpPr>
+        <p:spPr>
+          <a:xfrm>
+            <a:off x="-24680" y="6488668"/>
+            <a:ext cx="12216680" cy="369332"/>
+          </a:xfrm>
+          <a:prstGeom prst="rect">
+            <a:avLst/>
+          </a:prstGeom>
+          <a:solidFill>
+            <a:schemeClr val="accent5">
+              <a:lumMod val="75000"/>
+            </a:schemeClr>
+          </a:solidFill>
+        </p:spPr>
+        <p:txBody>
+          <a:bodyPr wrap="square" rtlCol="0">
+            <a:spAutoFit/>
+          </a:bodyPr>
+          <a:lstStyle/>
+          <a:p>
+            <a:endParaRPr lang="fr-FR" dirty="0"/>
+          </a:p>
+        </p:txBody>
+      </p:sp>
+      <p:sp>
+        <p:nvSpPr>
+          <p:cNvPr id="6" name="ZoneTexte 5"/>
+          <p:cNvSpPr txBox="1"/>
+          <p:nvPr/>
+        </p:nvSpPr>
+        <p:spPr>
+          <a:xfrm>
+            <a:off x="0" y="0"/>
+            <a:ext cx="12192000" cy="369332"/>
+          </a:xfrm>
+          <a:prstGeom prst="rect">
+            <a:avLst/>
+          </a:prstGeom>
+          <a:solidFill>
+            <a:schemeClr val="accent5">
+              <a:lumMod val="75000"/>
+            </a:schemeClr>
+          </a:solidFill>
+        </p:spPr>
+        <p:txBody>
+          <a:bodyPr wrap="square" rtlCol="0">
+            <a:spAutoFit/>
+          </a:bodyPr>
+          <a:lstStyle/>
+          <a:p>
+            <a:endParaRPr lang="fr-FR" dirty="0"/>
+          </a:p>
+        </p:txBody>
+      </p:sp>
+      <p:sp>
+        <p:nvSpPr>
           <p:cNvPr id="2" name="Titre 1"/>
           <p:cNvSpPr>
             <a:spLocks noGrp="1"/>
@@ -5987,7 +7183,7 @@
       </p:sp>
       <p:sp>
         <p:nvSpPr>
-          <p:cNvPr id="5" name="Espace réservé du numéro de diapositive 4"/>
+          <p:cNvPr id="8" name="Espace réservé du numéro de diapositive 4"/>
           <p:cNvSpPr>
             <a:spLocks noGrp="1"/>
           </p:cNvSpPr>
@@ -5995,29 +7191,67 @@
             <p:ph type="sldNum" sz="quarter" idx="12"/>
           </p:nvPr>
         </p:nvSpPr>
-        <p:spPr/>
+        <p:spPr>
+          <a:xfrm>
+            <a:off x="0" y="6492875"/>
+            <a:ext cx="12192000" cy="365125"/>
+          </a:xfrm>
+        </p:spPr>
         <p:txBody>
           <a:bodyPr/>
           <a:lstStyle/>
           <a:p>
+            <a:pPr algn="l"/>
+            <a:r>
+              <a:rPr lang="fr-FR" sz="1400" b="1" dirty="0" smtClean="0">
+                <a:solidFill>
+                  <a:schemeClr val="bg1"/>
+                </a:solidFill>
+              </a:rPr>
+              <a:t>         												</a:t>
+            </a:r>
             <a:fld id="{36A212DA-347D-4853-A3E5-DB8AA592974E}" type="slidenum">
-              <a:rPr lang="fr-FR" smtClean="0"/>
+              <a:rPr lang="fr-FR" sz="1400" b="1" smtClean="0">
+                <a:solidFill>
+                  <a:schemeClr val="bg1"/>
+                </a:solidFill>
+              </a:rPr>
+              <a:pPr algn="l"/>
               <a:t>18</a:t>
             </a:fld>
-            <a:endParaRPr lang="fr-FR"/>
+            <a:r>
+              <a:rPr lang="fr-FR" sz="1400" b="1" dirty="0" smtClean="0">
+                <a:solidFill>
+                  <a:schemeClr val="bg1"/>
+                </a:solidFill>
+              </a:rPr>
+              <a:t> </a:t>
+            </a:r>
+            <a:endParaRPr lang="fr-FR" sz="1400" b="1" dirty="0">
+              <a:solidFill>
+                <a:schemeClr val="bg1"/>
+              </a:solidFill>
+            </a:endParaRPr>
           </a:p>
         </p:txBody>
       </p:sp>
     </p:spTree>
     <p:extLst>
       <p:ext uri="{BB962C8B-B14F-4D97-AF65-F5344CB8AC3E}">
-        <p14:creationId xmlns:p14="http://schemas.microsoft.com/office/powerpoint/2010/main" val="2933173317"/>
+        <p14:creationId xmlns:p14="http://schemas.microsoft.com/office/powerpoint/2010/main" xmlns="" val="2933173317"/>
       </p:ext>
     </p:extLst>
   </p:cSld>
   <p:clrMapOvr>
     <a:masterClrMapping/>
   </p:clrMapOvr>
+  <p:timing>
+    <p:tnLst>
+      <p:par>
+        <p:cTn id="1" dur="indefinite" restart="never" nodeType="tmRoot"/>
+      </p:par>
+    </p:tnLst>
+  </p:timing>
 </p:sld>
 </file>
 
@@ -6040,6 +7274,66 @@
       </p:grpSpPr>
       <p:sp>
         <p:nvSpPr>
+          <p:cNvPr id="7" name="ZoneTexte 6"/>
+          <p:cNvSpPr txBox="1"/>
+          <p:nvPr/>
+        </p:nvSpPr>
+        <p:spPr>
+          <a:xfrm>
+            <a:off x="0" y="6488668"/>
+            <a:ext cx="12216680" cy="369332"/>
+          </a:xfrm>
+          <a:prstGeom prst="rect">
+            <a:avLst/>
+          </a:prstGeom>
+          <a:solidFill>
+            <a:schemeClr val="accent5">
+              <a:lumMod val="75000"/>
+            </a:schemeClr>
+          </a:solidFill>
+        </p:spPr>
+        <p:txBody>
+          <a:bodyPr wrap="square" rtlCol="0">
+            <a:spAutoFit/>
+          </a:bodyPr>
+          <a:lstStyle/>
+          <a:p>
+            <a:endParaRPr lang="fr-FR" dirty="0"/>
+          </a:p>
+        </p:txBody>
+      </p:sp>
+      <p:sp>
+        <p:nvSpPr>
+          <p:cNvPr id="6" name="ZoneTexte 5"/>
+          <p:cNvSpPr txBox="1"/>
+          <p:nvPr/>
+        </p:nvSpPr>
+        <p:spPr>
+          <a:xfrm>
+            <a:off x="0" y="0"/>
+            <a:ext cx="12192000" cy="369332"/>
+          </a:xfrm>
+          <a:prstGeom prst="rect">
+            <a:avLst/>
+          </a:prstGeom>
+          <a:solidFill>
+            <a:schemeClr val="accent5">
+              <a:lumMod val="75000"/>
+            </a:schemeClr>
+          </a:solidFill>
+        </p:spPr>
+        <p:txBody>
+          <a:bodyPr wrap="square" rtlCol="0">
+            <a:spAutoFit/>
+          </a:bodyPr>
+          <a:lstStyle/>
+          <a:p>
+            <a:endParaRPr lang="fr-FR" dirty="0"/>
+          </a:p>
+        </p:txBody>
+      </p:sp>
+      <p:sp>
+        <p:nvSpPr>
           <p:cNvPr id="2" name="Titre 1"/>
           <p:cNvSpPr>
             <a:spLocks noGrp="1"/>
@@ -6135,8 +7429,12 @@
           </a:p>
           <a:p>
             <a:r>
-              <a:rPr lang="fr-FR" dirty="0"/>
-              <a:t>Notre </a:t>
+              <a:rPr lang="fr-FR" dirty="0" smtClean="0"/>
+              <a:t>Une</a:t>
+            </a:r>
+            <a:r>
+              <a:rPr lang="fr-FR" dirty="0" smtClean="0"/>
+              <a:t> </a:t>
             </a:r>
             <a:r>
               <a:rPr lang="fr-FR" dirty="0" smtClean="0"/>
@@ -6166,29 +7464,67 @@
             <p:ph type="sldNum" sz="quarter" idx="12"/>
           </p:nvPr>
         </p:nvSpPr>
-        <p:spPr/>
+        <p:spPr>
+          <a:xfrm>
+            <a:off x="0" y="6492875"/>
+            <a:ext cx="12192000" cy="365125"/>
+          </a:xfrm>
+        </p:spPr>
         <p:txBody>
           <a:bodyPr/>
           <a:lstStyle/>
           <a:p>
+            <a:pPr algn="l"/>
+            <a:r>
+              <a:rPr lang="fr-FR" sz="1400" b="1" dirty="0" smtClean="0">
+                <a:solidFill>
+                  <a:schemeClr val="bg1"/>
+                </a:solidFill>
+              </a:rPr>
+              <a:t>         												</a:t>
+            </a:r>
             <a:fld id="{36A212DA-347D-4853-A3E5-DB8AA592974E}" type="slidenum">
-              <a:rPr lang="fr-FR" smtClean="0"/>
+              <a:rPr lang="fr-FR" sz="1400" b="1" smtClean="0">
+                <a:solidFill>
+                  <a:schemeClr val="bg1"/>
+                </a:solidFill>
+              </a:rPr>
+              <a:pPr algn="l"/>
               <a:t>2</a:t>
             </a:fld>
-            <a:endParaRPr lang="fr-FR"/>
+            <a:r>
+              <a:rPr lang="fr-FR" sz="1400" b="1" dirty="0" smtClean="0">
+                <a:solidFill>
+                  <a:schemeClr val="bg1"/>
+                </a:solidFill>
+              </a:rPr>
+              <a:t> </a:t>
+            </a:r>
+            <a:endParaRPr lang="fr-FR" sz="1400" b="1" dirty="0">
+              <a:solidFill>
+                <a:schemeClr val="bg1"/>
+              </a:solidFill>
+            </a:endParaRPr>
           </a:p>
         </p:txBody>
       </p:sp>
     </p:spTree>
     <p:extLst>
       <p:ext uri="{BB962C8B-B14F-4D97-AF65-F5344CB8AC3E}">
-        <p14:creationId xmlns:p14="http://schemas.microsoft.com/office/powerpoint/2010/main" val="2801839511"/>
+        <p14:creationId xmlns:p14="http://schemas.microsoft.com/office/powerpoint/2010/main" xmlns="" val="2801839511"/>
       </p:ext>
     </p:extLst>
   </p:cSld>
   <p:clrMapOvr>
     <a:masterClrMapping/>
   </p:clrMapOvr>
+  <p:timing>
+    <p:tnLst>
+      <p:par>
+        <p:cTn id="1" dur="indefinite" restart="never" nodeType="tmRoot"/>
+      </p:par>
+    </p:tnLst>
+  </p:timing>
 </p:sld>
 </file>
 
@@ -6211,6 +7547,36 @@
       </p:grpSpPr>
       <p:sp>
         <p:nvSpPr>
+          <p:cNvPr id="7" name="ZoneTexte 6"/>
+          <p:cNvSpPr txBox="1"/>
+          <p:nvPr/>
+        </p:nvSpPr>
+        <p:spPr>
+          <a:xfrm>
+            <a:off x="0" y="0"/>
+            <a:ext cx="12192000" cy="369332"/>
+          </a:xfrm>
+          <a:prstGeom prst="rect">
+            <a:avLst/>
+          </a:prstGeom>
+          <a:solidFill>
+            <a:schemeClr val="accent5">
+              <a:lumMod val="75000"/>
+            </a:schemeClr>
+          </a:solidFill>
+        </p:spPr>
+        <p:txBody>
+          <a:bodyPr wrap="square" rtlCol="0">
+            <a:spAutoFit/>
+          </a:bodyPr>
+          <a:lstStyle/>
+          <a:p>
+            <a:endParaRPr lang="fr-FR" dirty="0"/>
+          </a:p>
+        </p:txBody>
+      </p:sp>
+      <p:sp>
+        <p:nvSpPr>
           <p:cNvPr id="2" name="Titre 1"/>
           <p:cNvSpPr>
             <a:spLocks noGrp="1"/>
@@ -6232,7 +7598,6 @@
               <a:rPr lang="fr-FR" dirty="0"/>
               <a:t>données existent indéfiniment</a:t>
             </a:r>
-            <a:endParaRPr lang="fr-FR" dirty="0"/>
           </a:p>
         </p:txBody>
       </p:sp>
@@ -6255,13 +7620,8 @@
           <a:p>
             <a:r>
               <a:rPr lang="fr-FR" dirty="0" smtClean="0"/>
-              <a:t>Aucune </a:t>
-            </a:r>
-            <a:r>
-              <a:rPr lang="fr-FR" dirty="0" smtClean="0"/>
-              <a:t>incitation pour l’hébergeur</a:t>
-            </a:r>
-            <a:endParaRPr lang="fr-FR" dirty="0" smtClean="0"/>
+              <a:t>Aucune incitation pour l’hébergeur</a:t>
+            </a:r>
           </a:p>
           <a:p>
             <a:pPr lvl="1"/>
@@ -6274,13 +7634,8 @@
             <a:pPr lvl="1"/>
             <a:r>
               <a:rPr lang="fr-FR" dirty="0" smtClean="0"/>
-              <a:t>De nombreux « services » veulent </a:t>
-            </a:r>
-            <a:r>
-              <a:rPr lang="fr-FR" dirty="0" smtClean="0"/>
-              <a:t>valoriser les données qu’ils collectent</a:t>
-            </a:r>
-            <a:endParaRPr lang="fr-FR" dirty="0" smtClean="0"/>
+              <a:t>De nombreux « services » veulent valoriser les données qu’ils collectent</a:t>
+            </a:r>
           </a:p>
           <a:p>
             <a:pPr lvl="1"/>
@@ -6289,19 +7644,26 @@
           <a:p>
             <a:r>
               <a:rPr lang="fr-FR" dirty="0" smtClean="0"/>
-              <a:t>Aucune </a:t>
-            </a:r>
-            <a:r>
-              <a:rPr lang="fr-FR" dirty="0" smtClean="0"/>
-              <a:t>responsabilité de l’utilisateur</a:t>
-            </a:r>
-            <a:endParaRPr lang="fr-FR" dirty="0" smtClean="0"/>
+              <a:t>Aucune responsabilité de l’utilisateur</a:t>
+            </a:r>
           </a:p>
           <a:p>
             <a:pPr lvl="1"/>
             <a:r>
               <a:rPr lang="fr-FR" dirty="0" smtClean="0"/>
-              <a:t>Les utilisateurs ont abandonné le contrôle sur leur données</a:t>
+              <a:t>Perte de contrôle </a:t>
+            </a:r>
+            <a:r>
+              <a:rPr lang="fr-FR" dirty="0" smtClean="0"/>
+              <a:t>sur </a:t>
+            </a:r>
+            <a:r>
+              <a:rPr lang="fr-FR" dirty="0" smtClean="0"/>
+              <a:t>les </a:t>
+            </a:r>
+            <a:r>
+              <a:rPr lang="fr-FR" dirty="0" smtClean="0"/>
+              <a:t>données</a:t>
             </a:r>
           </a:p>
           <a:p>
@@ -6311,15 +7673,7 @@
           <a:p>
             <a:r>
               <a:rPr lang="fr-FR" dirty="0" smtClean="0"/>
-              <a:t>Absence d’une relation de confiance </a:t>
-            </a:r>
-            <a:r>
-              <a:rPr lang="fr-FR" dirty="0" smtClean="0"/>
-              <a:t>entre </a:t>
-            </a:r>
-            <a:r>
-              <a:rPr lang="fr-FR" dirty="0" smtClean="0"/>
-              <a:t>ces deux acteurs</a:t>
+              <a:t>Absence d’une relation de confiance entre ces deux acteurs</a:t>
             </a:r>
           </a:p>
           <a:p>
@@ -6378,20 +7732,62 @@
           <a:lstStyle/>
           <a:p>
             <a:r>
-              <a:rPr lang="fr-FR" b="1" dirty="0" smtClean="0"/>
+              <a:rPr lang="fr-FR" b="1" dirty="0" smtClean="0">
+                <a:solidFill>
+                  <a:schemeClr val="bg1"/>
+                </a:solidFill>
+              </a:rPr>
               <a:t>Exposé du problème </a:t>
             </a:r>
             <a:r>
-              <a:rPr lang="fr-FR" dirty="0" smtClean="0"/>
+              <a:rPr lang="fr-FR" dirty="0" smtClean="0">
+                <a:solidFill>
+                  <a:schemeClr val="bg1"/>
+                </a:solidFill>
+              </a:rPr>
               <a:t>-&gt; Solution -&gt; Notre approche</a:t>
             </a:r>
+            <a:endParaRPr lang="fr-FR" dirty="0">
+              <a:solidFill>
+                <a:schemeClr val="bg1"/>
+              </a:solidFill>
+            </a:endParaRPr>
+          </a:p>
+        </p:txBody>
+      </p:sp>
+      <p:sp>
+        <p:nvSpPr>
+          <p:cNvPr id="8" name="ZoneTexte 7"/>
+          <p:cNvSpPr txBox="1"/>
+          <p:nvPr/>
+        </p:nvSpPr>
+        <p:spPr>
+          <a:xfrm>
+            <a:off x="-24680" y="6488668"/>
+            <a:ext cx="12216680" cy="369332"/>
+          </a:xfrm>
+          <a:prstGeom prst="rect">
+            <a:avLst/>
+          </a:prstGeom>
+          <a:solidFill>
+            <a:schemeClr val="accent5">
+              <a:lumMod val="75000"/>
+            </a:schemeClr>
+          </a:solidFill>
+        </p:spPr>
+        <p:txBody>
+          <a:bodyPr wrap="square" rtlCol="0">
+            <a:spAutoFit/>
+          </a:bodyPr>
+          <a:lstStyle/>
+          <a:p>
             <a:endParaRPr lang="fr-FR" dirty="0"/>
           </a:p>
         </p:txBody>
       </p:sp>
       <p:sp>
         <p:nvSpPr>
-          <p:cNvPr id="6" name="Espace réservé du numéro de diapositive 5"/>
+          <p:cNvPr id="9" name="Espace réservé du numéro de diapositive 4"/>
           <p:cNvSpPr>
             <a:spLocks noGrp="1"/>
           </p:cNvSpPr>
@@ -6399,29 +7795,67 @@
             <p:ph type="sldNum" sz="quarter" idx="12"/>
           </p:nvPr>
         </p:nvSpPr>
-        <p:spPr/>
+        <p:spPr>
+          <a:xfrm>
+            <a:off x="0" y="6492875"/>
+            <a:ext cx="12192000" cy="365125"/>
+          </a:xfrm>
+        </p:spPr>
         <p:txBody>
           <a:bodyPr/>
           <a:lstStyle/>
           <a:p>
+            <a:pPr algn="l"/>
+            <a:r>
+              <a:rPr lang="fr-FR" sz="1400" b="1" dirty="0" smtClean="0">
+                <a:solidFill>
+                  <a:schemeClr val="bg1"/>
+                </a:solidFill>
+              </a:rPr>
+              <a:t>         												</a:t>
+            </a:r>
             <a:fld id="{36A212DA-347D-4853-A3E5-DB8AA592974E}" type="slidenum">
-              <a:rPr lang="fr-FR" smtClean="0"/>
+              <a:rPr lang="fr-FR" sz="1400" b="1" smtClean="0">
+                <a:solidFill>
+                  <a:schemeClr val="bg1"/>
+                </a:solidFill>
+              </a:rPr>
+              <a:pPr algn="l"/>
               <a:t>3</a:t>
             </a:fld>
-            <a:endParaRPr lang="fr-FR"/>
+            <a:r>
+              <a:rPr lang="fr-FR" sz="1400" b="1" dirty="0" smtClean="0">
+                <a:solidFill>
+                  <a:schemeClr val="bg1"/>
+                </a:solidFill>
+              </a:rPr>
+              <a:t> </a:t>
+            </a:r>
+            <a:endParaRPr lang="fr-FR" sz="1400" b="1" dirty="0">
+              <a:solidFill>
+                <a:schemeClr val="bg1"/>
+              </a:solidFill>
+            </a:endParaRPr>
           </a:p>
         </p:txBody>
       </p:sp>
     </p:spTree>
     <p:extLst>
       <p:ext uri="{BB962C8B-B14F-4D97-AF65-F5344CB8AC3E}">
-        <p14:creationId xmlns:p14="http://schemas.microsoft.com/office/powerpoint/2010/main" val="1677475312"/>
+        <p14:creationId xmlns:p14="http://schemas.microsoft.com/office/powerpoint/2010/main" xmlns="" val="1677475312"/>
       </p:ext>
     </p:extLst>
   </p:cSld>
   <p:clrMapOvr>
     <a:masterClrMapping/>
   </p:clrMapOvr>
+  <p:timing>
+    <p:tnLst>
+      <p:par>
+        <p:cTn id="1" dur="indefinite" restart="never" nodeType="tmRoot"/>
+      </p:par>
+    </p:tnLst>
+  </p:timing>
 </p:sld>
 </file>
 
@@ -6444,6 +7878,66 @@
       </p:grpSpPr>
       <p:sp>
         <p:nvSpPr>
+          <p:cNvPr id="7" name="ZoneTexte 6"/>
+          <p:cNvSpPr txBox="1"/>
+          <p:nvPr/>
+        </p:nvSpPr>
+        <p:spPr>
+          <a:xfrm>
+            <a:off x="-24680" y="6488668"/>
+            <a:ext cx="12216680" cy="369332"/>
+          </a:xfrm>
+          <a:prstGeom prst="rect">
+            <a:avLst/>
+          </a:prstGeom>
+          <a:solidFill>
+            <a:schemeClr val="accent5">
+              <a:lumMod val="75000"/>
+            </a:schemeClr>
+          </a:solidFill>
+        </p:spPr>
+        <p:txBody>
+          <a:bodyPr wrap="square" rtlCol="0">
+            <a:spAutoFit/>
+          </a:bodyPr>
+          <a:lstStyle/>
+          <a:p>
+            <a:endParaRPr lang="fr-FR" dirty="0"/>
+          </a:p>
+        </p:txBody>
+      </p:sp>
+      <p:sp>
+        <p:nvSpPr>
+          <p:cNvPr id="6" name="ZoneTexte 5"/>
+          <p:cNvSpPr txBox="1"/>
+          <p:nvPr/>
+        </p:nvSpPr>
+        <p:spPr>
+          <a:xfrm>
+            <a:off x="0" y="0"/>
+            <a:ext cx="12192000" cy="369332"/>
+          </a:xfrm>
+          <a:prstGeom prst="rect">
+            <a:avLst/>
+          </a:prstGeom>
+          <a:solidFill>
+            <a:schemeClr val="accent5">
+              <a:lumMod val="75000"/>
+            </a:schemeClr>
+          </a:solidFill>
+        </p:spPr>
+        <p:txBody>
+          <a:bodyPr wrap="square" rtlCol="0">
+            <a:spAutoFit/>
+          </a:bodyPr>
+          <a:lstStyle/>
+          <a:p>
+            <a:endParaRPr lang="fr-FR" dirty="0"/>
+          </a:p>
+        </p:txBody>
+      </p:sp>
+      <p:sp>
+        <p:nvSpPr>
           <p:cNvPr id="2" name="Titre 1"/>
           <p:cNvSpPr>
             <a:spLocks noGrp="1"/>
@@ -6452,14 +7946,38 @@
             <p:ph type="title"/>
           </p:nvPr>
         </p:nvSpPr>
-        <p:spPr/>
+        <p:spPr>
+          <a:xfrm>
+            <a:off x="889908" y="1332367"/>
+            <a:ext cx="10515600" cy="2852737"/>
+          </a:xfrm>
+        </p:spPr>
         <p:txBody>
           <a:bodyPr/>
           <a:lstStyle/>
           <a:p>
             <a:r>
               <a:rPr lang="fr-FR" dirty="0" smtClean="0"/>
-              <a:t>Une solution : la publication éphémère</a:t>
+              <a:t>Une solution : </a:t>
+            </a:r>
+            <a:r>
+              <a:rPr lang="fr-FR" dirty="0" smtClean="0"/>
+              <a:t/>
+            </a:r>
+            <a:br>
+              <a:rPr lang="fr-FR" dirty="0" smtClean="0"/>
+            </a:br>
+            <a:r>
+              <a:rPr lang="fr-FR" dirty="0" smtClean="0"/>
+              <a:t>	L</a:t>
+            </a:r>
+            <a:r>
+              <a:rPr lang="fr-FR" dirty="0" smtClean="0"/>
+              <a:t>a </a:t>
+            </a:r>
+            <a:r>
+              <a:rPr lang="fr-FR" dirty="0" smtClean="0"/>
+              <a:t>publication éphémère</a:t>
             </a:r>
             <a:endParaRPr lang="fr-FR" dirty="0"/>
           </a:p>
@@ -6467,56 +7985,75 @@
       </p:sp>
       <p:sp>
         <p:nvSpPr>
-          <p:cNvPr id="3" name="Espace réservé du texte 2"/>
-          <p:cNvSpPr>
-            <a:spLocks noGrp="1"/>
-          </p:cNvSpPr>
-          <p:nvPr>
-            <p:ph type="body" idx="1"/>
-          </p:nvPr>
-        </p:nvSpPr>
-        <p:spPr/>
+          <p:cNvPr id="8" name="Espace réservé du numéro de diapositive 4"/>
+          <p:cNvSpPr>
+            <a:spLocks noGrp="1"/>
+          </p:cNvSpPr>
+          <p:nvPr>
+            <p:ph type="sldNum" sz="quarter" idx="12"/>
+          </p:nvPr>
+        </p:nvSpPr>
+        <p:spPr>
+          <a:xfrm>
+            <a:off x="0" y="6492875"/>
+            <a:ext cx="12192000" cy="365125"/>
+          </a:xfrm>
+        </p:spPr>
         <p:txBody>
           <a:bodyPr/>
           <a:lstStyle/>
           <a:p>
-            <a:endParaRPr lang="fr-FR"/>
-          </a:p>
-        </p:txBody>
-      </p:sp>
-      <p:sp>
-        <p:nvSpPr>
-          <p:cNvPr id="5" name="Espace réservé du numéro de diapositive 4"/>
-          <p:cNvSpPr>
-            <a:spLocks noGrp="1"/>
-          </p:cNvSpPr>
-          <p:nvPr>
-            <p:ph type="sldNum" sz="quarter" idx="12"/>
-          </p:nvPr>
-        </p:nvSpPr>
-        <p:spPr/>
-        <p:txBody>
-          <a:bodyPr/>
-          <a:lstStyle/>
-          <a:p>
+            <a:pPr algn="l"/>
+            <a:r>
+              <a:rPr lang="fr-FR" sz="1400" b="1" dirty="0" smtClean="0">
+                <a:solidFill>
+                  <a:schemeClr val="bg1"/>
+                </a:solidFill>
+              </a:rPr>
+              <a:t>         												</a:t>
+            </a:r>
             <a:fld id="{36A212DA-347D-4853-A3E5-DB8AA592974E}" type="slidenum">
-              <a:rPr lang="fr-FR" smtClean="0"/>
+              <a:rPr lang="fr-FR" sz="1400" b="1" smtClean="0">
+                <a:solidFill>
+                  <a:schemeClr val="bg1"/>
+                </a:solidFill>
+              </a:rPr>
+              <a:pPr algn="l"/>
               <a:t>4</a:t>
             </a:fld>
-            <a:endParaRPr lang="fr-FR"/>
+            <a:r>
+              <a:rPr lang="fr-FR" sz="1400" b="1" dirty="0" smtClean="0">
+                <a:solidFill>
+                  <a:schemeClr val="bg1"/>
+                </a:solidFill>
+              </a:rPr>
+              <a:t> </a:t>
+            </a:r>
+            <a:endParaRPr lang="fr-FR" sz="1400" b="1" dirty="0">
+              <a:solidFill>
+                <a:schemeClr val="bg1"/>
+              </a:solidFill>
+            </a:endParaRPr>
           </a:p>
         </p:txBody>
       </p:sp>
     </p:spTree>
     <p:extLst>
       <p:ext uri="{BB962C8B-B14F-4D97-AF65-F5344CB8AC3E}">
-        <p14:creationId xmlns:p14="http://schemas.microsoft.com/office/powerpoint/2010/main" val="338398204"/>
+        <p14:creationId xmlns:p14="http://schemas.microsoft.com/office/powerpoint/2010/main" xmlns="" val="338398204"/>
       </p:ext>
     </p:extLst>
   </p:cSld>
   <p:clrMapOvr>
     <a:masterClrMapping/>
   </p:clrMapOvr>
+  <p:timing>
+    <p:tnLst>
+      <p:par>
+        <p:cTn id="1" dur="indefinite" restart="never" nodeType="tmRoot"/>
+      </p:par>
+    </p:tnLst>
+  </p:timing>
 </p:sld>
 </file>
 
@@ -6539,6 +8076,66 @@
       </p:grpSpPr>
       <p:sp>
         <p:nvSpPr>
+          <p:cNvPr id="8" name="ZoneTexte 7"/>
+          <p:cNvSpPr txBox="1"/>
+          <p:nvPr/>
+        </p:nvSpPr>
+        <p:spPr>
+          <a:xfrm>
+            <a:off x="-24680" y="6488668"/>
+            <a:ext cx="12216680" cy="369332"/>
+          </a:xfrm>
+          <a:prstGeom prst="rect">
+            <a:avLst/>
+          </a:prstGeom>
+          <a:solidFill>
+            <a:schemeClr val="accent5">
+              <a:lumMod val="75000"/>
+            </a:schemeClr>
+          </a:solidFill>
+        </p:spPr>
+        <p:txBody>
+          <a:bodyPr wrap="square" rtlCol="0">
+            <a:spAutoFit/>
+          </a:bodyPr>
+          <a:lstStyle/>
+          <a:p>
+            <a:endParaRPr lang="fr-FR" dirty="0"/>
+          </a:p>
+        </p:txBody>
+      </p:sp>
+      <p:sp>
+        <p:nvSpPr>
+          <p:cNvPr id="7" name="ZoneTexte 6"/>
+          <p:cNvSpPr txBox="1"/>
+          <p:nvPr/>
+        </p:nvSpPr>
+        <p:spPr>
+          <a:xfrm>
+            <a:off x="0" y="0"/>
+            <a:ext cx="12192000" cy="369332"/>
+          </a:xfrm>
+          <a:prstGeom prst="rect">
+            <a:avLst/>
+          </a:prstGeom>
+          <a:solidFill>
+            <a:schemeClr val="accent5">
+              <a:lumMod val="75000"/>
+            </a:schemeClr>
+          </a:solidFill>
+        </p:spPr>
+        <p:txBody>
+          <a:bodyPr wrap="square" rtlCol="0">
+            <a:spAutoFit/>
+          </a:bodyPr>
+          <a:lstStyle/>
+          <a:p>
+            <a:endParaRPr lang="fr-FR" dirty="0"/>
+          </a:p>
+        </p:txBody>
+      </p:sp>
+      <p:sp>
+        <p:nvSpPr>
           <p:cNvPr id="2" name="Titre 1"/>
           <p:cNvSpPr>
             <a:spLocks noGrp="1"/>
@@ -6582,19 +8179,24 @@
           <a:p>
             <a:r>
               <a:rPr lang="fr-FR" dirty="0" smtClean="0"/>
-              <a:t>Donner </a:t>
-            </a:r>
-            <a:r>
-              <a:rPr lang="fr-FR" dirty="0" smtClean="0"/>
-              <a:t>à l’utilisateur le contrôle sur la durée de vie de ses données</a:t>
+              <a:t>Donner à l’utilisateur le contrôle sur la durée de vie de ses données</a:t>
             </a:r>
           </a:p>
           <a:p>
             <a:pPr lvl="1"/>
             <a:r>
               <a:rPr lang="fr-FR" dirty="0" smtClean="0"/>
-              <a:t>Après un laps de temps, toutes les copies de la données doivent être illisibles</a:t>
-            </a:r>
+              <a:t>Laps </a:t>
+            </a:r>
+            <a:r>
+              <a:rPr lang="fr-FR" dirty="0" smtClean="0"/>
+              <a:t>de </a:t>
+            </a:r>
+            <a:r>
+              <a:rPr lang="fr-FR" dirty="0" smtClean="0"/>
+              <a:t>temps =&gt; copies illisibles</a:t>
+            </a:r>
+            <a:endParaRPr lang="fr-FR" dirty="0" smtClean="0"/>
           </a:p>
           <a:p>
             <a:pPr lvl="1"/>
@@ -6667,24 +8269,40 @@
           <a:lstStyle/>
           <a:p>
             <a:r>
-              <a:rPr lang="fr-FR" dirty="0" smtClean="0"/>
+              <a:rPr lang="fr-FR" dirty="0" smtClean="0">
+                <a:solidFill>
+                  <a:schemeClr val="bg1"/>
+                </a:solidFill>
+              </a:rPr>
               <a:t>Exposé du problème -&gt; </a:t>
             </a:r>
             <a:r>
-              <a:rPr lang="fr-FR" b="1" dirty="0" smtClean="0"/>
+              <a:rPr lang="fr-FR" b="1" dirty="0" smtClean="0">
+                <a:solidFill>
+                  <a:schemeClr val="bg1"/>
+                </a:solidFill>
+              </a:rPr>
               <a:t>Solution</a:t>
             </a:r>
             <a:r>
-              <a:rPr lang="fr-FR" dirty="0" smtClean="0"/>
+              <a:rPr lang="fr-FR" dirty="0" smtClean="0">
+                <a:solidFill>
+                  <a:schemeClr val="bg1"/>
+                </a:solidFill>
+              </a:rPr>
               <a:t> -&gt; Notre approche</a:t>
             </a:r>
-            <a:endParaRPr lang="fr-FR" dirty="0"/>
-          </a:p>
-        </p:txBody>
-      </p:sp>
-      <p:sp>
-        <p:nvSpPr>
-          <p:cNvPr id="6" name="Espace réservé du numéro de diapositive 5"/>
+            <a:endParaRPr lang="fr-FR" dirty="0">
+              <a:solidFill>
+                <a:schemeClr val="bg1"/>
+              </a:solidFill>
+            </a:endParaRPr>
+          </a:p>
+        </p:txBody>
+      </p:sp>
+      <p:sp>
+        <p:nvSpPr>
+          <p:cNvPr id="9" name="Espace réservé du numéro de diapositive 4"/>
           <p:cNvSpPr>
             <a:spLocks noGrp="1"/>
           </p:cNvSpPr>
@@ -6692,29 +8310,67 @@
             <p:ph type="sldNum" sz="quarter" idx="12"/>
           </p:nvPr>
         </p:nvSpPr>
-        <p:spPr/>
+        <p:spPr>
+          <a:xfrm>
+            <a:off x="0" y="6492875"/>
+            <a:ext cx="12192000" cy="365125"/>
+          </a:xfrm>
+        </p:spPr>
         <p:txBody>
           <a:bodyPr/>
           <a:lstStyle/>
           <a:p>
+            <a:pPr algn="l"/>
+            <a:r>
+              <a:rPr lang="fr-FR" sz="1400" b="1" dirty="0" smtClean="0">
+                <a:solidFill>
+                  <a:schemeClr val="bg1"/>
+                </a:solidFill>
+              </a:rPr>
+              <a:t>         												</a:t>
+            </a:r>
             <a:fld id="{36A212DA-347D-4853-A3E5-DB8AA592974E}" type="slidenum">
-              <a:rPr lang="fr-FR" smtClean="0"/>
+              <a:rPr lang="fr-FR" sz="1400" b="1" smtClean="0">
+                <a:solidFill>
+                  <a:schemeClr val="bg1"/>
+                </a:solidFill>
+              </a:rPr>
+              <a:pPr algn="l"/>
               <a:t>5</a:t>
             </a:fld>
-            <a:endParaRPr lang="fr-FR"/>
+            <a:r>
+              <a:rPr lang="fr-FR" sz="1400" b="1" dirty="0" smtClean="0">
+                <a:solidFill>
+                  <a:schemeClr val="bg1"/>
+                </a:solidFill>
+              </a:rPr>
+              <a:t> </a:t>
+            </a:r>
+            <a:endParaRPr lang="fr-FR" sz="1400" b="1" dirty="0">
+              <a:solidFill>
+                <a:schemeClr val="bg1"/>
+              </a:solidFill>
+            </a:endParaRPr>
           </a:p>
         </p:txBody>
       </p:sp>
     </p:spTree>
     <p:extLst>
       <p:ext uri="{BB962C8B-B14F-4D97-AF65-F5344CB8AC3E}">
-        <p14:creationId xmlns:p14="http://schemas.microsoft.com/office/powerpoint/2010/main" val="2882096277"/>
+        <p14:creationId xmlns:p14="http://schemas.microsoft.com/office/powerpoint/2010/main" xmlns="" val="2882096277"/>
       </p:ext>
     </p:extLst>
   </p:cSld>
   <p:clrMapOvr>
     <a:masterClrMapping/>
   </p:clrMapOvr>
+  <p:timing>
+    <p:tnLst>
+      <p:par>
+        <p:cTn id="1" dur="indefinite" restart="never" nodeType="tmRoot"/>
+      </p:par>
+    </p:tnLst>
+  </p:timing>
 </p:sld>
 </file>
 
@@ -6737,6 +8393,66 @@
       </p:grpSpPr>
       <p:sp>
         <p:nvSpPr>
+          <p:cNvPr id="8" name="ZoneTexte 7"/>
+          <p:cNvSpPr txBox="1"/>
+          <p:nvPr/>
+        </p:nvSpPr>
+        <p:spPr>
+          <a:xfrm>
+            <a:off x="-24680" y="6488668"/>
+            <a:ext cx="12216680" cy="369332"/>
+          </a:xfrm>
+          <a:prstGeom prst="rect">
+            <a:avLst/>
+          </a:prstGeom>
+          <a:solidFill>
+            <a:schemeClr val="accent5">
+              <a:lumMod val="75000"/>
+            </a:schemeClr>
+          </a:solidFill>
+        </p:spPr>
+        <p:txBody>
+          <a:bodyPr wrap="square" rtlCol="0">
+            <a:spAutoFit/>
+          </a:bodyPr>
+          <a:lstStyle/>
+          <a:p>
+            <a:endParaRPr lang="fr-FR" dirty="0"/>
+          </a:p>
+        </p:txBody>
+      </p:sp>
+      <p:sp>
+        <p:nvSpPr>
+          <p:cNvPr id="7" name="ZoneTexte 6"/>
+          <p:cNvSpPr txBox="1"/>
+          <p:nvPr/>
+        </p:nvSpPr>
+        <p:spPr>
+          <a:xfrm>
+            <a:off x="0" y="0"/>
+            <a:ext cx="12192000" cy="369332"/>
+          </a:xfrm>
+          <a:prstGeom prst="rect">
+            <a:avLst/>
+          </a:prstGeom>
+          <a:solidFill>
+            <a:schemeClr val="accent5">
+              <a:lumMod val="75000"/>
+            </a:schemeClr>
+          </a:solidFill>
+        </p:spPr>
+        <p:txBody>
+          <a:bodyPr wrap="square" rtlCol="0">
+            <a:spAutoFit/>
+          </a:bodyPr>
+          <a:lstStyle/>
+          <a:p>
+            <a:endParaRPr lang="fr-FR" dirty="0"/>
+          </a:p>
+        </p:txBody>
+      </p:sp>
+      <p:sp>
+        <p:nvSpPr>
           <p:cNvPr id="2" name="Titre 1"/>
           <p:cNvSpPr>
             <a:spLocks noGrp="1"/>
@@ -6752,11 +8468,7 @@
           <a:p>
             <a:r>
               <a:rPr lang="fr-FR" dirty="0" smtClean="0"/>
-              <a:t>Introduction aux </a:t>
-            </a:r>
-            <a:r>
-              <a:rPr lang="fr-FR" dirty="0" smtClean="0"/>
-              <a:t>DHT (1/2)</a:t>
+              <a:t>Introduction aux DHT (1/2)</a:t>
             </a:r>
             <a:endParaRPr lang="fr-FR" dirty="0"/>
           </a:p>
@@ -6788,11 +8500,7 @@
             <a:pPr lvl="1"/>
             <a:r>
               <a:rPr lang="fr-FR" dirty="0" smtClean="0"/>
-              <a:t>Table </a:t>
-            </a:r>
-            <a:r>
-              <a:rPr lang="fr-FR" dirty="0" smtClean="0"/>
-              <a:t>de hachage distribuée entre de nombreux hôtes</a:t>
+              <a:t>Table de hachage distribuée entre de nombreux hôtes</a:t>
             </a:r>
           </a:p>
           <a:p>
@@ -6836,11 +8544,7 @@
             </a:r>
             <a:r>
               <a:rPr lang="fr-FR" dirty="0" smtClean="0"/>
-              <a:t>, GIMP, etc</a:t>
-            </a:r>
-            <a:r>
-              <a:rPr lang="fr-FR" dirty="0" smtClean="0"/>
-              <a:t>.</a:t>
+              <a:t>, GIMP, etc.</a:t>
             </a:r>
           </a:p>
           <a:p>
@@ -6927,24 +8631,40 @@
           <a:lstStyle/>
           <a:p>
             <a:r>
-              <a:rPr lang="fr-FR" dirty="0" smtClean="0"/>
+              <a:rPr lang="fr-FR" dirty="0" smtClean="0">
+                <a:solidFill>
+                  <a:schemeClr val="bg1"/>
+                </a:solidFill>
+              </a:rPr>
               <a:t>Exposé du problème -&gt; </a:t>
             </a:r>
             <a:r>
-              <a:rPr lang="fr-FR" b="1" dirty="0" smtClean="0"/>
+              <a:rPr lang="fr-FR" b="1" dirty="0" smtClean="0">
+                <a:solidFill>
+                  <a:schemeClr val="bg1"/>
+                </a:solidFill>
+              </a:rPr>
               <a:t>Solution</a:t>
             </a:r>
             <a:r>
-              <a:rPr lang="fr-FR" dirty="0" smtClean="0"/>
+              <a:rPr lang="fr-FR" dirty="0" smtClean="0">
+                <a:solidFill>
+                  <a:schemeClr val="bg1"/>
+                </a:solidFill>
+              </a:rPr>
               <a:t> -&gt; Notre approche</a:t>
             </a:r>
-            <a:endParaRPr lang="fr-FR" dirty="0"/>
-          </a:p>
-        </p:txBody>
-      </p:sp>
-      <p:sp>
-        <p:nvSpPr>
-          <p:cNvPr id="6" name="Espace réservé du numéro de diapositive 5"/>
+            <a:endParaRPr lang="fr-FR" dirty="0">
+              <a:solidFill>
+                <a:schemeClr val="bg1"/>
+              </a:solidFill>
+            </a:endParaRPr>
+          </a:p>
+        </p:txBody>
+      </p:sp>
+      <p:sp>
+        <p:nvSpPr>
+          <p:cNvPr id="9" name="Espace réservé du numéro de diapositive 4"/>
           <p:cNvSpPr>
             <a:spLocks noGrp="1"/>
           </p:cNvSpPr>
@@ -6952,29 +8672,67 @@
             <p:ph type="sldNum" sz="quarter" idx="12"/>
           </p:nvPr>
         </p:nvSpPr>
-        <p:spPr/>
+        <p:spPr>
+          <a:xfrm>
+            <a:off x="0" y="6492875"/>
+            <a:ext cx="12192000" cy="365125"/>
+          </a:xfrm>
+        </p:spPr>
         <p:txBody>
           <a:bodyPr/>
           <a:lstStyle/>
           <a:p>
+            <a:pPr algn="l"/>
+            <a:r>
+              <a:rPr lang="fr-FR" sz="1400" b="1" dirty="0" smtClean="0">
+                <a:solidFill>
+                  <a:schemeClr val="bg1"/>
+                </a:solidFill>
+              </a:rPr>
+              <a:t>         												</a:t>
+            </a:r>
             <a:fld id="{36A212DA-347D-4853-A3E5-DB8AA592974E}" type="slidenum">
-              <a:rPr lang="fr-FR" smtClean="0"/>
+              <a:rPr lang="fr-FR" sz="1400" b="1" smtClean="0">
+                <a:solidFill>
+                  <a:schemeClr val="bg1"/>
+                </a:solidFill>
+              </a:rPr>
+              <a:pPr algn="l"/>
               <a:t>6</a:t>
             </a:fld>
-            <a:endParaRPr lang="fr-FR"/>
+            <a:r>
+              <a:rPr lang="fr-FR" sz="1400" b="1" dirty="0" smtClean="0">
+                <a:solidFill>
+                  <a:schemeClr val="bg1"/>
+                </a:solidFill>
+              </a:rPr>
+              <a:t> </a:t>
+            </a:r>
+            <a:endParaRPr lang="fr-FR" sz="1400" b="1" dirty="0">
+              <a:solidFill>
+                <a:schemeClr val="bg1"/>
+              </a:solidFill>
+            </a:endParaRPr>
           </a:p>
         </p:txBody>
       </p:sp>
     </p:spTree>
     <p:extLst>
       <p:ext uri="{BB962C8B-B14F-4D97-AF65-F5344CB8AC3E}">
-        <p14:creationId xmlns:p14="http://schemas.microsoft.com/office/powerpoint/2010/main" val="1223733745"/>
+        <p14:creationId xmlns:p14="http://schemas.microsoft.com/office/powerpoint/2010/main" xmlns="" val="1223733745"/>
       </p:ext>
     </p:extLst>
   </p:cSld>
   <p:clrMapOvr>
     <a:masterClrMapping/>
   </p:clrMapOvr>
+  <p:timing>
+    <p:tnLst>
+      <p:par>
+        <p:cTn id="1" dur="indefinite" restart="never" nodeType="tmRoot"/>
+      </p:par>
+    </p:tnLst>
+  </p:timing>
 </p:sld>
 </file>
 
@@ -6997,6 +8755,66 @@
       </p:grpSpPr>
       <p:sp>
         <p:nvSpPr>
+          <p:cNvPr id="8" name="ZoneTexte 7"/>
+          <p:cNvSpPr txBox="1"/>
+          <p:nvPr/>
+        </p:nvSpPr>
+        <p:spPr>
+          <a:xfrm>
+            <a:off x="-24680" y="6488668"/>
+            <a:ext cx="12216680" cy="369332"/>
+          </a:xfrm>
+          <a:prstGeom prst="rect">
+            <a:avLst/>
+          </a:prstGeom>
+          <a:solidFill>
+            <a:schemeClr val="accent5">
+              <a:lumMod val="75000"/>
+            </a:schemeClr>
+          </a:solidFill>
+        </p:spPr>
+        <p:txBody>
+          <a:bodyPr wrap="square" rtlCol="0">
+            <a:spAutoFit/>
+          </a:bodyPr>
+          <a:lstStyle/>
+          <a:p>
+            <a:endParaRPr lang="fr-FR" dirty="0"/>
+          </a:p>
+        </p:txBody>
+      </p:sp>
+      <p:sp>
+        <p:nvSpPr>
+          <p:cNvPr id="7" name="ZoneTexte 6"/>
+          <p:cNvSpPr txBox="1"/>
+          <p:nvPr/>
+        </p:nvSpPr>
+        <p:spPr>
+          <a:xfrm>
+            <a:off x="0" y="0"/>
+            <a:ext cx="12192000" cy="369332"/>
+          </a:xfrm>
+          <a:prstGeom prst="rect">
+            <a:avLst/>
+          </a:prstGeom>
+          <a:solidFill>
+            <a:schemeClr val="accent5">
+              <a:lumMod val="75000"/>
+            </a:schemeClr>
+          </a:solidFill>
+        </p:spPr>
+        <p:txBody>
+          <a:bodyPr wrap="square" rtlCol="0">
+            <a:spAutoFit/>
+          </a:bodyPr>
+          <a:lstStyle/>
+          <a:p>
+            <a:endParaRPr lang="fr-FR" dirty="0"/>
+          </a:p>
+        </p:txBody>
+      </p:sp>
+      <p:sp>
+        <p:nvSpPr>
           <p:cNvPr id="2" name="Titre 1"/>
           <p:cNvSpPr>
             <a:spLocks noGrp="1"/>
@@ -7022,7 +8840,6 @@
               <a:rPr lang="fr-FR" dirty="0"/>
               <a:t>)</a:t>
             </a:r>
-            <a:endParaRPr lang="fr-FR" dirty="0"/>
           </a:p>
         </p:txBody>
       </p:sp>
@@ -7056,15 +8873,7 @@
             <a:pPr lvl="1"/>
             <a:r>
               <a:rPr lang="fr-FR" dirty="0" smtClean="0"/>
-              <a:t>Très </a:t>
-            </a:r>
-            <a:r>
-              <a:rPr lang="fr-FR" dirty="0" smtClean="0"/>
-              <a:t>robuste par rapport à la disparition des </a:t>
-            </a:r>
-            <a:r>
-              <a:rPr lang="fr-FR" dirty="0" smtClean="0"/>
-              <a:t>nœuds</a:t>
+              <a:t>Très robuste par rapport à la disparition des nœuds</a:t>
             </a:r>
           </a:p>
           <a:p>
@@ -7073,7 +8882,6 @@
               <a:rPr lang="fr-FR" dirty="0" smtClean="0"/>
               <a:t>La donnée reste disponible le temps ou elle doit l’être</a:t>
             </a:r>
-            <a:endParaRPr lang="fr-FR" dirty="0" smtClean="0"/>
           </a:p>
           <a:p>
             <a:pPr marL="457200" lvl="1" indent="0">
@@ -7108,7 +8916,6 @@
               <a:rPr lang="fr-FR" dirty="0" smtClean="0"/>
               <a:t>Inéluctable disparition de données</a:t>
             </a:r>
-            <a:endParaRPr lang="fr-FR" dirty="0" smtClean="0"/>
           </a:p>
           <a:p>
             <a:pPr lvl="1"/>
@@ -7139,41 +8946,34 @@
           <a:lstStyle/>
           <a:p>
             <a:r>
-              <a:rPr lang="fr-FR" dirty="0" smtClean="0"/>
+              <a:rPr lang="fr-FR" dirty="0" smtClean="0">
+                <a:solidFill>
+                  <a:schemeClr val="bg1"/>
+                </a:solidFill>
+              </a:rPr>
               <a:t>Exposé du problème -&gt; </a:t>
             </a:r>
             <a:r>
-              <a:rPr lang="fr-FR" b="1" dirty="0" smtClean="0"/>
+              <a:rPr lang="fr-FR" b="1" dirty="0" smtClean="0">
+                <a:solidFill>
+                  <a:schemeClr val="bg1"/>
+                </a:solidFill>
+              </a:rPr>
               <a:t>Solution</a:t>
             </a:r>
             <a:r>
-              <a:rPr lang="fr-FR" dirty="0" smtClean="0"/>
+              <a:rPr lang="fr-FR" dirty="0" smtClean="0">
+                <a:solidFill>
+                  <a:schemeClr val="bg1"/>
+                </a:solidFill>
+              </a:rPr>
               <a:t> -&gt; Notre approche</a:t>
             </a:r>
-            <a:endParaRPr lang="fr-FR" dirty="0"/>
-          </a:p>
-        </p:txBody>
-      </p:sp>
-      <p:sp>
-        <p:nvSpPr>
-          <p:cNvPr id="6" name="Espace réservé du numéro de diapositive 5"/>
-          <p:cNvSpPr>
-            <a:spLocks noGrp="1"/>
-          </p:cNvSpPr>
-          <p:nvPr>
-            <p:ph type="sldNum" sz="quarter" idx="12"/>
-          </p:nvPr>
-        </p:nvSpPr>
-        <p:spPr/>
-        <p:txBody>
-          <a:bodyPr/>
-          <a:lstStyle/>
-          <a:p>
-            <a:fld id="{36A212DA-347D-4853-A3E5-DB8AA592974E}" type="slidenum">
-              <a:rPr lang="fr-FR" smtClean="0"/>
-              <a:t>7</a:t>
-            </a:fld>
-            <a:endParaRPr lang="fr-FR"/>
+            <a:endParaRPr lang="fr-FR" dirty="0">
+              <a:solidFill>
+                <a:schemeClr val="bg1"/>
+              </a:solidFill>
+            </a:endParaRPr>
           </a:p>
         </p:txBody>
       </p:sp>
@@ -7186,10 +8986,10 @@
           <p:nvPr/>
         </p:nvPicPr>
         <p:blipFill>
-          <a:blip r:embed="rId3">
+          <a:blip r:embed="rId3" cstate="print">
             <a:extLst>
               <a:ext uri="{28A0092B-C50C-407E-A947-70E740481C1C}">
-                <a14:useLocalDpi xmlns:a14="http://schemas.microsoft.com/office/drawing/2010/main" val="0"/>
+                <a14:useLocalDpi xmlns:a14="http://schemas.microsoft.com/office/drawing/2010/main" xmlns="" val="0"/>
               </a:ext>
             </a:extLst>
           </a:blip>
@@ -7222,7 +9022,7 @@
           </a:effectLst>
           <a:extLst>
             <a:ext uri="{909E8E84-426E-40DD-AFC4-6F175D3DCCD1}">
-              <a14:hiddenFill xmlns:a14="http://schemas.microsoft.com/office/drawing/2010/main">
+              <a14:hiddenFill xmlns:a14="http://schemas.microsoft.com/office/drawing/2010/main" xmlns="">
                 <a:solidFill>
                   <a:srgbClr val="FFFFFF"/>
                 </a:solidFill>
@@ -7231,16 +9031,77 @@
           </a:extLst>
         </p:spPr>
       </p:pic>
+      <p:sp>
+        <p:nvSpPr>
+          <p:cNvPr id="9" name="Espace réservé du numéro de diapositive 4"/>
+          <p:cNvSpPr>
+            <a:spLocks noGrp="1"/>
+          </p:cNvSpPr>
+          <p:nvPr>
+            <p:ph type="sldNum" sz="quarter" idx="12"/>
+          </p:nvPr>
+        </p:nvSpPr>
+        <p:spPr>
+          <a:xfrm>
+            <a:off x="0" y="6492875"/>
+            <a:ext cx="12192000" cy="365125"/>
+          </a:xfrm>
+        </p:spPr>
+        <p:txBody>
+          <a:bodyPr/>
+          <a:lstStyle/>
+          <a:p>
+            <a:pPr algn="l"/>
+            <a:r>
+              <a:rPr lang="fr-FR" sz="1400" b="1" dirty="0" smtClean="0">
+                <a:solidFill>
+                  <a:schemeClr val="bg1"/>
+                </a:solidFill>
+              </a:rPr>
+              <a:t>         												</a:t>
+            </a:r>
+            <a:fld id="{36A212DA-347D-4853-A3E5-DB8AA592974E}" type="slidenum">
+              <a:rPr lang="fr-FR" sz="1400" b="1" smtClean="0">
+                <a:solidFill>
+                  <a:schemeClr val="bg1"/>
+                </a:solidFill>
+              </a:rPr>
+              <a:pPr algn="l"/>
+              <a:t>7</a:t>
+            </a:fld>
+            <a:r>
+              <a:rPr lang="fr-FR" sz="1400" b="1" dirty="0" smtClean="0">
+                <a:solidFill>
+                  <a:schemeClr val="bg1"/>
+                </a:solidFill>
+              </a:rPr>
+              <a:t> </a:t>
+            </a:r>
+            <a:endParaRPr lang="fr-FR" sz="1400" b="1" dirty="0">
+              <a:solidFill>
+                <a:schemeClr val="bg1"/>
+              </a:solidFill>
+            </a:endParaRPr>
+          </a:p>
+        </p:txBody>
+      </p:sp>
     </p:spTree>
     <p:extLst>
       <p:ext uri="{BB962C8B-B14F-4D97-AF65-F5344CB8AC3E}">
-        <p14:creationId xmlns:p14="http://schemas.microsoft.com/office/powerpoint/2010/main" val="124277756"/>
+        <p14:creationId xmlns:p14="http://schemas.microsoft.com/office/powerpoint/2010/main" xmlns="" val="124277756"/>
       </p:ext>
     </p:extLst>
   </p:cSld>
   <p:clrMapOvr>
     <a:masterClrMapping/>
   </p:clrMapOvr>
+  <p:timing>
+    <p:tnLst>
+      <p:par>
+        <p:cTn id="1" dur="indefinite" restart="never" nodeType="tmRoot"/>
+      </p:par>
+    </p:tnLst>
+  </p:timing>
 </p:sld>
 </file>
 
@@ -7263,6 +9124,66 @@
       </p:grpSpPr>
       <p:sp>
         <p:nvSpPr>
+          <p:cNvPr id="8" name="ZoneTexte 7"/>
+          <p:cNvSpPr txBox="1"/>
+          <p:nvPr/>
+        </p:nvSpPr>
+        <p:spPr>
+          <a:xfrm>
+            <a:off x="-24680" y="6488668"/>
+            <a:ext cx="12216680" cy="369332"/>
+          </a:xfrm>
+          <a:prstGeom prst="rect">
+            <a:avLst/>
+          </a:prstGeom>
+          <a:solidFill>
+            <a:schemeClr val="accent5">
+              <a:lumMod val="75000"/>
+            </a:schemeClr>
+          </a:solidFill>
+        </p:spPr>
+        <p:txBody>
+          <a:bodyPr wrap="square" rtlCol="0">
+            <a:spAutoFit/>
+          </a:bodyPr>
+          <a:lstStyle/>
+          <a:p>
+            <a:endParaRPr lang="fr-FR" dirty="0"/>
+          </a:p>
+        </p:txBody>
+      </p:sp>
+      <p:sp>
+        <p:nvSpPr>
+          <p:cNvPr id="7" name="ZoneTexte 6"/>
+          <p:cNvSpPr txBox="1"/>
+          <p:nvPr/>
+        </p:nvSpPr>
+        <p:spPr>
+          <a:xfrm>
+            <a:off x="0" y="0"/>
+            <a:ext cx="12192000" cy="369332"/>
+          </a:xfrm>
+          <a:prstGeom prst="rect">
+            <a:avLst/>
+          </a:prstGeom>
+          <a:solidFill>
+            <a:schemeClr val="accent5">
+              <a:lumMod val="75000"/>
+            </a:schemeClr>
+          </a:solidFill>
+        </p:spPr>
+        <p:txBody>
+          <a:bodyPr wrap="square" rtlCol="0">
+            <a:spAutoFit/>
+          </a:bodyPr>
+          <a:lstStyle/>
+          <a:p>
+            <a:endParaRPr lang="fr-FR" dirty="0"/>
+          </a:p>
+        </p:txBody>
+      </p:sp>
+      <p:sp>
+        <p:nvSpPr>
           <p:cNvPr id="2" name="Titre 1"/>
           <p:cNvSpPr>
             <a:spLocks noGrp="1"/>
@@ -7378,29 +9299,8 @@
                   <a:srgbClr val="FF0000"/>
                 </a:solidFill>
               </a:rPr>
-              <a:t>Intuition </a:t>
-            </a:r>
-            <a:r>
-              <a:rPr lang="fr-FR" dirty="0" smtClean="0">
-                <a:solidFill>
-                  <a:srgbClr val="FF0000"/>
-                </a:solidFill>
-              </a:rPr>
-              <a:t>sur d’autres </a:t>
-            </a:r>
-            <a:r>
-              <a:rPr lang="fr-FR" dirty="0" smtClean="0">
-                <a:solidFill>
-                  <a:srgbClr val="FF0000"/>
-                </a:solidFill>
-              </a:rPr>
-              <a:t>principes (distances, etc.)</a:t>
-            </a:r>
-            <a:endParaRPr lang="fr-FR" dirty="0" smtClean="0">
-              <a:solidFill>
-                <a:srgbClr val="FF0000"/>
-              </a:solidFill>
-            </a:endParaRPr>
+              <a:t>Intuition sur d’autres principes (distances, etc.)</a:t>
+            </a:r>
           </a:p>
         </p:txBody>
       </p:sp>
@@ -7427,24 +9327,40 @@
           <a:lstStyle/>
           <a:p>
             <a:r>
-              <a:rPr lang="fr-FR" dirty="0" smtClean="0"/>
+              <a:rPr lang="fr-FR" dirty="0" smtClean="0">
+                <a:solidFill>
+                  <a:schemeClr val="bg1"/>
+                </a:solidFill>
+              </a:rPr>
               <a:t>Exposé du problème -&gt; </a:t>
             </a:r>
             <a:r>
-              <a:rPr lang="fr-FR" b="1" dirty="0" smtClean="0"/>
+              <a:rPr lang="fr-FR" b="1" dirty="0" smtClean="0">
+                <a:solidFill>
+                  <a:schemeClr val="bg1"/>
+                </a:solidFill>
+              </a:rPr>
               <a:t>Solution</a:t>
             </a:r>
             <a:r>
-              <a:rPr lang="fr-FR" dirty="0" smtClean="0"/>
+              <a:rPr lang="fr-FR" dirty="0" smtClean="0">
+                <a:solidFill>
+                  <a:schemeClr val="bg1"/>
+                </a:solidFill>
+              </a:rPr>
               <a:t> -&gt; Notre approche</a:t>
             </a:r>
-            <a:endParaRPr lang="fr-FR" dirty="0"/>
-          </a:p>
-        </p:txBody>
-      </p:sp>
-      <p:sp>
-        <p:nvSpPr>
-          <p:cNvPr id="6" name="Espace réservé du numéro de diapositive 5"/>
+            <a:endParaRPr lang="fr-FR" dirty="0">
+              <a:solidFill>
+                <a:schemeClr val="bg1"/>
+              </a:solidFill>
+            </a:endParaRPr>
+          </a:p>
+        </p:txBody>
+      </p:sp>
+      <p:sp>
+        <p:nvSpPr>
+          <p:cNvPr id="9" name="Espace réservé du numéro de diapositive 4"/>
           <p:cNvSpPr>
             <a:spLocks noGrp="1"/>
           </p:cNvSpPr>
@@ -7452,29 +9368,67 @@
             <p:ph type="sldNum" sz="quarter" idx="12"/>
           </p:nvPr>
         </p:nvSpPr>
-        <p:spPr/>
+        <p:spPr>
+          <a:xfrm>
+            <a:off x="0" y="6492875"/>
+            <a:ext cx="12192000" cy="365125"/>
+          </a:xfrm>
+        </p:spPr>
         <p:txBody>
           <a:bodyPr/>
           <a:lstStyle/>
           <a:p>
+            <a:pPr algn="l"/>
+            <a:r>
+              <a:rPr lang="fr-FR" sz="1400" b="1" dirty="0" smtClean="0">
+                <a:solidFill>
+                  <a:schemeClr val="bg1"/>
+                </a:solidFill>
+              </a:rPr>
+              <a:t>         												</a:t>
+            </a:r>
             <a:fld id="{36A212DA-347D-4853-A3E5-DB8AA592974E}" type="slidenum">
-              <a:rPr lang="fr-FR" smtClean="0"/>
+              <a:rPr lang="fr-FR" sz="1400" b="1" smtClean="0">
+                <a:solidFill>
+                  <a:schemeClr val="bg1"/>
+                </a:solidFill>
+              </a:rPr>
+              <a:pPr algn="l"/>
               <a:t>8</a:t>
             </a:fld>
-            <a:endParaRPr lang="fr-FR"/>
+            <a:r>
+              <a:rPr lang="fr-FR" sz="1400" b="1" dirty="0" smtClean="0">
+                <a:solidFill>
+                  <a:schemeClr val="bg1"/>
+                </a:solidFill>
+              </a:rPr>
+              <a:t> </a:t>
+            </a:r>
+            <a:endParaRPr lang="fr-FR" sz="1400" b="1" dirty="0">
+              <a:solidFill>
+                <a:schemeClr val="bg1"/>
+              </a:solidFill>
+            </a:endParaRPr>
           </a:p>
         </p:txBody>
       </p:sp>
     </p:spTree>
     <p:extLst>
       <p:ext uri="{BB962C8B-B14F-4D97-AF65-F5344CB8AC3E}">
-        <p14:creationId xmlns:p14="http://schemas.microsoft.com/office/powerpoint/2010/main" val="2517551255"/>
+        <p14:creationId xmlns:p14="http://schemas.microsoft.com/office/powerpoint/2010/main" xmlns="" val="2517551255"/>
       </p:ext>
     </p:extLst>
   </p:cSld>
   <p:clrMapOvr>
     <a:masterClrMapping/>
   </p:clrMapOvr>
+  <p:timing>
+    <p:tnLst>
+      <p:par>
+        <p:cTn id="1" dur="indefinite" restart="never" nodeType="tmRoot"/>
+      </p:par>
+    </p:tnLst>
+  </p:timing>
 </p:sld>
 </file>
 
@@ -7497,6 +9451,66 @@
       </p:grpSpPr>
       <p:sp>
         <p:nvSpPr>
+          <p:cNvPr id="8" name="ZoneTexte 7"/>
+          <p:cNvSpPr txBox="1"/>
+          <p:nvPr/>
+        </p:nvSpPr>
+        <p:spPr>
+          <a:xfrm>
+            <a:off x="-24680" y="6488668"/>
+            <a:ext cx="12216680" cy="369332"/>
+          </a:xfrm>
+          <a:prstGeom prst="rect">
+            <a:avLst/>
+          </a:prstGeom>
+          <a:solidFill>
+            <a:schemeClr val="accent5">
+              <a:lumMod val="75000"/>
+            </a:schemeClr>
+          </a:solidFill>
+        </p:spPr>
+        <p:txBody>
+          <a:bodyPr wrap="square" rtlCol="0">
+            <a:spAutoFit/>
+          </a:bodyPr>
+          <a:lstStyle/>
+          <a:p>
+            <a:endParaRPr lang="fr-FR" dirty="0"/>
+          </a:p>
+        </p:txBody>
+      </p:sp>
+      <p:sp>
+        <p:nvSpPr>
+          <p:cNvPr id="7" name="ZoneTexte 6"/>
+          <p:cNvSpPr txBox="1"/>
+          <p:nvPr/>
+        </p:nvSpPr>
+        <p:spPr>
+          <a:xfrm>
+            <a:off x="0" y="0"/>
+            <a:ext cx="12192000" cy="369332"/>
+          </a:xfrm>
+          <a:prstGeom prst="rect">
+            <a:avLst/>
+          </a:prstGeom>
+          <a:solidFill>
+            <a:schemeClr val="accent5">
+              <a:lumMod val="75000"/>
+            </a:schemeClr>
+          </a:solidFill>
+        </p:spPr>
+        <p:txBody>
+          <a:bodyPr wrap="square" rtlCol="0">
+            <a:spAutoFit/>
+          </a:bodyPr>
+          <a:lstStyle/>
+          <a:p>
+            <a:endParaRPr lang="fr-FR" dirty="0"/>
+          </a:p>
+        </p:txBody>
+      </p:sp>
+      <p:sp>
+        <p:nvSpPr>
           <p:cNvPr id="2" name="Titre 1"/>
           <p:cNvSpPr>
             <a:spLocks noGrp="1"/>
@@ -7512,11 +9526,7 @@
           <a:p>
             <a:r>
               <a:rPr lang="fr-FR" dirty="0" smtClean="0"/>
-              <a:t>DHT : Application à la </a:t>
-            </a:r>
-            <a:r>
-              <a:rPr lang="fr-FR" dirty="0" smtClean="0"/>
-              <a:t>publication éphémère</a:t>
+              <a:t>DHT : Application à la publication éphémère</a:t>
             </a:r>
             <a:endParaRPr lang="fr-FR" dirty="0"/>
           </a:p>
@@ -7543,21 +9553,12 @@
               <a:rPr lang="fr-FR" dirty="0" smtClean="0"/>
               <a:t>Principe</a:t>
             </a:r>
-            <a:endParaRPr lang="fr-FR" dirty="0" smtClean="0"/>
           </a:p>
           <a:p>
             <a:pPr lvl="1"/>
             <a:r>
               <a:rPr lang="fr-FR" dirty="0" smtClean="0"/>
-              <a:t>Fragmentation et dissémination : l</a:t>
-            </a:r>
-            <a:r>
-              <a:rPr lang="fr-FR" dirty="0" smtClean="0"/>
-              <a:t>es </a:t>
-            </a:r>
-            <a:r>
-              <a:rPr lang="fr-FR" dirty="0" smtClean="0"/>
-              <a:t>morceaux de clé sont envoyés sur la DHT</a:t>
+              <a:t>Fragmentation et dissémination : les morceaux de clé sont envoyés sur la DHT</a:t>
             </a:r>
           </a:p>
           <a:p>
@@ -7595,11 +9596,7 @@
             </a:r>
             <a:r>
               <a:rPr lang="fr-FR" dirty="0" smtClean="0"/>
-              <a:t>, impossible de récupérer la donnée initiale après un certain temps</a:t>
-            </a:r>
-            <a:r>
-              <a:rPr lang="fr-FR" dirty="0" smtClean="0"/>
-              <a:t>.</a:t>
+              <a:t>, impossible de récupérer la donnée initiale après un certain temps.</a:t>
             </a:r>
           </a:p>
           <a:p>
@@ -7641,24 +9638,40 @@
           <a:lstStyle/>
           <a:p>
             <a:r>
-              <a:rPr lang="fr-FR" dirty="0" smtClean="0"/>
+              <a:rPr lang="fr-FR" dirty="0" smtClean="0">
+                <a:solidFill>
+                  <a:schemeClr val="bg1"/>
+                </a:solidFill>
+              </a:rPr>
               <a:t>Exposé du problème -&gt; </a:t>
             </a:r>
             <a:r>
-              <a:rPr lang="fr-FR" b="1" dirty="0" smtClean="0"/>
+              <a:rPr lang="fr-FR" b="1" dirty="0" smtClean="0">
+                <a:solidFill>
+                  <a:schemeClr val="bg1"/>
+                </a:solidFill>
+              </a:rPr>
               <a:t>Solution</a:t>
             </a:r>
             <a:r>
-              <a:rPr lang="fr-FR" dirty="0" smtClean="0"/>
+              <a:rPr lang="fr-FR" dirty="0" smtClean="0">
+                <a:solidFill>
+                  <a:schemeClr val="bg1"/>
+                </a:solidFill>
+              </a:rPr>
               <a:t> -&gt; Notre approche</a:t>
             </a:r>
-            <a:endParaRPr lang="fr-FR" dirty="0"/>
-          </a:p>
-        </p:txBody>
-      </p:sp>
-      <p:sp>
-        <p:nvSpPr>
-          <p:cNvPr id="6" name="Espace réservé du numéro de diapositive 5"/>
+            <a:endParaRPr lang="fr-FR" dirty="0">
+              <a:solidFill>
+                <a:schemeClr val="bg1"/>
+              </a:solidFill>
+            </a:endParaRPr>
+          </a:p>
+        </p:txBody>
+      </p:sp>
+      <p:sp>
+        <p:nvSpPr>
+          <p:cNvPr id="9" name="Espace réservé du numéro de diapositive 4"/>
           <p:cNvSpPr>
             <a:spLocks noGrp="1"/>
           </p:cNvSpPr>
@@ -7666,29 +9679,67 @@
             <p:ph type="sldNum" sz="quarter" idx="12"/>
           </p:nvPr>
         </p:nvSpPr>
-        <p:spPr/>
+        <p:spPr>
+          <a:xfrm>
+            <a:off x="0" y="6492875"/>
+            <a:ext cx="12192000" cy="365125"/>
+          </a:xfrm>
+        </p:spPr>
         <p:txBody>
           <a:bodyPr/>
           <a:lstStyle/>
           <a:p>
+            <a:pPr algn="l"/>
+            <a:r>
+              <a:rPr lang="fr-FR" sz="1400" b="1" dirty="0" smtClean="0">
+                <a:solidFill>
+                  <a:schemeClr val="bg1"/>
+                </a:solidFill>
+              </a:rPr>
+              <a:t>         												</a:t>
+            </a:r>
             <a:fld id="{36A212DA-347D-4853-A3E5-DB8AA592974E}" type="slidenum">
-              <a:rPr lang="fr-FR" smtClean="0"/>
+              <a:rPr lang="fr-FR" sz="1400" b="1" smtClean="0">
+                <a:solidFill>
+                  <a:schemeClr val="bg1"/>
+                </a:solidFill>
+              </a:rPr>
+              <a:pPr algn="l"/>
               <a:t>9</a:t>
             </a:fld>
-            <a:endParaRPr lang="fr-FR"/>
+            <a:r>
+              <a:rPr lang="fr-FR" sz="1400" b="1" dirty="0" smtClean="0">
+                <a:solidFill>
+                  <a:schemeClr val="bg1"/>
+                </a:solidFill>
+              </a:rPr>
+              <a:t> </a:t>
+            </a:r>
+            <a:endParaRPr lang="fr-FR" sz="1400" b="1" dirty="0">
+              <a:solidFill>
+                <a:schemeClr val="bg1"/>
+              </a:solidFill>
+            </a:endParaRPr>
           </a:p>
         </p:txBody>
       </p:sp>
     </p:spTree>
     <p:extLst>
       <p:ext uri="{BB962C8B-B14F-4D97-AF65-F5344CB8AC3E}">
-        <p14:creationId xmlns:p14="http://schemas.microsoft.com/office/powerpoint/2010/main" val="1410180187"/>
+        <p14:creationId xmlns:p14="http://schemas.microsoft.com/office/powerpoint/2010/main" xmlns="" val="1410180187"/>
       </p:ext>
     </p:extLst>
   </p:cSld>
   <p:clrMapOvr>
     <a:masterClrMapping/>
   </p:clrMapOvr>
+  <p:timing>
+    <p:tnLst>
+      <p:par>
+        <p:cTn id="1" dur="indefinite" restart="never" nodeType="tmRoot"/>
+      </p:par>
+    </p:tnLst>
+  </p:timing>
 </p:sld>
 </file>
 
@@ -7735,7 +9786,7 @@
     </a:clrScheme>
     <a:fontScheme name="Office">
       <a:majorFont>
-        <a:latin typeface="Calibri Light" panose="020F0302020204030204"/>
+        <a:latin typeface="Calibri Light"/>
         <a:ea typeface=""/>
         <a:cs typeface=""/>
         <a:font script="Jpan" typeface="ＭＳ Ｐゴシック"/>
@@ -7770,7 +9821,7 @@
         <a:font script="Geor" typeface="Sylfaen"/>
       </a:majorFont>
       <a:minorFont>
-        <a:latin typeface="Calibri" panose="020F0502020204030204"/>
+        <a:latin typeface="Calibri"/>
         <a:ea typeface=""/>
         <a:cs typeface=""/>
         <a:font script="Jpan" typeface="ＭＳ Ｐゴシック"/>
@@ -7947,7 +9998,7 @@
   <a:extraClrSchemeLst/>
   <a:extLst>
     <a:ext uri="{05A4C25C-085E-4340-85A3-A5531E510DB2}">
-      <thm15:themeFamily xmlns:thm15="http://schemas.microsoft.com/office/thememl/2012/main" name="Office Theme" id="{62F939B6-93AF-4DB8-9C6B-D6C7DFDC589F}" vid="{4A3C46E8-61CC-4603-A589-7422A47A8E4A}"/>
+      <thm15:themeFamily xmlns:thm15="http://schemas.microsoft.com/office/thememl/2012/main" xmlns="" name="Office Theme" id="{62F939B6-93AF-4DB8-9C6B-D6C7DFDC589F}" vid="{4A3C46E8-61CC-4603-A589-7422A47A8E4A}"/>
     </a:ext>
   </a:extLst>
 </a:theme>
@@ -7996,7 +10047,7 @@
     </a:clrScheme>
     <a:fontScheme name="Office">
       <a:majorFont>
-        <a:latin typeface="Calibri Light" panose="020F0302020204030204"/>
+        <a:latin typeface="Calibri Light"/>
         <a:ea typeface=""/>
         <a:cs typeface=""/>
         <a:font script="Jpan" typeface="ＭＳ Ｐゴシック"/>
@@ -8031,7 +10082,7 @@
         <a:font script="Geor" typeface="Sylfaen"/>
       </a:majorFont>
       <a:minorFont>
-        <a:latin typeface="Calibri" panose="020F0502020204030204"/>
+        <a:latin typeface="Calibri"/>
         <a:ea typeface=""/>
         <a:cs typeface=""/>
         <a:font script="Jpan" typeface="ＭＳ Ｐゴシック"/>
@@ -8208,7 +10259,7 @@
   <a:extraClrSchemeLst/>
   <a:extLst>
     <a:ext uri="{05A4C25C-085E-4340-85A3-A5531E510DB2}">
-      <thm15:themeFamily xmlns:thm15="http://schemas.microsoft.com/office/thememl/2012/main" name="Office Theme" id="{62F939B6-93AF-4DB8-9C6B-D6C7DFDC589F}" vid="{4A3C46E8-61CC-4603-A589-7422A47A8E4A}"/>
+      <thm15:themeFamily xmlns:thm15="http://schemas.microsoft.com/office/thememl/2012/main" xmlns="" name="Office Theme" id="{62F939B6-93AF-4DB8-9C6B-D6C7DFDC589F}" vid="{4A3C46E8-61CC-4603-A589-7422A47A8E4A}"/>
     </a:ext>
   </a:extLst>
 </a:theme>

--- a/présentation.pptx
+++ b/présentation.pptx
@@ -5,7 +5,7 @@
     <p:sldMasterId id="2147483648" r:id="rId1"/>
   </p:sldMasterIdLst>
   <p:notesMasterIdLst>
-    <p:notesMasterId r:id="rId20"/>
+    <p:notesMasterId r:id="rId19"/>
   </p:notesMasterIdLst>
   <p:sldIdLst>
     <p:sldId id="256" r:id="rId2"/>
@@ -15,17 +15,16 @@
     <p:sldId id="268" r:id="rId6"/>
     <p:sldId id="262" r:id="rId7"/>
     <p:sldId id="282" r:id="rId8"/>
-    <p:sldId id="275" r:id="rId9"/>
-    <p:sldId id="269" r:id="rId10"/>
-    <p:sldId id="274" r:id="rId11"/>
-    <p:sldId id="260" r:id="rId12"/>
-    <p:sldId id="263" r:id="rId13"/>
-    <p:sldId id="272" r:id="rId14"/>
-    <p:sldId id="280" r:id="rId15"/>
-    <p:sldId id="281" r:id="rId16"/>
-    <p:sldId id="283" r:id="rId17"/>
-    <p:sldId id="277" r:id="rId18"/>
-    <p:sldId id="271" r:id="rId19"/>
+    <p:sldId id="269" r:id="rId9"/>
+    <p:sldId id="274" r:id="rId10"/>
+    <p:sldId id="260" r:id="rId11"/>
+    <p:sldId id="263" r:id="rId12"/>
+    <p:sldId id="272" r:id="rId13"/>
+    <p:sldId id="280" r:id="rId14"/>
+    <p:sldId id="281" r:id="rId15"/>
+    <p:sldId id="283" r:id="rId16"/>
+    <p:sldId id="277" r:id="rId17"/>
+    <p:sldId id="271" r:id="rId18"/>
   </p:sldIdLst>
   <p:sldSz cx="12192000" cy="6858000"/>
   <p:notesSz cx="6858000" cy="9144000"/>
@@ -126,7 +125,18 @@
   </p:defaultTextStyle>
   <p:extLst>
     <p:ext uri="{EFAFB233-063F-42B5-8137-9DF3F51BA10A}">
-      <p15:sldGuideLst xmlns:p15="http://schemas.microsoft.com/office/powerpoint/2012/main" xmlns=""/>
+      <p15:sldGuideLst xmlns:p15="http://schemas.microsoft.com/office/powerpoint/2012/main">
+        <p15:guide id="1" orient="horz" pos="2160">
+          <p15:clr>
+            <a:srgbClr val="A4A3A4"/>
+          </p15:clr>
+        </p15:guide>
+        <p15:guide id="2" pos="3840">
+          <p15:clr>
+            <a:srgbClr val="A4A3A4"/>
+          </p15:clr>
+        </p15:guide>
+      </p15:sldGuideLst>
     </p:ext>
   </p:extLst>
 </p:presentation>
@@ -215,7 +225,7 @@
             <a:fld id="{56FE5D87-1601-4890-AFDF-A507E492D5C7}" type="datetimeFigureOut">
               <a:rPr lang="fr-FR" smtClean="0"/>
               <a:pPr/>
-              <a:t>18/12/2014</a:t>
+              <a:t>19/12/2014</a:t>
             </a:fld>
             <a:endParaRPr lang="fr-FR"/>
           </a:p>
@@ -384,7 +394,7 @@
     </p:spTree>
     <p:extLst>
       <p:ext uri="{BB962C8B-B14F-4D97-AF65-F5344CB8AC3E}">
-        <p14:creationId xmlns:p14="http://schemas.microsoft.com/office/powerpoint/2010/main" xmlns="" val="1090462513"/>
+        <p14:creationId xmlns:p14="http://schemas.microsoft.com/office/powerpoint/2010/main" val="1090462513"/>
       </p:ext>
     </p:extLst>
   </p:cSld>
@@ -567,7 +577,7 @@
     </p:spTree>
     <p:extLst>
       <p:ext uri="{BB962C8B-B14F-4D97-AF65-F5344CB8AC3E}">
-        <p14:creationId xmlns:p14="http://schemas.microsoft.com/office/powerpoint/2010/main" xmlns="" val="1133219927"/>
+        <p14:creationId xmlns:p14="http://schemas.microsoft.com/office/powerpoint/2010/main" val="1133219927"/>
       </p:ext>
     </p:extLst>
   </p:cSld>
@@ -674,7 +684,7 @@
     </p:spTree>
     <p:extLst>
       <p:ext uri="{BB962C8B-B14F-4D97-AF65-F5344CB8AC3E}">
-        <p14:creationId xmlns:p14="http://schemas.microsoft.com/office/powerpoint/2010/main" xmlns="" val="1570164268"/>
+        <p14:creationId xmlns:p14="http://schemas.microsoft.com/office/powerpoint/2010/main" val="1570164268"/>
       </p:ext>
     </p:extLst>
   </p:cSld>
@@ -776,7 +786,7 @@
     </p:spTree>
     <p:extLst>
       <p:ext uri="{BB962C8B-B14F-4D97-AF65-F5344CB8AC3E}">
-        <p14:creationId xmlns:p14="http://schemas.microsoft.com/office/powerpoint/2010/main" xmlns="" val="214322809"/>
+        <p14:creationId xmlns:p14="http://schemas.microsoft.com/office/powerpoint/2010/main" val="214322809"/>
       </p:ext>
     </p:extLst>
   </p:cSld>
@@ -908,7 +918,7 @@
             <a:fld id="{B86C6EC0-2587-492D-BA5C-73FFFD801B36}" type="slidenum">
               <a:rPr lang="fr-FR" smtClean="0"/>
               <a:pPr/>
-              <a:t>10</a:t>
+              <a:t>9</a:t>
             </a:fld>
             <a:endParaRPr lang="fr-FR"/>
           </a:p>
@@ -917,7 +927,7 @@
     </p:spTree>
     <p:extLst>
       <p:ext uri="{BB962C8B-B14F-4D97-AF65-F5344CB8AC3E}">
-        <p14:creationId xmlns:p14="http://schemas.microsoft.com/office/powerpoint/2010/main" xmlns="" val="965702319"/>
+        <p14:creationId xmlns:p14="http://schemas.microsoft.com/office/powerpoint/2010/main" val="965702319"/>
       </p:ext>
     </p:extLst>
   </p:cSld>
@@ -1058,7 +1068,7 @@
           <a:p>
             <a:fld id="{F43B295C-2117-4A3B-ADCB-16A0EC4C0D2D}" type="datetime1">
               <a:rPr lang="fr-FR" smtClean="0"/>
-              <a:t>18/12/2014</a:t>
+              <a:t>19/12/2014</a:t>
             </a:fld>
             <a:endParaRPr lang="fr-FR"/>
           </a:p>
@@ -1110,7 +1120,7 @@
     </p:spTree>
     <p:extLst>
       <p:ext uri="{BB962C8B-B14F-4D97-AF65-F5344CB8AC3E}">
-        <p14:creationId xmlns:p14="http://schemas.microsoft.com/office/powerpoint/2010/main" xmlns="" val="2528983824"/>
+        <p14:creationId xmlns:p14="http://schemas.microsoft.com/office/powerpoint/2010/main" val="2528983824"/>
       </p:ext>
     </p:extLst>
   </p:cSld>
@@ -1229,7 +1239,7 @@
           <a:p>
             <a:fld id="{B37E0099-09ED-42E9-9A45-C8F66AEBB391}" type="datetime1">
               <a:rPr lang="fr-FR" smtClean="0"/>
-              <a:t>18/12/2014</a:t>
+              <a:t>19/12/2014</a:t>
             </a:fld>
             <a:endParaRPr lang="fr-FR"/>
           </a:p>
@@ -1281,7 +1291,7 @@
     </p:spTree>
     <p:extLst>
       <p:ext uri="{BB962C8B-B14F-4D97-AF65-F5344CB8AC3E}">
-        <p14:creationId xmlns:p14="http://schemas.microsoft.com/office/powerpoint/2010/main" xmlns="" val="2637447174"/>
+        <p14:creationId xmlns:p14="http://schemas.microsoft.com/office/powerpoint/2010/main" val="2637447174"/>
       </p:ext>
     </p:extLst>
   </p:cSld>
@@ -1410,7 +1420,7 @@
           <a:p>
             <a:fld id="{EB10D6CE-3799-4B25-9E03-ED7897AC46F6}" type="datetime1">
               <a:rPr lang="fr-FR" smtClean="0"/>
-              <a:t>18/12/2014</a:t>
+              <a:t>19/12/2014</a:t>
             </a:fld>
             <a:endParaRPr lang="fr-FR"/>
           </a:p>
@@ -1462,7 +1472,7 @@
     </p:spTree>
     <p:extLst>
       <p:ext uri="{BB962C8B-B14F-4D97-AF65-F5344CB8AC3E}">
-        <p14:creationId xmlns:p14="http://schemas.microsoft.com/office/powerpoint/2010/main" xmlns="" val="2257285068"/>
+        <p14:creationId xmlns:p14="http://schemas.microsoft.com/office/powerpoint/2010/main" val="2257285068"/>
       </p:ext>
     </p:extLst>
   </p:cSld>
@@ -1581,7 +1591,7 @@
           <a:p>
             <a:fld id="{10452928-6572-4762-9237-3F7386C27F39}" type="datetime1">
               <a:rPr lang="fr-FR" smtClean="0"/>
-              <a:t>18/12/2014</a:t>
+              <a:t>19/12/2014</a:t>
             </a:fld>
             <a:endParaRPr lang="fr-FR"/>
           </a:p>
@@ -1633,7 +1643,7 @@
     </p:spTree>
     <p:extLst>
       <p:ext uri="{BB962C8B-B14F-4D97-AF65-F5344CB8AC3E}">
-        <p14:creationId xmlns:p14="http://schemas.microsoft.com/office/powerpoint/2010/main" xmlns="" val="1915949998"/>
+        <p14:creationId xmlns:p14="http://schemas.microsoft.com/office/powerpoint/2010/main" val="1915949998"/>
       </p:ext>
     </p:extLst>
   </p:cSld>
@@ -1828,7 +1838,7 @@
           <a:p>
             <a:fld id="{B90D865F-CAA3-48B6-B6CA-BA015A2D96F5}" type="datetime1">
               <a:rPr lang="fr-FR" smtClean="0"/>
-              <a:t>18/12/2014</a:t>
+              <a:t>19/12/2014</a:t>
             </a:fld>
             <a:endParaRPr lang="fr-FR"/>
           </a:p>
@@ -1880,7 +1890,7 @@
     </p:spTree>
     <p:extLst>
       <p:ext uri="{BB962C8B-B14F-4D97-AF65-F5344CB8AC3E}">
-        <p14:creationId xmlns:p14="http://schemas.microsoft.com/office/powerpoint/2010/main" xmlns="" val="4206111759"/>
+        <p14:creationId xmlns:p14="http://schemas.microsoft.com/office/powerpoint/2010/main" val="4206111759"/>
       </p:ext>
     </p:extLst>
   </p:cSld>
@@ -2061,7 +2071,7 @@
           <a:p>
             <a:fld id="{527E8541-7182-42B1-9D8B-9D6033CA56C0}" type="datetime1">
               <a:rPr lang="fr-FR" smtClean="0"/>
-              <a:t>18/12/2014</a:t>
+              <a:t>19/12/2014</a:t>
             </a:fld>
             <a:endParaRPr lang="fr-FR"/>
           </a:p>
@@ -2113,7 +2123,7 @@
     </p:spTree>
     <p:extLst>
       <p:ext uri="{BB962C8B-B14F-4D97-AF65-F5344CB8AC3E}">
-        <p14:creationId xmlns:p14="http://schemas.microsoft.com/office/powerpoint/2010/main" xmlns="" val="4183815157"/>
+        <p14:creationId xmlns:p14="http://schemas.microsoft.com/office/powerpoint/2010/main" val="4183815157"/>
       </p:ext>
     </p:extLst>
   </p:cSld>
@@ -2429,7 +2439,7 @@
           <a:p>
             <a:fld id="{C238692D-E5FA-42A2-ABB8-DFED4D2C27E9}" type="datetime1">
               <a:rPr lang="fr-FR" smtClean="0"/>
-              <a:t>18/12/2014</a:t>
+              <a:t>19/12/2014</a:t>
             </a:fld>
             <a:endParaRPr lang="fr-FR"/>
           </a:p>
@@ -2481,7 +2491,7 @@
     </p:spTree>
     <p:extLst>
       <p:ext uri="{BB962C8B-B14F-4D97-AF65-F5344CB8AC3E}">
-        <p14:creationId xmlns:p14="http://schemas.microsoft.com/office/powerpoint/2010/main" xmlns="" val="3593390445"/>
+        <p14:creationId xmlns:p14="http://schemas.microsoft.com/office/powerpoint/2010/main" val="3593390445"/>
       </p:ext>
     </p:extLst>
   </p:cSld>
@@ -2548,7 +2558,7 @@
           <a:p>
             <a:fld id="{A17067F4-B6D4-42EA-BBB7-E66D6D962493}" type="datetime1">
               <a:rPr lang="fr-FR" smtClean="0"/>
-              <a:t>18/12/2014</a:t>
+              <a:t>19/12/2014</a:t>
             </a:fld>
             <a:endParaRPr lang="fr-FR"/>
           </a:p>
@@ -2600,7 +2610,7 @@
     </p:spTree>
     <p:extLst>
       <p:ext uri="{BB962C8B-B14F-4D97-AF65-F5344CB8AC3E}">
-        <p14:creationId xmlns:p14="http://schemas.microsoft.com/office/powerpoint/2010/main" xmlns="" val="393437150"/>
+        <p14:creationId xmlns:p14="http://schemas.microsoft.com/office/powerpoint/2010/main" val="393437150"/>
       </p:ext>
     </p:extLst>
   </p:cSld>
@@ -2644,7 +2654,7 @@
           <a:p>
             <a:fld id="{0E147812-1C73-4CFE-86A7-504C91E63FA8}" type="datetime1">
               <a:rPr lang="fr-FR" smtClean="0"/>
-              <a:t>18/12/2014</a:t>
+              <a:t>19/12/2014</a:t>
             </a:fld>
             <a:endParaRPr lang="fr-FR"/>
           </a:p>
@@ -2696,7 +2706,7 @@
     </p:spTree>
     <p:extLst>
       <p:ext uri="{BB962C8B-B14F-4D97-AF65-F5344CB8AC3E}">
-        <p14:creationId xmlns:p14="http://schemas.microsoft.com/office/powerpoint/2010/main" xmlns="" val="1050396235"/>
+        <p14:creationId xmlns:p14="http://schemas.microsoft.com/office/powerpoint/2010/main" val="1050396235"/>
       </p:ext>
     </p:extLst>
   </p:cSld>
@@ -2922,7 +2932,7 @@
           <a:p>
             <a:fld id="{B1DB5F3B-BE95-4CAC-8294-0DFF6AE6D132}" type="datetime1">
               <a:rPr lang="fr-FR" smtClean="0"/>
-              <a:t>18/12/2014</a:t>
+              <a:t>19/12/2014</a:t>
             </a:fld>
             <a:endParaRPr lang="fr-FR"/>
           </a:p>
@@ -2974,7 +2984,7 @@
     </p:spTree>
     <p:extLst>
       <p:ext uri="{BB962C8B-B14F-4D97-AF65-F5344CB8AC3E}">
-        <p14:creationId xmlns:p14="http://schemas.microsoft.com/office/powerpoint/2010/main" xmlns="" val="3592825873"/>
+        <p14:creationId xmlns:p14="http://schemas.microsoft.com/office/powerpoint/2010/main" val="3592825873"/>
       </p:ext>
     </p:extLst>
   </p:cSld>
@@ -3176,7 +3186,7 @@
           <a:p>
             <a:fld id="{C6D59815-2BCA-4F3B-B450-63C11599A471}" type="datetime1">
               <a:rPr lang="fr-FR" smtClean="0"/>
-              <a:t>18/12/2014</a:t>
+              <a:t>19/12/2014</a:t>
             </a:fld>
             <a:endParaRPr lang="fr-FR"/>
           </a:p>
@@ -3228,7 +3238,7 @@
     </p:spTree>
     <p:extLst>
       <p:ext uri="{BB962C8B-B14F-4D97-AF65-F5344CB8AC3E}">
-        <p14:creationId xmlns:p14="http://schemas.microsoft.com/office/powerpoint/2010/main" xmlns="" val="2888419866"/>
+        <p14:creationId xmlns:p14="http://schemas.microsoft.com/office/powerpoint/2010/main" val="2888419866"/>
       </p:ext>
     </p:extLst>
   </p:cSld>
@@ -3390,7 +3400,7 @@
           <a:p>
             <a:fld id="{0E124EAE-0F6F-4BE3-8C0F-EC8476FA8211}" type="datetime1">
               <a:rPr lang="fr-FR" smtClean="0"/>
-              <a:t>18/12/2014</a:t>
+              <a:t>19/12/2014</a:t>
             </a:fld>
             <a:endParaRPr lang="fr-FR"/>
           </a:p>
@@ -3478,7 +3488,7 @@
     </p:spTree>
     <p:extLst>
       <p:ext uri="{BB962C8B-B14F-4D97-AF65-F5344CB8AC3E}">
-        <p14:creationId xmlns:p14="http://schemas.microsoft.com/office/powerpoint/2010/main" xmlns="" val="3873460095"/>
+        <p14:creationId xmlns:p14="http://schemas.microsoft.com/office/powerpoint/2010/main" val="3873460095"/>
       </p:ext>
     </p:extLst>
   </p:cSld>
@@ -4022,7 +4032,7 @@
     </p:spTree>
     <p:extLst>
       <p:ext uri="{BB962C8B-B14F-4D97-AF65-F5344CB8AC3E}">
-        <p14:creationId xmlns:p14="http://schemas.microsoft.com/office/powerpoint/2010/main" xmlns="" val="3827174663"/>
+        <p14:creationId xmlns:p14="http://schemas.microsoft.com/office/powerpoint/2010/main" val="3827174663"/>
       </p:ext>
     </p:extLst>
   </p:cSld>
@@ -4058,7 +4068,7 @@
       </p:grpSpPr>
       <p:sp>
         <p:nvSpPr>
-          <p:cNvPr id="8" name="ZoneTexte 7"/>
+          <p:cNvPr id="7" name="ZoneTexte 6"/>
           <p:cNvSpPr txBox="1"/>
           <p:nvPr/>
         </p:nvSpPr>
@@ -4088,7 +4098,7 @@
       </p:sp>
       <p:sp>
         <p:nvSpPr>
-          <p:cNvPr id="7" name="ZoneTexte 6"/>
+          <p:cNvPr id="6" name="ZoneTexte 5"/>
           <p:cNvSpPr txBox="1"/>
           <p:nvPr/>
         </p:nvSpPr>
@@ -4133,95 +4143,22 @@
           <a:p>
             <a:r>
               <a:rPr lang="fr-FR" dirty="0" smtClean="0"/>
-              <a:t>Illustration</a:t>
+              <a:t>Une approche : </a:t>
+            </a:r>
+            <a:br>
+              <a:rPr lang="fr-FR" dirty="0" smtClean="0"/>
+            </a:br>
+            <a:r>
+              <a:rPr lang="fr-FR" dirty="0" smtClean="0"/>
+              <a:t>	Application à la dégradation 	de données de géolocalisation</a:t>
             </a:r>
             <a:endParaRPr lang="fr-FR" dirty="0"/>
           </a:p>
         </p:txBody>
       </p:sp>
-      <p:pic>
-        <p:nvPicPr>
-          <p:cNvPr id="4" name="Espace réservé du contenu 3"/>
-          <p:cNvPicPr>
-            <a:picLocks noGrp="1" noChangeAspect="1"/>
-          </p:cNvPicPr>
-          <p:nvPr>
-            <p:ph idx="1"/>
-          </p:nvPr>
-        </p:nvPicPr>
-        <p:blipFill>
-          <a:blip r:embed="rId3" cstate="print"/>
-          <a:stretch>
-            <a:fillRect/>
-          </a:stretch>
-        </p:blipFill>
-        <p:spPr>
-          <a:xfrm>
-            <a:off x="1151568" y="1690688"/>
-            <a:ext cx="9888864" cy="3543070"/>
-          </a:xfrm>
-          <a:prstGeom prst="rect">
-            <a:avLst/>
-          </a:prstGeom>
-        </p:spPr>
-      </p:pic>
-      <p:sp>
-        <p:nvSpPr>
-          <p:cNvPr id="5" name="ZoneTexte 4"/>
-          <p:cNvSpPr txBox="1"/>
-          <p:nvPr/>
-        </p:nvSpPr>
-        <p:spPr>
-          <a:xfrm>
-            <a:off x="0" y="0"/>
-            <a:ext cx="4944752" cy="369332"/>
-          </a:xfrm>
-          <a:prstGeom prst="rect">
-            <a:avLst/>
-          </a:prstGeom>
-          <a:noFill/>
-        </p:spPr>
-        <p:txBody>
-          <a:bodyPr wrap="none" rtlCol="0">
-            <a:spAutoFit/>
-          </a:bodyPr>
-          <a:lstStyle/>
-          <a:p>
-            <a:r>
-              <a:rPr lang="fr-FR" dirty="0" smtClean="0">
-                <a:solidFill>
-                  <a:schemeClr val="bg1"/>
-                </a:solidFill>
-              </a:rPr>
-              <a:t>Exposé du problème -&gt; </a:t>
-            </a:r>
-            <a:r>
-              <a:rPr lang="fr-FR" b="1" dirty="0" smtClean="0">
-                <a:solidFill>
-                  <a:schemeClr val="bg1"/>
-                </a:solidFill>
-              </a:rPr>
-              <a:t>Solution</a:t>
-            </a:r>
-            <a:r>
-              <a:rPr lang="fr-FR" dirty="0" smtClean="0">
-                <a:solidFill>
-                  <a:schemeClr val="bg1"/>
-                </a:solidFill>
-              </a:rPr>
-              <a:t> -&gt; Notre approche</a:t>
-            </a:r>
-            <a:endParaRPr lang="fr-FR" dirty="0">
-              <a:solidFill>
-                <a:schemeClr val="bg1"/>
-              </a:solidFill>
-            </a:endParaRPr>
-          </a:p>
-        </p:txBody>
-      </p:sp>
-      <p:sp>
-        <p:nvSpPr>
-          <p:cNvPr id="9" name="Espace réservé du numéro de diapositive 4"/>
+      <p:sp>
+        <p:nvSpPr>
+          <p:cNvPr id="8" name="Espace réservé du numéro de diapositive 4"/>
           <p:cNvSpPr>
             <a:spLocks noGrp="1"/>
           </p:cNvSpPr>
@@ -4276,7 +4213,7 @@
     </p:spTree>
     <p:extLst>
       <p:ext uri="{BB962C8B-B14F-4D97-AF65-F5344CB8AC3E}">
-        <p14:creationId xmlns:p14="http://schemas.microsoft.com/office/powerpoint/2010/main" xmlns="" val="1116215067"/>
+        <p14:creationId xmlns:p14="http://schemas.microsoft.com/office/powerpoint/2010/main" val="2936282269"/>
       </p:ext>
     </p:extLst>
   </p:cSld>
@@ -4312,7 +4249,7 @@
       </p:grpSpPr>
       <p:sp>
         <p:nvSpPr>
-          <p:cNvPr id="7" name="ZoneTexte 6"/>
+          <p:cNvPr id="8" name="ZoneTexte 7"/>
           <p:cNvSpPr txBox="1"/>
           <p:nvPr/>
         </p:nvSpPr>
@@ -4342,7 +4279,7 @@
       </p:sp>
       <p:sp>
         <p:nvSpPr>
-          <p:cNvPr id="6" name="ZoneTexte 5"/>
+          <p:cNvPr id="7" name="ZoneTexte 6"/>
           <p:cNvSpPr txBox="1"/>
           <p:nvPr/>
         </p:nvSpPr>
@@ -4387,46 +4324,7 @@
           <a:p>
             <a:r>
               <a:rPr lang="fr-FR" dirty="0" smtClean="0"/>
-              <a:t>Une</a:t>
-            </a:r>
-            <a:r>
-              <a:rPr lang="fr-FR" dirty="0" smtClean="0"/>
-              <a:t> </a:t>
-            </a:r>
-            <a:r>
-              <a:rPr lang="fr-FR" dirty="0" smtClean="0"/>
-              <a:t>approche : </a:t>
-            </a:r>
-            <a:r>
-              <a:rPr lang="fr-FR" dirty="0" smtClean="0"/>
-              <a:t/>
-            </a:r>
-            <a:br>
-              <a:rPr lang="fr-FR" dirty="0" smtClean="0"/>
-            </a:br>
-            <a:r>
-              <a:rPr lang="fr-FR" dirty="0" smtClean="0"/>
-              <a:t>	</a:t>
-            </a:r>
-            <a:r>
-              <a:rPr lang="fr-FR" dirty="0" smtClean="0"/>
-              <a:t>A</a:t>
-            </a:r>
-            <a:r>
-              <a:rPr lang="fr-FR" dirty="0" smtClean="0"/>
-              <a:t>pplication </a:t>
-            </a:r>
-            <a:r>
-              <a:rPr lang="fr-FR" dirty="0" smtClean="0"/>
-              <a:t>à la dégradation </a:t>
-            </a:r>
-            <a:r>
-              <a:rPr lang="fr-FR" dirty="0" smtClean="0"/>
-              <a:t>	de </a:t>
-            </a:r>
-            <a:r>
-              <a:rPr lang="fr-FR" dirty="0" smtClean="0"/>
-              <a:t>données de géolocalisation</a:t>
+              <a:t>Objectifs</a:t>
             </a:r>
             <a:endParaRPr lang="fr-FR" dirty="0"/>
           </a:p>
@@ -4434,7 +4332,143 @@
       </p:sp>
       <p:sp>
         <p:nvSpPr>
-          <p:cNvPr id="8" name="Espace réservé du numéro de diapositive 4"/>
+          <p:cNvPr id="3" name="Espace réservé du contenu 2"/>
+          <p:cNvSpPr>
+            <a:spLocks noGrp="1"/>
+          </p:cNvSpPr>
+          <p:nvPr>
+            <p:ph idx="1"/>
+          </p:nvPr>
+        </p:nvSpPr>
+        <p:spPr/>
+        <p:txBody>
+          <a:bodyPr>
+            <a:normAutofit lnSpcReduction="10000"/>
+          </a:bodyPr>
+          <a:lstStyle/>
+          <a:p>
+            <a:r>
+              <a:rPr lang="fr-FR" dirty="0" smtClean="0"/>
+              <a:t>Comme précédemment : disparition des données mais… progressive !</a:t>
+            </a:r>
+          </a:p>
+          <a:p>
+            <a:endParaRPr lang="fr-FR" dirty="0" smtClean="0"/>
+          </a:p>
+          <a:p>
+            <a:r>
+              <a:rPr lang="fr-FR" dirty="0" smtClean="0"/>
+              <a:t>Un nouveau principe : la dégradation de données</a:t>
+            </a:r>
+          </a:p>
+          <a:p>
+            <a:pPr lvl="1"/>
+            <a:r>
+              <a:rPr lang="fr-FR" dirty="0" smtClean="0"/>
+              <a:t>Plusieurs états de la données, de moins en moins précis</a:t>
+            </a:r>
+          </a:p>
+          <a:p>
+            <a:pPr lvl="1"/>
+            <a:r>
+              <a:rPr lang="fr-FR" dirty="0" smtClean="0"/>
+              <a:t>Découle d’un nouveau modèle </a:t>
+            </a:r>
+            <a:r>
+              <a:rPr lang="fr-FR" dirty="0"/>
+              <a:t>économique de la valeur d’une </a:t>
+            </a:r>
+            <a:r>
+              <a:rPr lang="fr-FR" dirty="0" smtClean="0"/>
+              <a:t>donnée (2009)</a:t>
+            </a:r>
+            <a:endParaRPr lang="fr-FR" dirty="0"/>
+          </a:p>
+          <a:p>
+            <a:endParaRPr lang="fr-FR" dirty="0" smtClean="0"/>
+          </a:p>
+          <a:p>
+            <a:r>
+              <a:rPr lang="fr-FR" dirty="0" smtClean="0"/>
+              <a:t>Exemples</a:t>
+            </a:r>
+          </a:p>
+          <a:p>
+            <a:pPr lvl="1"/>
+            <a:r>
+              <a:rPr lang="fr-FR" dirty="0" smtClean="0"/>
+              <a:t>Point GPS -&gt; rectangle</a:t>
+            </a:r>
+          </a:p>
+          <a:p>
+            <a:pPr lvl="1"/>
+            <a:r>
+              <a:rPr lang="fr-FR" dirty="0" smtClean="0"/>
+              <a:t>Minute -&gt; semaine</a:t>
+            </a:r>
+          </a:p>
+          <a:p>
+            <a:pPr lvl="1"/>
+            <a:r>
+              <a:rPr lang="fr-FR" dirty="0" smtClean="0"/>
+              <a:t>Le dragon du bonheur -&gt; restaurant chinois</a:t>
+            </a:r>
+          </a:p>
+          <a:p>
+            <a:pPr lvl="1"/>
+            <a:endParaRPr lang="fr-FR" dirty="0"/>
+          </a:p>
+        </p:txBody>
+      </p:sp>
+      <p:sp>
+        <p:nvSpPr>
+          <p:cNvPr id="4" name="ZoneTexte 3"/>
+          <p:cNvSpPr txBox="1"/>
+          <p:nvPr/>
+        </p:nvSpPr>
+        <p:spPr>
+          <a:xfrm>
+            <a:off x="0" y="0"/>
+            <a:ext cx="4804392" cy="369332"/>
+          </a:xfrm>
+          <a:prstGeom prst="rect">
+            <a:avLst/>
+          </a:prstGeom>
+          <a:noFill/>
+        </p:spPr>
+        <p:txBody>
+          <a:bodyPr wrap="none" rtlCol="0">
+            <a:spAutoFit/>
+          </a:bodyPr>
+          <a:lstStyle/>
+          <a:p>
+            <a:r>
+              <a:rPr lang="fr-FR" dirty="0" smtClean="0">
+                <a:solidFill>
+                  <a:schemeClr val="bg1"/>
+                </a:solidFill>
+              </a:rPr>
+              <a:t>Exposé du problème -&gt; Solution -&gt; </a:t>
+            </a:r>
+            <a:r>
+              <a:rPr lang="fr-FR" b="1" dirty="0" smtClean="0">
+                <a:solidFill>
+                  <a:schemeClr val="bg1"/>
+                </a:solidFill>
+              </a:rPr>
+              <a:t>Une approche</a:t>
+            </a:r>
+            <a:endParaRPr lang="fr-FR" b="1" dirty="0">
+              <a:solidFill>
+                <a:schemeClr val="bg1"/>
+              </a:solidFill>
+            </a:endParaRPr>
+          </a:p>
+        </p:txBody>
+      </p:sp>
+      <p:sp>
+        <p:nvSpPr>
+          <p:cNvPr id="9" name="Espace réservé du numéro de diapositive 4"/>
           <p:cNvSpPr>
             <a:spLocks noGrp="1"/>
           </p:cNvSpPr>
@@ -4489,7 +4523,7 @@
     </p:spTree>
     <p:extLst>
       <p:ext uri="{BB962C8B-B14F-4D97-AF65-F5344CB8AC3E}">
-        <p14:creationId xmlns:p14="http://schemas.microsoft.com/office/powerpoint/2010/main" xmlns="" val="2936282269"/>
+        <p14:creationId xmlns:p14="http://schemas.microsoft.com/office/powerpoint/2010/main" val="859945632"/>
       </p:ext>
     </p:extLst>
   </p:cSld>
@@ -4525,7 +4559,7 @@
       </p:grpSpPr>
       <p:sp>
         <p:nvSpPr>
-          <p:cNvPr id="8" name="ZoneTexte 7"/>
+          <p:cNvPr id="26" name="ZoneTexte 25"/>
           <p:cNvSpPr txBox="1"/>
           <p:nvPr/>
         </p:nvSpPr>
@@ -4555,7 +4589,7 @@
       </p:sp>
       <p:sp>
         <p:nvSpPr>
-          <p:cNvPr id="7" name="ZoneTexte 6"/>
+          <p:cNvPr id="25" name="ZoneTexte 24"/>
           <p:cNvSpPr txBox="1"/>
           <p:nvPr/>
         </p:nvSpPr>
@@ -4600,7 +4634,7 @@
           <a:p>
             <a:r>
               <a:rPr lang="fr-FR" dirty="0" smtClean="0"/>
-              <a:t>Objectifs</a:t>
+              <a:t>Travail a exécuter</a:t>
             </a:r>
             <a:endParaRPr lang="fr-FR" dirty="0"/>
           </a:p>
@@ -4608,101 +4642,739 @@
       </p:sp>
       <p:sp>
         <p:nvSpPr>
-          <p:cNvPr id="3" name="Espace réservé du contenu 2"/>
-          <p:cNvSpPr>
-            <a:spLocks noGrp="1"/>
-          </p:cNvSpPr>
-          <p:nvPr>
-            <p:ph idx="1"/>
-          </p:nvPr>
-        </p:nvSpPr>
-        <p:spPr/>
-        <p:txBody>
-          <a:bodyPr>
-            <a:normAutofit lnSpcReduction="10000"/>
+          <p:cNvPr id="4" name="Rectangle 3"/>
+          <p:cNvSpPr/>
+          <p:nvPr/>
+        </p:nvSpPr>
+        <p:spPr>
+          <a:xfrm>
+            <a:off x="1488138" y="1895525"/>
+            <a:ext cx="2097743" cy="1096869"/>
+          </a:xfrm>
+          <a:prstGeom prst="rect">
+            <a:avLst/>
+          </a:prstGeom>
+        </p:spPr>
+        <p:style>
+          <a:lnRef idx="2">
+            <a:schemeClr val="accent1">
+              <a:shade val="50000"/>
+            </a:schemeClr>
+          </a:lnRef>
+          <a:fillRef idx="1">
+            <a:schemeClr val="accent1"/>
+          </a:fillRef>
+          <a:effectRef idx="0">
+            <a:schemeClr val="accent1"/>
+          </a:effectRef>
+          <a:fontRef idx="minor">
+            <a:schemeClr val="lt1"/>
+          </a:fontRef>
+        </p:style>
+        <p:txBody>
+          <a:bodyPr rtlCol="0" anchor="ctr"/>
+          <a:lstStyle/>
+          <a:p>
+            <a:pPr algn="ctr"/>
+            <a:r>
+              <a:rPr lang="fr-FR" dirty="0" smtClean="0"/>
+              <a:t>Bloc 1 : Dégradation des données</a:t>
+            </a:r>
+            <a:endParaRPr lang="fr-FR" dirty="0"/>
+          </a:p>
+        </p:txBody>
+      </p:sp>
+      <p:sp>
+        <p:nvSpPr>
+          <p:cNvPr id="6" name="Rectangle 5"/>
+          <p:cNvSpPr/>
+          <p:nvPr/>
+        </p:nvSpPr>
+        <p:spPr>
+          <a:xfrm>
+            <a:off x="1488139" y="3448237"/>
+            <a:ext cx="2097743" cy="1087904"/>
+          </a:xfrm>
+          <a:prstGeom prst="rect">
+            <a:avLst/>
+          </a:prstGeom>
+        </p:spPr>
+        <p:style>
+          <a:lnRef idx="2">
+            <a:schemeClr val="accent1">
+              <a:shade val="50000"/>
+            </a:schemeClr>
+          </a:lnRef>
+          <a:fillRef idx="1">
+            <a:schemeClr val="accent1"/>
+          </a:fillRef>
+          <a:effectRef idx="0">
+            <a:schemeClr val="accent1"/>
+          </a:effectRef>
+          <a:fontRef idx="minor">
+            <a:schemeClr val="lt1"/>
+          </a:fontRef>
+        </p:style>
+        <p:txBody>
+          <a:bodyPr rtlCol="0" anchor="ctr"/>
+          <a:lstStyle/>
+          <a:p>
+            <a:pPr algn="ctr"/>
+            <a:r>
+              <a:rPr lang="fr-FR" dirty="0" smtClean="0"/>
+              <a:t>Bloc 2 : Chiffrement de chaque niveau de granularité</a:t>
+            </a:r>
+            <a:endParaRPr lang="fr-FR" dirty="0"/>
+          </a:p>
+        </p:txBody>
+      </p:sp>
+      <p:sp>
+        <p:nvSpPr>
+          <p:cNvPr id="7" name="Rectangle 6"/>
+          <p:cNvSpPr/>
+          <p:nvPr/>
+        </p:nvSpPr>
+        <p:spPr>
+          <a:xfrm>
+            <a:off x="5764304" y="3448237"/>
+            <a:ext cx="2097743" cy="1087904"/>
+          </a:xfrm>
+          <a:prstGeom prst="rect">
+            <a:avLst/>
+          </a:prstGeom>
+        </p:spPr>
+        <p:style>
+          <a:lnRef idx="2">
+            <a:schemeClr val="accent1">
+              <a:shade val="50000"/>
+            </a:schemeClr>
+          </a:lnRef>
+          <a:fillRef idx="1">
+            <a:schemeClr val="accent1"/>
+          </a:fillRef>
+          <a:effectRef idx="0">
+            <a:schemeClr val="accent1"/>
+          </a:effectRef>
+          <a:fontRef idx="minor">
+            <a:schemeClr val="lt1"/>
+          </a:fontRef>
+        </p:style>
+        <p:txBody>
+          <a:bodyPr rtlCol="0" anchor="ctr"/>
+          <a:lstStyle/>
+          <a:p>
+            <a:pPr algn="ctr"/>
+            <a:r>
+              <a:rPr lang="fr-FR" dirty="0" smtClean="0"/>
+              <a:t>Bloc 3 : Découpe des clés</a:t>
+            </a:r>
+            <a:endParaRPr lang="fr-FR" dirty="0"/>
+          </a:p>
+        </p:txBody>
+      </p:sp>
+      <p:sp>
+        <p:nvSpPr>
+          <p:cNvPr id="8" name="Rectangle 7"/>
+          <p:cNvSpPr/>
+          <p:nvPr/>
+        </p:nvSpPr>
+        <p:spPr>
+          <a:xfrm>
+            <a:off x="1488138" y="4947162"/>
+            <a:ext cx="2097743" cy="960152"/>
+          </a:xfrm>
+          <a:prstGeom prst="rect">
+            <a:avLst/>
+          </a:prstGeom>
+        </p:spPr>
+        <p:style>
+          <a:lnRef idx="2">
+            <a:schemeClr val="accent1">
+              <a:shade val="50000"/>
+            </a:schemeClr>
+          </a:lnRef>
+          <a:fillRef idx="1">
+            <a:schemeClr val="accent1"/>
+          </a:fillRef>
+          <a:effectRef idx="0">
+            <a:schemeClr val="accent1"/>
+          </a:effectRef>
+          <a:fontRef idx="minor">
+            <a:schemeClr val="lt1"/>
+          </a:fontRef>
+        </p:style>
+        <p:txBody>
+          <a:bodyPr rtlCol="0" anchor="ctr"/>
+          <a:lstStyle/>
+          <a:p>
+            <a:pPr algn="ctr"/>
+            <a:r>
+              <a:rPr lang="fr-FR" dirty="0" smtClean="0"/>
+              <a:t>Bloc 4 : Hébergement des données</a:t>
+            </a:r>
+            <a:endParaRPr lang="fr-FR" dirty="0"/>
+          </a:p>
+        </p:txBody>
+      </p:sp>
+      <p:sp>
+        <p:nvSpPr>
+          <p:cNvPr id="10" name="Ellipse 9"/>
+          <p:cNvSpPr/>
+          <p:nvPr/>
+        </p:nvSpPr>
+        <p:spPr>
+          <a:xfrm>
+            <a:off x="5800163" y="4969805"/>
+            <a:ext cx="2026024" cy="1087904"/>
+          </a:xfrm>
+          <a:prstGeom prst="ellipse">
+            <a:avLst/>
+          </a:prstGeom>
+        </p:spPr>
+        <p:style>
+          <a:lnRef idx="2">
+            <a:schemeClr val="accent1">
+              <a:shade val="50000"/>
+            </a:schemeClr>
+          </a:lnRef>
+          <a:fillRef idx="1">
+            <a:schemeClr val="accent1"/>
+          </a:fillRef>
+          <a:effectRef idx="0">
+            <a:schemeClr val="accent1"/>
+          </a:effectRef>
+          <a:fontRef idx="minor">
+            <a:schemeClr val="lt1"/>
+          </a:fontRef>
+        </p:style>
+        <p:txBody>
+          <a:bodyPr rtlCol="0" anchor="ctr"/>
+          <a:lstStyle/>
+          <a:p>
+            <a:pPr algn="ctr"/>
+            <a:r>
+              <a:rPr lang="fr-FR" dirty="0" smtClean="0"/>
+              <a:t>DHT</a:t>
+            </a:r>
+            <a:endParaRPr lang="fr-FR" dirty="0"/>
+          </a:p>
+        </p:txBody>
+      </p:sp>
+      <p:cxnSp>
+        <p:nvCxnSpPr>
+          <p:cNvPr id="12" name="Connecteur droit avec flèche 11"/>
+          <p:cNvCxnSpPr>
+            <a:stCxn id="4" idx="2"/>
+            <a:endCxn id="6" idx="0"/>
+          </p:cNvCxnSpPr>
+          <p:nvPr/>
+        </p:nvCxnSpPr>
+        <p:spPr>
+          <a:xfrm>
+            <a:off x="2537010" y="2992394"/>
+            <a:ext cx="1" cy="455843"/>
+          </a:xfrm>
+          <a:prstGeom prst="straightConnector1">
+            <a:avLst/>
+          </a:prstGeom>
+          <a:ln>
+            <a:tailEnd type="triangle"/>
+          </a:ln>
+        </p:spPr>
+        <p:style>
+          <a:lnRef idx="1">
+            <a:schemeClr val="accent1"/>
+          </a:lnRef>
+          <a:fillRef idx="0">
+            <a:schemeClr val="accent1"/>
+          </a:fillRef>
+          <a:effectRef idx="0">
+            <a:schemeClr val="accent1"/>
+          </a:effectRef>
+          <a:fontRef idx="minor">
+            <a:schemeClr val="tx1"/>
+          </a:fontRef>
+        </p:style>
+      </p:cxnSp>
+      <p:cxnSp>
+        <p:nvCxnSpPr>
+          <p:cNvPr id="14" name="Connecteur droit avec flèche 13"/>
+          <p:cNvCxnSpPr>
+            <a:stCxn id="6" idx="2"/>
+            <a:endCxn id="8" idx="0"/>
+          </p:cNvCxnSpPr>
+          <p:nvPr/>
+        </p:nvCxnSpPr>
+        <p:spPr>
+          <a:xfrm flipH="1">
+            <a:off x="2537010" y="4536141"/>
+            <a:ext cx="1" cy="411021"/>
+          </a:xfrm>
+          <a:prstGeom prst="straightConnector1">
+            <a:avLst/>
+          </a:prstGeom>
+          <a:ln>
+            <a:tailEnd type="triangle"/>
+          </a:ln>
+        </p:spPr>
+        <p:style>
+          <a:lnRef idx="1">
+            <a:schemeClr val="accent1"/>
+          </a:lnRef>
+          <a:fillRef idx="0">
+            <a:schemeClr val="accent1"/>
+          </a:fillRef>
+          <a:effectRef idx="0">
+            <a:schemeClr val="accent1"/>
+          </a:effectRef>
+          <a:fontRef idx="minor">
+            <a:schemeClr val="tx1"/>
+          </a:fontRef>
+        </p:style>
+      </p:cxnSp>
+      <p:cxnSp>
+        <p:nvCxnSpPr>
+          <p:cNvPr id="16" name="Connecteur droit avec flèche 15"/>
+          <p:cNvCxnSpPr>
+            <a:stCxn id="6" idx="3"/>
+            <a:endCxn id="7" idx="1"/>
+          </p:cNvCxnSpPr>
+          <p:nvPr/>
+        </p:nvCxnSpPr>
+        <p:spPr>
+          <a:xfrm>
+            <a:off x="3585882" y="3992189"/>
+            <a:ext cx="2178422" cy="0"/>
+          </a:xfrm>
+          <a:prstGeom prst="straightConnector1">
+            <a:avLst/>
+          </a:prstGeom>
+          <a:ln>
+            <a:tailEnd type="triangle"/>
+          </a:ln>
+        </p:spPr>
+        <p:style>
+          <a:lnRef idx="1">
+            <a:schemeClr val="accent1"/>
+          </a:lnRef>
+          <a:fillRef idx="0">
+            <a:schemeClr val="accent1"/>
+          </a:fillRef>
+          <a:effectRef idx="0">
+            <a:schemeClr val="accent1"/>
+          </a:effectRef>
+          <a:fontRef idx="minor">
+            <a:schemeClr val="tx1"/>
+          </a:fontRef>
+        </p:style>
+      </p:cxnSp>
+      <p:cxnSp>
+        <p:nvCxnSpPr>
+          <p:cNvPr id="18" name="Connecteur droit avec flèche 17"/>
+          <p:cNvCxnSpPr>
+            <a:stCxn id="7" idx="2"/>
+            <a:endCxn id="10" idx="0"/>
+          </p:cNvCxnSpPr>
+          <p:nvPr/>
+        </p:nvCxnSpPr>
+        <p:spPr>
+          <a:xfrm flipH="1">
+            <a:off x="6813175" y="4536141"/>
+            <a:ext cx="1" cy="433664"/>
+          </a:xfrm>
+          <a:prstGeom prst="straightConnector1">
+            <a:avLst/>
+          </a:prstGeom>
+          <a:ln>
+            <a:tailEnd type="triangle"/>
+          </a:ln>
+        </p:spPr>
+        <p:style>
+          <a:lnRef idx="1">
+            <a:schemeClr val="accent1"/>
+          </a:lnRef>
+          <a:fillRef idx="0">
+            <a:schemeClr val="accent1"/>
+          </a:fillRef>
+          <a:effectRef idx="0">
+            <a:schemeClr val="accent1"/>
+          </a:effectRef>
+          <a:fontRef idx="minor">
+            <a:schemeClr val="tx1"/>
+          </a:fontRef>
+        </p:style>
+      </p:cxnSp>
+      <p:sp>
+        <p:nvSpPr>
+          <p:cNvPr id="19" name="Émoticône 18"/>
+          <p:cNvSpPr/>
+          <p:nvPr/>
+        </p:nvSpPr>
+        <p:spPr>
+          <a:xfrm>
+            <a:off x="8301318" y="995245"/>
+            <a:ext cx="914400" cy="914400"/>
+          </a:xfrm>
+          <a:prstGeom prst="smileyFace">
+            <a:avLst/>
+          </a:prstGeom>
+        </p:spPr>
+        <p:style>
+          <a:lnRef idx="2">
+            <a:schemeClr val="accent1">
+              <a:shade val="50000"/>
+            </a:schemeClr>
+          </a:lnRef>
+          <a:fillRef idx="1">
+            <a:schemeClr val="accent1"/>
+          </a:fillRef>
+          <a:effectRef idx="0">
+            <a:schemeClr val="accent1"/>
+          </a:effectRef>
+          <a:fontRef idx="minor">
+            <a:schemeClr val="lt1"/>
+          </a:fontRef>
+        </p:style>
+        <p:txBody>
+          <a:bodyPr rtlCol="0" anchor="ctr"/>
+          <a:lstStyle/>
+          <a:p>
+            <a:pPr algn="ctr"/>
+            <a:endParaRPr lang="fr-FR"/>
+          </a:p>
+        </p:txBody>
+      </p:sp>
+      <p:cxnSp>
+        <p:nvCxnSpPr>
+          <p:cNvPr id="21" name="Connecteur en angle 20"/>
+          <p:cNvCxnSpPr>
+            <a:stCxn id="10" idx="6"/>
+            <a:endCxn id="19" idx="6"/>
+          </p:cNvCxnSpPr>
+          <p:nvPr/>
+        </p:nvCxnSpPr>
+        <p:spPr>
+          <a:xfrm flipV="1">
+            <a:off x="7826187" y="1452445"/>
+            <a:ext cx="1389531" cy="4061312"/>
+          </a:xfrm>
+          <a:prstGeom prst="bentConnector3">
+            <a:avLst>
+              <a:gd name="adj1" fmla="val 175807"/>
+            </a:avLst>
+          </a:prstGeom>
+          <a:ln>
+            <a:tailEnd type="triangle"/>
+          </a:ln>
+        </p:spPr>
+        <p:style>
+          <a:lnRef idx="1">
+            <a:schemeClr val="accent1"/>
+          </a:lnRef>
+          <a:fillRef idx="0">
+            <a:schemeClr val="accent1"/>
+          </a:fillRef>
+          <a:effectRef idx="0">
+            <a:schemeClr val="accent1"/>
+          </a:effectRef>
+          <a:fontRef idx="minor">
+            <a:schemeClr val="tx1"/>
+          </a:fontRef>
+        </p:style>
+      </p:cxnSp>
+      <p:cxnSp>
+        <p:nvCxnSpPr>
+          <p:cNvPr id="24" name="Connecteur en angle 23"/>
+          <p:cNvCxnSpPr/>
+          <p:nvPr/>
+        </p:nvCxnSpPr>
+        <p:spPr>
+          <a:xfrm rot="5400000" flipH="1" flipV="1">
+            <a:off x="3730197" y="404402"/>
+            <a:ext cx="4582621" cy="6678708"/>
+          </a:xfrm>
+          <a:prstGeom prst="bentConnector4">
+            <a:avLst>
+              <a:gd name="adj1" fmla="val -1821"/>
+              <a:gd name="adj2" fmla="val 115772"/>
+            </a:avLst>
+          </a:prstGeom>
+          <a:ln>
+            <a:tailEnd type="triangle"/>
+          </a:ln>
+        </p:spPr>
+        <p:style>
+          <a:lnRef idx="1">
+            <a:schemeClr val="accent1"/>
+          </a:lnRef>
+          <a:fillRef idx="0">
+            <a:schemeClr val="accent1"/>
+          </a:fillRef>
+          <a:effectRef idx="0">
+            <a:schemeClr val="accent1"/>
+          </a:effectRef>
+          <a:fontRef idx="minor">
+            <a:schemeClr val="tx1"/>
+          </a:fontRef>
+        </p:style>
+      </p:cxnSp>
+      <p:cxnSp>
+        <p:nvCxnSpPr>
+          <p:cNvPr id="27" name="Connecteur en angle 26"/>
+          <p:cNvCxnSpPr>
+            <a:stCxn id="19" idx="2"/>
+            <a:endCxn id="4" idx="0"/>
+          </p:cNvCxnSpPr>
+          <p:nvPr/>
+        </p:nvCxnSpPr>
+        <p:spPr>
+          <a:xfrm rot="10800000" flipV="1">
+            <a:off x="2537010" y="1452445"/>
+            <a:ext cx="5764308" cy="443080"/>
+          </a:xfrm>
+          <a:prstGeom prst="bentConnector2">
+            <a:avLst/>
+          </a:prstGeom>
+          <a:ln>
+            <a:tailEnd type="triangle"/>
+          </a:ln>
+        </p:spPr>
+        <p:style>
+          <a:lnRef idx="1">
+            <a:schemeClr val="accent1"/>
+          </a:lnRef>
+          <a:fillRef idx="0">
+            <a:schemeClr val="accent1"/>
+          </a:fillRef>
+          <a:effectRef idx="0">
+            <a:schemeClr val="accent1"/>
+          </a:effectRef>
+          <a:fontRef idx="minor">
+            <a:schemeClr val="tx1"/>
+          </a:fontRef>
+        </p:style>
+      </p:cxnSp>
+      <p:sp>
+        <p:nvSpPr>
+          <p:cNvPr id="43" name="ZoneTexte 42"/>
+          <p:cNvSpPr txBox="1"/>
+          <p:nvPr/>
+        </p:nvSpPr>
+        <p:spPr>
+          <a:xfrm>
+            <a:off x="2835566" y="4555188"/>
+            <a:ext cx="1875385" cy="369332"/>
+          </a:xfrm>
+          <a:prstGeom prst="rect">
+            <a:avLst/>
+          </a:prstGeom>
+          <a:noFill/>
+        </p:spPr>
+        <p:txBody>
+          <a:bodyPr wrap="none" rtlCol="0">
+            <a:spAutoFit/>
           </a:bodyPr>
           <a:lstStyle/>
           <a:p>
             <a:r>
               <a:rPr lang="fr-FR" dirty="0" smtClean="0"/>
-              <a:t>Comme </a:t>
-            </a:r>
-            <a:r>
-              <a:rPr lang="fr-FR" dirty="0" smtClean="0"/>
-              <a:t>précédemment : disparition des données mais… progressive !</a:t>
-            </a:r>
-          </a:p>
-          <a:p>
-            <a:endParaRPr lang="fr-FR" dirty="0" smtClean="0"/>
-          </a:p>
-          <a:p>
-            <a:r>
-              <a:rPr lang="fr-FR" dirty="0" smtClean="0"/>
-              <a:t>Un nouveau principe : la dégradation de données</a:t>
-            </a:r>
-          </a:p>
-          <a:p>
-            <a:pPr lvl="1"/>
-            <a:r>
-              <a:rPr lang="fr-FR" dirty="0" smtClean="0"/>
-              <a:t>Plusieurs états de la données, de moins en moins précis</a:t>
-            </a:r>
-          </a:p>
-          <a:p>
-            <a:pPr lvl="1"/>
-            <a:r>
-              <a:rPr lang="fr-FR" dirty="0" smtClean="0"/>
-              <a:t>Découle d’un nouveau modèle </a:t>
-            </a:r>
-            <a:r>
-              <a:rPr lang="fr-FR" dirty="0"/>
-              <a:t>économique de la valeur d’une </a:t>
-            </a:r>
-            <a:r>
-              <a:rPr lang="fr-FR" dirty="0" smtClean="0"/>
-              <a:t>donnée (2009)</a:t>
+              <a:t>Données chiffrées</a:t>
             </a:r>
             <a:endParaRPr lang="fr-FR" dirty="0"/>
           </a:p>
-          <a:p>
-            <a:endParaRPr lang="fr-FR" dirty="0" smtClean="0"/>
-          </a:p>
-          <a:p>
-            <a:r>
-              <a:rPr lang="fr-FR" dirty="0" smtClean="0"/>
-              <a:t>Exemples</a:t>
-            </a:r>
-          </a:p>
-          <a:p>
-            <a:pPr lvl="1"/>
-            <a:r>
-              <a:rPr lang="fr-FR" dirty="0" smtClean="0"/>
-              <a:t>Point GPS -&gt; rectangle</a:t>
-            </a:r>
-          </a:p>
-          <a:p>
-            <a:pPr lvl="1"/>
-            <a:r>
-              <a:rPr lang="fr-FR" dirty="0" smtClean="0"/>
-              <a:t>Minute -&gt; semaine</a:t>
-            </a:r>
-          </a:p>
-          <a:p>
-            <a:pPr lvl="1"/>
-            <a:r>
-              <a:rPr lang="fr-FR" dirty="0" smtClean="0"/>
-              <a:t>Le dragon du bonheur -&gt; restaurant chinois</a:t>
-            </a:r>
-          </a:p>
-          <a:p>
-            <a:pPr lvl="1"/>
+        </p:txBody>
+      </p:sp>
+      <p:sp>
+        <p:nvSpPr>
+          <p:cNvPr id="44" name="ZoneTexte 43"/>
+          <p:cNvSpPr txBox="1"/>
+          <p:nvPr/>
+        </p:nvSpPr>
+        <p:spPr>
+          <a:xfrm>
+            <a:off x="2537008" y="3040457"/>
+            <a:ext cx="2303964" cy="369332"/>
+          </a:xfrm>
+          <a:prstGeom prst="rect">
+            <a:avLst/>
+          </a:prstGeom>
+          <a:noFill/>
+        </p:spPr>
+        <p:txBody>
+          <a:bodyPr wrap="none" rtlCol="0">
+            <a:spAutoFit/>
+          </a:bodyPr>
+          <a:lstStyle/>
+          <a:p>
+            <a:r>
+              <a:rPr lang="fr-FR" dirty="0" smtClean="0"/>
+              <a:t>Niveaux de granularité</a:t>
+            </a:r>
             <a:endParaRPr lang="fr-FR" dirty="0"/>
           </a:p>
         </p:txBody>
       </p:sp>
       <p:sp>
         <p:nvSpPr>
-          <p:cNvPr id="4" name="ZoneTexte 3"/>
+          <p:cNvPr id="45" name="ZoneTexte 44"/>
+          <p:cNvSpPr txBox="1"/>
+          <p:nvPr/>
+        </p:nvSpPr>
+        <p:spPr>
+          <a:xfrm>
+            <a:off x="3737400" y="3613586"/>
+            <a:ext cx="1028167" cy="369332"/>
+          </a:xfrm>
+          <a:prstGeom prst="rect">
+            <a:avLst/>
+          </a:prstGeom>
+          <a:noFill/>
+        </p:spPr>
+        <p:txBody>
+          <a:bodyPr wrap="none" rtlCol="0">
+            <a:spAutoFit/>
+          </a:bodyPr>
+          <a:lstStyle/>
+          <a:p>
+            <a:r>
+              <a:rPr lang="fr-FR" dirty="0" smtClean="0"/>
+              <a:t>1 clé/</a:t>
+            </a:r>
+            <a:r>
+              <a:rPr lang="fr-FR" dirty="0" err="1" smtClean="0"/>
+              <a:t>niv</a:t>
+            </a:r>
+            <a:r>
+              <a:rPr lang="fr-FR" dirty="0" smtClean="0"/>
+              <a:t>.</a:t>
+            </a:r>
+            <a:endParaRPr lang="fr-FR" dirty="0"/>
+          </a:p>
+        </p:txBody>
+      </p:sp>
+      <p:sp>
+        <p:nvSpPr>
+          <p:cNvPr id="46" name="ZoneTexte 45"/>
+          <p:cNvSpPr txBox="1"/>
+          <p:nvPr/>
+        </p:nvSpPr>
+        <p:spPr>
+          <a:xfrm>
+            <a:off x="7071388" y="4577830"/>
+            <a:ext cx="1638269" cy="369332"/>
+          </a:xfrm>
+          <a:prstGeom prst="rect">
+            <a:avLst/>
+          </a:prstGeom>
+          <a:noFill/>
+        </p:spPr>
+        <p:txBody>
+          <a:bodyPr wrap="none" rtlCol="0">
+            <a:spAutoFit/>
+          </a:bodyPr>
+          <a:lstStyle/>
+          <a:p>
+            <a:r>
+              <a:rPr lang="fr-FR" dirty="0" smtClean="0"/>
+              <a:t>Clés découpées</a:t>
+            </a:r>
+            <a:endParaRPr lang="fr-FR" dirty="0"/>
+          </a:p>
+        </p:txBody>
+      </p:sp>
+      <p:sp>
+        <p:nvSpPr>
+          <p:cNvPr id="47" name="ZoneTexte 46"/>
+          <p:cNvSpPr txBox="1"/>
+          <p:nvPr/>
+        </p:nvSpPr>
+        <p:spPr>
+          <a:xfrm>
+            <a:off x="7976826" y="5524463"/>
+            <a:ext cx="1878206" cy="369332"/>
+          </a:xfrm>
+          <a:prstGeom prst="rect">
+            <a:avLst/>
+          </a:prstGeom>
+          <a:noFill/>
+        </p:spPr>
+        <p:txBody>
+          <a:bodyPr wrap="none" rtlCol="0">
+            <a:spAutoFit/>
+          </a:bodyPr>
+          <a:lstStyle/>
+          <a:p>
+            <a:r>
+              <a:rPr lang="fr-FR" dirty="0" smtClean="0"/>
+              <a:t>Clé de localisation</a:t>
+            </a:r>
+            <a:endParaRPr lang="fr-FR" dirty="0"/>
+          </a:p>
+        </p:txBody>
+      </p:sp>
+      <p:sp>
+        <p:nvSpPr>
+          <p:cNvPr id="48" name="ZoneTexte 47"/>
+          <p:cNvSpPr txBox="1"/>
+          <p:nvPr/>
+        </p:nvSpPr>
+        <p:spPr>
+          <a:xfrm>
+            <a:off x="3375127" y="6083446"/>
+            <a:ext cx="1891865" cy="369332"/>
+          </a:xfrm>
+          <a:prstGeom prst="rect">
+            <a:avLst/>
+          </a:prstGeom>
+          <a:noFill/>
+        </p:spPr>
+        <p:txBody>
+          <a:bodyPr wrap="none" rtlCol="0">
+            <a:spAutoFit/>
+          </a:bodyPr>
+          <a:lstStyle/>
+          <a:p>
+            <a:r>
+              <a:rPr lang="fr-FR" dirty="0" smtClean="0"/>
+              <a:t>Hash des données</a:t>
+            </a:r>
+            <a:endParaRPr lang="fr-FR" dirty="0"/>
+          </a:p>
+        </p:txBody>
+      </p:sp>
+      <p:sp>
+        <p:nvSpPr>
+          <p:cNvPr id="49" name="ZoneTexte 48"/>
+          <p:cNvSpPr txBox="1"/>
+          <p:nvPr/>
+        </p:nvSpPr>
+        <p:spPr>
+          <a:xfrm>
+            <a:off x="5158307" y="1030713"/>
+            <a:ext cx="2567306" cy="369332"/>
+          </a:xfrm>
+          <a:prstGeom prst="rect">
+            <a:avLst/>
+          </a:prstGeom>
+          <a:noFill/>
+        </p:spPr>
+        <p:txBody>
+          <a:bodyPr wrap="none" rtlCol="0">
+            <a:spAutoFit/>
+          </a:bodyPr>
+          <a:lstStyle/>
+          <a:p>
+            <a:r>
+              <a:rPr lang="fr-FR" dirty="0" smtClean="0"/>
+              <a:t>Données et durées de vie</a:t>
+            </a:r>
+            <a:endParaRPr lang="fr-FR" dirty="0"/>
+          </a:p>
+        </p:txBody>
+      </p:sp>
+      <p:sp>
+        <p:nvSpPr>
+          <p:cNvPr id="50" name="ZoneTexte 49"/>
           <p:cNvSpPr txBox="1"/>
           <p:nvPr/>
         </p:nvSpPr>
@@ -4736,15 +5408,7 @@
                   <a:schemeClr val="bg1"/>
                 </a:solidFill>
               </a:rPr>
-              <a:t>Une </a:t>
-            </a:r>
-            <a:r>
-              <a:rPr lang="fr-FR" b="1" dirty="0" smtClean="0">
-                <a:solidFill>
-                  <a:schemeClr val="bg1"/>
-                </a:solidFill>
-              </a:rPr>
-              <a:t>approche</a:t>
+              <a:t>Une approche</a:t>
             </a:r>
             <a:endParaRPr lang="fr-FR" b="1" dirty="0">
               <a:solidFill>
@@ -4756,7 +5420,7 @@
       </p:sp>
       <p:sp>
         <p:nvSpPr>
-          <p:cNvPr id="9" name="Espace réservé du numéro de diapositive 4"/>
+          <p:cNvPr id="28" name="Espace réservé du numéro de diapositive 4"/>
           <p:cNvSpPr>
             <a:spLocks noGrp="1"/>
           </p:cNvSpPr>
@@ -4811,7 +5475,7 @@
     </p:spTree>
     <p:extLst>
       <p:ext uri="{BB962C8B-B14F-4D97-AF65-F5344CB8AC3E}">
-        <p14:creationId xmlns:p14="http://schemas.microsoft.com/office/powerpoint/2010/main" xmlns="" val="859945632"/>
+        <p14:creationId xmlns:p14="http://schemas.microsoft.com/office/powerpoint/2010/main" val="463361665"/>
       </p:ext>
     </p:extLst>
   </p:cSld>
@@ -4847,7 +5511,7 @@
       </p:grpSpPr>
       <p:sp>
         <p:nvSpPr>
-          <p:cNvPr id="26" name="ZoneTexte 25"/>
+          <p:cNvPr id="8" name="ZoneTexte 7"/>
           <p:cNvSpPr txBox="1"/>
           <p:nvPr/>
         </p:nvSpPr>
@@ -4877,7 +5541,7 @@
       </p:sp>
       <p:sp>
         <p:nvSpPr>
-          <p:cNvPr id="25" name="ZoneTexte 24"/>
+          <p:cNvPr id="7" name="ZoneTexte 6"/>
           <p:cNvSpPr txBox="1"/>
           <p:nvPr/>
         </p:nvSpPr>
@@ -4922,7 +5586,7 @@
           <a:p>
             <a:r>
               <a:rPr lang="fr-FR" dirty="0" smtClean="0"/>
-              <a:t>Travail a exécuter</a:t>
+              <a:t>Chiffrement RSA</a:t>
             </a:r>
             <a:endParaRPr lang="fr-FR" dirty="0"/>
           </a:p>
@@ -4930,739 +5594,73 @@
       </p:sp>
       <p:sp>
         <p:nvSpPr>
-          <p:cNvPr id="4" name="Rectangle 3"/>
-          <p:cNvSpPr/>
-          <p:nvPr/>
-        </p:nvSpPr>
-        <p:spPr>
-          <a:xfrm>
-            <a:off x="1488138" y="1895525"/>
-            <a:ext cx="2097743" cy="1096869"/>
-          </a:xfrm>
-          <a:prstGeom prst="rect">
-            <a:avLst/>
-          </a:prstGeom>
-        </p:spPr>
-        <p:style>
-          <a:lnRef idx="2">
-            <a:schemeClr val="accent1">
-              <a:shade val="50000"/>
-            </a:schemeClr>
-          </a:lnRef>
-          <a:fillRef idx="1">
-            <a:schemeClr val="accent1"/>
-          </a:fillRef>
-          <a:effectRef idx="0">
-            <a:schemeClr val="accent1"/>
-          </a:effectRef>
-          <a:fontRef idx="minor">
-            <a:schemeClr val="lt1"/>
-          </a:fontRef>
-        </p:style>
-        <p:txBody>
-          <a:bodyPr rtlCol="0" anchor="ctr"/>
-          <a:lstStyle/>
-          <a:p>
-            <a:pPr algn="ctr"/>
-            <a:r>
-              <a:rPr lang="fr-FR" dirty="0" smtClean="0"/>
-              <a:t>Bloc 1 : Dégradation des données</a:t>
-            </a:r>
-            <a:endParaRPr lang="fr-FR" dirty="0"/>
-          </a:p>
-        </p:txBody>
-      </p:sp>
-      <p:sp>
-        <p:nvSpPr>
-          <p:cNvPr id="6" name="Rectangle 5"/>
-          <p:cNvSpPr/>
-          <p:nvPr/>
-        </p:nvSpPr>
-        <p:spPr>
-          <a:xfrm>
-            <a:off x="1488139" y="3448237"/>
-            <a:ext cx="2097743" cy="1087904"/>
-          </a:xfrm>
-          <a:prstGeom prst="rect">
-            <a:avLst/>
-          </a:prstGeom>
-        </p:spPr>
-        <p:style>
-          <a:lnRef idx="2">
-            <a:schemeClr val="accent1">
-              <a:shade val="50000"/>
-            </a:schemeClr>
-          </a:lnRef>
-          <a:fillRef idx="1">
-            <a:schemeClr val="accent1"/>
-          </a:fillRef>
-          <a:effectRef idx="0">
-            <a:schemeClr val="accent1"/>
-          </a:effectRef>
-          <a:fontRef idx="minor">
-            <a:schemeClr val="lt1"/>
-          </a:fontRef>
-        </p:style>
-        <p:txBody>
-          <a:bodyPr rtlCol="0" anchor="ctr"/>
-          <a:lstStyle/>
-          <a:p>
-            <a:pPr algn="ctr"/>
-            <a:r>
-              <a:rPr lang="fr-FR" dirty="0" smtClean="0"/>
-              <a:t>Bloc 2 : Chiffrement de chaque niveau de granularité</a:t>
-            </a:r>
-            <a:endParaRPr lang="fr-FR" dirty="0"/>
-          </a:p>
-        </p:txBody>
-      </p:sp>
-      <p:sp>
-        <p:nvSpPr>
-          <p:cNvPr id="7" name="Rectangle 6"/>
-          <p:cNvSpPr/>
-          <p:nvPr/>
-        </p:nvSpPr>
-        <p:spPr>
-          <a:xfrm>
-            <a:off x="5764304" y="3448237"/>
-            <a:ext cx="2097743" cy="1087904"/>
-          </a:xfrm>
-          <a:prstGeom prst="rect">
-            <a:avLst/>
-          </a:prstGeom>
-        </p:spPr>
-        <p:style>
-          <a:lnRef idx="2">
-            <a:schemeClr val="accent1">
-              <a:shade val="50000"/>
-            </a:schemeClr>
-          </a:lnRef>
-          <a:fillRef idx="1">
-            <a:schemeClr val="accent1"/>
-          </a:fillRef>
-          <a:effectRef idx="0">
-            <a:schemeClr val="accent1"/>
-          </a:effectRef>
-          <a:fontRef idx="minor">
-            <a:schemeClr val="lt1"/>
-          </a:fontRef>
-        </p:style>
-        <p:txBody>
-          <a:bodyPr rtlCol="0" anchor="ctr"/>
-          <a:lstStyle/>
-          <a:p>
-            <a:pPr algn="ctr"/>
-            <a:r>
-              <a:rPr lang="fr-FR" dirty="0" smtClean="0"/>
-              <a:t>Bloc 3 : Découpe des clés</a:t>
-            </a:r>
-            <a:endParaRPr lang="fr-FR" dirty="0"/>
-          </a:p>
-        </p:txBody>
-      </p:sp>
-      <p:sp>
-        <p:nvSpPr>
-          <p:cNvPr id="8" name="Rectangle 7"/>
-          <p:cNvSpPr/>
-          <p:nvPr/>
-        </p:nvSpPr>
-        <p:spPr>
-          <a:xfrm>
-            <a:off x="1488138" y="4947162"/>
-            <a:ext cx="2097743" cy="960152"/>
-          </a:xfrm>
-          <a:prstGeom prst="rect">
-            <a:avLst/>
-          </a:prstGeom>
-        </p:spPr>
-        <p:style>
-          <a:lnRef idx="2">
-            <a:schemeClr val="accent1">
-              <a:shade val="50000"/>
-            </a:schemeClr>
-          </a:lnRef>
-          <a:fillRef idx="1">
-            <a:schemeClr val="accent1"/>
-          </a:fillRef>
-          <a:effectRef idx="0">
-            <a:schemeClr val="accent1"/>
-          </a:effectRef>
-          <a:fontRef idx="minor">
-            <a:schemeClr val="lt1"/>
-          </a:fontRef>
-        </p:style>
-        <p:txBody>
-          <a:bodyPr rtlCol="0" anchor="ctr"/>
-          <a:lstStyle/>
-          <a:p>
-            <a:pPr algn="ctr"/>
-            <a:r>
-              <a:rPr lang="fr-FR" dirty="0" smtClean="0"/>
-              <a:t>Bloc 4 : Hébergement des données</a:t>
-            </a:r>
-            <a:endParaRPr lang="fr-FR" dirty="0"/>
-          </a:p>
-        </p:txBody>
-      </p:sp>
-      <p:sp>
-        <p:nvSpPr>
-          <p:cNvPr id="10" name="Ellipse 9"/>
-          <p:cNvSpPr/>
-          <p:nvPr/>
-        </p:nvSpPr>
-        <p:spPr>
-          <a:xfrm>
-            <a:off x="5800163" y="4969805"/>
-            <a:ext cx="2026024" cy="1087904"/>
-          </a:xfrm>
-          <a:prstGeom prst="ellipse">
-            <a:avLst/>
-          </a:prstGeom>
-        </p:spPr>
-        <p:style>
-          <a:lnRef idx="2">
-            <a:schemeClr val="accent1">
-              <a:shade val="50000"/>
-            </a:schemeClr>
-          </a:lnRef>
-          <a:fillRef idx="1">
-            <a:schemeClr val="accent1"/>
-          </a:fillRef>
-          <a:effectRef idx="0">
-            <a:schemeClr val="accent1"/>
-          </a:effectRef>
-          <a:fontRef idx="minor">
-            <a:schemeClr val="lt1"/>
-          </a:fontRef>
-        </p:style>
-        <p:txBody>
-          <a:bodyPr rtlCol="0" anchor="ctr"/>
-          <a:lstStyle/>
-          <a:p>
-            <a:pPr algn="ctr"/>
-            <a:r>
-              <a:rPr lang="fr-FR" dirty="0" smtClean="0"/>
-              <a:t>DHT</a:t>
-            </a:r>
-            <a:endParaRPr lang="fr-FR" dirty="0"/>
-          </a:p>
-        </p:txBody>
-      </p:sp>
-      <p:cxnSp>
-        <p:nvCxnSpPr>
-          <p:cNvPr id="12" name="Connecteur droit avec flèche 11"/>
-          <p:cNvCxnSpPr>
-            <a:stCxn id="4" idx="2"/>
-            <a:endCxn id="6" idx="0"/>
-          </p:cNvCxnSpPr>
-          <p:nvPr/>
-        </p:nvCxnSpPr>
-        <p:spPr>
-          <a:xfrm>
-            <a:off x="2537010" y="2992394"/>
-            <a:ext cx="1" cy="455843"/>
-          </a:xfrm>
-          <a:prstGeom prst="straightConnector1">
-            <a:avLst/>
-          </a:prstGeom>
-          <a:ln>
-            <a:tailEnd type="triangle"/>
-          </a:ln>
-        </p:spPr>
-        <p:style>
-          <a:lnRef idx="1">
-            <a:schemeClr val="accent1"/>
-          </a:lnRef>
-          <a:fillRef idx="0">
-            <a:schemeClr val="accent1"/>
-          </a:fillRef>
-          <a:effectRef idx="0">
-            <a:schemeClr val="accent1"/>
-          </a:effectRef>
-          <a:fontRef idx="minor">
-            <a:schemeClr val="tx1"/>
-          </a:fontRef>
-        </p:style>
-      </p:cxnSp>
-      <p:cxnSp>
-        <p:nvCxnSpPr>
-          <p:cNvPr id="14" name="Connecteur droit avec flèche 13"/>
-          <p:cNvCxnSpPr>
-            <a:stCxn id="6" idx="2"/>
-            <a:endCxn id="8" idx="0"/>
-          </p:cNvCxnSpPr>
-          <p:nvPr/>
-        </p:nvCxnSpPr>
-        <p:spPr>
-          <a:xfrm flipH="1">
-            <a:off x="2537010" y="4536141"/>
-            <a:ext cx="1" cy="411021"/>
-          </a:xfrm>
-          <a:prstGeom prst="straightConnector1">
-            <a:avLst/>
-          </a:prstGeom>
-          <a:ln>
-            <a:tailEnd type="triangle"/>
-          </a:ln>
-        </p:spPr>
-        <p:style>
-          <a:lnRef idx="1">
-            <a:schemeClr val="accent1"/>
-          </a:lnRef>
-          <a:fillRef idx="0">
-            <a:schemeClr val="accent1"/>
-          </a:fillRef>
-          <a:effectRef idx="0">
-            <a:schemeClr val="accent1"/>
-          </a:effectRef>
-          <a:fontRef idx="minor">
-            <a:schemeClr val="tx1"/>
-          </a:fontRef>
-        </p:style>
-      </p:cxnSp>
-      <p:cxnSp>
-        <p:nvCxnSpPr>
-          <p:cNvPr id="16" name="Connecteur droit avec flèche 15"/>
-          <p:cNvCxnSpPr>
-            <a:stCxn id="6" idx="3"/>
-            <a:endCxn id="7" idx="1"/>
-          </p:cNvCxnSpPr>
-          <p:nvPr/>
-        </p:nvCxnSpPr>
-        <p:spPr>
-          <a:xfrm>
-            <a:off x="3585882" y="3992189"/>
-            <a:ext cx="2178422" cy="0"/>
-          </a:xfrm>
-          <a:prstGeom prst="straightConnector1">
-            <a:avLst/>
-          </a:prstGeom>
-          <a:ln>
-            <a:tailEnd type="triangle"/>
-          </a:ln>
-        </p:spPr>
-        <p:style>
-          <a:lnRef idx="1">
-            <a:schemeClr val="accent1"/>
-          </a:lnRef>
-          <a:fillRef idx="0">
-            <a:schemeClr val="accent1"/>
-          </a:fillRef>
-          <a:effectRef idx="0">
-            <a:schemeClr val="accent1"/>
-          </a:effectRef>
-          <a:fontRef idx="minor">
-            <a:schemeClr val="tx1"/>
-          </a:fontRef>
-        </p:style>
-      </p:cxnSp>
-      <p:cxnSp>
-        <p:nvCxnSpPr>
-          <p:cNvPr id="18" name="Connecteur droit avec flèche 17"/>
-          <p:cNvCxnSpPr>
-            <a:stCxn id="7" idx="2"/>
-            <a:endCxn id="10" idx="0"/>
-          </p:cNvCxnSpPr>
-          <p:nvPr/>
-        </p:nvCxnSpPr>
-        <p:spPr>
-          <a:xfrm flipH="1">
-            <a:off x="6813175" y="4536141"/>
-            <a:ext cx="1" cy="433664"/>
-          </a:xfrm>
-          <a:prstGeom prst="straightConnector1">
-            <a:avLst/>
-          </a:prstGeom>
-          <a:ln>
-            <a:tailEnd type="triangle"/>
-          </a:ln>
-        </p:spPr>
-        <p:style>
-          <a:lnRef idx="1">
-            <a:schemeClr val="accent1"/>
-          </a:lnRef>
-          <a:fillRef idx="0">
-            <a:schemeClr val="accent1"/>
-          </a:fillRef>
-          <a:effectRef idx="0">
-            <a:schemeClr val="accent1"/>
-          </a:effectRef>
-          <a:fontRef idx="minor">
-            <a:schemeClr val="tx1"/>
-          </a:fontRef>
-        </p:style>
-      </p:cxnSp>
-      <p:sp>
-        <p:nvSpPr>
-          <p:cNvPr id="19" name="Émoticône 18"/>
-          <p:cNvSpPr/>
-          <p:nvPr/>
-        </p:nvSpPr>
-        <p:spPr>
-          <a:xfrm>
-            <a:off x="8301318" y="995245"/>
-            <a:ext cx="914400" cy="914400"/>
-          </a:xfrm>
-          <a:prstGeom prst="smileyFace">
-            <a:avLst/>
-          </a:prstGeom>
-        </p:spPr>
-        <p:style>
-          <a:lnRef idx="2">
-            <a:schemeClr val="accent1">
-              <a:shade val="50000"/>
-            </a:schemeClr>
-          </a:lnRef>
-          <a:fillRef idx="1">
-            <a:schemeClr val="accent1"/>
-          </a:fillRef>
-          <a:effectRef idx="0">
-            <a:schemeClr val="accent1"/>
-          </a:effectRef>
-          <a:fontRef idx="minor">
-            <a:schemeClr val="lt1"/>
-          </a:fontRef>
-        </p:style>
-        <p:txBody>
-          <a:bodyPr rtlCol="0" anchor="ctr"/>
-          <a:lstStyle/>
-          <a:p>
-            <a:pPr algn="ctr"/>
-            <a:endParaRPr lang="fr-FR"/>
-          </a:p>
-        </p:txBody>
-      </p:sp>
-      <p:cxnSp>
-        <p:nvCxnSpPr>
-          <p:cNvPr id="21" name="Connecteur en angle 20"/>
-          <p:cNvCxnSpPr>
-            <a:stCxn id="10" idx="6"/>
-            <a:endCxn id="19" idx="6"/>
-          </p:cNvCxnSpPr>
-          <p:nvPr/>
-        </p:nvCxnSpPr>
-        <p:spPr>
-          <a:xfrm flipV="1">
-            <a:off x="7826187" y="1452445"/>
-            <a:ext cx="1389531" cy="4061312"/>
-          </a:xfrm>
-          <a:prstGeom prst="bentConnector3">
-            <a:avLst>
-              <a:gd name="adj1" fmla="val 175807"/>
-            </a:avLst>
-          </a:prstGeom>
-          <a:ln>
-            <a:tailEnd type="triangle"/>
-          </a:ln>
-        </p:spPr>
-        <p:style>
-          <a:lnRef idx="1">
-            <a:schemeClr val="accent1"/>
-          </a:lnRef>
-          <a:fillRef idx="0">
-            <a:schemeClr val="accent1"/>
-          </a:fillRef>
-          <a:effectRef idx="0">
-            <a:schemeClr val="accent1"/>
-          </a:effectRef>
-          <a:fontRef idx="minor">
-            <a:schemeClr val="tx1"/>
-          </a:fontRef>
-        </p:style>
-      </p:cxnSp>
-      <p:cxnSp>
-        <p:nvCxnSpPr>
-          <p:cNvPr id="24" name="Connecteur en angle 23"/>
-          <p:cNvCxnSpPr/>
-          <p:nvPr/>
-        </p:nvCxnSpPr>
-        <p:spPr>
-          <a:xfrm rot="5400000" flipH="1" flipV="1">
-            <a:off x="3730197" y="404402"/>
-            <a:ext cx="4582621" cy="6678708"/>
-          </a:xfrm>
-          <a:prstGeom prst="bentConnector4">
-            <a:avLst>
-              <a:gd name="adj1" fmla="val -1821"/>
-              <a:gd name="adj2" fmla="val 115772"/>
-            </a:avLst>
-          </a:prstGeom>
-          <a:ln>
-            <a:tailEnd type="triangle"/>
-          </a:ln>
-        </p:spPr>
-        <p:style>
-          <a:lnRef idx="1">
-            <a:schemeClr val="accent1"/>
-          </a:lnRef>
-          <a:fillRef idx="0">
-            <a:schemeClr val="accent1"/>
-          </a:fillRef>
-          <a:effectRef idx="0">
-            <a:schemeClr val="accent1"/>
-          </a:effectRef>
-          <a:fontRef idx="minor">
-            <a:schemeClr val="tx1"/>
-          </a:fontRef>
-        </p:style>
-      </p:cxnSp>
-      <p:cxnSp>
-        <p:nvCxnSpPr>
-          <p:cNvPr id="27" name="Connecteur en angle 26"/>
-          <p:cNvCxnSpPr>
-            <a:stCxn id="19" idx="2"/>
-            <a:endCxn id="4" idx="0"/>
-          </p:cNvCxnSpPr>
-          <p:nvPr/>
-        </p:nvCxnSpPr>
-        <p:spPr>
-          <a:xfrm rot="10800000" flipV="1">
-            <a:off x="2537010" y="1452445"/>
-            <a:ext cx="5764308" cy="443080"/>
-          </a:xfrm>
-          <a:prstGeom prst="bentConnector2">
-            <a:avLst/>
-          </a:prstGeom>
-          <a:ln>
-            <a:tailEnd type="triangle"/>
-          </a:ln>
-        </p:spPr>
-        <p:style>
-          <a:lnRef idx="1">
-            <a:schemeClr val="accent1"/>
-          </a:lnRef>
-          <a:fillRef idx="0">
-            <a:schemeClr val="accent1"/>
-          </a:fillRef>
-          <a:effectRef idx="0">
-            <a:schemeClr val="accent1"/>
-          </a:effectRef>
-          <a:fontRef idx="minor">
-            <a:schemeClr val="tx1"/>
-          </a:fontRef>
-        </p:style>
-      </p:cxnSp>
-      <p:sp>
-        <p:nvSpPr>
-          <p:cNvPr id="43" name="ZoneTexte 42"/>
-          <p:cNvSpPr txBox="1"/>
-          <p:nvPr/>
-        </p:nvSpPr>
-        <p:spPr>
-          <a:xfrm>
-            <a:off x="2835566" y="4555188"/>
-            <a:ext cx="1875385" cy="369332"/>
-          </a:xfrm>
-          <a:prstGeom prst="rect">
-            <a:avLst/>
-          </a:prstGeom>
-          <a:noFill/>
-        </p:spPr>
-        <p:txBody>
-          <a:bodyPr wrap="none" rtlCol="0">
-            <a:spAutoFit/>
+          <p:cNvPr id="3" name="Espace réservé du contenu 2"/>
+          <p:cNvSpPr>
+            <a:spLocks noGrp="1"/>
+          </p:cNvSpPr>
+          <p:nvPr>
+            <p:ph idx="1"/>
+          </p:nvPr>
+        </p:nvSpPr>
+        <p:spPr/>
+        <p:txBody>
+          <a:bodyPr>
+            <a:normAutofit/>
           </a:bodyPr>
           <a:lstStyle/>
           <a:p>
             <a:r>
               <a:rPr lang="fr-FR" dirty="0" smtClean="0"/>
-              <a:t>Données chiffrées</a:t>
-            </a:r>
-            <a:endParaRPr lang="fr-FR" dirty="0"/>
-          </a:p>
-        </p:txBody>
-      </p:sp>
-      <p:sp>
-        <p:nvSpPr>
-          <p:cNvPr id="44" name="ZoneTexte 43"/>
-          <p:cNvSpPr txBox="1"/>
-          <p:nvPr/>
-        </p:nvSpPr>
-        <p:spPr>
-          <a:xfrm>
-            <a:off x="2537008" y="3040457"/>
-            <a:ext cx="2303964" cy="369332"/>
-          </a:xfrm>
-          <a:prstGeom prst="rect">
-            <a:avLst/>
-          </a:prstGeom>
-          <a:noFill/>
-        </p:spPr>
-        <p:txBody>
-          <a:bodyPr wrap="none" rtlCol="0">
-            <a:spAutoFit/>
-          </a:bodyPr>
-          <a:lstStyle/>
-          <a:p>
-            <a:r>
-              <a:rPr lang="fr-FR" dirty="0" smtClean="0"/>
-              <a:t>Niveaux de granularité</a:t>
-            </a:r>
-            <a:endParaRPr lang="fr-FR" dirty="0"/>
-          </a:p>
-        </p:txBody>
-      </p:sp>
-      <p:sp>
-        <p:nvSpPr>
-          <p:cNvPr id="45" name="ZoneTexte 44"/>
-          <p:cNvSpPr txBox="1"/>
-          <p:nvPr/>
-        </p:nvSpPr>
-        <p:spPr>
-          <a:xfrm>
-            <a:off x="3737400" y="3613586"/>
-            <a:ext cx="1028167" cy="369332"/>
-          </a:xfrm>
-          <a:prstGeom prst="rect">
-            <a:avLst/>
-          </a:prstGeom>
-          <a:noFill/>
-        </p:spPr>
-        <p:txBody>
-          <a:bodyPr wrap="none" rtlCol="0">
-            <a:spAutoFit/>
-          </a:bodyPr>
-          <a:lstStyle/>
-          <a:p>
-            <a:r>
-              <a:rPr lang="fr-FR" dirty="0" smtClean="0"/>
-              <a:t>1 clé/</a:t>
-            </a:r>
-            <a:r>
-              <a:rPr lang="fr-FR" dirty="0" err="1" smtClean="0"/>
-              <a:t>niv</a:t>
-            </a:r>
-            <a:r>
-              <a:rPr lang="fr-FR" dirty="0" smtClean="0"/>
-              <a:t>.</a:t>
-            </a:r>
-            <a:endParaRPr lang="fr-FR" dirty="0"/>
-          </a:p>
-        </p:txBody>
-      </p:sp>
-      <p:sp>
-        <p:nvSpPr>
-          <p:cNvPr id="46" name="ZoneTexte 45"/>
-          <p:cNvSpPr txBox="1"/>
-          <p:nvPr/>
-        </p:nvSpPr>
-        <p:spPr>
-          <a:xfrm>
-            <a:off x="7071388" y="4577830"/>
-            <a:ext cx="1638269" cy="369332"/>
-          </a:xfrm>
-          <a:prstGeom prst="rect">
-            <a:avLst/>
-          </a:prstGeom>
-          <a:noFill/>
-        </p:spPr>
-        <p:txBody>
-          <a:bodyPr wrap="none" rtlCol="0">
-            <a:spAutoFit/>
-          </a:bodyPr>
-          <a:lstStyle/>
-          <a:p>
-            <a:r>
-              <a:rPr lang="fr-FR" dirty="0" smtClean="0"/>
-              <a:t>Clés découpées</a:t>
-            </a:r>
-            <a:endParaRPr lang="fr-FR" dirty="0"/>
-          </a:p>
-        </p:txBody>
-      </p:sp>
-      <p:sp>
-        <p:nvSpPr>
-          <p:cNvPr id="47" name="ZoneTexte 46"/>
-          <p:cNvSpPr txBox="1"/>
-          <p:nvPr/>
-        </p:nvSpPr>
-        <p:spPr>
-          <a:xfrm>
-            <a:off x="7976826" y="5524463"/>
-            <a:ext cx="1878206" cy="369332"/>
-          </a:xfrm>
-          <a:prstGeom prst="rect">
-            <a:avLst/>
-          </a:prstGeom>
-          <a:noFill/>
-        </p:spPr>
-        <p:txBody>
-          <a:bodyPr wrap="none" rtlCol="0">
-            <a:spAutoFit/>
-          </a:bodyPr>
-          <a:lstStyle/>
-          <a:p>
-            <a:r>
-              <a:rPr lang="fr-FR" dirty="0" smtClean="0"/>
-              <a:t>Clé de localisation</a:t>
-            </a:r>
-            <a:endParaRPr lang="fr-FR" dirty="0"/>
-          </a:p>
-        </p:txBody>
-      </p:sp>
-      <p:sp>
-        <p:nvSpPr>
-          <p:cNvPr id="48" name="ZoneTexte 47"/>
-          <p:cNvSpPr txBox="1"/>
-          <p:nvPr/>
-        </p:nvSpPr>
-        <p:spPr>
-          <a:xfrm>
-            <a:off x="3375127" y="6083446"/>
-            <a:ext cx="1891865" cy="369332"/>
-          </a:xfrm>
-          <a:prstGeom prst="rect">
-            <a:avLst/>
-          </a:prstGeom>
-          <a:noFill/>
-        </p:spPr>
-        <p:txBody>
-          <a:bodyPr wrap="none" rtlCol="0">
-            <a:spAutoFit/>
-          </a:bodyPr>
-          <a:lstStyle/>
-          <a:p>
-            <a:r>
-              <a:rPr lang="fr-FR" dirty="0" smtClean="0"/>
-              <a:t>Hash des données</a:t>
-            </a:r>
-            <a:endParaRPr lang="fr-FR" dirty="0"/>
-          </a:p>
-        </p:txBody>
-      </p:sp>
-      <p:sp>
-        <p:nvSpPr>
-          <p:cNvPr id="49" name="ZoneTexte 48"/>
-          <p:cNvSpPr txBox="1"/>
-          <p:nvPr/>
-        </p:nvSpPr>
-        <p:spPr>
-          <a:xfrm>
-            <a:off x="5158307" y="1030713"/>
-            <a:ext cx="2567306" cy="369332"/>
-          </a:xfrm>
-          <a:prstGeom prst="rect">
-            <a:avLst/>
-          </a:prstGeom>
-          <a:noFill/>
-        </p:spPr>
-        <p:txBody>
-          <a:bodyPr wrap="none" rtlCol="0">
-            <a:spAutoFit/>
-          </a:bodyPr>
-          <a:lstStyle/>
-          <a:p>
-            <a:r>
-              <a:rPr lang="fr-FR" dirty="0" smtClean="0"/>
-              <a:t>Données et durées de vie</a:t>
-            </a:r>
-            <a:endParaRPr lang="fr-FR" dirty="0"/>
-          </a:p>
-        </p:txBody>
-      </p:sp>
-      <p:sp>
-        <p:nvSpPr>
-          <p:cNvPr id="50" name="ZoneTexte 49"/>
+              <a:t>Données importantes : n (= p*q, premiers), e (choisi à la création de la clé), d (tel que e*d+k*(p-1)(q-1) = 1).</a:t>
+            </a:r>
+          </a:p>
+          <a:p>
+            <a:r>
+              <a:rPr lang="fr-FR" dirty="0" smtClean="0"/>
+              <a:t>C = M</a:t>
+            </a:r>
+            <a:r>
+              <a:rPr lang="fr-FR" baseline="30000" dirty="0" smtClean="0"/>
+              <a:t>e</a:t>
+            </a:r>
+            <a:r>
+              <a:rPr lang="fr-FR" dirty="0" smtClean="0"/>
+              <a:t>[n]</a:t>
+            </a:r>
+          </a:p>
+          <a:p>
+            <a:r>
+              <a:rPr lang="fr-FR" dirty="0" smtClean="0"/>
+              <a:t>M = M </a:t>
+            </a:r>
+            <a:r>
+              <a:rPr lang="fr-FR" baseline="30000" dirty="0" smtClean="0"/>
+              <a:t>e*d</a:t>
+            </a:r>
+            <a:r>
+              <a:rPr lang="fr-FR" dirty="0" smtClean="0"/>
+              <a:t> [n]</a:t>
+            </a:r>
+          </a:p>
+          <a:p>
+            <a:endParaRPr lang="fr-FR" dirty="0" smtClean="0"/>
+          </a:p>
+          <a:p>
+            <a:r>
+              <a:rPr lang="fr-FR" dirty="0" smtClean="0"/>
+              <a:t>Il suffit de transmettre n et d </a:t>
+            </a:r>
+            <a:r>
+              <a:rPr lang="fr-FR" smtClean="0"/>
+              <a:t>pour déchiffrer un message.</a:t>
+            </a:r>
+            <a:endParaRPr lang="fr-FR" dirty="0" smtClean="0"/>
+          </a:p>
+        </p:txBody>
+      </p:sp>
+      <p:sp>
+        <p:nvSpPr>
+          <p:cNvPr id="4" name="ZoneTexte 3"/>
           <p:cNvSpPr txBox="1"/>
           <p:nvPr/>
         </p:nvSpPr>
@@ -5696,23 +5694,7 @@
                   <a:schemeClr val="bg1"/>
                 </a:solidFill>
               </a:rPr>
-              <a:t>Un</a:t>
-            </a:r>
-            <a:r>
-              <a:rPr lang="fr-FR" b="1" dirty="0" smtClean="0">
-                <a:solidFill>
-                  <a:schemeClr val="bg1"/>
-                </a:solidFill>
-              </a:rPr>
-              <a:t>e </a:t>
-            </a:r>
-            <a:r>
-              <a:rPr lang="fr-FR" b="1" dirty="0" smtClean="0">
-                <a:solidFill>
-                  <a:schemeClr val="bg1"/>
-                </a:solidFill>
-              </a:rPr>
-              <a:t>approche</a:t>
+              <a:t>Une approche</a:t>
             </a:r>
             <a:endParaRPr lang="fr-FR" b="1" dirty="0">
               <a:solidFill>
@@ -5724,7 +5706,7 @@
       </p:sp>
       <p:sp>
         <p:nvSpPr>
-          <p:cNvPr id="28" name="Espace réservé du numéro de diapositive 4"/>
+          <p:cNvPr id="9" name="Espace réservé du numéro de diapositive 4"/>
           <p:cNvSpPr>
             <a:spLocks noGrp="1"/>
           </p:cNvSpPr>
@@ -5779,7 +5761,7 @@
     </p:spTree>
     <p:extLst>
       <p:ext uri="{BB962C8B-B14F-4D97-AF65-F5344CB8AC3E}">
-        <p14:creationId xmlns:p14="http://schemas.microsoft.com/office/powerpoint/2010/main" xmlns="" val="463361665"/>
+        <p14:creationId xmlns:p14="http://schemas.microsoft.com/office/powerpoint/2010/main" val="2771328304"/>
       </p:ext>
     </p:extLst>
   </p:cSld>
@@ -5813,6 +5795,47 @@
           <a:chExt cx="0" cy="0"/>
         </a:xfrm>
       </p:grpSpPr>
+      <p:pic>
+        <p:nvPicPr>
+          <p:cNvPr id="2050" name="Picture 2" descr="http://upload.wikimedia.org/wikipedia/commons/6/6b/Interpolation_runge_funktion_10_stuetzstellen.png"/>
+          <p:cNvPicPr>
+            <a:picLocks noChangeAspect="1" noChangeArrowheads="1"/>
+          </p:cNvPicPr>
+          <p:nvPr/>
+        </p:nvPicPr>
+        <p:blipFill>
+          <a:blip r:embed="rId2" cstate="print">
+            <a:extLst>
+              <a:ext uri="{28A0092B-C50C-407E-A947-70E740481C1C}">
+                <a14:useLocalDpi xmlns:a14="http://schemas.microsoft.com/office/drawing/2010/main" val="0"/>
+              </a:ext>
+            </a:extLst>
+          </a:blip>
+          <a:srcRect/>
+          <a:stretch>
+            <a:fillRect/>
+          </a:stretch>
+        </p:blipFill>
+        <p:spPr bwMode="auto">
+          <a:xfrm>
+            <a:off x="2605314" y="1371575"/>
+            <a:ext cx="6807200" cy="5094765"/>
+          </a:xfrm>
+          <a:prstGeom prst="rect">
+            <a:avLst/>
+          </a:prstGeom>
+          <a:noFill/>
+          <a:extLst>
+            <a:ext uri="{909E8E84-426E-40DD-AFC4-6F175D3DCCD1}">
+              <a14:hiddenFill xmlns:a14="http://schemas.microsoft.com/office/drawing/2010/main">
+                <a:solidFill>
+                  <a:srgbClr val="FFFFFF"/>
+                </a:solidFill>
+              </a14:hiddenFill>
+            </a:ext>
+          </a:extLst>
+        </p:spPr>
+      </p:pic>
       <p:sp>
         <p:nvSpPr>
           <p:cNvPr id="8" name="ZoneTexte 7"/>
@@ -5890,75 +5913,9 @@
           <a:p>
             <a:r>
               <a:rPr lang="fr-FR" dirty="0" smtClean="0"/>
-              <a:t>Chiffrement RSA</a:t>
+              <a:t>Interpolation polynomiale</a:t>
             </a:r>
             <a:endParaRPr lang="fr-FR" dirty="0"/>
-          </a:p>
-        </p:txBody>
-      </p:sp>
-      <p:sp>
-        <p:nvSpPr>
-          <p:cNvPr id="3" name="Espace réservé du contenu 2"/>
-          <p:cNvSpPr>
-            <a:spLocks noGrp="1"/>
-          </p:cNvSpPr>
-          <p:nvPr>
-            <p:ph idx="1"/>
-          </p:nvPr>
-        </p:nvSpPr>
-        <p:spPr/>
-        <p:txBody>
-          <a:bodyPr>
-            <a:normAutofit/>
-          </a:bodyPr>
-          <a:lstStyle/>
-          <a:p>
-            <a:r>
-              <a:rPr lang="fr-FR" dirty="0" smtClean="0"/>
-              <a:t>Données importantes : n (= p*q, premiers), e (choisi à la création de la clé), d (tel que e*d+k*(p-1)(q-1) = 1).</a:t>
-            </a:r>
-          </a:p>
-          <a:p>
-            <a:r>
-              <a:rPr lang="fr-FR" dirty="0" smtClean="0"/>
-              <a:t>C = M</a:t>
-            </a:r>
-            <a:r>
-              <a:rPr lang="fr-FR" baseline="30000" dirty="0" smtClean="0"/>
-              <a:t>e</a:t>
-            </a:r>
-            <a:r>
-              <a:rPr lang="fr-FR" dirty="0" smtClean="0"/>
-              <a:t>[n]</a:t>
-            </a:r>
-          </a:p>
-          <a:p>
-            <a:r>
-              <a:rPr lang="fr-FR" dirty="0" smtClean="0"/>
-              <a:t>M = M </a:t>
-            </a:r>
-            <a:r>
-              <a:rPr lang="fr-FR" baseline="30000" dirty="0" smtClean="0"/>
-              <a:t>e*d</a:t>
-            </a:r>
-            <a:r>
-              <a:rPr lang="fr-FR" dirty="0" smtClean="0"/>
-              <a:t> [n]</a:t>
-            </a:r>
-          </a:p>
-          <a:p>
-            <a:endParaRPr lang="fr-FR" dirty="0" smtClean="0"/>
-          </a:p>
-          <a:p>
-            <a:r>
-              <a:rPr lang="fr-FR" dirty="0" smtClean="0"/>
-              <a:t>Il suffit de transmettre n et d </a:t>
-            </a:r>
-            <a:r>
-              <a:rPr lang="fr-FR" smtClean="0"/>
-              <a:t>pour déchiffrer un message.</a:t>
-            </a:r>
-            <a:endParaRPr lang="fr-FR" dirty="0" smtClean="0"/>
           </a:p>
         </p:txBody>
       </p:sp>
@@ -5998,23 +5955,7 @@
                   <a:schemeClr val="bg1"/>
                 </a:solidFill>
               </a:rPr>
-              <a:t>Un</a:t>
-            </a:r>
-            <a:r>
-              <a:rPr lang="fr-FR" b="1" dirty="0" smtClean="0">
-                <a:solidFill>
-                  <a:schemeClr val="bg1"/>
-                </a:solidFill>
-              </a:rPr>
-              <a:t>e </a:t>
-            </a:r>
-            <a:r>
-              <a:rPr lang="fr-FR" b="1" dirty="0" smtClean="0">
-                <a:solidFill>
-                  <a:schemeClr val="bg1"/>
-                </a:solidFill>
-              </a:rPr>
-              <a:t>approche</a:t>
+              <a:t>Une approche</a:t>
             </a:r>
             <a:endParaRPr lang="fr-FR" b="1" dirty="0">
               <a:solidFill>
@@ -6081,7 +6022,7 @@
     </p:spTree>
     <p:extLst>
       <p:ext uri="{BB962C8B-B14F-4D97-AF65-F5344CB8AC3E}">
-        <p14:creationId xmlns:p14="http://schemas.microsoft.com/office/powerpoint/2010/main" xmlns="" val="2771328304"/>
+        <p14:creationId xmlns:p14="http://schemas.microsoft.com/office/powerpoint/2010/main" val="3386361244"/>
       </p:ext>
     </p:extLst>
   </p:cSld>
@@ -6115,50 +6056,9 @@
           <a:chExt cx="0" cy="0"/>
         </a:xfrm>
       </p:grpSpPr>
-      <p:pic>
-        <p:nvPicPr>
-          <p:cNvPr id="2050" name="Picture 2" descr="http://upload.wikimedia.org/wikipedia/commons/6/6b/Interpolation_runge_funktion_10_stuetzstellen.png"/>
-          <p:cNvPicPr>
-            <a:picLocks noChangeAspect="1" noChangeArrowheads="1"/>
-          </p:cNvPicPr>
-          <p:nvPr/>
-        </p:nvPicPr>
-        <p:blipFill>
-          <a:blip r:embed="rId2" cstate="print">
-            <a:extLst>
-              <a:ext uri="{28A0092B-C50C-407E-A947-70E740481C1C}">
-                <a14:useLocalDpi xmlns:a14="http://schemas.microsoft.com/office/drawing/2010/main" xmlns="" val="0"/>
-              </a:ext>
-            </a:extLst>
-          </a:blip>
-          <a:srcRect/>
-          <a:stretch>
-            <a:fillRect/>
-          </a:stretch>
-        </p:blipFill>
-        <p:spPr bwMode="auto">
-          <a:xfrm>
-            <a:off x="2605314" y="1371575"/>
-            <a:ext cx="6807200" cy="5094765"/>
-          </a:xfrm>
-          <a:prstGeom prst="rect">
-            <a:avLst/>
-          </a:prstGeom>
-          <a:noFill/>
-          <a:extLst>
-            <a:ext uri="{909E8E84-426E-40DD-AFC4-6F175D3DCCD1}">
-              <a14:hiddenFill xmlns:a14="http://schemas.microsoft.com/office/drawing/2010/main" xmlns="">
-                <a:solidFill>
-                  <a:srgbClr val="FFFFFF"/>
-                </a:solidFill>
-              </a14:hiddenFill>
-            </a:ext>
-          </a:extLst>
-        </p:spPr>
-      </p:pic>
-      <p:sp>
-        <p:nvSpPr>
-          <p:cNvPr id="8" name="ZoneTexte 7"/>
+      <p:sp>
+        <p:nvSpPr>
+          <p:cNvPr id="9" name="ZoneTexte 8"/>
           <p:cNvSpPr txBox="1"/>
           <p:nvPr/>
         </p:nvSpPr>
@@ -6188,7 +6088,7 @@
       </p:sp>
       <p:sp>
         <p:nvSpPr>
-          <p:cNvPr id="7" name="ZoneTexte 6"/>
+          <p:cNvPr id="8" name="ZoneTexte 7"/>
           <p:cNvSpPr txBox="1"/>
           <p:nvPr/>
         </p:nvSpPr>
@@ -6232,16 +6132,120 @@
           <a:lstStyle/>
           <a:p>
             <a:r>
-              <a:rPr lang="fr-FR" dirty="0" smtClean="0"/>
-              <a:t>Interpolation polynomiale</a:t>
+              <a:rPr lang="fr-FR" dirty="0"/>
+              <a:t>Choix de la DHT</a:t>
+            </a:r>
+          </a:p>
+        </p:txBody>
+      </p:sp>
+      <p:sp>
+        <p:nvSpPr>
+          <p:cNvPr id="3" name="Espace réservé du contenu 2"/>
+          <p:cNvSpPr>
+            <a:spLocks noGrp="1"/>
+          </p:cNvSpPr>
+          <p:nvPr>
+            <p:ph sz="half" idx="1"/>
+          </p:nvPr>
+        </p:nvSpPr>
+        <p:spPr>
+          <a:xfrm>
+            <a:off x="838199" y="1825625"/>
+            <a:ext cx="5901267" cy="4351338"/>
+          </a:xfrm>
+        </p:spPr>
+        <p:txBody>
+          <a:bodyPr>
+            <a:normAutofit fontScale="92500" lnSpcReduction="20000"/>
+          </a:bodyPr>
+          <a:lstStyle/>
+          <a:p>
+            <a:r>
+              <a:rPr lang="fr-FR" dirty="0"/>
+              <a:t>Plusieurs implémentations </a:t>
+            </a:r>
+            <a:r>
+              <a:rPr lang="fr-FR" dirty="0" smtClean="0"/>
+              <a:t>:</a:t>
             </a:r>
             <a:endParaRPr lang="fr-FR" dirty="0"/>
           </a:p>
-        </p:txBody>
-      </p:sp>
-      <p:sp>
-        <p:nvSpPr>
-          <p:cNvPr id="4" name="ZoneTexte 3"/>
+          <a:p>
+            <a:endParaRPr lang="fr-FR" dirty="0"/>
+          </a:p>
+          <a:p>
+            <a:endParaRPr lang="fr-FR" dirty="0" smtClean="0"/>
+          </a:p>
+          <a:p>
+            <a:endParaRPr lang="fr-FR" dirty="0"/>
+          </a:p>
+          <a:p>
+            <a:endParaRPr lang="fr-FR" dirty="0" smtClean="0"/>
+          </a:p>
+          <a:p>
+            <a:endParaRPr lang="fr-FR" dirty="0" smtClean="0"/>
+          </a:p>
+          <a:p>
+            <a:endParaRPr lang="fr-FR" dirty="0"/>
+          </a:p>
+          <a:p>
+            <a:r>
+              <a:rPr lang="fr-FR" dirty="0" smtClean="0"/>
+              <a:t>Choix restants :</a:t>
+            </a:r>
+          </a:p>
+          <a:p>
+            <a:pPr lvl="1"/>
+            <a:r>
+              <a:rPr lang="fr-FR" dirty="0" smtClean="0"/>
+              <a:t>« vampiriser » </a:t>
+            </a:r>
+            <a:r>
+              <a:rPr lang="fr-FR" dirty="0"/>
+              <a:t>une DHT existante ou </a:t>
+            </a:r>
+            <a:r>
+              <a:rPr lang="fr-FR" dirty="0" smtClean="0"/>
+              <a:t>simuler</a:t>
+            </a:r>
+            <a:endParaRPr lang="fr-FR" dirty="0"/>
+          </a:p>
+          <a:p>
+            <a:pPr lvl="1"/>
+            <a:r>
+              <a:rPr lang="fr-FR" dirty="0"/>
+              <a:t>Compensation du risque</a:t>
+            </a:r>
+          </a:p>
+          <a:p>
+            <a:pPr lvl="2"/>
+            <a:r>
+              <a:rPr lang="fr-FR" dirty="0" smtClean="0"/>
+              <a:t>Magicien d’oz comme solution </a:t>
+            </a:r>
+            <a:r>
+              <a:rPr lang="fr-FR" dirty="0"/>
+              <a:t>de repli </a:t>
+            </a:r>
+          </a:p>
+          <a:p>
+            <a:endParaRPr lang="fr-FR" dirty="0"/>
+          </a:p>
+          <a:p>
+            <a:endParaRPr lang="fr-FR" dirty="0"/>
+          </a:p>
+          <a:p>
+            <a:pPr lvl="1"/>
+            <a:endParaRPr lang="fr-FR" dirty="0"/>
+          </a:p>
+          <a:p>
+            <a:endParaRPr lang="fr-FR" dirty="0"/>
+          </a:p>
+        </p:txBody>
+      </p:sp>
+      <p:sp>
+        <p:nvSpPr>
+          <p:cNvPr id="6" name="ZoneTexte 5"/>
           <p:cNvSpPr txBox="1"/>
           <p:nvPr/>
         </p:nvSpPr>
@@ -6275,23 +6279,7 @@
                   <a:schemeClr val="bg1"/>
                 </a:solidFill>
               </a:rPr>
-              <a:t>Un</a:t>
-            </a:r>
-            <a:r>
-              <a:rPr lang="fr-FR" b="1" dirty="0" smtClean="0">
-                <a:solidFill>
-                  <a:schemeClr val="bg1"/>
-                </a:solidFill>
-              </a:rPr>
-              <a:t>e </a:t>
-            </a:r>
-            <a:r>
-              <a:rPr lang="fr-FR" b="1" dirty="0" smtClean="0">
-                <a:solidFill>
-                  <a:schemeClr val="bg1"/>
-                </a:solidFill>
-              </a:rPr>
-              <a:t>approche</a:t>
+              <a:t>Une approche</a:t>
             </a:r>
             <a:endParaRPr lang="fr-FR" b="1" dirty="0">
               <a:solidFill>
@@ -6301,9 +6289,33 @@
           </a:p>
         </p:txBody>
       </p:sp>
-      <p:sp>
-        <p:nvSpPr>
-          <p:cNvPr id="9" name="Espace réservé du numéro de diapositive 4"/>
+      <p:pic>
+        <p:nvPicPr>
+          <p:cNvPr id="7" name="Image 6"/>
+          <p:cNvPicPr>
+            <a:picLocks noChangeAspect="1"/>
+          </p:cNvPicPr>
+          <p:nvPr/>
+        </p:nvPicPr>
+        <p:blipFill>
+          <a:blip r:embed="rId2" cstate="print"/>
+          <a:stretch>
+            <a:fillRect/>
+          </a:stretch>
+        </p:blipFill>
+        <p:spPr>
+          <a:xfrm>
+            <a:off x="3454620" y="2197162"/>
+            <a:ext cx="7425318" cy="2594971"/>
+          </a:xfrm>
+          <a:prstGeom prst="rect">
+            <a:avLst/>
+          </a:prstGeom>
+        </p:spPr>
+      </p:pic>
+      <p:sp>
+        <p:nvSpPr>
+          <p:cNvPr id="10" name="Espace réservé du numéro de diapositive 4"/>
           <p:cNvSpPr>
             <a:spLocks noGrp="1"/>
           </p:cNvSpPr>
@@ -6358,7 +6370,7 @@
     </p:spTree>
     <p:extLst>
       <p:ext uri="{BB962C8B-B14F-4D97-AF65-F5344CB8AC3E}">
-        <p14:creationId xmlns:p14="http://schemas.microsoft.com/office/powerpoint/2010/main" xmlns="" val="3386361244"/>
+        <p14:creationId xmlns:p14="http://schemas.microsoft.com/office/powerpoint/2010/main" val="2327660550"/>
       </p:ext>
     </p:extLst>
   </p:cSld>
@@ -6394,7 +6406,7 @@
       </p:grpSpPr>
       <p:sp>
         <p:nvSpPr>
-          <p:cNvPr id="9" name="ZoneTexte 8"/>
+          <p:cNvPr id="8" name="ZoneTexte 7"/>
           <p:cNvSpPr txBox="1"/>
           <p:nvPr/>
         </p:nvSpPr>
@@ -6424,7 +6436,7 @@
       </p:sp>
       <p:sp>
         <p:nvSpPr>
-          <p:cNvPr id="8" name="ZoneTexte 7"/>
+          <p:cNvPr id="7" name="ZoneTexte 6"/>
           <p:cNvSpPr txBox="1"/>
           <p:nvPr/>
         </p:nvSpPr>
@@ -6468,9 +6480,10 @@
           <a:lstStyle/>
           <a:p>
             <a:r>
-              <a:rPr lang="fr-FR" dirty="0"/>
-              <a:t>Choix de la DHT</a:t>
-            </a:r>
+              <a:rPr lang="fr-FR" dirty="0" smtClean="0"/>
+              <a:t>Limites</a:t>
+            </a:r>
+            <a:endParaRPr lang="fr-FR" dirty="0"/>
           </a:p>
         </p:txBody>
       </p:sp>
@@ -6481,107 +6494,90 @@
             <a:spLocks noGrp="1"/>
           </p:cNvSpPr>
           <p:nvPr>
-            <p:ph sz="half" idx="1"/>
-          </p:nvPr>
-        </p:nvSpPr>
-        <p:spPr>
-          <a:xfrm>
-            <a:off x="838199" y="1825625"/>
-            <a:ext cx="5901267" cy="4351338"/>
-          </a:xfrm>
-        </p:spPr>
+            <p:ph idx="1"/>
+          </p:nvPr>
+        </p:nvSpPr>
+        <p:spPr/>
         <p:txBody>
           <a:bodyPr>
-            <a:normAutofit fontScale="92500" lnSpcReduction="20000"/>
+            <a:normAutofit/>
           </a:bodyPr>
           <a:lstStyle/>
           <a:p>
             <a:r>
-              <a:rPr lang="fr-FR" dirty="0"/>
-              <a:t>Plusieurs implémentations </a:t>
-            </a:r>
-            <a:r>
-              <a:rPr lang="fr-FR" dirty="0" smtClean="0"/>
-              <a:t>:</a:t>
-            </a:r>
+              <a:rPr lang="fr-FR" dirty="0" smtClean="0"/>
+              <a:t>De l’idée</a:t>
+            </a:r>
+          </a:p>
+          <a:p>
+            <a:pPr lvl="1"/>
+            <a:r>
+              <a:rPr lang="fr-FR" dirty="0" smtClean="0"/>
+              <a:t>Modèle “honnête mais curieux”</a:t>
+            </a:r>
+          </a:p>
+          <a:p>
+            <a:pPr lvl="1"/>
+            <a:r>
+              <a:rPr lang="fr-FR" dirty="0" smtClean="0"/>
+              <a:t>Borne inf. à la durée de vie des données</a:t>
+            </a:r>
+          </a:p>
+          <a:p>
+            <a:pPr lvl="1"/>
+            <a:r>
+              <a:rPr lang="fr-FR" dirty="0" smtClean="0"/>
+              <a:t>Ne s’applique pas rétroactivement aux données déjà publiées</a:t>
+            </a:r>
+          </a:p>
+          <a:p>
+            <a:pPr lvl="1"/>
+            <a:r>
+              <a:rPr lang="fr-FR" dirty="0" smtClean="0"/>
+              <a:t>Difficulté de proposer un modèle de dégradation général</a:t>
+            </a:r>
+          </a:p>
+          <a:p>
+            <a:endParaRPr lang="fr-FR" dirty="0" smtClean="0"/>
+          </a:p>
+          <a:p>
+            <a:r>
+              <a:rPr lang="fr-FR" dirty="0" smtClean="0"/>
+              <a:t>De </a:t>
+            </a:r>
+            <a:r>
+              <a:rPr lang="fr-FR" smtClean="0"/>
+              <a:t>notre </a:t>
+            </a:r>
+            <a:r>
+              <a:rPr lang="fr-FR" smtClean="0"/>
+              <a:t>démarche</a:t>
+            </a:r>
+            <a:endParaRPr lang="fr-FR" dirty="0" smtClean="0"/>
+          </a:p>
+          <a:p>
+            <a:pPr lvl="1"/>
+            <a:r>
+              <a:rPr lang="fr-FR" dirty="0" smtClean="0"/>
+              <a:t>Reste un risque : la mesure du </a:t>
+            </a:r>
+            <a:r>
+              <a:rPr lang="fr-FR" dirty="0" err="1" smtClean="0"/>
+              <a:t>churn</a:t>
+            </a:r>
+            <a:endParaRPr lang="fr-FR" dirty="0" smtClean="0"/>
+          </a:p>
+          <a:p>
+            <a:pPr marL="457200" lvl="1" indent="0">
+              <a:buNone/>
+            </a:pPr>
             <a:endParaRPr lang="fr-FR" dirty="0"/>
           </a:p>
-          <a:p>
-            <a:endParaRPr lang="fr-FR" dirty="0"/>
-          </a:p>
-          <a:p>
-            <a:endParaRPr lang="fr-FR" dirty="0" smtClean="0"/>
-          </a:p>
-          <a:p>
-            <a:endParaRPr lang="fr-FR" dirty="0"/>
-          </a:p>
-          <a:p>
-            <a:endParaRPr lang="fr-FR" dirty="0" smtClean="0"/>
-          </a:p>
-          <a:p>
-            <a:endParaRPr lang="fr-FR" dirty="0" smtClean="0"/>
-          </a:p>
-          <a:p>
-            <a:endParaRPr lang="fr-FR" dirty="0"/>
-          </a:p>
-          <a:p>
-            <a:r>
-              <a:rPr lang="fr-FR" dirty="0" smtClean="0"/>
-              <a:t>Choix restants :</a:t>
-            </a:r>
-          </a:p>
-          <a:p>
-            <a:pPr lvl="1"/>
-            <a:r>
-              <a:rPr lang="fr-FR" dirty="0" smtClean="0"/>
-              <a:t>« vampiriser » </a:t>
-            </a:r>
-            <a:r>
-              <a:rPr lang="fr-FR" dirty="0"/>
-              <a:t>une DHT existante ou </a:t>
-            </a:r>
-            <a:r>
-              <a:rPr lang="fr-FR" dirty="0" smtClean="0"/>
-              <a:t>simuler</a:t>
-            </a:r>
-            <a:endParaRPr lang="fr-FR" dirty="0"/>
-          </a:p>
-          <a:p>
-            <a:pPr lvl="1"/>
-            <a:r>
-              <a:rPr lang="fr-FR" dirty="0"/>
-              <a:t>Compensation du risque</a:t>
-            </a:r>
-          </a:p>
-          <a:p>
-            <a:pPr lvl="2"/>
-            <a:r>
-              <a:rPr lang="fr-FR" dirty="0" smtClean="0"/>
-              <a:t>Magicien d’oz comme solution </a:t>
-            </a:r>
-            <a:r>
-              <a:rPr lang="fr-FR" dirty="0"/>
-              <a:t>de repli </a:t>
-            </a:r>
-          </a:p>
-          <a:p>
-            <a:endParaRPr lang="fr-FR" dirty="0"/>
-          </a:p>
-          <a:p>
-            <a:endParaRPr lang="fr-FR" dirty="0"/>
-          </a:p>
-          <a:p>
-            <a:pPr lvl="1"/>
-            <a:endParaRPr lang="fr-FR" dirty="0"/>
-          </a:p>
-          <a:p>
-            <a:endParaRPr lang="fr-FR" dirty="0"/>
-          </a:p>
-        </p:txBody>
-      </p:sp>
-      <p:sp>
-        <p:nvSpPr>
-          <p:cNvPr id="6" name="ZoneTexte 5"/>
+        </p:txBody>
+      </p:sp>
+      <p:sp>
+        <p:nvSpPr>
+          <p:cNvPr id="4" name="ZoneTexte 3"/>
           <p:cNvSpPr txBox="1"/>
           <p:nvPr/>
         </p:nvSpPr>
@@ -6615,23 +6611,7 @@
                   <a:schemeClr val="bg1"/>
                 </a:solidFill>
               </a:rPr>
-              <a:t>Un</a:t>
-            </a:r>
-            <a:r>
-              <a:rPr lang="fr-FR" b="1" dirty="0" smtClean="0">
-                <a:solidFill>
-                  <a:schemeClr val="bg1"/>
-                </a:solidFill>
-              </a:rPr>
-              <a:t>e </a:t>
-            </a:r>
-            <a:r>
-              <a:rPr lang="fr-FR" b="1" dirty="0" smtClean="0">
-                <a:solidFill>
-                  <a:schemeClr val="bg1"/>
-                </a:solidFill>
-              </a:rPr>
-              <a:t>approche</a:t>
+              <a:t>Une approche</a:t>
             </a:r>
             <a:endParaRPr lang="fr-FR" b="1" dirty="0">
               <a:solidFill>
@@ -6641,30 +6621,6 @@
           </a:p>
         </p:txBody>
       </p:sp>
-      <p:pic>
-        <p:nvPicPr>
-          <p:cNvPr id="7" name="Image 6"/>
-          <p:cNvPicPr>
-            <a:picLocks noChangeAspect="1"/>
-          </p:cNvPicPr>
-          <p:nvPr/>
-        </p:nvPicPr>
-        <p:blipFill>
-          <a:blip r:embed="rId2" cstate="print"/>
-          <a:stretch>
-            <a:fillRect/>
-          </a:stretch>
-        </p:blipFill>
-        <p:spPr>
-          <a:xfrm>
-            <a:off x="3454620" y="2197162"/>
-            <a:ext cx="7425318" cy="2594971"/>
-          </a:xfrm>
-          <a:prstGeom prst="rect">
-            <a:avLst/>
-          </a:prstGeom>
-        </p:spPr>
-      </p:pic>
       <p:sp>
         <p:nvSpPr>
           <p:cNvPr id="10" name="Espace réservé du numéro de diapositive 4"/>
@@ -6722,7 +6678,7 @@
     </p:spTree>
     <p:extLst>
       <p:ext uri="{BB962C8B-B14F-4D97-AF65-F5344CB8AC3E}">
-        <p14:creationId xmlns:p14="http://schemas.microsoft.com/office/powerpoint/2010/main" xmlns="" val="2327660550"/>
+        <p14:creationId xmlns:p14="http://schemas.microsoft.com/office/powerpoint/2010/main" val="2324293040"/>
       </p:ext>
     </p:extLst>
   </p:cSld>
@@ -6758,7 +6714,7 @@
       </p:grpSpPr>
       <p:sp>
         <p:nvSpPr>
-          <p:cNvPr id="8" name="ZoneTexte 7"/>
+          <p:cNvPr id="7" name="ZoneTexte 6"/>
           <p:cNvSpPr txBox="1"/>
           <p:nvPr/>
         </p:nvSpPr>
@@ -6788,7 +6744,7 @@
       </p:sp>
       <p:sp>
         <p:nvSpPr>
-          <p:cNvPr id="7" name="ZoneTexte 6"/>
+          <p:cNvPr id="6" name="ZoneTexte 5"/>
           <p:cNvSpPr txBox="1"/>
           <p:nvPr/>
         </p:nvSpPr>
@@ -6833,7 +6789,7 @@
           <a:p>
             <a:r>
               <a:rPr lang="fr-FR" dirty="0" smtClean="0"/>
-              <a:t>Limites</a:t>
+              <a:t>Des questions ?</a:t>
             </a:r>
             <a:endParaRPr lang="fr-FR" dirty="0"/>
           </a:p>
@@ -6857,132 +6813,18 @@
           <a:lstStyle/>
           <a:p>
             <a:r>
-              <a:rPr lang="fr-FR" dirty="0" smtClean="0"/>
-              <a:t>De l’idée</a:t>
-            </a:r>
-          </a:p>
-          <a:p>
-            <a:pPr lvl="1"/>
-            <a:r>
-              <a:rPr lang="fr-FR" dirty="0" smtClean="0"/>
-              <a:t>Modèle “honnête mais curieux”</a:t>
-            </a:r>
-          </a:p>
-          <a:p>
-            <a:pPr lvl="1"/>
-            <a:r>
-              <a:rPr lang="fr-FR" dirty="0" smtClean="0"/>
-              <a:t>Borne inf. à la durée de vie des données</a:t>
-            </a:r>
-          </a:p>
-          <a:p>
-            <a:pPr lvl="1"/>
-            <a:r>
-              <a:rPr lang="fr-FR" dirty="0" smtClean="0"/>
-              <a:t>Ne s’applique pas rétroactivement aux données déjà publiées</a:t>
-            </a:r>
-          </a:p>
-          <a:p>
-            <a:pPr lvl="1"/>
-            <a:r>
-              <a:rPr lang="fr-FR" dirty="0" smtClean="0"/>
-              <a:t>Difficulté de proposer un modèle de dégradation général</a:t>
-            </a:r>
-          </a:p>
-          <a:p>
+              <a:rPr lang="fr-FR" dirty="0" smtClean="0">
+                <a:sym typeface="Wingdings" panose="05000000000000000000" pitchFamily="2" charset="2"/>
+              </a:rPr>
+              <a:t> </a:t>
+            </a:r>
             <a:endParaRPr lang="fr-FR" dirty="0" smtClean="0"/>
           </a:p>
-          <a:p>
-            <a:r>
-              <a:rPr lang="fr-FR" dirty="0" smtClean="0"/>
-              <a:t>De notre approche</a:t>
-            </a:r>
-          </a:p>
-          <a:p>
-            <a:pPr lvl="1"/>
-            <a:r>
-              <a:rPr lang="fr-FR" dirty="0" smtClean="0"/>
-              <a:t>Reste un risque : la mesure du </a:t>
-            </a:r>
-            <a:r>
-              <a:rPr lang="fr-FR" dirty="0" err="1" smtClean="0"/>
-              <a:t>churn</a:t>
-            </a:r>
-            <a:endParaRPr lang="fr-FR" dirty="0" smtClean="0"/>
-          </a:p>
-          <a:p>
-            <a:pPr marL="457200" lvl="1" indent="0">
-              <a:buNone/>
-            </a:pPr>
-            <a:endParaRPr lang="fr-FR" dirty="0"/>
-          </a:p>
-        </p:txBody>
-      </p:sp>
-      <p:sp>
-        <p:nvSpPr>
-          <p:cNvPr id="4" name="ZoneTexte 3"/>
-          <p:cNvSpPr txBox="1"/>
-          <p:nvPr/>
-        </p:nvSpPr>
-        <p:spPr>
-          <a:xfrm>
-            <a:off x="0" y="0"/>
-            <a:ext cx="4804392" cy="369332"/>
-          </a:xfrm>
-          <a:prstGeom prst="rect">
-            <a:avLst/>
-          </a:prstGeom>
-          <a:noFill/>
-        </p:spPr>
-        <p:txBody>
-          <a:bodyPr wrap="none" rtlCol="0">
-            <a:spAutoFit/>
-          </a:bodyPr>
-          <a:lstStyle/>
-          <a:p>
-            <a:r>
-              <a:rPr lang="fr-FR" dirty="0" smtClean="0">
-                <a:solidFill>
-                  <a:schemeClr val="bg1"/>
-                </a:solidFill>
-              </a:rPr>
-              <a:t>Exposé du problème -&gt; Solution -&gt; </a:t>
-            </a:r>
-            <a:r>
-              <a:rPr lang="fr-FR" b="1" dirty="0" smtClean="0">
-                <a:solidFill>
-                  <a:schemeClr val="bg1"/>
-                </a:solidFill>
-              </a:rPr>
-              <a:t>Un</a:t>
-            </a:r>
-            <a:r>
-              <a:rPr lang="fr-FR" b="1" dirty="0" smtClean="0">
-                <a:solidFill>
-                  <a:schemeClr val="bg1"/>
-                </a:solidFill>
-              </a:rPr>
-              <a:t>e </a:t>
-            </a:r>
-            <a:r>
-              <a:rPr lang="fr-FR" b="1" dirty="0" smtClean="0">
-                <a:solidFill>
-                  <a:schemeClr val="bg1"/>
-                </a:solidFill>
-              </a:rPr>
-              <a:t>approche</a:t>
-            </a:r>
-            <a:endParaRPr lang="fr-FR" b="1" dirty="0">
-              <a:solidFill>
-                <a:schemeClr val="bg1"/>
-              </a:solidFill>
-            </a:endParaRPr>
-          </a:p>
-        </p:txBody>
-      </p:sp>
-      <p:sp>
-        <p:nvSpPr>
-          <p:cNvPr id="10" name="Espace réservé du numéro de diapositive 4"/>
+        </p:txBody>
+      </p:sp>
+      <p:sp>
+        <p:nvSpPr>
+          <p:cNvPr id="8" name="Espace réservé du numéro de diapositive 4"/>
           <p:cNvSpPr>
             <a:spLocks noGrp="1"/>
           </p:cNvSpPr>
@@ -7037,208 +6879,7 @@
     </p:spTree>
     <p:extLst>
       <p:ext uri="{BB962C8B-B14F-4D97-AF65-F5344CB8AC3E}">
-        <p14:creationId xmlns:p14="http://schemas.microsoft.com/office/powerpoint/2010/main" xmlns="" val="2324293040"/>
-      </p:ext>
-    </p:extLst>
-  </p:cSld>
-  <p:clrMapOvr>
-    <a:masterClrMapping/>
-  </p:clrMapOvr>
-  <p:timing>
-    <p:tnLst>
-      <p:par>
-        <p:cTn id="1" dur="indefinite" restart="never" nodeType="tmRoot"/>
-      </p:par>
-    </p:tnLst>
-  </p:timing>
-</p:sld>
-</file>
-
-<file path=ppt/slides/slide18.xml><?xml version="1.0" encoding="utf-8"?>
-<p:sld xmlns:a="http://schemas.openxmlformats.org/drawingml/2006/main" xmlns:r="http://schemas.openxmlformats.org/officeDocument/2006/relationships" xmlns:p="http://schemas.openxmlformats.org/presentationml/2006/main">
-  <p:cSld>
-    <p:spTree>
-      <p:nvGrpSpPr>
-        <p:cNvPr id="1" name=""/>
-        <p:cNvGrpSpPr/>
-        <p:nvPr/>
-      </p:nvGrpSpPr>
-      <p:grpSpPr>
-        <a:xfrm>
-          <a:off x="0" y="0"/>
-          <a:ext cx="0" cy="0"/>
-          <a:chOff x="0" y="0"/>
-          <a:chExt cx="0" cy="0"/>
-        </a:xfrm>
-      </p:grpSpPr>
-      <p:sp>
-        <p:nvSpPr>
-          <p:cNvPr id="7" name="ZoneTexte 6"/>
-          <p:cNvSpPr txBox="1"/>
-          <p:nvPr/>
-        </p:nvSpPr>
-        <p:spPr>
-          <a:xfrm>
-            <a:off x="-24680" y="6488668"/>
-            <a:ext cx="12216680" cy="369332"/>
-          </a:xfrm>
-          <a:prstGeom prst="rect">
-            <a:avLst/>
-          </a:prstGeom>
-          <a:solidFill>
-            <a:schemeClr val="accent5">
-              <a:lumMod val="75000"/>
-            </a:schemeClr>
-          </a:solidFill>
-        </p:spPr>
-        <p:txBody>
-          <a:bodyPr wrap="square" rtlCol="0">
-            <a:spAutoFit/>
-          </a:bodyPr>
-          <a:lstStyle/>
-          <a:p>
-            <a:endParaRPr lang="fr-FR" dirty="0"/>
-          </a:p>
-        </p:txBody>
-      </p:sp>
-      <p:sp>
-        <p:nvSpPr>
-          <p:cNvPr id="6" name="ZoneTexte 5"/>
-          <p:cNvSpPr txBox="1"/>
-          <p:nvPr/>
-        </p:nvSpPr>
-        <p:spPr>
-          <a:xfrm>
-            <a:off x="0" y="0"/>
-            <a:ext cx="12192000" cy="369332"/>
-          </a:xfrm>
-          <a:prstGeom prst="rect">
-            <a:avLst/>
-          </a:prstGeom>
-          <a:solidFill>
-            <a:schemeClr val="accent5">
-              <a:lumMod val="75000"/>
-            </a:schemeClr>
-          </a:solidFill>
-        </p:spPr>
-        <p:txBody>
-          <a:bodyPr wrap="square" rtlCol="0">
-            <a:spAutoFit/>
-          </a:bodyPr>
-          <a:lstStyle/>
-          <a:p>
-            <a:endParaRPr lang="fr-FR" dirty="0"/>
-          </a:p>
-        </p:txBody>
-      </p:sp>
-      <p:sp>
-        <p:nvSpPr>
-          <p:cNvPr id="2" name="Titre 1"/>
-          <p:cNvSpPr>
-            <a:spLocks noGrp="1"/>
-          </p:cNvSpPr>
-          <p:nvPr>
-            <p:ph type="title"/>
-          </p:nvPr>
-        </p:nvSpPr>
-        <p:spPr/>
-        <p:txBody>
-          <a:bodyPr/>
-          <a:lstStyle/>
-          <a:p>
-            <a:r>
-              <a:rPr lang="fr-FR" dirty="0" smtClean="0"/>
-              <a:t>Des questions ?</a:t>
-            </a:r>
-            <a:endParaRPr lang="fr-FR" dirty="0"/>
-          </a:p>
-        </p:txBody>
-      </p:sp>
-      <p:sp>
-        <p:nvSpPr>
-          <p:cNvPr id="3" name="Espace réservé du contenu 2"/>
-          <p:cNvSpPr>
-            <a:spLocks noGrp="1"/>
-          </p:cNvSpPr>
-          <p:nvPr>
-            <p:ph idx="1"/>
-          </p:nvPr>
-        </p:nvSpPr>
-        <p:spPr/>
-        <p:txBody>
-          <a:bodyPr>
-            <a:normAutofit/>
-          </a:bodyPr>
-          <a:lstStyle/>
-          <a:p>
-            <a:r>
-              <a:rPr lang="fr-FR" dirty="0" smtClean="0">
-                <a:sym typeface="Wingdings" panose="05000000000000000000" pitchFamily="2" charset="2"/>
-              </a:rPr>
-              <a:t> </a:t>
-            </a:r>
-            <a:endParaRPr lang="fr-FR" dirty="0" smtClean="0"/>
-          </a:p>
-        </p:txBody>
-      </p:sp>
-      <p:sp>
-        <p:nvSpPr>
-          <p:cNvPr id="8" name="Espace réservé du numéro de diapositive 4"/>
-          <p:cNvSpPr>
-            <a:spLocks noGrp="1"/>
-          </p:cNvSpPr>
-          <p:nvPr>
-            <p:ph type="sldNum" sz="quarter" idx="12"/>
-          </p:nvPr>
-        </p:nvSpPr>
-        <p:spPr>
-          <a:xfrm>
-            <a:off x="0" y="6492875"/>
-            <a:ext cx="12192000" cy="365125"/>
-          </a:xfrm>
-        </p:spPr>
-        <p:txBody>
-          <a:bodyPr/>
-          <a:lstStyle/>
-          <a:p>
-            <a:pPr algn="l"/>
-            <a:r>
-              <a:rPr lang="fr-FR" sz="1400" b="1" dirty="0" smtClean="0">
-                <a:solidFill>
-                  <a:schemeClr val="bg1"/>
-                </a:solidFill>
-              </a:rPr>
-              <a:t>         												</a:t>
-            </a:r>
-            <a:fld id="{36A212DA-347D-4853-A3E5-DB8AA592974E}" type="slidenum">
-              <a:rPr lang="fr-FR" sz="1400" b="1" smtClean="0">
-                <a:solidFill>
-                  <a:schemeClr val="bg1"/>
-                </a:solidFill>
-              </a:rPr>
-              <a:pPr algn="l"/>
-              <a:t>18</a:t>
-            </a:fld>
-            <a:r>
-              <a:rPr lang="fr-FR" sz="1400" b="1" dirty="0" smtClean="0">
-                <a:solidFill>
-                  <a:schemeClr val="bg1"/>
-                </a:solidFill>
-              </a:rPr>
-              <a:t> </a:t>
-            </a:r>
-            <a:endParaRPr lang="fr-FR" sz="1400" b="1" dirty="0">
-              <a:solidFill>
-                <a:schemeClr val="bg1"/>
-              </a:solidFill>
-            </a:endParaRPr>
-          </a:p>
-        </p:txBody>
-      </p:sp>
-    </p:spTree>
-    <p:extLst>
-      <p:ext uri="{BB962C8B-B14F-4D97-AF65-F5344CB8AC3E}">
-        <p14:creationId xmlns:p14="http://schemas.microsoft.com/office/powerpoint/2010/main" xmlns="" val="2933173317"/>
+        <p14:creationId xmlns:p14="http://schemas.microsoft.com/office/powerpoint/2010/main" val="2933173317"/>
       </p:ext>
     </p:extLst>
   </p:cSld>
@@ -7430,15 +7071,7 @@
           <a:p>
             <a:r>
               <a:rPr lang="fr-FR" dirty="0" smtClean="0"/>
-              <a:t>Une</a:t>
-            </a:r>
-            <a:r>
-              <a:rPr lang="fr-FR" dirty="0" smtClean="0"/>
-              <a:t> </a:t>
-            </a:r>
-            <a:r>
-              <a:rPr lang="fr-FR" dirty="0" smtClean="0"/>
-              <a:t>approche</a:t>
+              <a:t>Une approche</a:t>
             </a:r>
           </a:p>
           <a:p>
@@ -7511,7 +7144,7 @@
     </p:spTree>
     <p:extLst>
       <p:ext uri="{BB962C8B-B14F-4D97-AF65-F5344CB8AC3E}">
-        <p14:creationId xmlns:p14="http://schemas.microsoft.com/office/powerpoint/2010/main" xmlns="" val="2801839511"/>
+        <p14:creationId xmlns:p14="http://schemas.microsoft.com/office/powerpoint/2010/main" val="2801839511"/>
       </p:ext>
     </p:extLst>
   </p:cSld>
@@ -7651,19 +7284,7 @@
             <a:pPr lvl="1"/>
             <a:r>
               <a:rPr lang="fr-FR" dirty="0" smtClean="0"/>
-              <a:t>Perte de contrôle </a:t>
-            </a:r>
-            <a:r>
-              <a:rPr lang="fr-FR" dirty="0" smtClean="0"/>
-              <a:t>sur </a:t>
-            </a:r>
-            <a:r>
-              <a:rPr lang="fr-FR" dirty="0" smtClean="0"/>
-              <a:t>les </a:t>
-            </a:r>
-            <a:r>
-              <a:rPr lang="fr-FR" dirty="0" smtClean="0"/>
-              <a:t>données</a:t>
+              <a:t>Perte de contrôle sur les données</a:t>
             </a:r>
           </a:p>
           <a:p>
@@ -7842,7 +7463,7 @@
     </p:spTree>
     <p:extLst>
       <p:ext uri="{BB962C8B-B14F-4D97-AF65-F5344CB8AC3E}">
-        <p14:creationId xmlns:p14="http://schemas.microsoft.com/office/powerpoint/2010/main" xmlns="" val="1677475312"/>
+        <p14:creationId xmlns:p14="http://schemas.microsoft.com/office/powerpoint/2010/main" val="1677475312"/>
       </p:ext>
     </p:extLst>
   </p:cSld>
@@ -7960,24 +7581,12 @@
               <a:rPr lang="fr-FR" dirty="0" smtClean="0"/>
               <a:t>Une solution : </a:t>
             </a:r>
-            <a:r>
-              <a:rPr lang="fr-FR" dirty="0" smtClean="0"/>
-              <a:t/>
-            </a:r>
             <a:br>
               <a:rPr lang="fr-FR" dirty="0" smtClean="0"/>
             </a:br>
             <a:r>
               <a:rPr lang="fr-FR" dirty="0" smtClean="0"/>
-              <a:t>	L</a:t>
-            </a:r>
-            <a:r>
-              <a:rPr lang="fr-FR" dirty="0" smtClean="0"/>
-              <a:t>a </a:t>
-            </a:r>
-            <a:r>
-              <a:rPr lang="fr-FR" dirty="0" smtClean="0"/>
-              <a:t>publication éphémère</a:t>
+              <a:t>	La publication éphémère</a:t>
             </a:r>
             <a:endParaRPr lang="fr-FR" dirty="0"/>
           </a:p>
@@ -8040,7 +7649,7 @@
     </p:spTree>
     <p:extLst>
       <p:ext uri="{BB962C8B-B14F-4D97-AF65-F5344CB8AC3E}">
-        <p14:creationId xmlns:p14="http://schemas.microsoft.com/office/powerpoint/2010/main" xmlns="" val="338398204"/>
+        <p14:creationId xmlns:p14="http://schemas.microsoft.com/office/powerpoint/2010/main" val="338398204"/>
       </p:ext>
     </p:extLst>
   </p:cSld>
@@ -8186,17 +7795,8 @@
             <a:pPr lvl="1"/>
             <a:r>
               <a:rPr lang="fr-FR" dirty="0" smtClean="0"/>
-              <a:t>Laps </a:t>
-            </a:r>
-            <a:r>
-              <a:rPr lang="fr-FR" dirty="0" smtClean="0"/>
-              <a:t>de </a:t>
-            </a:r>
-            <a:r>
-              <a:rPr lang="fr-FR" dirty="0" smtClean="0"/>
-              <a:t>temps =&gt; copies illisibles</a:t>
-            </a:r>
-            <a:endParaRPr lang="fr-FR" dirty="0" smtClean="0"/>
+              <a:t>Laps de temps =&gt; copies illisibles</a:t>
+            </a:r>
           </a:p>
           <a:p>
             <a:pPr lvl="1"/>
@@ -8357,7 +7957,7 @@
     </p:spTree>
     <p:extLst>
       <p:ext uri="{BB962C8B-B14F-4D97-AF65-F5344CB8AC3E}">
-        <p14:creationId xmlns:p14="http://schemas.microsoft.com/office/powerpoint/2010/main" xmlns="" val="2882096277"/>
+        <p14:creationId xmlns:p14="http://schemas.microsoft.com/office/powerpoint/2010/main" val="2882096277"/>
       </p:ext>
     </p:extLst>
   </p:cSld>
@@ -8719,7 +8319,7 @@
     </p:spTree>
     <p:extLst>
       <p:ext uri="{BB962C8B-B14F-4D97-AF65-F5344CB8AC3E}">
-        <p14:creationId xmlns:p14="http://schemas.microsoft.com/office/powerpoint/2010/main" xmlns="" val="1223733745"/>
+        <p14:creationId xmlns:p14="http://schemas.microsoft.com/office/powerpoint/2010/main" val="1223733745"/>
       </p:ext>
     </p:extLst>
   </p:cSld>
@@ -8989,7 +8589,7 @@
           <a:blip r:embed="rId3" cstate="print">
             <a:extLst>
               <a:ext uri="{28A0092B-C50C-407E-A947-70E740481C1C}">
-                <a14:useLocalDpi xmlns:a14="http://schemas.microsoft.com/office/drawing/2010/main" xmlns="" val="0"/>
+                <a14:useLocalDpi xmlns:a14="http://schemas.microsoft.com/office/drawing/2010/main" val="0"/>
               </a:ext>
             </a:extLst>
           </a:blip>
@@ -9022,7 +8622,7 @@
           </a:effectLst>
           <a:extLst>
             <a:ext uri="{909E8E84-426E-40DD-AFC4-6F175D3DCCD1}">
-              <a14:hiddenFill xmlns:a14="http://schemas.microsoft.com/office/drawing/2010/main" xmlns="">
+              <a14:hiddenFill xmlns:a14="http://schemas.microsoft.com/office/drawing/2010/main">
                 <a:solidFill>
                   <a:srgbClr val="FFFFFF"/>
                 </a:solidFill>
@@ -9088,7 +8688,7 @@
     </p:spTree>
     <p:extLst>
       <p:ext uri="{BB962C8B-B14F-4D97-AF65-F5344CB8AC3E}">
-        <p14:creationId xmlns:p14="http://schemas.microsoft.com/office/powerpoint/2010/main" xmlns="" val="124277756"/>
+        <p14:creationId xmlns:p14="http://schemas.microsoft.com/office/powerpoint/2010/main" val="124277756"/>
       </p:ext>
     </p:extLst>
   </p:cSld>
@@ -9199,7 +8799,7 @@
           <a:p>
             <a:r>
               <a:rPr lang="fr-FR" dirty="0" smtClean="0"/>
-              <a:t>Quelques exemples</a:t>
+              <a:t>DHT : Application à la publication éphémère</a:t>
             </a:r>
             <a:endParaRPr lang="fr-FR" dirty="0"/>
           </a:p>
@@ -9218,89 +8818,73 @@
         <p:spPr/>
         <p:txBody>
           <a:bodyPr>
-            <a:normAutofit/>
+            <a:normAutofit lnSpcReduction="10000"/>
           </a:bodyPr>
           <a:lstStyle/>
           <a:p>
             <a:r>
-              <a:rPr lang="fr-FR" dirty="0" err="1" smtClean="0">
-                <a:solidFill>
-                  <a:srgbClr val="FF0000"/>
-                </a:solidFill>
-              </a:rPr>
-              <a:t>Chord</a:t>
-            </a:r>
-            <a:endParaRPr lang="fr-FR" dirty="0" smtClean="0">
-              <a:solidFill>
-                <a:srgbClr val="FF0000"/>
-              </a:solidFill>
-            </a:endParaRPr>
+              <a:rPr lang="fr-FR" dirty="0" smtClean="0"/>
+              <a:t>Principe</a:t>
+            </a:r>
           </a:p>
           <a:p>
             <a:pPr lvl="1"/>
             <a:r>
-              <a:rPr lang="fr-FR" dirty="0" smtClean="0">
-                <a:solidFill>
-                  <a:srgbClr val="FF0000"/>
-                </a:solidFill>
-              </a:rPr>
-              <a:t>L’espace de clés est un cercle</a:t>
+              <a:rPr lang="fr-FR" dirty="0" smtClean="0"/>
+              <a:t>Fragmentation et dissémination : les morceaux de clé sont envoyés sur la DHT</a:t>
             </a:r>
           </a:p>
           <a:p>
             <a:pPr lvl="1"/>
             <a:r>
-              <a:rPr lang="fr-FR" dirty="0" smtClean="0">
-                <a:solidFill>
-                  <a:srgbClr val="FF0000"/>
-                </a:solidFill>
-              </a:rPr>
-              <a:t>Chaque nœud connaît n </a:t>
-            </a:r>
-            <a:r>
-              <a:rPr lang="fr-FR" smtClean="0">
-                <a:solidFill>
-                  <a:srgbClr val="FF0000"/>
-                </a:solidFill>
-              </a:rPr>
-              <a:t>autre nœuds </a:t>
-            </a:r>
-            <a:endParaRPr lang="fr-FR" dirty="0" smtClean="0">
-              <a:solidFill>
-                <a:srgbClr val="FF0000"/>
-              </a:solidFill>
-            </a:endParaRPr>
-          </a:p>
-          <a:p>
-            <a:endParaRPr lang="fr-FR" dirty="0" smtClean="0">
-              <a:solidFill>
-                <a:srgbClr val="FF0000"/>
-              </a:solidFill>
-            </a:endParaRPr>
-          </a:p>
-          <a:p>
-            <a:endParaRPr lang="fr-FR" dirty="0">
-              <a:solidFill>
-                <a:srgbClr val="FF0000"/>
-              </a:solidFill>
-            </a:endParaRPr>
-          </a:p>
-          <a:p>
-            <a:endParaRPr lang="fr-FR" dirty="0" smtClean="0">
-              <a:solidFill>
-                <a:srgbClr val="FF0000"/>
-              </a:solidFill>
-            </a:endParaRPr>
-          </a:p>
-          <a:p>
-            <a:r>
-              <a:rPr lang="fr-FR" dirty="0" smtClean="0">
-                <a:solidFill>
-                  <a:srgbClr val="FF0000"/>
-                </a:solidFill>
-              </a:rPr>
-              <a:t>Intuition sur d’autres principes (distances, etc.)</a:t>
-            </a:r>
+              <a:rPr lang="fr-FR" dirty="0" smtClean="0"/>
+              <a:t>Sont transmis aux utilisateurs légitimes :</a:t>
+            </a:r>
+          </a:p>
+          <a:p>
+            <a:pPr lvl="2"/>
+            <a:r>
+              <a:rPr lang="fr-FR" dirty="0" smtClean="0"/>
+              <a:t>Une clé de localisation pour retrouver ces morceaux</a:t>
+            </a:r>
+          </a:p>
+          <a:p>
+            <a:pPr lvl="2"/>
+            <a:r>
+              <a:rPr lang="fr-FR" dirty="0" smtClean="0"/>
+              <a:t>Les données chiffrées</a:t>
+            </a:r>
+          </a:p>
+          <a:p>
+            <a:endParaRPr lang="fr-FR" dirty="0"/>
+          </a:p>
+          <a:p>
+            <a:r>
+              <a:rPr lang="fr-FR" dirty="0" smtClean="0"/>
+              <a:t>Conclusion : avec le </a:t>
+            </a:r>
+            <a:r>
+              <a:rPr lang="fr-FR" dirty="0" err="1" smtClean="0"/>
+              <a:t>churn</a:t>
+            </a:r>
+            <a:r>
+              <a:rPr lang="fr-FR" dirty="0" smtClean="0"/>
+              <a:t>, impossible de récupérer la donnée initiale après un certain temps.</a:t>
+            </a:r>
+          </a:p>
+          <a:p>
+            <a:endParaRPr lang="fr-FR" dirty="0"/>
+          </a:p>
+          <a:p>
+            <a:r>
+              <a:rPr lang="fr-FR" dirty="0" smtClean="0"/>
+              <a:t>Une implémentation : </a:t>
+            </a:r>
+            <a:r>
+              <a:rPr lang="fr-FR" dirty="0" err="1" smtClean="0"/>
+              <a:t>Vanish</a:t>
+            </a:r>
+            <a:endParaRPr lang="fr-FR" dirty="0" smtClean="0"/>
           </a:p>
         </p:txBody>
       </p:sp>
@@ -9415,7 +8999,7 @@
     </p:spTree>
     <p:extLst>
       <p:ext uri="{BB962C8B-B14F-4D97-AF65-F5344CB8AC3E}">
-        <p14:creationId xmlns:p14="http://schemas.microsoft.com/office/powerpoint/2010/main" xmlns="" val="2517551255"/>
+        <p14:creationId xmlns:p14="http://schemas.microsoft.com/office/powerpoint/2010/main" val="1410180187"/>
       </p:ext>
     </p:extLst>
   </p:cSld>
@@ -9526,98 +9110,41 @@
           <a:p>
             <a:r>
               <a:rPr lang="fr-FR" dirty="0" smtClean="0"/>
-              <a:t>DHT : Application à la publication éphémère</a:t>
+              <a:t>Illustration</a:t>
             </a:r>
             <a:endParaRPr lang="fr-FR" dirty="0"/>
           </a:p>
         </p:txBody>
       </p:sp>
-      <p:sp>
-        <p:nvSpPr>
-          <p:cNvPr id="3" name="Espace réservé du contenu 2"/>
-          <p:cNvSpPr>
-            <a:spLocks noGrp="1"/>
-          </p:cNvSpPr>
+      <p:pic>
+        <p:nvPicPr>
+          <p:cNvPr id="4" name="Espace réservé du contenu 3"/>
+          <p:cNvPicPr>
+            <a:picLocks noGrp="1" noChangeAspect="1"/>
+          </p:cNvPicPr>
           <p:nvPr>
             <p:ph idx="1"/>
           </p:nvPr>
-        </p:nvSpPr>
-        <p:spPr/>
-        <p:txBody>
-          <a:bodyPr>
-            <a:normAutofit lnSpcReduction="10000"/>
-          </a:bodyPr>
-          <a:lstStyle/>
-          <a:p>
-            <a:r>
-              <a:rPr lang="fr-FR" dirty="0" smtClean="0"/>
-              <a:t>Principe</a:t>
-            </a:r>
-          </a:p>
-          <a:p>
-            <a:pPr lvl="1"/>
-            <a:r>
-              <a:rPr lang="fr-FR" dirty="0" smtClean="0"/>
-              <a:t>Fragmentation et dissémination : les morceaux de clé sont envoyés sur la DHT</a:t>
-            </a:r>
-          </a:p>
-          <a:p>
-            <a:pPr lvl="1"/>
-            <a:r>
-              <a:rPr lang="fr-FR" dirty="0" smtClean="0"/>
-              <a:t>Sont transmis aux utilisateurs légitimes :</a:t>
-            </a:r>
-          </a:p>
-          <a:p>
-            <a:pPr lvl="2"/>
-            <a:r>
-              <a:rPr lang="fr-FR" dirty="0" smtClean="0"/>
-              <a:t>Une clé de localisation pour retrouver ces morceaux</a:t>
-            </a:r>
-          </a:p>
-          <a:p>
-            <a:pPr lvl="2"/>
-            <a:r>
-              <a:rPr lang="fr-FR" dirty="0" smtClean="0"/>
-              <a:t>Les données chiffrées</a:t>
-            </a:r>
-          </a:p>
-          <a:p>
-            <a:endParaRPr lang="fr-FR" dirty="0"/>
-          </a:p>
-          <a:p>
-            <a:r>
-              <a:rPr lang="fr-FR" dirty="0" smtClean="0"/>
-              <a:t>Conclusion : avec le </a:t>
-            </a:r>
-            <a:r>
-              <a:rPr lang="fr-FR" dirty="0" err="1" smtClean="0"/>
-              <a:t>churn</a:t>
-            </a:r>
-            <a:r>
-              <a:rPr lang="fr-FR" dirty="0" smtClean="0"/>
-              <a:t>, impossible de récupérer la donnée initiale après un certain temps.</a:t>
-            </a:r>
-          </a:p>
-          <a:p>
-            <a:endParaRPr lang="fr-FR" dirty="0"/>
-          </a:p>
-          <a:p>
-            <a:r>
-              <a:rPr lang="fr-FR" dirty="0" smtClean="0"/>
-              <a:t>Une implémentation : </a:t>
-            </a:r>
-            <a:r>
-              <a:rPr lang="fr-FR" dirty="0" err="1" smtClean="0"/>
-              <a:t>Vanish</a:t>
-            </a:r>
-            <a:endParaRPr lang="fr-FR" dirty="0" smtClean="0"/>
-          </a:p>
-        </p:txBody>
-      </p:sp>
-      <p:sp>
-        <p:nvSpPr>
-          <p:cNvPr id="4" name="ZoneTexte 3"/>
+        </p:nvPicPr>
+        <p:blipFill>
+          <a:blip r:embed="rId3" cstate="print"/>
+          <a:stretch>
+            <a:fillRect/>
+          </a:stretch>
+        </p:blipFill>
+        <p:spPr>
+          <a:xfrm>
+            <a:off x="1151568" y="1690688"/>
+            <a:ext cx="9888864" cy="3543070"/>
+          </a:xfrm>
+          <a:prstGeom prst="rect">
+            <a:avLst/>
+          </a:prstGeom>
+        </p:spPr>
+      </p:pic>
+      <p:sp>
+        <p:nvSpPr>
+          <p:cNvPr id="5" name="ZoneTexte 4"/>
           <p:cNvSpPr txBox="1"/>
           <p:nvPr/>
         </p:nvSpPr>
@@ -9726,7 +9253,7 @@
     </p:spTree>
     <p:extLst>
       <p:ext uri="{BB962C8B-B14F-4D97-AF65-F5344CB8AC3E}">
-        <p14:creationId xmlns:p14="http://schemas.microsoft.com/office/powerpoint/2010/main" xmlns="" val="1410180187"/>
+        <p14:creationId xmlns:p14="http://schemas.microsoft.com/office/powerpoint/2010/main" val="1116215067"/>
       </p:ext>
     </p:extLst>
   </p:cSld>
@@ -9998,7 +9525,7 @@
   <a:extraClrSchemeLst/>
   <a:extLst>
     <a:ext uri="{05A4C25C-085E-4340-85A3-A5531E510DB2}">
-      <thm15:themeFamily xmlns:thm15="http://schemas.microsoft.com/office/thememl/2012/main" xmlns="" name="Office Theme" id="{62F939B6-93AF-4DB8-9C6B-D6C7DFDC589F}" vid="{4A3C46E8-61CC-4603-A589-7422A47A8E4A}"/>
+      <thm15:themeFamily xmlns:thm15="http://schemas.microsoft.com/office/thememl/2012/main" name="Office Theme" id="{62F939B6-93AF-4DB8-9C6B-D6C7DFDC589F}" vid="{4A3C46E8-61CC-4603-A589-7422A47A8E4A}"/>
     </a:ext>
   </a:extLst>
 </a:theme>
@@ -10259,7 +9786,7 @@
   <a:extraClrSchemeLst/>
   <a:extLst>
     <a:ext uri="{05A4C25C-085E-4340-85A3-A5531E510DB2}">
-      <thm15:themeFamily xmlns:thm15="http://schemas.microsoft.com/office/thememl/2012/main" xmlns="" name="Office Theme" id="{62F939B6-93AF-4DB8-9C6B-D6C7DFDC589F}" vid="{4A3C46E8-61CC-4603-A589-7422A47A8E4A}"/>
+      <thm15:themeFamily xmlns:thm15="http://schemas.microsoft.com/office/thememl/2012/main" name="Office Theme" id="{62F939B6-93AF-4DB8-9C6B-D6C7DFDC589F}" vid="{4A3C46E8-61CC-4603-A589-7422A47A8E4A}"/>
     </a:ext>
   </a:extLst>
 </a:theme>
